--- a/Presentasi.pptx
+++ b/Presentasi.pptx
@@ -10,22 +10,23 @@
     <p:sldId id="272" r:id="rId4"/>
     <p:sldId id="278" r:id="rId5"/>
     <p:sldId id="276" r:id="rId6"/>
-    <p:sldId id="277" r:id="rId7"/>
-    <p:sldId id="275" r:id="rId8"/>
-    <p:sldId id="258" r:id="rId9"/>
-    <p:sldId id="259" r:id="rId10"/>
-    <p:sldId id="260" r:id="rId11"/>
-    <p:sldId id="261" r:id="rId12"/>
-    <p:sldId id="262" r:id="rId13"/>
-    <p:sldId id="263" r:id="rId14"/>
-    <p:sldId id="264" r:id="rId15"/>
-    <p:sldId id="265" r:id="rId16"/>
-    <p:sldId id="266" r:id="rId17"/>
-    <p:sldId id="267" r:id="rId18"/>
-    <p:sldId id="268" r:id="rId19"/>
-    <p:sldId id="269" r:id="rId20"/>
-    <p:sldId id="270" r:id="rId21"/>
-    <p:sldId id="271" r:id="rId22"/>
+    <p:sldId id="275" r:id="rId7"/>
+    <p:sldId id="258" r:id="rId8"/>
+    <p:sldId id="259" r:id="rId9"/>
+    <p:sldId id="260" r:id="rId10"/>
+    <p:sldId id="261" r:id="rId11"/>
+    <p:sldId id="262" r:id="rId12"/>
+    <p:sldId id="263" r:id="rId13"/>
+    <p:sldId id="264" r:id="rId14"/>
+    <p:sldId id="265" r:id="rId15"/>
+    <p:sldId id="266" r:id="rId16"/>
+    <p:sldId id="279" r:id="rId17"/>
+    <p:sldId id="280" r:id="rId18"/>
+    <p:sldId id="267" r:id="rId19"/>
+    <p:sldId id="268" r:id="rId20"/>
+    <p:sldId id="269" r:id="rId21"/>
+    <p:sldId id="270" r:id="rId22"/>
+    <p:sldId id="271" r:id="rId23"/>
   </p:sldIdLst>
   <p:sldSz cx="12192000" cy="6858000"/>
   <p:notesSz cx="6858000" cy="9144000"/>
@@ -124,7 +125,3819 @@
       </a:defRPr>
     </a:lvl9pPr>
   </p:defaultTextStyle>
+  <p:extLst>
+    <p:ext uri="{EFAFB233-063F-42B5-8137-9DF3F51BA10A}">
+      <p15:sldGuideLst xmlns:p15="http://schemas.microsoft.com/office/powerpoint/2012/main"/>
+    </p:ext>
+  </p:extLst>
 </p:presentation>
+</file>
+
+<file path=ppt/diagrams/colors1.xml><?xml version="1.0" encoding="utf-8"?>
+<dgm:colorsDef xmlns:dgm="http://schemas.openxmlformats.org/drawingml/2006/diagram" xmlns:a="http://schemas.openxmlformats.org/drawingml/2006/main" uniqueId="urn:microsoft.com/office/officeart/2005/8/colors/colorful5">
+  <dgm:title val=""/>
+  <dgm:desc val=""/>
+  <dgm:catLst>
+    <dgm:cat type="colorful" pri="10500"/>
+  </dgm:catLst>
+  <dgm:styleLbl name="node0">
+    <dgm:fillClrLst meth="repeat">
+      <a:schemeClr val="accent4"/>
+    </dgm:fillClrLst>
+    <dgm:linClrLst meth="repeat">
+      <a:schemeClr val="lt1"/>
+    </dgm:linClrLst>
+    <dgm:effectClrLst/>
+    <dgm:txLinClrLst/>
+    <dgm:txFillClrLst/>
+    <dgm:txEffectClrLst/>
+  </dgm:styleLbl>
+  <dgm:styleLbl name="node1">
+    <dgm:fillClrLst>
+      <a:schemeClr val="accent5"/>
+      <a:schemeClr val="accent6"/>
+    </dgm:fillClrLst>
+    <dgm:linClrLst meth="repeat">
+      <a:schemeClr val="lt1"/>
+    </dgm:linClrLst>
+    <dgm:effectClrLst/>
+    <dgm:txLinClrLst/>
+    <dgm:txFillClrLst/>
+    <dgm:txEffectClrLst/>
+  </dgm:styleLbl>
+  <dgm:styleLbl name="alignNode1">
+    <dgm:fillClrLst>
+      <a:schemeClr val="accent5"/>
+      <a:schemeClr val="accent6"/>
+    </dgm:fillClrLst>
+    <dgm:linClrLst>
+      <a:schemeClr val="accent5"/>
+      <a:schemeClr val="accent6"/>
+    </dgm:linClrLst>
+    <dgm:effectClrLst/>
+    <dgm:txLinClrLst/>
+    <dgm:txFillClrLst/>
+    <dgm:txEffectClrLst/>
+  </dgm:styleLbl>
+  <dgm:styleLbl name="lnNode1">
+    <dgm:fillClrLst>
+      <a:schemeClr val="accent5"/>
+      <a:schemeClr val="accent6"/>
+    </dgm:fillClrLst>
+    <dgm:linClrLst meth="repeat">
+      <a:schemeClr val="lt1"/>
+    </dgm:linClrLst>
+    <dgm:effectClrLst/>
+    <dgm:txLinClrLst/>
+    <dgm:txFillClrLst/>
+    <dgm:txEffectClrLst/>
+  </dgm:styleLbl>
+  <dgm:styleLbl name="vennNode1">
+    <dgm:fillClrLst>
+      <a:schemeClr val="accent5">
+        <a:alpha val="50000"/>
+      </a:schemeClr>
+      <a:schemeClr val="accent6">
+        <a:alpha val="50000"/>
+      </a:schemeClr>
+    </dgm:fillClrLst>
+    <dgm:linClrLst meth="repeat">
+      <a:schemeClr val="lt1"/>
+    </dgm:linClrLst>
+    <dgm:effectClrLst/>
+    <dgm:txLinClrLst/>
+    <dgm:txFillClrLst/>
+    <dgm:txEffectClrLst/>
+  </dgm:styleLbl>
+  <dgm:styleLbl name="node2">
+    <dgm:fillClrLst>
+      <a:schemeClr val="accent6"/>
+    </dgm:fillClrLst>
+    <dgm:linClrLst meth="repeat">
+      <a:schemeClr val="lt1"/>
+    </dgm:linClrLst>
+    <dgm:effectClrLst/>
+    <dgm:txLinClrLst/>
+    <dgm:txFillClrLst/>
+    <dgm:txEffectClrLst/>
+  </dgm:styleLbl>
+  <dgm:styleLbl name="node3">
+    <dgm:fillClrLst>
+      <a:schemeClr val="accent1"/>
+    </dgm:fillClrLst>
+    <dgm:linClrLst meth="repeat">
+      <a:schemeClr val="lt1"/>
+    </dgm:linClrLst>
+    <dgm:effectClrLst/>
+    <dgm:txLinClrLst/>
+    <dgm:txFillClrLst/>
+    <dgm:txEffectClrLst/>
+  </dgm:styleLbl>
+  <dgm:styleLbl name="node4">
+    <dgm:fillClrLst>
+      <a:schemeClr val="accent2"/>
+    </dgm:fillClrLst>
+    <dgm:linClrLst meth="repeat">
+      <a:schemeClr val="lt1"/>
+    </dgm:linClrLst>
+    <dgm:effectClrLst/>
+    <dgm:txLinClrLst/>
+    <dgm:txFillClrLst/>
+    <dgm:txEffectClrLst/>
+  </dgm:styleLbl>
+  <dgm:styleLbl name="fgImgPlace1">
+    <dgm:fillClrLst>
+      <a:schemeClr val="accent5">
+        <a:tint val="50000"/>
+      </a:schemeClr>
+      <a:schemeClr val="accent6">
+        <a:tint val="50000"/>
+      </a:schemeClr>
+    </dgm:fillClrLst>
+    <dgm:linClrLst meth="repeat">
+      <a:schemeClr val="lt1"/>
+    </dgm:linClrLst>
+    <dgm:effectClrLst/>
+    <dgm:txLinClrLst/>
+    <dgm:txFillClrLst meth="repeat">
+      <a:schemeClr val="lt1"/>
+    </dgm:txFillClrLst>
+    <dgm:txEffectClrLst/>
+  </dgm:styleLbl>
+  <dgm:styleLbl name="alignImgPlace1">
+    <dgm:fillClrLst>
+      <a:schemeClr val="accent5">
+        <a:tint val="50000"/>
+      </a:schemeClr>
+      <a:schemeClr val="accent6">
+        <a:tint val="20000"/>
+      </a:schemeClr>
+    </dgm:fillClrLst>
+    <dgm:linClrLst meth="repeat">
+      <a:schemeClr val="lt1"/>
+    </dgm:linClrLst>
+    <dgm:effectClrLst/>
+    <dgm:txLinClrLst/>
+    <dgm:txFillClrLst meth="repeat">
+      <a:schemeClr val="lt1"/>
+    </dgm:txFillClrLst>
+    <dgm:txEffectClrLst/>
+  </dgm:styleLbl>
+  <dgm:styleLbl name="bgImgPlace1">
+    <dgm:fillClrLst>
+      <a:schemeClr val="accent5">
+        <a:tint val="50000"/>
+      </a:schemeClr>
+      <a:schemeClr val="accent6">
+        <a:tint val="20000"/>
+      </a:schemeClr>
+    </dgm:fillClrLst>
+    <dgm:linClrLst meth="repeat">
+      <a:schemeClr val="lt1"/>
+    </dgm:linClrLst>
+    <dgm:effectClrLst/>
+    <dgm:txLinClrLst/>
+    <dgm:txFillClrLst meth="repeat">
+      <a:schemeClr val="lt1"/>
+    </dgm:txFillClrLst>
+    <dgm:txEffectClrLst/>
+  </dgm:styleLbl>
+  <dgm:styleLbl name="sibTrans2D1">
+    <dgm:fillClrLst>
+      <a:schemeClr val="accent5"/>
+      <a:schemeClr val="accent6"/>
+    </dgm:fillClrLst>
+    <dgm:linClrLst meth="repeat">
+      <a:schemeClr val="lt1"/>
+    </dgm:linClrLst>
+    <dgm:effectClrLst/>
+    <dgm:txLinClrLst/>
+    <dgm:txFillClrLst/>
+    <dgm:txEffectClrLst/>
+  </dgm:styleLbl>
+  <dgm:styleLbl name="fgSibTrans2D1">
+    <dgm:fillClrLst>
+      <a:schemeClr val="accent5"/>
+      <a:schemeClr val="accent6"/>
+    </dgm:fillClrLst>
+    <dgm:linClrLst meth="repeat">
+      <a:schemeClr val="lt1"/>
+    </dgm:linClrLst>
+    <dgm:effectClrLst/>
+    <dgm:txLinClrLst/>
+    <dgm:txFillClrLst meth="repeat">
+      <a:schemeClr val="lt1"/>
+    </dgm:txFillClrLst>
+    <dgm:txEffectClrLst/>
+  </dgm:styleLbl>
+  <dgm:styleLbl name="bgSibTrans2D1">
+    <dgm:fillClrLst>
+      <a:schemeClr val="accent5"/>
+      <a:schemeClr val="accent6"/>
+    </dgm:fillClrLst>
+    <dgm:linClrLst meth="repeat">
+      <a:schemeClr val="lt1"/>
+    </dgm:linClrLst>
+    <dgm:effectClrLst/>
+    <dgm:txLinClrLst/>
+    <dgm:txFillClrLst meth="repeat">
+      <a:schemeClr val="lt1"/>
+    </dgm:txFillClrLst>
+    <dgm:txEffectClrLst/>
+  </dgm:styleLbl>
+  <dgm:styleLbl name="sibTrans1D1">
+    <dgm:fillClrLst/>
+    <dgm:linClrLst>
+      <a:schemeClr val="accent5"/>
+      <a:schemeClr val="accent6"/>
+    </dgm:linClrLst>
+    <dgm:effectClrLst/>
+    <dgm:txLinClrLst/>
+    <dgm:txFillClrLst meth="repeat">
+      <a:schemeClr val="tx1"/>
+    </dgm:txFillClrLst>
+    <dgm:txEffectClrLst/>
+  </dgm:styleLbl>
+  <dgm:styleLbl name="callout">
+    <dgm:fillClrLst meth="repeat">
+      <a:schemeClr val="accent5"/>
+    </dgm:fillClrLst>
+    <dgm:linClrLst meth="repeat">
+      <a:schemeClr val="accent5">
+        <a:tint val="50000"/>
+      </a:schemeClr>
+    </dgm:linClrLst>
+    <dgm:effectClrLst/>
+    <dgm:txLinClrLst/>
+    <dgm:txFillClrLst meth="repeat">
+      <a:schemeClr val="tx1"/>
+    </dgm:txFillClrLst>
+    <dgm:txEffectClrLst/>
+  </dgm:styleLbl>
+  <dgm:styleLbl name="asst0">
+    <dgm:fillClrLst meth="repeat">
+      <a:schemeClr val="accent5"/>
+    </dgm:fillClrLst>
+    <dgm:linClrLst meth="repeat">
+      <a:schemeClr val="lt1">
+        <a:shade val="80000"/>
+      </a:schemeClr>
+    </dgm:linClrLst>
+    <dgm:effectClrLst/>
+    <dgm:txLinClrLst/>
+    <dgm:txFillClrLst/>
+    <dgm:txEffectClrLst/>
+  </dgm:styleLbl>
+  <dgm:styleLbl name="asst1">
+    <dgm:fillClrLst meth="repeat">
+      <a:schemeClr val="accent6"/>
+    </dgm:fillClrLst>
+    <dgm:linClrLst meth="repeat">
+      <a:schemeClr val="lt1">
+        <a:shade val="80000"/>
+      </a:schemeClr>
+    </dgm:linClrLst>
+    <dgm:effectClrLst/>
+    <dgm:txLinClrLst/>
+    <dgm:txFillClrLst/>
+    <dgm:txEffectClrLst/>
+  </dgm:styleLbl>
+  <dgm:styleLbl name="asst2">
+    <dgm:fillClrLst>
+      <a:schemeClr val="accent1"/>
+    </dgm:fillClrLst>
+    <dgm:linClrLst meth="repeat">
+      <a:schemeClr val="lt1"/>
+    </dgm:linClrLst>
+    <dgm:effectClrLst/>
+    <dgm:txLinClrLst/>
+    <dgm:txFillClrLst/>
+    <dgm:txEffectClrLst/>
+  </dgm:styleLbl>
+  <dgm:styleLbl name="asst3">
+    <dgm:fillClrLst>
+      <a:schemeClr val="accent2"/>
+    </dgm:fillClrLst>
+    <dgm:linClrLst meth="repeat">
+      <a:schemeClr val="lt1"/>
+    </dgm:linClrLst>
+    <dgm:effectClrLst/>
+    <dgm:txLinClrLst/>
+    <dgm:txFillClrLst/>
+    <dgm:txEffectClrLst/>
+  </dgm:styleLbl>
+  <dgm:styleLbl name="asst4">
+    <dgm:fillClrLst>
+      <a:schemeClr val="accent3"/>
+    </dgm:fillClrLst>
+    <dgm:linClrLst meth="repeat">
+      <a:schemeClr val="lt1"/>
+    </dgm:linClrLst>
+    <dgm:effectClrLst/>
+    <dgm:txLinClrLst/>
+    <dgm:txFillClrLst/>
+    <dgm:txEffectClrLst/>
+  </dgm:styleLbl>
+  <dgm:styleLbl name="parChTrans2D1">
+    <dgm:fillClrLst meth="repeat">
+      <a:schemeClr val="accent5"/>
+    </dgm:fillClrLst>
+    <dgm:linClrLst meth="repeat">
+      <a:schemeClr val="lt1"/>
+    </dgm:linClrLst>
+    <dgm:effectClrLst/>
+    <dgm:txLinClrLst/>
+    <dgm:txFillClrLst meth="repeat">
+      <a:schemeClr val="lt1"/>
+    </dgm:txFillClrLst>
+    <dgm:txEffectClrLst/>
+  </dgm:styleLbl>
+  <dgm:styleLbl name="parChTrans2D2">
+    <dgm:fillClrLst meth="repeat">
+      <a:schemeClr val="accent6"/>
+    </dgm:fillClrLst>
+    <dgm:linClrLst meth="repeat">
+      <a:schemeClr val="lt1"/>
+    </dgm:linClrLst>
+    <dgm:effectClrLst/>
+    <dgm:txLinClrLst/>
+    <dgm:txFillClrLst/>
+    <dgm:txEffectClrLst/>
+  </dgm:styleLbl>
+  <dgm:styleLbl name="parChTrans2D3">
+    <dgm:fillClrLst meth="repeat">
+      <a:schemeClr val="accent6"/>
+    </dgm:fillClrLst>
+    <dgm:linClrLst meth="repeat">
+      <a:schemeClr val="lt1"/>
+    </dgm:linClrLst>
+    <dgm:effectClrLst/>
+    <dgm:txLinClrLst/>
+    <dgm:txFillClrLst/>
+    <dgm:txEffectClrLst/>
+  </dgm:styleLbl>
+  <dgm:styleLbl name="parChTrans2D4">
+    <dgm:fillClrLst meth="repeat">
+      <a:schemeClr val="accent1"/>
+    </dgm:fillClrLst>
+    <dgm:linClrLst meth="repeat">
+      <a:schemeClr val="lt1"/>
+    </dgm:linClrLst>
+    <dgm:effectClrLst/>
+    <dgm:txLinClrLst/>
+    <dgm:txFillClrLst meth="repeat">
+      <a:schemeClr val="lt1"/>
+    </dgm:txFillClrLst>
+    <dgm:txEffectClrLst/>
+  </dgm:styleLbl>
+  <dgm:styleLbl name="parChTrans1D1">
+    <dgm:fillClrLst meth="repeat">
+      <a:schemeClr val="accent5"/>
+    </dgm:fillClrLst>
+    <dgm:linClrLst meth="repeat">
+      <a:schemeClr val="accent5"/>
+    </dgm:linClrLst>
+    <dgm:effectClrLst/>
+    <dgm:txLinClrLst/>
+    <dgm:txFillClrLst meth="repeat">
+      <a:schemeClr val="tx1"/>
+    </dgm:txFillClrLst>
+    <dgm:txEffectClrLst/>
+  </dgm:styleLbl>
+  <dgm:styleLbl name="parChTrans1D2">
+    <dgm:fillClrLst meth="repeat">
+      <a:schemeClr val="accent6">
+        <a:tint val="90000"/>
+      </a:schemeClr>
+    </dgm:fillClrLst>
+    <dgm:linClrLst meth="repeat">
+      <a:schemeClr val="accent6"/>
+    </dgm:linClrLst>
+    <dgm:effectClrLst/>
+    <dgm:txLinClrLst/>
+    <dgm:txFillClrLst meth="repeat">
+      <a:schemeClr val="tx1"/>
+    </dgm:txFillClrLst>
+    <dgm:txEffectClrLst/>
+  </dgm:styleLbl>
+  <dgm:styleLbl name="parChTrans1D3">
+    <dgm:fillClrLst meth="repeat">
+      <a:schemeClr val="accent6">
+        <a:tint val="70000"/>
+      </a:schemeClr>
+    </dgm:fillClrLst>
+    <dgm:linClrLst meth="repeat">
+      <a:schemeClr val="accent1"/>
+    </dgm:linClrLst>
+    <dgm:effectClrLst/>
+    <dgm:txLinClrLst/>
+    <dgm:txFillClrLst meth="repeat">
+      <a:schemeClr val="tx1"/>
+    </dgm:txFillClrLst>
+    <dgm:txEffectClrLst/>
+  </dgm:styleLbl>
+  <dgm:styleLbl name="parChTrans1D4">
+    <dgm:fillClrLst meth="repeat">
+      <a:schemeClr val="accent6">
+        <a:tint val="50000"/>
+      </a:schemeClr>
+    </dgm:fillClrLst>
+    <dgm:linClrLst meth="repeat">
+      <a:schemeClr val="accent2"/>
+    </dgm:linClrLst>
+    <dgm:effectClrLst/>
+    <dgm:txLinClrLst/>
+    <dgm:txFillClrLst meth="repeat">
+      <a:schemeClr val="tx1"/>
+    </dgm:txFillClrLst>
+    <dgm:txEffectClrLst/>
+  </dgm:styleLbl>
+  <dgm:styleLbl name="fgAcc1">
+    <dgm:fillClrLst meth="repeat">
+      <a:schemeClr val="lt1">
+        <a:alpha val="90000"/>
+      </a:schemeClr>
+    </dgm:fillClrLst>
+    <dgm:linClrLst>
+      <a:schemeClr val="accent5"/>
+      <a:schemeClr val="accent6"/>
+    </dgm:linClrLst>
+    <dgm:effectClrLst/>
+    <dgm:txLinClrLst/>
+    <dgm:txFillClrLst meth="repeat">
+      <a:schemeClr val="dk1"/>
+    </dgm:txFillClrLst>
+    <dgm:txEffectClrLst/>
+  </dgm:styleLbl>
+  <dgm:styleLbl name="conFgAcc1">
+    <dgm:fillClrLst meth="repeat">
+      <a:schemeClr val="lt1">
+        <a:alpha val="90000"/>
+      </a:schemeClr>
+    </dgm:fillClrLst>
+    <dgm:linClrLst>
+      <a:schemeClr val="accent5"/>
+      <a:schemeClr val="accent6"/>
+    </dgm:linClrLst>
+    <dgm:effectClrLst/>
+    <dgm:txLinClrLst/>
+    <dgm:txFillClrLst meth="repeat">
+      <a:schemeClr val="dk1"/>
+    </dgm:txFillClrLst>
+    <dgm:txEffectClrLst/>
+  </dgm:styleLbl>
+  <dgm:styleLbl name="alignAcc1">
+    <dgm:fillClrLst meth="repeat">
+      <a:schemeClr val="lt1">
+        <a:alpha val="90000"/>
+      </a:schemeClr>
+    </dgm:fillClrLst>
+    <dgm:linClrLst>
+      <a:schemeClr val="accent5"/>
+      <a:schemeClr val="accent6"/>
+    </dgm:linClrLst>
+    <dgm:effectClrLst/>
+    <dgm:txLinClrLst/>
+    <dgm:txFillClrLst meth="repeat">
+      <a:schemeClr val="dk1"/>
+    </dgm:txFillClrLst>
+    <dgm:txEffectClrLst/>
+  </dgm:styleLbl>
+  <dgm:styleLbl name="trAlignAcc1">
+    <dgm:fillClrLst meth="repeat">
+      <a:schemeClr val="lt1">
+        <a:alpha val="40000"/>
+      </a:schemeClr>
+    </dgm:fillClrLst>
+    <dgm:linClrLst meth="repeat">
+      <a:schemeClr val="accent5"/>
+    </dgm:linClrLst>
+    <dgm:effectClrLst/>
+    <dgm:txLinClrLst/>
+    <dgm:txFillClrLst meth="repeat">
+      <a:schemeClr val="dk1"/>
+    </dgm:txFillClrLst>
+    <dgm:txEffectClrLst/>
+  </dgm:styleLbl>
+  <dgm:styleLbl name="bgAcc1">
+    <dgm:fillClrLst meth="repeat">
+      <a:schemeClr val="lt1">
+        <a:alpha val="90000"/>
+      </a:schemeClr>
+    </dgm:fillClrLst>
+    <dgm:linClrLst>
+      <a:schemeClr val="accent5"/>
+      <a:schemeClr val="accent6"/>
+    </dgm:linClrLst>
+    <dgm:effectClrLst/>
+    <dgm:txLinClrLst/>
+    <dgm:txFillClrLst meth="repeat">
+      <a:schemeClr val="dk1"/>
+    </dgm:txFillClrLst>
+    <dgm:txEffectClrLst/>
+  </dgm:styleLbl>
+  <dgm:styleLbl name="solidFgAcc1">
+    <dgm:fillClrLst meth="repeat">
+      <a:schemeClr val="lt1"/>
+    </dgm:fillClrLst>
+    <dgm:linClrLst>
+      <a:schemeClr val="accent5"/>
+      <a:schemeClr val="accent6"/>
+    </dgm:linClrLst>
+    <dgm:effectClrLst/>
+    <dgm:txLinClrLst/>
+    <dgm:txFillClrLst meth="repeat">
+      <a:schemeClr val="dk1"/>
+    </dgm:txFillClrLst>
+    <dgm:txEffectClrLst/>
+  </dgm:styleLbl>
+  <dgm:styleLbl name="solidAlignAcc1">
+    <dgm:fillClrLst meth="repeat">
+      <a:schemeClr val="lt1"/>
+    </dgm:fillClrLst>
+    <dgm:linClrLst>
+      <a:schemeClr val="accent5"/>
+      <a:schemeClr val="accent6"/>
+    </dgm:linClrLst>
+    <dgm:effectClrLst/>
+    <dgm:txLinClrLst/>
+    <dgm:txFillClrLst meth="repeat">
+      <a:schemeClr val="dk1"/>
+    </dgm:txFillClrLst>
+    <dgm:txEffectClrLst/>
+  </dgm:styleLbl>
+  <dgm:styleLbl name="solidBgAcc1">
+    <dgm:fillClrLst meth="repeat">
+      <a:schemeClr val="lt1"/>
+    </dgm:fillClrLst>
+    <dgm:linClrLst>
+      <a:schemeClr val="accent5"/>
+      <a:schemeClr val="accent6"/>
+    </dgm:linClrLst>
+    <dgm:effectClrLst/>
+    <dgm:txLinClrLst/>
+    <dgm:txFillClrLst meth="repeat">
+      <a:schemeClr val="dk1"/>
+    </dgm:txFillClrLst>
+    <dgm:txEffectClrLst/>
+  </dgm:styleLbl>
+  <dgm:styleLbl name="fgAccFollowNode1">
+    <dgm:fillClrLst>
+      <a:schemeClr val="accent5">
+        <a:tint val="40000"/>
+        <a:alpha val="90000"/>
+      </a:schemeClr>
+      <a:schemeClr val="accent6">
+        <a:tint val="40000"/>
+        <a:alpha val="90000"/>
+      </a:schemeClr>
+    </dgm:fillClrLst>
+    <dgm:linClrLst>
+      <a:schemeClr val="accent5">
+        <a:tint val="40000"/>
+        <a:alpha val="90000"/>
+      </a:schemeClr>
+      <a:schemeClr val="accent5">
+        <a:tint val="40000"/>
+        <a:alpha val="90000"/>
+      </a:schemeClr>
+    </dgm:linClrLst>
+    <dgm:effectClrLst/>
+    <dgm:txLinClrLst/>
+    <dgm:txFillClrLst meth="repeat">
+      <a:schemeClr val="dk1"/>
+    </dgm:txFillClrLst>
+    <dgm:txEffectClrLst/>
+  </dgm:styleLbl>
+  <dgm:styleLbl name="alignAccFollowNode1">
+    <dgm:fillClrLst>
+      <a:schemeClr val="accent5">
+        <a:tint val="40000"/>
+        <a:alpha val="90000"/>
+      </a:schemeClr>
+      <a:schemeClr val="accent6">
+        <a:tint val="40000"/>
+        <a:alpha val="90000"/>
+      </a:schemeClr>
+    </dgm:fillClrLst>
+    <dgm:linClrLst>
+      <a:schemeClr val="accent5">
+        <a:tint val="40000"/>
+        <a:alpha val="90000"/>
+      </a:schemeClr>
+      <a:schemeClr val="accent6">
+        <a:tint val="40000"/>
+        <a:alpha val="90000"/>
+      </a:schemeClr>
+    </dgm:linClrLst>
+    <dgm:effectClrLst/>
+    <dgm:txLinClrLst/>
+    <dgm:txFillClrLst meth="repeat">
+      <a:schemeClr val="dk1"/>
+    </dgm:txFillClrLst>
+    <dgm:txEffectClrLst/>
+  </dgm:styleLbl>
+  <dgm:styleLbl name="bgAccFollowNode1">
+    <dgm:fillClrLst>
+      <a:schemeClr val="accent5">
+        <a:tint val="40000"/>
+        <a:alpha val="90000"/>
+      </a:schemeClr>
+      <a:schemeClr val="accent6">
+        <a:tint val="40000"/>
+        <a:alpha val="90000"/>
+      </a:schemeClr>
+    </dgm:fillClrLst>
+    <dgm:linClrLst>
+      <a:schemeClr val="accent5">
+        <a:tint val="40000"/>
+        <a:alpha val="90000"/>
+      </a:schemeClr>
+      <a:schemeClr val="accent6">
+        <a:tint val="40000"/>
+        <a:alpha val="90000"/>
+      </a:schemeClr>
+    </dgm:linClrLst>
+    <dgm:effectClrLst/>
+    <dgm:txLinClrLst/>
+    <dgm:txFillClrLst meth="repeat">
+      <a:schemeClr val="dk1"/>
+    </dgm:txFillClrLst>
+    <dgm:txEffectClrLst/>
+  </dgm:styleLbl>
+  <dgm:styleLbl name="fgAcc0">
+    <dgm:fillClrLst meth="repeat">
+      <a:schemeClr val="lt1">
+        <a:alpha val="90000"/>
+      </a:schemeClr>
+    </dgm:fillClrLst>
+    <dgm:linClrLst>
+      <a:schemeClr val="accent4"/>
+    </dgm:linClrLst>
+    <dgm:effectClrLst/>
+    <dgm:txLinClrLst/>
+    <dgm:txFillClrLst meth="repeat">
+      <a:schemeClr val="dk1"/>
+    </dgm:txFillClrLst>
+    <dgm:txEffectClrLst/>
+  </dgm:styleLbl>
+  <dgm:styleLbl name="fgAcc2">
+    <dgm:fillClrLst meth="repeat">
+      <a:schemeClr val="lt1">
+        <a:alpha val="90000"/>
+      </a:schemeClr>
+    </dgm:fillClrLst>
+    <dgm:linClrLst>
+      <a:schemeClr val="accent6"/>
+    </dgm:linClrLst>
+    <dgm:effectClrLst/>
+    <dgm:txLinClrLst/>
+    <dgm:txFillClrLst meth="repeat">
+      <a:schemeClr val="dk1"/>
+    </dgm:txFillClrLst>
+    <dgm:txEffectClrLst/>
+  </dgm:styleLbl>
+  <dgm:styleLbl name="fgAcc3">
+    <dgm:fillClrLst meth="repeat">
+      <a:schemeClr val="lt1">
+        <a:alpha val="90000"/>
+      </a:schemeClr>
+    </dgm:fillClrLst>
+    <dgm:linClrLst>
+      <a:schemeClr val="accent1"/>
+    </dgm:linClrLst>
+    <dgm:effectClrLst/>
+    <dgm:txLinClrLst/>
+    <dgm:txFillClrLst meth="repeat">
+      <a:schemeClr val="dk1"/>
+    </dgm:txFillClrLst>
+    <dgm:txEffectClrLst/>
+  </dgm:styleLbl>
+  <dgm:styleLbl name="fgAcc4">
+    <dgm:fillClrLst meth="repeat">
+      <a:schemeClr val="lt1">
+        <a:alpha val="90000"/>
+      </a:schemeClr>
+    </dgm:fillClrLst>
+    <dgm:linClrLst>
+      <a:schemeClr val="accent2"/>
+    </dgm:linClrLst>
+    <dgm:effectClrLst/>
+    <dgm:txLinClrLst/>
+    <dgm:txFillClrLst meth="repeat">
+      <a:schemeClr val="dk1"/>
+    </dgm:txFillClrLst>
+    <dgm:txEffectClrLst/>
+  </dgm:styleLbl>
+  <dgm:styleLbl name="bgShp">
+    <dgm:fillClrLst meth="repeat">
+      <a:schemeClr val="accent5">
+        <a:tint val="40000"/>
+      </a:schemeClr>
+    </dgm:fillClrLst>
+    <dgm:linClrLst meth="repeat">
+      <a:schemeClr val="dk1"/>
+    </dgm:linClrLst>
+    <dgm:effectClrLst/>
+    <dgm:txLinClrLst/>
+    <dgm:txFillClrLst meth="repeat">
+      <a:schemeClr val="dk1"/>
+    </dgm:txFillClrLst>
+    <dgm:txEffectClrLst/>
+  </dgm:styleLbl>
+  <dgm:styleLbl name="dkBgShp">
+    <dgm:fillClrLst meth="repeat">
+      <a:schemeClr val="accent5">
+        <a:shade val="90000"/>
+      </a:schemeClr>
+    </dgm:fillClrLst>
+    <dgm:linClrLst meth="repeat">
+      <a:schemeClr val="dk1"/>
+    </dgm:linClrLst>
+    <dgm:effectClrLst/>
+    <dgm:txLinClrLst/>
+    <dgm:txFillClrLst meth="repeat">
+      <a:schemeClr val="lt1"/>
+    </dgm:txFillClrLst>
+    <dgm:txEffectClrLst/>
+  </dgm:styleLbl>
+  <dgm:styleLbl name="trBgShp">
+    <dgm:fillClrLst meth="repeat">
+      <a:schemeClr val="accent5">
+        <a:tint val="50000"/>
+        <a:alpha val="40000"/>
+      </a:schemeClr>
+    </dgm:fillClrLst>
+    <dgm:linClrLst meth="repeat">
+      <a:schemeClr val="accent5"/>
+    </dgm:linClrLst>
+    <dgm:effectClrLst/>
+    <dgm:txLinClrLst/>
+    <dgm:txFillClrLst meth="repeat">
+      <a:schemeClr val="lt1"/>
+    </dgm:txFillClrLst>
+    <dgm:txEffectClrLst/>
+  </dgm:styleLbl>
+  <dgm:styleLbl name="fgShp">
+    <dgm:fillClrLst meth="repeat">
+      <a:schemeClr val="accent5">
+        <a:tint val="40000"/>
+      </a:schemeClr>
+    </dgm:fillClrLst>
+    <dgm:linClrLst meth="repeat">
+      <a:schemeClr val="lt1"/>
+    </dgm:linClrLst>
+    <dgm:effectClrLst/>
+    <dgm:txLinClrLst/>
+    <dgm:txFillClrLst meth="repeat">
+      <a:schemeClr val="dk1"/>
+    </dgm:txFillClrLst>
+    <dgm:txEffectClrLst/>
+  </dgm:styleLbl>
+  <dgm:styleLbl name="revTx">
+    <dgm:fillClrLst meth="repeat">
+      <a:schemeClr val="lt1">
+        <a:alpha val="0"/>
+      </a:schemeClr>
+    </dgm:fillClrLst>
+    <dgm:linClrLst meth="repeat">
+      <a:schemeClr val="dk1">
+        <a:alpha val="0"/>
+      </a:schemeClr>
+    </dgm:linClrLst>
+    <dgm:effectClrLst/>
+    <dgm:txLinClrLst/>
+    <dgm:txFillClrLst meth="repeat">
+      <a:schemeClr val="tx1"/>
+    </dgm:txFillClrLst>
+    <dgm:txEffectClrLst/>
+  </dgm:styleLbl>
+</dgm:colorsDef>
+</file>
+
+<file path=ppt/diagrams/data1.xml><?xml version="1.0" encoding="utf-8"?>
+<dgm:dataModel xmlns:dgm="http://schemas.openxmlformats.org/drawingml/2006/diagram" xmlns:a="http://schemas.openxmlformats.org/drawingml/2006/main">
+  <dgm:ptLst>
+    <dgm:pt modelId="{71CB4606-24BE-415A-9021-CC5A3F31E47D}" type="doc">
+      <dgm:prSet loTypeId="urn:microsoft.com/office/officeart/2008/layout/VerticalCurvedList" loCatId="list" qsTypeId="urn:microsoft.com/office/officeart/2005/8/quickstyle/simple1" qsCatId="simple" csTypeId="urn:microsoft.com/office/officeart/2005/8/colors/colorful5" csCatId="colorful" phldr="1"/>
+      <dgm:spPr/>
+      <dgm:t>
+        <a:bodyPr/>
+        <a:lstStyle/>
+        <a:p>
+          <a:endParaRPr lang="en-US"/>
+        </a:p>
+      </dgm:t>
+    </dgm:pt>
+    <dgm:pt modelId="{471CF6B7-7DE7-468A-89FA-B145D9B0CAB4}">
+      <dgm:prSet phldrT="[Text]"/>
+      <dgm:spPr/>
+      <dgm:t>
+        <a:bodyPr/>
+        <a:lstStyle/>
+        <a:p>
+          <a:r>
+            <a:rPr lang="id-ID" dirty="0" smtClean="0"/>
+            <a:t>Melakukan analisis sistem informasi pengelolaan matrikulasi program pembinaan di STEI Tazkia</a:t>
+          </a:r>
+          <a:endParaRPr lang="en-US" dirty="0"/>
+        </a:p>
+      </dgm:t>
+    </dgm:pt>
+    <dgm:pt modelId="{B8D904A9-C597-463F-A804-A1468DFB24E9}" type="parTrans" cxnId="{67A83A32-B3AC-46D4-9019-29835EBB26CE}">
+      <dgm:prSet/>
+      <dgm:spPr/>
+      <dgm:t>
+        <a:bodyPr/>
+        <a:lstStyle/>
+        <a:p>
+          <a:endParaRPr lang="en-US"/>
+        </a:p>
+      </dgm:t>
+    </dgm:pt>
+    <dgm:pt modelId="{8CC85688-1575-4A89-BFA5-199962815447}" type="sibTrans" cxnId="{67A83A32-B3AC-46D4-9019-29835EBB26CE}">
+      <dgm:prSet/>
+      <dgm:spPr/>
+      <dgm:t>
+        <a:bodyPr/>
+        <a:lstStyle/>
+        <a:p>
+          <a:endParaRPr lang="en-US"/>
+        </a:p>
+      </dgm:t>
+    </dgm:pt>
+    <dgm:pt modelId="{BBC06F99-29A3-4EF1-B6AD-2359DF5C3DC6}">
+      <dgm:prSet phldrT="[Text]"/>
+      <dgm:spPr/>
+      <dgm:t>
+        <a:bodyPr/>
+        <a:lstStyle/>
+        <a:p>
+          <a:r>
+            <a:rPr lang="id-ID" dirty="0" smtClean="0"/>
+            <a:t>Memperoleh hasil rancangan dengan model terstruktur</a:t>
+          </a:r>
+          <a:endParaRPr lang="en-US" dirty="0"/>
+        </a:p>
+      </dgm:t>
+    </dgm:pt>
+    <dgm:pt modelId="{A6700223-CE18-46D0-8E00-0DEFA8F3804A}" type="parTrans" cxnId="{BBF9A6DB-CFA2-43E5-B60D-14C0C555C37A}">
+      <dgm:prSet/>
+      <dgm:spPr/>
+      <dgm:t>
+        <a:bodyPr/>
+        <a:lstStyle/>
+        <a:p>
+          <a:endParaRPr lang="en-US"/>
+        </a:p>
+      </dgm:t>
+    </dgm:pt>
+    <dgm:pt modelId="{8054AB68-7955-47C1-B1DB-4BE0931D3B2E}" type="sibTrans" cxnId="{BBF9A6DB-CFA2-43E5-B60D-14C0C555C37A}">
+      <dgm:prSet/>
+      <dgm:spPr/>
+      <dgm:t>
+        <a:bodyPr/>
+        <a:lstStyle/>
+        <a:p>
+          <a:endParaRPr lang="en-US"/>
+        </a:p>
+      </dgm:t>
+    </dgm:pt>
+    <dgm:pt modelId="{19F431A3-E604-47F9-9996-F05AF32E59A7}">
+      <dgm:prSet phldrT="[Text]"/>
+      <dgm:spPr/>
+      <dgm:t>
+        <a:bodyPr/>
+        <a:lstStyle/>
+        <a:p>
+          <a:r>
+            <a:rPr lang="id-ID" dirty="0" smtClean="0"/>
+            <a:t>Membangun sistem informasi pengelolaan matrikulasi program pembinaan berbasis web</a:t>
+          </a:r>
+          <a:endParaRPr lang="en-US" dirty="0"/>
+        </a:p>
+      </dgm:t>
+    </dgm:pt>
+    <dgm:pt modelId="{4822C515-8411-43A2-8802-17D446B69ABE}" type="parTrans" cxnId="{E37BE432-A837-480C-BF91-669ACE2DE8CC}">
+      <dgm:prSet/>
+      <dgm:spPr/>
+      <dgm:t>
+        <a:bodyPr/>
+        <a:lstStyle/>
+        <a:p>
+          <a:endParaRPr lang="en-US"/>
+        </a:p>
+      </dgm:t>
+    </dgm:pt>
+    <dgm:pt modelId="{A99ED861-0B96-4AA4-BC16-A30BF305B04D}" type="sibTrans" cxnId="{E37BE432-A837-480C-BF91-669ACE2DE8CC}">
+      <dgm:prSet/>
+      <dgm:spPr/>
+      <dgm:t>
+        <a:bodyPr/>
+        <a:lstStyle/>
+        <a:p>
+          <a:endParaRPr lang="en-US"/>
+        </a:p>
+      </dgm:t>
+    </dgm:pt>
+    <dgm:pt modelId="{1EEF3A15-B14E-4C5E-94B9-D78156743E0A}" type="pres">
+      <dgm:prSet presAssocID="{71CB4606-24BE-415A-9021-CC5A3F31E47D}" presName="Name0" presStyleCnt="0">
+        <dgm:presLayoutVars>
+          <dgm:chMax val="7"/>
+          <dgm:chPref val="7"/>
+          <dgm:dir/>
+        </dgm:presLayoutVars>
+      </dgm:prSet>
+      <dgm:spPr/>
+      <dgm:t>
+        <a:bodyPr/>
+        <a:lstStyle/>
+        <a:p>
+          <a:endParaRPr lang="en-US"/>
+        </a:p>
+      </dgm:t>
+    </dgm:pt>
+    <dgm:pt modelId="{3F479642-F75F-4771-A011-169C5918C5DB}" type="pres">
+      <dgm:prSet presAssocID="{71CB4606-24BE-415A-9021-CC5A3F31E47D}" presName="Name1" presStyleCnt="0"/>
+      <dgm:spPr/>
+    </dgm:pt>
+    <dgm:pt modelId="{82657E32-057E-4EFD-8571-D24E5E91E686}" type="pres">
+      <dgm:prSet presAssocID="{71CB4606-24BE-415A-9021-CC5A3F31E47D}" presName="cycle" presStyleCnt="0"/>
+      <dgm:spPr/>
+    </dgm:pt>
+    <dgm:pt modelId="{347EB397-206F-4DE1-ABD1-6F92305FD15A}" type="pres">
+      <dgm:prSet presAssocID="{71CB4606-24BE-415A-9021-CC5A3F31E47D}" presName="srcNode" presStyleLbl="node1" presStyleIdx="0" presStyleCnt="3"/>
+      <dgm:spPr/>
+    </dgm:pt>
+    <dgm:pt modelId="{B8980A3F-DE12-455A-AB7B-1513BECF8E3E}" type="pres">
+      <dgm:prSet presAssocID="{71CB4606-24BE-415A-9021-CC5A3F31E47D}" presName="conn" presStyleLbl="parChTrans1D2" presStyleIdx="0" presStyleCnt="1"/>
+      <dgm:spPr/>
+      <dgm:t>
+        <a:bodyPr/>
+        <a:lstStyle/>
+        <a:p>
+          <a:endParaRPr lang="en-US"/>
+        </a:p>
+      </dgm:t>
+    </dgm:pt>
+    <dgm:pt modelId="{02DF0BD5-FA07-4E2B-BECE-8E2626C7A44B}" type="pres">
+      <dgm:prSet presAssocID="{71CB4606-24BE-415A-9021-CC5A3F31E47D}" presName="extraNode" presStyleLbl="node1" presStyleIdx="0" presStyleCnt="3"/>
+      <dgm:spPr/>
+    </dgm:pt>
+    <dgm:pt modelId="{DC6A08EA-92A3-4A1C-8148-83473F3C7119}" type="pres">
+      <dgm:prSet presAssocID="{71CB4606-24BE-415A-9021-CC5A3F31E47D}" presName="dstNode" presStyleLbl="node1" presStyleIdx="0" presStyleCnt="3"/>
+      <dgm:spPr/>
+    </dgm:pt>
+    <dgm:pt modelId="{718A77D3-6304-4CE9-8C34-543EA4940F3D}" type="pres">
+      <dgm:prSet presAssocID="{471CF6B7-7DE7-468A-89FA-B145D9B0CAB4}" presName="text_1" presStyleLbl="node1" presStyleIdx="0" presStyleCnt="3">
+        <dgm:presLayoutVars>
+          <dgm:bulletEnabled val="1"/>
+        </dgm:presLayoutVars>
+      </dgm:prSet>
+      <dgm:spPr/>
+      <dgm:t>
+        <a:bodyPr/>
+        <a:lstStyle/>
+        <a:p>
+          <a:endParaRPr lang="en-US"/>
+        </a:p>
+      </dgm:t>
+    </dgm:pt>
+    <dgm:pt modelId="{E08E2C76-6C12-4C3F-9110-36EEF0FC0BCB}" type="pres">
+      <dgm:prSet presAssocID="{471CF6B7-7DE7-468A-89FA-B145D9B0CAB4}" presName="accent_1" presStyleCnt="0"/>
+      <dgm:spPr/>
+    </dgm:pt>
+    <dgm:pt modelId="{73DBEE61-0877-4F7F-81D8-784396FFD71C}" type="pres">
+      <dgm:prSet presAssocID="{471CF6B7-7DE7-468A-89FA-B145D9B0CAB4}" presName="accentRepeatNode" presStyleLbl="solidFgAcc1" presStyleIdx="0" presStyleCnt="3"/>
+      <dgm:spPr/>
+    </dgm:pt>
+    <dgm:pt modelId="{7386F3A2-E464-4AFF-86F2-73D984FB1443}" type="pres">
+      <dgm:prSet presAssocID="{BBC06F99-29A3-4EF1-B6AD-2359DF5C3DC6}" presName="text_2" presStyleLbl="node1" presStyleIdx="1" presStyleCnt="3">
+        <dgm:presLayoutVars>
+          <dgm:bulletEnabled val="1"/>
+        </dgm:presLayoutVars>
+      </dgm:prSet>
+      <dgm:spPr/>
+      <dgm:t>
+        <a:bodyPr/>
+        <a:lstStyle/>
+        <a:p>
+          <a:endParaRPr lang="en-US"/>
+        </a:p>
+      </dgm:t>
+    </dgm:pt>
+    <dgm:pt modelId="{BC8C8FF5-C267-4EF4-9B72-F7709502337C}" type="pres">
+      <dgm:prSet presAssocID="{BBC06F99-29A3-4EF1-B6AD-2359DF5C3DC6}" presName="accent_2" presStyleCnt="0"/>
+      <dgm:spPr/>
+    </dgm:pt>
+    <dgm:pt modelId="{252AFF7F-D2A3-4DF9-964A-C4B2D21BD5FF}" type="pres">
+      <dgm:prSet presAssocID="{BBC06F99-29A3-4EF1-B6AD-2359DF5C3DC6}" presName="accentRepeatNode" presStyleLbl="solidFgAcc1" presStyleIdx="1" presStyleCnt="3"/>
+      <dgm:spPr/>
+    </dgm:pt>
+    <dgm:pt modelId="{AE267DCF-1BEE-4779-9AF6-800916D2D4EC}" type="pres">
+      <dgm:prSet presAssocID="{19F431A3-E604-47F9-9996-F05AF32E59A7}" presName="text_3" presStyleLbl="node1" presStyleIdx="2" presStyleCnt="3">
+        <dgm:presLayoutVars>
+          <dgm:bulletEnabled val="1"/>
+        </dgm:presLayoutVars>
+      </dgm:prSet>
+      <dgm:spPr/>
+      <dgm:t>
+        <a:bodyPr/>
+        <a:lstStyle/>
+        <a:p>
+          <a:endParaRPr lang="en-US"/>
+        </a:p>
+      </dgm:t>
+    </dgm:pt>
+    <dgm:pt modelId="{E6258007-A8A0-4280-958F-46803A739963}" type="pres">
+      <dgm:prSet presAssocID="{19F431A3-E604-47F9-9996-F05AF32E59A7}" presName="accent_3" presStyleCnt="0"/>
+      <dgm:spPr/>
+    </dgm:pt>
+    <dgm:pt modelId="{833048F1-A597-4D2E-BA93-E3449BDDA791}" type="pres">
+      <dgm:prSet presAssocID="{19F431A3-E604-47F9-9996-F05AF32E59A7}" presName="accentRepeatNode" presStyleLbl="solidFgAcc1" presStyleIdx="2" presStyleCnt="3"/>
+      <dgm:spPr/>
+    </dgm:pt>
+  </dgm:ptLst>
+  <dgm:cxnLst>
+    <dgm:cxn modelId="{8272EC9A-D308-4965-9EBF-B436ED5029FB}" type="presOf" srcId="{8CC85688-1575-4A89-BFA5-199962815447}" destId="{B8980A3F-DE12-455A-AB7B-1513BECF8E3E}" srcOrd="0" destOrd="0" presId="urn:microsoft.com/office/officeart/2008/layout/VerticalCurvedList"/>
+    <dgm:cxn modelId="{712859C1-981B-4BA7-8C24-E4338D56E8F2}" type="presOf" srcId="{471CF6B7-7DE7-468A-89FA-B145D9B0CAB4}" destId="{718A77D3-6304-4CE9-8C34-543EA4940F3D}" srcOrd="0" destOrd="0" presId="urn:microsoft.com/office/officeart/2008/layout/VerticalCurvedList"/>
+    <dgm:cxn modelId="{D12FD1ED-9048-47B1-AB3F-1BF09ACC69EF}" type="presOf" srcId="{71CB4606-24BE-415A-9021-CC5A3F31E47D}" destId="{1EEF3A15-B14E-4C5E-94B9-D78156743E0A}" srcOrd="0" destOrd="0" presId="urn:microsoft.com/office/officeart/2008/layout/VerticalCurvedList"/>
+    <dgm:cxn modelId="{1632119C-C8AC-4560-9B8A-3BE0DE3D48CE}" type="presOf" srcId="{19F431A3-E604-47F9-9996-F05AF32E59A7}" destId="{AE267DCF-1BEE-4779-9AF6-800916D2D4EC}" srcOrd="0" destOrd="0" presId="urn:microsoft.com/office/officeart/2008/layout/VerticalCurvedList"/>
+    <dgm:cxn modelId="{BBF9A6DB-CFA2-43E5-B60D-14C0C555C37A}" srcId="{71CB4606-24BE-415A-9021-CC5A3F31E47D}" destId="{BBC06F99-29A3-4EF1-B6AD-2359DF5C3DC6}" srcOrd="1" destOrd="0" parTransId="{A6700223-CE18-46D0-8E00-0DEFA8F3804A}" sibTransId="{8054AB68-7955-47C1-B1DB-4BE0931D3B2E}"/>
+    <dgm:cxn modelId="{E37BE432-A837-480C-BF91-669ACE2DE8CC}" srcId="{71CB4606-24BE-415A-9021-CC5A3F31E47D}" destId="{19F431A3-E604-47F9-9996-F05AF32E59A7}" srcOrd="2" destOrd="0" parTransId="{4822C515-8411-43A2-8802-17D446B69ABE}" sibTransId="{A99ED861-0B96-4AA4-BC16-A30BF305B04D}"/>
+    <dgm:cxn modelId="{A34D766B-63D9-4A00-AECB-41C8A9A917BD}" type="presOf" srcId="{BBC06F99-29A3-4EF1-B6AD-2359DF5C3DC6}" destId="{7386F3A2-E464-4AFF-86F2-73D984FB1443}" srcOrd="0" destOrd="0" presId="urn:microsoft.com/office/officeart/2008/layout/VerticalCurvedList"/>
+    <dgm:cxn modelId="{67A83A32-B3AC-46D4-9019-29835EBB26CE}" srcId="{71CB4606-24BE-415A-9021-CC5A3F31E47D}" destId="{471CF6B7-7DE7-468A-89FA-B145D9B0CAB4}" srcOrd="0" destOrd="0" parTransId="{B8D904A9-C597-463F-A804-A1468DFB24E9}" sibTransId="{8CC85688-1575-4A89-BFA5-199962815447}"/>
+    <dgm:cxn modelId="{06003958-78B0-43AA-97ED-0DB502CAF2D8}" type="presParOf" srcId="{1EEF3A15-B14E-4C5E-94B9-D78156743E0A}" destId="{3F479642-F75F-4771-A011-169C5918C5DB}" srcOrd="0" destOrd="0" presId="urn:microsoft.com/office/officeart/2008/layout/VerticalCurvedList"/>
+    <dgm:cxn modelId="{FB86FF4C-61EA-43C8-A0A8-9F9E08283E23}" type="presParOf" srcId="{3F479642-F75F-4771-A011-169C5918C5DB}" destId="{82657E32-057E-4EFD-8571-D24E5E91E686}" srcOrd="0" destOrd="0" presId="urn:microsoft.com/office/officeart/2008/layout/VerticalCurvedList"/>
+    <dgm:cxn modelId="{C20CAF51-8569-49C0-B452-E91235E9A5D7}" type="presParOf" srcId="{82657E32-057E-4EFD-8571-D24E5E91E686}" destId="{347EB397-206F-4DE1-ABD1-6F92305FD15A}" srcOrd="0" destOrd="0" presId="urn:microsoft.com/office/officeart/2008/layout/VerticalCurvedList"/>
+    <dgm:cxn modelId="{895B4376-07BE-47D8-B539-4779503C7B5E}" type="presParOf" srcId="{82657E32-057E-4EFD-8571-D24E5E91E686}" destId="{B8980A3F-DE12-455A-AB7B-1513BECF8E3E}" srcOrd="1" destOrd="0" presId="urn:microsoft.com/office/officeart/2008/layout/VerticalCurvedList"/>
+    <dgm:cxn modelId="{07ED9AB6-9B12-474A-83E1-81E95F4E986B}" type="presParOf" srcId="{82657E32-057E-4EFD-8571-D24E5E91E686}" destId="{02DF0BD5-FA07-4E2B-BECE-8E2626C7A44B}" srcOrd="2" destOrd="0" presId="urn:microsoft.com/office/officeart/2008/layout/VerticalCurvedList"/>
+    <dgm:cxn modelId="{C0E1EA4A-6FF5-42F2-87FF-7FC4979C8209}" type="presParOf" srcId="{82657E32-057E-4EFD-8571-D24E5E91E686}" destId="{DC6A08EA-92A3-4A1C-8148-83473F3C7119}" srcOrd="3" destOrd="0" presId="urn:microsoft.com/office/officeart/2008/layout/VerticalCurvedList"/>
+    <dgm:cxn modelId="{C521A479-FADF-4044-8E38-B59ED54712A6}" type="presParOf" srcId="{3F479642-F75F-4771-A011-169C5918C5DB}" destId="{718A77D3-6304-4CE9-8C34-543EA4940F3D}" srcOrd="1" destOrd="0" presId="urn:microsoft.com/office/officeart/2008/layout/VerticalCurvedList"/>
+    <dgm:cxn modelId="{8E6018B8-8853-48DE-93F2-2376C36BD2F0}" type="presParOf" srcId="{3F479642-F75F-4771-A011-169C5918C5DB}" destId="{E08E2C76-6C12-4C3F-9110-36EEF0FC0BCB}" srcOrd="2" destOrd="0" presId="urn:microsoft.com/office/officeart/2008/layout/VerticalCurvedList"/>
+    <dgm:cxn modelId="{DD1834BE-4D70-42AE-AABD-14AABF9724DA}" type="presParOf" srcId="{E08E2C76-6C12-4C3F-9110-36EEF0FC0BCB}" destId="{73DBEE61-0877-4F7F-81D8-784396FFD71C}" srcOrd="0" destOrd="0" presId="urn:microsoft.com/office/officeart/2008/layout/VerticalCurvedList"/>
+    <dgm:cxn modelId="{37F09111-8FA6-4FE0-B600-C8BEB0BF4ADC}" type="presParOf" srcId="{3F479642-F75F-4771-A011-169C5918C5DB}" destId="{7386F3A2-E464-4AFF-86F2-73D984FB1443}" srcOrd="3" destOrd="0" presId="urn:microsoft.com/office/officeart/2008/layout/VerticalCurvedList"/>
+    <dgm:cxn modelId="{9DB95944-84DA-45E9-9334-6981F5DAB17F}" type="presParOf" srcId="{3F479642-F75F-4771-A011-169C5918C5DB}" destId="{BC8C8FF5-C267-4EF4-9B72-F7709502337C}" srcOrd="4" destOrd="0" presId="urn:microsoft.com/office/officeart/2008/layout/VerticalCurvedList"/>
+    <dgm:cxn modelId="{E1ED668E-BF73-413D-8E7A-3D786480D16E}" type="presParOf" srcId="{BC8C8FF5-C267-4EF4-9B72-F7709502337C}" destId="{252AFF7F-D2A3-4DF9-964A-C4B2D21BD5FF}" srcOrd="0" destOrd="0" presId="urn:microsoft.com/office/officeart/2008/layout/VerticalCurvedList"/>
+    <dgm:cxn modelId="{19DBACCE-3661-45B8-A663-DA8AD89F82CE}" type="presParOf" srcId="{3F479642-F75F-4771-A011-169C5918C5DB}" destId="{AE267DCF-1BEE-4779-9AF6-800916D2D4EC}" srcOrd="5" destOrd="0" presId="urn:microsoft.com/office/officeart/2008/layout/VerticalCurvedList"/>
+    <dgm:cxn modelId="{B7371B40-6AAB-4F99-816C-0AFB79B3A777}" type="presParOf" srcId="{3F479642-F75F-4771-A011-169C5918C5DB}" destId="{E6258007-A8A0-4280-958F-46803A739963}" srcOrd="6" destOrd="0" presId="urn:microsoft.com/office/officeart/2008/layout/VerticalCurvedList"/>
+    <dgm:cxn modelId="{252332D4-45FD-4D27-AF91-6E3246554628}" type="presParOf" srcId="{E6258007-A8A0-4280-958F-46803A739963}" destId="{833048F1-A597-4D2E-BA93-E3449BDDA791}" srcOrd="0" destOrd="0" presId="urn:microsoft.com/office/officeart/2008/layout/VerticalCurvedList"/>
+  </dgm:cxnLst>
+  <dgm:bg/>
+  <dgm:whole/>
+  <dgm:extLst>
+    <a:ext uri="http://schemas.microsoft.com/office/drawing/2008/diagram">
+      <dsp:dataModelExt xmlns:dsp="http://schemas.microsoft.com/office/drawing/2008/diagram" relId="rId6" minVer="http://schemas.openxmlformats.org/drawingml/2006/diagram"/>
+    </a:ext>
+  </dgm:extLst>
+</dgm:dataModel>
+</file>
+
+<file path=ppt/diagrams/drawing1.xml><?xml version="1.0" encoding="utf-8"?>
+<dsp:drawing xmlns:dgm="http://schemas.openxmlformats.org/drawingml/2006/diagram" xmlns:dsp="http://schemas.microsoft.com/office/drawing/2008/diagram" xmlns:a="http://schemas.openxmlformats.org/drawingml/2006/main">
+  <dsp:spTree>
+    <dsp:nvGrpSpPr>
+      <dsp:cNvPr id="0" name=""/>
+      <dsp:cNvGrpSpPr/>
+    </dsp:nvGrpSpPr>
+    <dsp:grpSpPr/>
+    <dsp:sp modelId="{B8980A3F-DE12-455A-AB7B-1513BECF8E3E}">
+      <dsp:nvSpPr>
+        <dsp:cNvPr id="0" name=""/>
+        <dsp:cNvSpPr/>
+      </dsp:nvSpPr>
+      <dsp:spPr>
+        <a:xfrm>
+          <a:off x="-4919424" y="-753830"/>
+          <a:ext cx="5858998" cy="5858998"/>
+        </a:xfrm>
+        <a:prstGeom prst="blockArc">
+          <a:avLst>
+            <a:gd name="adj1" fmla="val 18900000"/>
+            <a:gd name="adj2" fmla="val 2700000"/>
+            <a:gd name="adj3" fmla="val 369"/>
+          </a:avLst>
+        </a:prstGeom>
+        <a:noFill/>
+        <a:ln w="12700" cap="flat" cmpd="sng" algn="ctr">
+          <a:solidFill>
+            <a:schemeClr val="accent6">
+              <a:hueOff val="0"/>
+              <a:satOff val="0"/>
+              <a:lumOff val="0"/>
+              <a:alphaOff val="0"/>
+            </a:schemeClr>
+          </a:solidFill>
+          <a:prstDash val="solid"/>
+          <a:miter lim="800000"/>
+        </a:ln>
+        <a:effectLst/>
+      </dsp:spPr>
+      <dsp:style>
+        <a:lnRef idx="2">
+          <a:scrgbClr r="0" g="0" b="0"/>
+        </a:lnRef>
+        <a:fillRef idx="0">
+          <a:scrgbClr r="0" g="0" b="0"/>
+        </a:fillRef>
+        <a:effectRef idx="0">
+          <a:scrgbClr r="0" g="0" b="0"/>
+        </a:effectRef>
+        <a:fontRef idx="minor"/>
+      </dsp:style>
+    </dsp:sp>
+    <dsp:sp modelId="{718A77D3-6304-4CE9-8C34-543EA4940F3D}">
+      <dsp:nvSpPr>
+        <dsp:cNvPr id="0" name=""/>
+        <dsp:cNvSpPr/>
+      </dsp:nvSpPr>
+      <dsp:spPr>
+        <a:xfrm>
+          <a:off x="604289" y="435133"/>
+          <a:ext cx="6770928" cy="870267"/>
+        </a:xfrm>
+        <a:prstGeom prst="rect">
+          <a:avLst/>
+        </a:prstGeom>
+        <a:solidFill>
+          <a:schemeClr val="accent5">
+            <a:hueOff val="0"/>
+            <a:satOff val="0"/>
+            <a:lumOff val="0"/>
+            <a:alphaOff val="0"/>
+          </a:schemeClr>
+        </a:solidFill>
+        <a:ln w="12700" cap="flat" cmpd="sng" algn="ctr">
+          <a:solidFill>
+            <a:schemeClr val="lt1">
+              <a:hueOff val="0"/>
+              <a:satOff val="0"/>
+              <a:lumOff val="0"/>
+              <a:alphaOff val="0"/>
+            </a:schemeClr>
+          </a:solidFill>
+          <a:prstDash val="solid"/>
+          <a:miter lim="800000"/>
+        </a:ln>
+        <a:effectLst/>
+      </dsp:spPr>
+      <dsp:style>
+        <a:lnRef idx="2">
+          <a:scrgbClr r="0" g="0" b="0"/>
+        </a:lnRef>
+        <a:fillRef idx="1">
+          <a:scrgbClr r="0" g="0" b="0"/>
+        </a:fillRef>
+        <a:effectRef idx="0">
+          <a:scrgbClr r="0" g="0" b="0"/>
+        </a:effectRef>
+        <a:fontRef idx="minor">
+          <a:schemeClr val="lt1"/>
+        </a:fontRef>
+      </dsp:style>
+      <dsp:txBody>
+        <a:bodyPr spcFirstLastPara="0" vert="horz" wrap="square" lIns="690775" tIns="60960" rIns="60960" bIns="60960" numCol="1" spcCol="1270" anchor="ctr" anchorCtr="0">
+          <a:noAutofit/>
+        </a:bodyPr>
+        <a:lstStyle/>
+        <a:p>
+          <a:pPr lvl="0" algn="l" defTabSz="1066800">
+            <a:lnSpc>
+              <a:spcPct val="90000"/>
+            </a:lnSpc>
+            <a:spcBef>
+              <a:spcPct val="0"/>
+            </a:spcBef>
+            <a:spcAft>
+              <a:spcPct val="35000"/>
+            </a:spcAft>
+          </a:pPr>
+          <a:r>
+            <a:rPr lang="id-ID" sz="2400" kern="1200" dirty="0" smtClean="0"/>
+            <a:t>Melakukan analisis sistem informasi pengelolaan matrikulasi program pembinaan di STEI Tazkia</a:t>
+          </a:r>
+          <a:endParaRPr lang="en-US" sz="2400" kern="1200" dirty="0"/>
+        </a:p>
+      </dsp:txBody>
+      <dsp:txXfrm>
+        <a:off x="604289" y="435133"/>
+        <a:ext cx="6770928" cy="870267"/>
+      </dsp:txXfrm>
+    </dsp:sp>
+    <dsp:sp modelId="{73DBEE61-0877-4F7F-81D8-784396FFD71C}">
+      <dsp:nvSpPr>
+        <dsp:cNvPr id="0" name=""/>
+        <dsp:cNvSpPr/>
+      </dsp:nvSpPr>
+      <dsp:spPr>
+        <a:xfrm>
+          <a:off x="60372" y="326350"/>
+          <a:ext cx="1087834" cy="1087834"/>
+        </a:xfrm>
+        <a:prstGeom prst="ellipse">
+          <a:avLst/>
+        </a:prstGeom>
+        <a:solidFill>
+          <a:schemeClr val="lt1">
+            <a:hueOff val="0"/>
+            <a:satOff val="0"/>
+            <a:lumOff val="0"/>
+            <a:alphaOff val="0"/>
+          </a:schemeClr>
+        </a:solidFill>
+        <a:ln w="12700" cap="flat" cmpd="sng" algn="ctr">
+          <a:solidFill>
+            <a:schemeClr val="accent5">
+              <a:hueOff val="0"/>
+              <a:satOff val="0"/>
+              <a:lumOff val="0"/>
+              <a:alphaOff val="0"/>
+            </a:schemeClr>
+          </a:solidFill>
+          <a:prstDash val="solid"/>
+          <a:miter lim="800000"/>
+        </a:ln>
+        <a:effectLst/>
+      </dsp:spPr>
+      <dsp:style>
+        <a:lnRef idx="2">
+          <a:scrgbClr r="0" g="0" b="0"/>
+        </a:lnRef>
+        <a:fillRef idx="1">
+          <a:scrgbClr r="0" g="0" b="0"/>
+        </a:fillRef>
+        <a:effectRef idx="0">
+          <a:scrgbClr r="0" g="0" b="0"/>
+        </a:effectRef>
+        <a:fontRef idx="minor"/>
+      </dsp:style>
+    </dsp:sp>
+    <dsp:sp modelId="{7386F3A2-E464-4AFF-86F2-73D984FB1443}">
+      <dsp:nvSpPr>
+        <dsp:cNvPr id="0" name=""/>
+        <dsp:cNvSpPr/>
+      </dsp:nvSpPr>
+      <dsp:spPr>
+        <a:xfrm>
+          <a:off x="920631" y="1740535"/>
+          <a:ext cx="6454586" cy="870267"/>
+        </a:xfrm>
+        <a:prstGeom prst="rect">
+          <a:avLst/>
+        </a:prstGeom>
+        <a:solidFill>
+          <a:schemeClr val="accent5">
+            <a:hueOff val="-3676672"/>
+            <a:satOff val="-5114"/>
+            <a:lumOff val="-1961"/>
+            <a:alphaOff val="0"/>
+          </a:schemeClr>
+        </a:solidFill>
+        <a:ln w="12700" cap="flat" cmpd="sng" algn="ctr">
+          <a:solidFill>
+            <a:schemeClr val="lt1">
+              <a:hueOff val="0"/>
+              <a:satOff val="0"/>
+              <a:lumOff val="0"/>
+              <a:alphaOff val="0"/>
+            </a:schemeClr>
+          </a:solidFill>
+          <a:prstDash val="solid"/>
+          <a:miter lim="800000"/>
+        </a:ln>
+        <a:effectLst/>
+      </dsp:spPr>
+      <dsp:style>
+        <a:lnRef idx="2">
+          <a:scrgbClr r="0" g="0" b="0"/>
+        </a:lnRef>
+        <a:fillRef idx="1">
+          <a:scrgbClr r="0" g="0" b="0"/>
+        </a:fillRef>
+        <a:effectRef idx="0">
+          <a:scrgbClr r="0" g="0" b="0"/>
+        </a:effectRef>
+        <a:fontRef idx="minor">
+          <a:schemeClr val="lt1"/>
+        </a:fontRef>
+      </dsp:style>
+      <dsp:txBody>
+        <a:bodyPr spcFirstLastPara="0" vert="horz" wrap="square" lIns="690775" tIns="60960" rIns="60960" bIns="60960" numCol="1" spcCol="1270" anchor="ctr" anchorCtr="0">
+          <a:noAutofit/>
+        </a:bodyPr>
+        <a:lstStyle/>
+        <a:p>
+          <a:pPr lvl="0" algn="l" defTabSz="1066800">
+            <a:lnSpc>
+              <a:spcPct val="90000"/>
+            </a:lnSpc>
+            <a:spcBef>
+              <a:spcPct val="0"/>
+            </a:spcBef>
+            <a:spcAft>
+              <a:spcPct val="35000"/>
+            </a:spcAft>
+          </a:pPr>
+          <a:r>
+            <a:rPr lang="id-ID" sz="2400" kern="1200" dirty="0" smtClean="0"/>
+            <a:t>Memperoleh hasil rancangan dengan model terstruktur</a:t>
+          </a:r>
+          <a:endParaRPr lang="en-US" sz="2400" kern="1200" dirty="0"/>
+        </a:p>
+      </dsp:txBody>
+      <dsp:txXfrm>
+        <a:off x="920631" y="1740535"/>
+        <a:ext cx="6454586" cy="870267"/>
+      </dsp:txXfrm>
+    </dsp:sp>
+    <dsp:sp modelId="{252AFF7F-D2A3-4DF9-964A-C4B2D21BD5FF}">
+      <dsp:nvSpPr>
+        <dsp:cNvPr id="0" name=""/>
+        <dsp:cNvSpPr/>
+      </dsp:nvSpPr>
+      <dsp:spPr>
+        <a:xfrm>
+          <a:off x="376714" y="1631751"/>
+          <a:ext cx="1087834" cy="1087834"/>
+        </a:xfrm>
+        <a:prstGeom prst="ellipse">
+          <a:avLst/>
+        </a:prstGeom>
+        <a:solidFill>
+          <a:schemeClr val="lt1">
+            <a:hueOff val="0"/>
+            <a:satOff val="0"/>
+            <a:lumOff val="0"/>
+            <a:alphaOff val="0"/>
+          </a:schemeClr>
+        </a:solidFill>
+        <a:ln w="12700" cap="flat" cmpd="sng" algn="ctr">
+          <a:solidFill>
+            <a:schemeClr val="accent5">
+              <a:hueOff val="-3676672"/>
+              <a:satOff val="-5114"/>
+              <a:lumOff val="-1961"/>
+              <a:alphaOff val="0"/>
+            </a:schemeClr>
+          </a:solidFill>
+          <a:prstDash val="solid"/>
+          <a:miter lim="800000"/>
+        </a:ln>
+        <a:effectLst/>
+      </dsp:spPr>
+      <dsp:style>
+        <a:lnRef idx="2">
+          <a:scrgbClr r="0" g="0" b="0"/>
+        </a:lnRef>
+        <a:fillRef idx="1">
+          <a:scrgbClr r="0" g="0" b="0"/>
+        </a:fillRef>
+        <a:effectRef idx="0">
+          <a:scrgbClr r="0" g="0" b="0"/>
+        </a:effectRef>
+        <a:fontRef idx="minor"/>
+      </dsp:style>
+    </dsp:sp>
+    <dsp:sp modelId="{AE267DCF-1BEE-4779-9AF6-800916D2D4EC}">
+      <dsp:nvSpPr>
+        <dsp:cNvPr id="0" name=""/>
+        <dsp:cNvSpPr/>
+      </dsp:nvSpPr>
+      <dsp:spPr>
+        <a:xfrm>
+          <a:off x="604289" y="3045936"/>
+          <a:ext cx="6770928" cy="870267"/>
+        </a:xfrm>
+        <a:prstGeom prst="rect">
+          <a:avLst/>
+        </a:prstGeom>
+        <a:solidFill>
+          <a:schemeClr val="accent5">
+            <a:hueOff val="-7353344"/>
+            <a:satOff val="-10228"/>
+            <a:lumOff val="-3922"/>
+            <a:alphaOff val="0"/>
+          </a:schemeClr>
+        </a:solidFill>
+        <a:ln w="12700" cap="flat" cmpd="sng" algn="ctr">
+          <a:solidFill>
+            <a:schemeClr val="lt1">
+              <a:hueOff val="0"/>
+              <a:satOff val="0"/>
+              <a:lumOff val="0"/>
+              <a:alphaOff val="0"/>
+            </a:schemeClr>
+          </a:solidFill>
+          <a:prstDash val="solid"/>
+          <a:miter lim="800000"/>
+        </a:ln>
+        <a:effectLst/>
+      </dsp:spPr>
+      <dsp:style>
+        <a:lnRef idx="2">
+          <a:scrgbClr r="0" g="0" b="0"/>
+        </a:lnRef>
+        <a:fillRef idx="1">
+          <a:scrgbClr r="0" g="0" b="0"/>
+        </a:fillRef>
+        <a:effectRef idx="0">
+          <a:scrgbClr r="0" g="0" b="0"/>
+        </a:effectRef>
+        <a:fontRef idx="minor">
+          <a:schemeClr val="lt1"/>
+        </a:fontRef>
+      </dsp:style>
+      <dsp:txBody>
+        <a:bodyPr spcFirstLastPara="0" vert="horz" wrap="square" lIns="690775" tIns="60960" rIns="60960" bIns="60960" numCol="1" spcCol="1270" anchor="ctr" anchorCtr="0">
+          <a:noAutofit/>
+        </a:bodyPr>
+        <a:lstStyle/>
+        <a:p>
+          <a:pPr lvl="0" algn="l" defTabSz="1066800">
+            <a:lnSpc>
+              <a:spcPct val="90000"/>
+            </a:lnSpc>
+            <a:spcBef>
+              <a:spcPct val="0"/>
+            </a:spcBef>
+            <a:spcAft>
+              <a:spcPct val="35000"/>
+            </a:spcAft>
+          </a:pPr>
+          <a:r>
+            <a:rPr lang="id-ID" sz="2400" kern="1200" dirty="0" smtClean="0"/>
+            <a:t>Membangun sistem informasi pengelolaan matrikulasi program pembinaan berbasis web</a:t>
+          </a:r>
+          <a:endParaRPr lang="en-US" sz="2400" kern="1200" dirty="0"/>
+        </a:p>
+      </dsp:txBody>
+      <dsp:txXfrm>
+        <a:off x="604289" y="3045936"/>
+        <a:ext cx="6770928" cy="870267"/>
+      </dsp:txXfrm>
+    </dsp:sp>
+    <dsp:sp modelId="{833048F1-A597-4D2E-BA93-E3449BDDA791}">
+      <dsp:nvSpPr>
+        <dsp:cNvPr id="0" name=""/>
+        <dsp:cNvSpPr/>
+      </dsp:nvSpPr>
+      <dsp:spPr>
+        <a:xfrm>
+          <a:off x="60372" y="2937153"/>
+          <a:ext cx="1087834" cy="1087834"/>
+        </a:xfrm>
+        <a:prstGeom prst="ellipse">
+          <a:avLst/>
+        </a:prstGeom>
+        <a:solidFill>
+          <a:schemeClr val="lt1">
+            <a:hueOff val="0"/>
+            <a:satOff val="0"/>
+            <a:lumOff val="0"/>
+            <a:alphaOff val="0"/>
+          </a:schemeClr>
+        </a:solidFill>
+        <a:ln w="12700" cap="flat" cmpd="sng" algn="ctr">
+          <a:solidFill>
+            <a:schemeClr val="accent5">
+              <a:hueOff val="-7353344"/>
+              <a:satOff val="-10228"/>
+              <a:lumOff val="-3922"/>
+              <a:alphaOff val="0"/>
+            </a:schemeClr>
+          </a:solidFill>
+          <a:prstDash val="solid"/>
+          <a:miter lim="800000"/>
+        </a:ln>
+        <a:effectLst/>
+      </dsp:spPr>
+      <dsp:style>
+        <a:lnRef idx="2">
+          <a:scrgbClr r="0" g="0" b="0"/>
+        </a:lnRef>
+        <a:fillRef idx="1">
+          <a:scrgbClr r="0" g="0" b="0"/>
+        </a:fillRef>
+        <a:effectRef idx="0">
+          <a:scrgbClr r="0" g="0" b="0"/>
+        </a:effectRef>
+        <a:fontRef idx="minor"/>
+      </dsp:style>
+    </dsp:sp>
+  </dsp:spTree>
+</dsp:drawing>
+</file>
+
+<file path=ppt/diagrams/layout1.xml><?xml version="1.0" encoding="utf-8"?>
+<dgm:layoutDef xmlns:dgm="http://schemas.openxmlformats.org/drawingml/2006/diagram" xmlns:a="http://schemas.openxmlformats.org/drawingml/2006/main" uniqueId="urn:microsoft.com/office/officeart/2008/layout/VerticalCurvedList">
+  <dgm:title val=""/>
+  <dgm:desc val=""/>
+  <dgm:catLst>
+    <dgm:cat type="list" pri="20000"/>
+  </dgm:catLst>
+  <dgm:sampData>
+    <dgm:dataModel>
+      <dgm:ptLst>
+        <dgm:pt modelId="0" type="doc"/>
+        <dgm:pt modelId="1">
+          <dgm:prSet phldr="1"/>
+        </dgm:pt>
+        <dgm:pt modelId="2">
+          <dgm:prSet phldr="1"/>
+        </dgm:pt>
+        <dgm:pt modelId="3">
+          <dgm:prSet phldr="1"/>
+        </dgm:pt>
+      </dgm:ptLst>
+      <dgm:cxnLst>
+        <dgm:cxn modelId="4" srcId="0" destId="1" srcOrd="0" destOrd="0"/>
+        <dgm:cxn modelId="5" srcId="0" destId="2" srcOrd="1" destOrd="0"/>
+        <dgm:cxn modelId="6" srcId="0" destId="3" srcOrd="2" destOrd="0"/>
+      </dgm:cxnLst>
+      <dgm:bg/>
+      <dgm:whole/>
+    </dgm:dataModel>
+  </dgm:sampData>
+  <dgm:styleData>
+    <dgm:dataModel>
+      <dgm:ptLst>
+        <dgm:pt modelId="0" type="doc"/>
+        <dgm:pt modelId="1">
+          <dgm:prSet phldr="1"/>
+        </dgm:pt>
+        <dgm:pt modelId="2">
+          <dgm:prSet phldr="1"/>
+        </dgm:pt>
+      </dgm:ptLst>
+      <dgm:cxnLst>
+        <dgm:cxn modelId="3" srcId="0" destId="1" srcOrd="0" destOrd="0"/>
+        <dgm:cxn modelId="4" srcId="0" destId="2" srcOrd="1" destOrd="0"/>
+      </dgm:cxnLst>
+      <dgm:bg/>
+      <dgm:whole/>
+    </dgm:dataModel>
+  </dgm:styleData>
+  <dgm:clrData>
+    <dgm:dataModel>
+      <dgm:ptLst>
+        <dgm:pt modelId="0" type="doc"/>
+        <dgm:pt modelId="1">
+          <dgm:prSet phldr="1"/>
+        </dgm:pt>
+        <dgm:pt modelId="2">
+          <dgm:prSet phldr="1"/>
+        </dgm:pt>
+        <dgm:pt modelId="3">
+          <dgm:prSet phldr="1"/>
+        </dgm:pt>
+        <dgm:pt modelId="4">
+          <dgm:prSet phldr="1"/>
+        </dgm:pt>
+      </dgm:ptLst>
+      <dgm:cxnLst>
+        <dgm:cxn modelId="5" srcId="0" destId="1" srcOrd="0" destOrd="0"/>
+        <dgm:cxn modelId="6" srcId="0" destId="2" srcOrd="1" destOrd="0"/>
+        <dgm:cxn modelId="7" srcId="0" destId="3" srcOrd="2" destOrd="0"/>
+        <dgm:cxn modelId="8" srcId="0" destId="4" srcOrd="3" destOrd="0"/>
+      </dgm:cxnLst>
+      <dgm:bg/>
+      <dgm:whole/>
+    </dgm:dataModel>
+  </dgm:clrData>
+  <dgm:layoutNode name="Name0">
+    <dgm:varLst>
+      <dgm:chMax val="7"/>
+      <dgm:chPref val="7"/>
+      <dgm:dir/>
+    </dgm:varLst>
+    <dgm:alg type="composite"/>
+    <dgm:shape xmlns:r="http://schemas.openxmlformats.org/officeDocument/2006/relationships" r:blip="">
+      <dgm:adjLst/>
+    </dgm:shape>
+    <dgm:constrLst>
+      <dgm:constr type="w" for="ch" refType="h" refFor="ch" op="gte" fact="0.8"/>
+    </dgm:constrLst>
+    <dgm:layoutNode name="Name1">
+      <dgm:alg type="composite"/>
+      <dgm:shape xmlns:r="http://schemas.openxmlformats.org/officeDocument/2006/relationships" r:blip="">
+        <dgm:adjLst/>
+      </dgm:shape>
+      <dgm:choose name="Name2">
+        <dgm:if name="Name3" func="var" arg="dir" op="equ" val="norm">
+          <dgm:choose name="Name4">
+            <dgm:if name="Name5" axis="ch" ptType="node" func="cnt" op="equ" val="1">
+              <dgm:constrLst>
+                <dgm:constr type="h" for="ch" forName="cycle" refType="h"/>
+                <dgm:constr type="w" for="ch" forName="cycle" refType="h" refFor="ch" refForName="cycle" fact="0.26"/>
+                <dgm:constr type="l" for="ch" forName="cycle"/>
+                <dgm:constr type="ctrY" for="ch" forName="cycle" refType="h" fact="0.5"/>
+                <dgm:constr type="diam" for="ch" forName="cycle" refType="h" fact="1.344"/>
+                <dgm:constr type="h" for="ch" forName="accent_1" refType="h" fact="0.625"/>
+                <dgm:constr type="w" for="ch" forName="accent_1" refType="h" refFor="ch" refForName="accent_1" op="equ"/>
+                <dgm:constr type="ctrY" for="ch" forName="accent_1" refType="h" fact="0.5"/>
+                <dgm:constr type="ctrX" for="ch" forName="accent_1" refType="h" fact="0.2253"/>
+                <dgm:constr type="l" for="ch" forName="text_1" refType="ctrX" refFor="ch" refForName="accent_1"/>
+                <dgm:constr type="r" for="ch" forName="text_1" refType="w"/>
+                <dgm:constr type="w" for="ch" forName="text_1" refType="h" refFor="ch" refForName="text_1" op="gte"/>
+                <dgm:constr type="h" for="ch" forName="text_1" refType="h" refFor="ch" refForName="accent_1" fact="0.8"/>
+                <dgm:constr type="ctrY" for="ch" forName="text_1" refType="ctrY" refFor="ch" refForName="accent_1"/>
+                <dgm:constr type="lMarg" for="ch" forName="text_1" refType="w" refFor="ch" refForName="accent_1" fact="1.8"/>
+                <dgm:constr type="primFontSz" for="ch" ptType="node" op="equ" val="65"/>
+              </dgm:constrLst>
+            </dgm:if>
+            <dgm:if name="Name6" axis="ch" ptType="node" func="cnt" op="equ" val="2">
+              <dgm:constrLst>
+                <dgm:constr type="h" for="ch" forName="cycle" refType="h"/>
+                <dgm:constr type="w" for="ch" forName="cycle" refType="h" refFor="ch" refForName="cycle" fact="0.26"/>
+                <dgm:constr type="l" for="ch" forName="cycle"/>
+                <dgm:constr type="ctrY" for="ch" forName="cycle" refType="h" fact="0.5"/>
+                <dgm:constr type="diam" for="ch" forName="cycle" refType="h" fact="1.344"/>
+                <dgm:constr type="h" for="ch" forName="accent_1" refType="h" fact="0.3571"/>
+                <dgm:constr type="w" for="ch" forName="accent_1" refType="h" refFor="ch" refForName="accent_1" op="equ"/>
+                <dgm:constr type="ctrY" for="ch" forName="accent_1" refType="h" fact="0.2857"/>
+                <dgm:constr type="ctrX" for="ch" forName="accent_1" refType="h" fact="0.1891"/>
+                <dgm:constr type="l" for="ch" forName="text_1" refType="ctrX" refFor="ch" refForName="accent_1"/>
+                <dgm:constr type="r" for="ch" forName="text_1" refType="w"/>
+                <dgm:constr type="w" for="ch" forName="text_1" refType="h" refFor="ch" refForName="text_1" op="gte"/>
+                <dgm:constr type="h" for="ch" forName="text_1" refType="h" refFor="ch" refForName="accent_1" fact="0.8"/>
+                <dgm:constr type="ctrY" for="ch" forName="text_1" refType="ctrY" refFor="ch" refForName="accent_1"/>
+                <dgm:constr type="lMarg" for="ch" forName="text_1" refType="w" refFor="ch" refForName="accent_1" fact="1.8"/>
+                <dgm:constr type="h" for="ch" forName="accent_2" refType="h" fact="0.3571"/>
+                <dgm:constr type="w" for="ch" forName="accent_2" refType="h" refFor="ch" refForName="accent_2" op="equ"/>
+                <dgm:constr type="ctrY" for="ch" forName="accent_2" refType="h" fact="0.7143"/>
+                <dgm:constr type="ctrX" for="ch" forName="accent_2" refType="h" fact="0.1891"/>
+                <dgm:constr type="l" for="ch" forName="text_2" refType="ctrX" refFor="ch" refForName="accent_2"/>
+                <dgm:constr type="r" for="ch" forName="text_2" refType="w"/>
+                <dgm:constr type="w" for="ch" forName="text_2" refType="h" refFor="ch" refForName="text_2" op="gte"/>
+                <dgm:constr type="h" for="ch" forName="text_2" refType="h" refFor="ch" refForName="accent_2" fact="0.8"/>
+                <dgm:constr type="ctrY" for="ch" forName="text_2" refType="ctrY" refFor="ch" refForName="accent_2"/>
+                <dgm:constr type="lMarg" for="ch" forName="text_2" refType="w" refFor="ch" refForName="accent_2" fact="1.8"/>
+                <dgm:constr type="primFontSz" for="ch" ptType="node" op="equ" val="65"/>
+              </dgm:constrLst>
+            </dgm:if>
+            <dgm:if name="Name7" axis="ch" ptType="node" func="cnt" op="equ" val="3">
+              <dgm:constrLst>
+                <dgm:constr type="h" for="ch" forName="cycle" refType="h"/>
+                <dgm:constr type="w" for="ch" forName="cycle" refType="h" refFor="ch" refForName="cycle" fact="0.26"/>
+                <dgm:constr type="l" for="ch" forName="cycle"/>
+                <dgm:constr type="ctrY" for="ch" forName="cycle" refType="h" fact="0.5"/>
+                <dgm:constr type="diam" for="ch" forName="cycle" refType="h" fact="1.344"/>
+                <dgm:constr type="h" for="ch" forName="accent_1" refType="h" fact="0.25"/>
+                <dgm:constr type="w" for="ch" forName="accent_1" refType="h" refFor="ch" refForName="accent_1" op="equ"/>
+                <dgm:constr type="ctrY" for="ch" forName="accent_1" refType="h" fact="0.2"/>
+                <dgm:constr type="ctrX" for="ch" forName="accent_1" refType="h" fact="0.1526"/>
+                <dgm:constr type="l" for="ch" forName="text_1" refType="ctrX" refFor="ch" refForName="accent_1"/>
+                <dgm:constr type="r" for="ch" forName="text_1" refType="w"/>
+                <dgm:constr type="w" for="ch" forName="text_1" refType="h" refFor="ch" refForName="text_1" op="gte"/>
+                <dgm:constr type="h" for="ch" forName="text_1" refType="h" refFor="ch" refForName="accent_1" fact="0.8"/>
+                <dgm:constr type="ctrY" for="ch" forName="text_1" refType="ctrY" refFor="ch" refForName="accent_1"/>
+                <dgm:constr type="lMarg" for="ch" forName="text_1" refType="w" refFor="ch" refForName="accent_1" fact="1.8"/>
+                <dgm:constr type="h" for="ch" forName="accent_2" refType="h" fact="0.25"/>
+                <dgm:constr type="w" for="ch" forName="accent_2" refType="h" refFor="ch" refForName="accent_2" op="equ"/>
+                <dgm:constr type="ctrY" for="ch" forName="accent_2" refType="h" fact="0.5"/>
+                <dgm:constr type="ctrX" for="ch" forName="accent_2" refType="h" fact="0.2253"/>
+                <dgm:constr type="l" for="ch" forName="text_2" refType="ctrX" refFor="ch" refForName="accent_2"/>
+                <dgm:constr type="r" for="ch" forName="text_2" refType="w"/>
+                <dgm:constr type="w" for="ch" forName="text_2" refType="h" refFor="ch" refForName="text_2" op="gte"/>
+                <dgm:constr type="h" for="ch" forName="text_2" refType="h" refFor="ch" refForName="accent_2" fact="0.8"/>
+                <dgm:constr type="ctrY" for="ch" forName="text_2" refType="ctrY" refFor="ch" refForName="accent_2"/>
+                <dgm:constr type="lMarg" for="ch" forName="text_2" refType="w" refFor="ch" refForName="accent_2" fact="1.8"/>
+                <dgm:constr type="h" for="ch" forName="accent_3" refType="h" fact="0.25"/>
+                <dgm:constr type="w" for="ch" forName="accent_3" refType="h" refFor="ch" refForName="accent_3" op="equ"/>
+                <dgm:constr type="ctrY" for="ch" forName="accent_3" refType="h" fact="0.8"/>
+                <dgm:constr type="ctrX" for="ch" forName="accent_3" refType="h" fact="0.1526"/>
+                <dgm:constr type="l" for="ch" forName="text_3" refType="ctrX" refFor="ch" refForName="accent_3"/>
+                <dgm:constr type="r" for="ch" forName="text_3" refType="w"/>
+                <dgm:constr type="w" for="ch" forName="text_3" refType="h" refFor="ch" refForName="text_3" op="gte"/>
+                <dgm:constr type="h" for="ch" forName="text_3" refType="h" refFor="ch" refForName="accent_3" fact="0.8"/>
+                <dgm:constr type="ctrY" for="ch" forName="text_3" refType="ctrY" refFor="ch" refForName="accent_3"/>
+                <dgm:constr type="lMarg" for="ch" forName="text_3" refType="w" refFor="ch" refForName="accent_3" fact="1.8"/>
+                <dgm:constr type="primFontSz" for="ch" ptType="node" op="equ" val="65"/>
+              </dgm:constrLst>
+            </dgm:if>
+            <dgm:if name="Name8" axis="ch" ptType="node" func="cnt" op="equ" val="4">
+              <dgm:constrLst>
+                <dgm:constr type="h" for="ch" forName="cycle" refType="h"/>
+                <dgm:constr type="w" for="ch" forName="cycle" refType="h" refFor="ch" refForName="cycle" fact="0.26"/>
+                <dgm:constr type="l" for="ch" forName="cycle"/>
+                <dgm:constr type="ctrY" for="ch" forName="cycle" refType="h" fact="0.5"/>
+                <dgm:constr type="diam" for="ch" forName="cycle" refType="h" fact="1.344"/>
+                <dgm:constr type="h" for="ch" forName="accent_1" refType="h" fact="0.1923"/>
+                <dgm:constr type="w" for="ch" forName="accent_1" refType="h" refFor="ch" refForName="accent_1" op="equ"/>
+                <dgm:constr type="ctrY" for="ch" forName="accent_1" refType="h" fact="0.1538"/>
+                <dgm:constr type="ctrX" for="ch" forName="accent_1" refType="h" fact="0.1268"/>
+                <dgm:constr type="l" for="ch" forName="text_1" refType="ctrX" refFor="ch" refForName="accent_1"/>
+                <dgm:constr type="r" for="ch" forName="text_1" refType="w"/>
+                <dgm:constr type="w" for="ch" forName="text_1" refType="h" refFor="ch" refForName="text_1" op="gte"/>
+                <dgm:constr type="h" for="ch" forName="text_1" refType="h" refFor="ch" refForName="accent_1" fact="0.8"/>
+                <dgm:constr type="ctrY" for="ch" forName="text_1" refType="ctrY" refFor="ch" refForName="accent_1"/>
+                <dgm:constr type="lMarg" for="ch" forName="text_1" refType="w" refFor="ch" refForName="accent_1" fact="1.8"/>
+                <dgm:constr type="h" for="ch" forName="accent_2" refType="h" fact="0.1923"/>
+                <dgm:constr type="w" for="ch" forName="accent_2" refType="h" refFor="ch" refForName="accent_2" op="equ"/>
+                <dgm:constr type="ctrY" for="ch" forName="accent_2" refType="h" fact="0.3846"/>
+                <dgm:constr type="ctrX" for="ch" forName="accent_2" refType="h" fact="0.215"/>
+                <dgm:constr type="l" for="ch" forName="text_2" refType="ctrX" refFor="ch" refForName="accent_2"/>
+                <dgm:constr type="r" for="ch" forName="text_2" refType="w"/>
+                <dgm:constr type="w" for="ch" forName="text_2" refType="h" refFor="ch" refForName="text_2" op="gte"/>
+                <dgm:constr type="h" for="ch" forName="text_2" refType="h" refFor="ch" refForName="accent_2" fact="0.8"/>
+                <dgm:constr type="ctrY" for="ch" forName="text_2" refType="ctrY" refFor="ch" refForName="accent_2"/>
+                <dgm:constr type="lMarg" for="ch" forName="text_2" refType="w" refFor="ch" refForName="accent_2" fact="1.8"/>
+                <dgm:constr type="h" for="ch" forName="accent_3" refType="h" fact="0.1923"/>
+                <dgm:constr type="w" for="ch" forName="accent_3" refType="h" refFor="ch" refForName="accent_3" op="equ"/>
+                <dgm:constr type="ctrY" for="ch" forName="accent_3" refType="h" fact="0.6154"/>
+                <dgm:constr type="ctrX" for="ch" forName="accent_3" refType="h" fact="0.215"/>
+                <dgm:constr type="l" for="ch" forName="text_3" refType="ctrX" refFor="ch" refForName="accent_3"/>
+                <dgm:constr type="r" for="ch" forName="text_3" refType="w"/>
+                <dgm:constr type="w" for="ch" forName="text_3" refType="h" refFor="ch" refForName="text_3" op="gte"/>
+                <dgm:constr type="h" for="ch" forName="text_3" refType="h" refFor="ch" refForName="accent_3" fact="0.8"/>
+                <dgm:constr type="ctrY" for="ch" forName="text_3" refType="ctrY" refFor="ch" refForName="accent_3"/>
+                <dgm:constr type="lMarg" for="ch" forName="text_3" refType="w" refFor="ch" refForName="accent_3" fact="1.8"/>
+                <dgm:constr type="h" for="ch" forName="accent_4" refType="h" fact="0.1923"/>
+                <dgm:constr type="w" for="ch" forName="accent_4" refType="h" refFor="ch" refForName="accent_4" op="equ"/>
+                <dgm:constr type="ctrY" for="ch" forName="accent_4" refType="h" fact="0.8462"/>
+                <dgm:constr type="ctrX" for="ch" forName="accent_4" refType="h" fact="0.1268"/>
+                <dgm:constr type="l" for="ch" forName="text_4" refType="ctrX" refFor="ch" refForName="accent_4"/>
+                <dgm:constr type="r" for="ch" forName="text_4" refType="w"/>
+                <dgm:constr type="w" for="ch" forName="text_4" refType="h" refFor="ch" refForName="text_4" op="gte"/>
+                <dgm:constr type="h" for="ch" forName="text_4" refType="h" refFor="ch" refForName="accent_4" fact="0.8"/>
+                <dgm:constr type="ctrY" for="ch" forName="text_4" refType="ctrY" refFor="ch" refForName="accent_4"/>
+                <dgm:constr type="lMarg" for="ch" forName="text_4" refType="w" refFor="ch" refForName="accent_4" fact="1.8"/>
+                <dgm:constr type="primFontSz" for="ch" ptType="node" op="equ" val="65"/>
+              </dgm:constrLst>
+            </dgm:if>
+            <dgm:if name="Name9" axis="ch" ptType="node" func="cnt" op="equ" val="5">
+              <dgm:constrLst>
+                <dgm:constr type="h" for="ch" forName="cycle" refType="h"/>
+                <dgm:constr type="w" for="ch" forName="cycle" refType="h" refFor="ch" refForName="cycle" fact="0.26"/>
+                <dgm:constr type="l" for="ch" forName="cycle"/>
+                <dgm:constr type="ctrY" for="ch" forName="cycle" refType="h" fact="0.5"/>
+                <dgm:constr type="diam" for="ch" forName="cycle" refType="h" fact="1.344"/>
+                <dgm:constr type="h" for="ch" forName="accent_1" refType="h" fact="0.1563"/>
+                <dgm:constr type="w" for="ch" forName="accent_1" refType="h" refFor="ch" refForName="accent_1" op="equ"/>
+                <dgm:constr type="ctrY" for="ch" forName="accent_1" refType="h" fact="0.125"/>
+                <dgm:constr type="ctrX" for="ch" forName="accent_1" refType="h" fact="0.1082"/>
+                <dgm:constr type="l" for="ch" forName="text_1" refType="ctrX" refFor="ch" refForName="accent_1"/>
+                <dgm:constr type="r" for="ch" forName="text_1" refType="w"/>
+                <dgm:constr type="w" for="ch" forName="text_1" refType="h" refFor="ch" refForName="text_1" op="gte"/>
+                <dgm:constr type="h" for="ch" forName="text_1" refType="h" refFor="ch" refForName="accent_1" fact="0.8"/>
+                <dgm:constr type="ctrY" for="ch" forName="text_1" refType="ctrY" refFor="ch" refForName="accent_1"/>
+                <dgm:constr type="lMarg" for="ch" forName="text_1" refType="w" refFor="ch" refForName="accent_1" fact="1.8"/>
+                <dgm:constr type="h" for="ch" forName="accent_2" refType="h" fact="0.1563"/>
+                <dgm:constr type="w" for="ch" forName="accent_2" refType="h" refFor="ch" refForName="accent_2" op="equ"/>
+                <dgm:constr type="ctrY" for="ch" forName="accent_2" refType="h" fact="0.3125"/>
+                <dgm:constr type="ctrX" for="ch" forName="accent_2" refType="h" fact="0.1978"/>
+                <dgm:constr type="l" for="ch" forName="text_2" refType="ctrX" refFor="ch" refForName="accent_2"/>
+                <dgm:constr type="r" for="ch" forName="text_2" refType="w"/>
+                <dgm:constr type="w" for="ch" forName="text_2" refType="h" refFor="ch" refForName="text_2" op="gte"/>
+                <dgm:constr type="h" for="ch" forName="text_2" refType="h" refFor="ch" refForName="accent_2" fact="0.8"/>
+                <dgm:constr type="ctrY" for="ch" forName="text_2" refType="ctrY" refFor="ch" refForName="accent_2"/>
+                <dgm:constr type="lMarg" for="ch" forName="text_2" refType="w" refFor="ch" refForName="accent_2" fact="1.8"/>
+                <dgm:constr type="h" for="ch" forName="accent_3" refType="h" fact="0.1563"/>
+                <dgm:constr type="w" for="ch" forName="accent_3" refType="h" refFor="ch" refForName="accent_3" op="equ"/>
+                <dgm:constr type="ctrY" for="ch" forName="accent_3" refType="h" fact="0.5"/>
+                <dgm:constr type="ctrX" for="ch" forName="accent_3" refType="h" fact="0.2253"/>
+                <dgm:constr type="l" for="ch" forName="text_3" refType="ctrX" refFor="ch" refForName="accent_3"/>
+                <dgm:constr type="r" for="ch" forName="text_3" refType="w"/>
+                <dgm:constr type="w" for="ch" forName="text_3" refType="h" refFor="ch" refForName="text_3" op="gte"/>
+                <dgm:constr type="h" for="ch" forName="text_3" refType="h" refFor="ch" refForName="accent_3" fact="0.8"/>
+                <dgm:constr type="ctrY" for="ch" forName="text_3" refType="ctrY" refFor="ch" refForName="accent_3"/>
+                <dgm:constr type="lMarg" for="ch" forName="text_3" refType="w" refFor="ch" refForName="accent_3" fact="1.8"/>
+                <dgm:constr type="h" for="ch" forName="accent_4" refType="h" fact="0.1563"/>
+                <dgm:constr type="w" for="ch" forName="accent_4" refType="h" refFor="ch" refForName="accent_4" op="equ"/>
+                <dgm:constr type="ctrY" for="ch" forName="accent_4" refType="h" fact="0.6875"/>
+                <dgm:constr type="ctrX" for="ch" forName="accent_4" refType="h" fact="0.1978"/>
+                <dgm:constr type="l" for="ch" forName="text_4" refType="ctrX" refFor="ch" refForName="accent_4"/>
+                <dgm:constr type="r" for="ch" forName="text_4" refType="w"/>
+                <dgm:constr type="w" for="ch" forName="text_4" refType="h" refFor="ch" refForName="text_4" op="gte"/>
+                <dgm:constr type="h" for="ch" forName="text_4" refType="h" refFor="ch" refForName="accent_4" fact="0.8"/>
+                <dgm:constr type="ctrY" for="ch" forName="text_4" refType="ctrY" refFor="ch" refForName="accent_4"/>
+                <dgm:constr type="lMarg" for="ch" forName="text_4" refType="w" refFor="ch" refForName="accent_4" fact="1.8"/>
+                <dgm:constr type="h" for="ch" forName="accent_5" refType="h" fact="0.1563"/>
+                <dgm:constr type="w" for="ch" forName="accent_5" refType="h" refFor="ch" refForName="accent_5" op="equ"/>
+                <dgm:constr type="ctrY" for="ch" forName="accent_5" refType="h" fact="0.875"/>
+                <dgm:constr type="ctrX" for="ch" forName="accent_5" refType="h" fact="0.1082"/>
+                <dgm:constr type="l" for="ch" forName="text_5" refType="ctrX" refFor="ch" refForName="accent_5"/>
+                <dgm:constr type="r" for="ch" forName="text_5" refType="w"/>
+                <dgm:constr type="w" for="ch" forName="text_5" refType="h" refFor="ch" refForName="text_5" op="gte"/>
+                <dgm:constr type="h" for="ch" forName="text_5" refType="h" refFor="ch" refForName="accent_5" fact="0.8"/>
+                <dgm:constr type="ctrY" for="ch" forName="text_5" refType="ctrY" refFor="ch" refForName="accent_5"/>
+                <dgm:constr type="lMarg" for="ch" forName="text_5" refType="w" refFor="ch" refForName="accent_5" fact="1.8"/>
+                <dgm:constr type="primFontSz" for="ch" ptType="node" op="equ" val="65"/>
+              </dgm:constrLst>
+            </dgm:if>
+            <dgm:if name="Name10" axis="ch" ptType="node" func="cnt" op="equ" val="6">
+              <dgm:constrLst>
+                <dgm:constr type="h" for="ch" forName="cycle" refType="h"/>
+                <dgm:constr type="w" for="ch" forName="cycle" refType="h" refFor="ch" refForName="cycle" fact="0.26"/>
+                <dgm:constr type="l" for="ch" forName="cycle"/>
+                <dgm:constr type="ctrY" for="ch" forName="cycle" refType="h" fact="0.5"/>
+                <dgm:constr type="diam" for="ch" forName="cycle" refType="h" fact="1.344"/>
+                <dgm:constr type="h" for="ch" forName="accent_1" refType="h" fact="0.1316"/>
+                <dgm:constr type="w" for="ch" forName="accent_1" refType="h" refFor="ch" refForName="accent_1" op="equ"/>
+                <dgm:constr type="ctrY" for="ch" forName="accent_1" refType="h" fact="0.1053"/>
+                <dgm:constr type="ctrX" for="ch" forName="accent_1" refType="h" fact="0.0943"/>
+                <dgm:constr type="l" for="ch" forName="text_1" refType="ctrX" refFor="ch" refForName="accent_1"/>
+                <dgm:constr type="r" for="ch" forName="text_1" refType="w"/>
+                <dgm:constr type="w" for="ch" forName="text_1" refType="h" refFor="ch" refForName="text_1" op="gte"/>
+                <dgm:constr type="h" for="ch" forName="text_1" refType="h" refFor="ch" refForName="accent_1" fact="0.8"/>
+                <dgm:constr type="ctrY" for="ch" forName="text_1" refType="ctrY" refFor="ch" refForName="accent_1"/>
+                <dgm:constr type="lMarg" for="ch" forName="text_1" refType="w" refFor="ch" refForName="accent_1" fact="1.8"/>
+                <dgm:constr type="h" for="ch" forName="accent_2" refType="h" fact="0.1316"/>
+                <dgm:constr type="w" for="ch" forName="accent_2" refType="h" refFor="ch" refForName="accent_2" op="equ"/>
+                <dgm:constr type="ctrY" for="ch" forName="accent_2" refType="h" fact="0.2632"/>
+                <dgm:constr type="ctrX" for="ch" forName="accent_2" refType="h" fact="0.1809"/>
+                <dgm:constr type="l" for="ch" forName="text_2" refType="ctrX" refFor="ch" refForName="accent_2"/>
+                <dgm:constr type="r" for="ch" forName="text_2" refType="w"/>
+                <dgm:constr type="w" for="ch" forName="text_2" refType="h" refFor="ch" refForName="text_2" op="gte"/>
+                <dgm:constr type="h" for="ch" forName="text_2" refType="h" refFor="ch" refForName="accent_2" fact="0.8"/>
+                <dgm:constr type="ctrY" for="ch" forName="text_2" refType="ctrY" refFor="ch" refForName="accent_2"/>
+                <dgm:constr type="lMarg" for="ch" forName="text_2" refType="w" refFor="ch" refForName="accent_2" fact="1.8"/>
+                <dgm:constr type="h" for="ch" forName="accent_3" refType="h" fact="0.1316"/>
+                <dgm:constr type="w" for="ch" forName="accent_3" refType="h" refFor="ch" refForName="accent_3" op="equ"/>
+                <dgm:constr type="ctrY" for="ch" forName="accent_3" refType="h" fact="0.4211"/>
+                <dgm:constr type="ctrX" for="ch" forName="accent_3" refType="h" fact="0.2205"/>
+                <dgm:constr type="l" for="ch" forName="text_3" refType="ctrX" refFor="ch" refForName="accent_3"/>
+                <dgm:constr type="r" for="ch" forName="text_3" refType="w"/>
+                <dgm:constr type="w" for="ch" forName="text_3" refType="h" refFor="ch" refForName="text_3" op="gte"/>
+                <dgm:constr type="h" for="ch" forName="text_3" refType="h" refFor="ch" refForName="accent_3" fact="0.8"/>
+                <dgm:constr type="ctrY" for="ch" forName="text_3" refType="ctrY" refFor="ch" refForName="accent_3"/>
+                <dgm:constr type="lMarg" for="ch" forName="text_3" refType="w" refFor="ch" refForName="accent_3" fact="1.8"/>
+                <dgm:constr type="h" for="ch" forName="accent_4" refType="h" fact="0.1316"/>
+                <dgm:constr type="w" for="ch" forName="accent_4" refType="h" refFor="ch" refForName="accent_4" op="equ"/>
+                <dgm:constr type="ctrY" for="ch" forName="accent_4" refType="h" fact="0.5789"/>
+                <dgm:constr type="ctrX" for="ch" forName="accent_4" refType="h" fact="0.2205"/>
+                <dgm:constr type="l" for="ch" forName="text_4" refType="ctrX" refFor="ch" refForName="accent_4"/>
+                <dgm:constr type="r" for="ch" forName="text_4" refType="w"/>
+                <dgm:constr type="w" for="ch" forName="text_4" refType="h" refFor="ch" refForName="text_4" op="gte"/>
+                <dgm:constr type="h" for="ch" forName="text_4" refType="h" refFor="ch" refForName="accent_4" fact="0.8"/>
+                <dgm:constr type="ctrY" for="ch" forName="text_4" refType="ctrY" refFor="ch" refForName="accent_4"/>
+                <dgm:constr type="lMarg" for="ch" forName="text_4" refType="w" refFor="ch" refForName="accent_4" fact="1.8"/>
+                <dgm:constr type="h" for="ch" forName="accent_5" refType="h" fact="0.1316"/>
+                <dgm:constr type="w" for="ch" forName="accent_5" refType="h" refFor="ch" refForName="accent_5" op="equ"/>
+                <dgm:constr type="ctrY" for="ch" forName="accent_5" refType="h" fact="0.7368"/>
+                <dgm:constr type="ctrX" for="ch" forName="accent_5" refType="h" fact="0.1809"/>
+                <dgm:constr type="l" for="ch" forName="text_5" refType="ctrX" refFor="ch" refForName="accent_5"/>
+                <dgm:constr type="r" for="ch" forName="text_5" refType="w"/>
+                <dgm:constr type="w" for="ch" forName="text_5" refType="h" refFor="ch" refForName="text_5" op="gte"/>
+                <dgm:constr type="h" for="ch" forName="text_5" refType="h" refFor="ch" refForName="accent_5" fact="0.8"/>
+                <dgm:constr type="ctrY" for="ch" forName="text_5" refType="ctrY" refFor="ch" refForName="accent_5"/>
+                <dgm:constr type="lMarg" for="ch" forName="text_5" refType="w" refFor="ch" refForName="accent_5" fact="1.8"/>
+                <dgm:constr type="h" for="ch" forName="accent_6" refType="h" fact="0.1316"/>
+                <dgm:constr type="w" for="ch" forName="accent_6" refType="h" refFor="ch" refForName="accent_6" op="equ"/>
+                <dgm:constr type="ctrY" for="ch" forName="accent_6" refType="h" fact="0.8947"/>
+                <dgm:constr type="ctrX" for="ch" forName="accent_6" refType="h" fact="0.0943"/>
+                <dgm:constr type="l" for="ch" forName="text_6" refType="ctrX" refFor="ch" refForName="accent_6"/>
+                <dgm:constr type="r" for="ch" forName="text_6" refType="w"/>
+                <dgm:constr type="w" for="ch" forName="text_6" refType="h" refFor="ch" refForName="text_6" op="gte"/>
+                <dgm:constr type="h" for="ch" forName="text_6" refType="h" refFor="ch" refForName="accent_6" fact="0.8"/>
+                <dgm:constr type="ctrY" for="ch" forName="text_6" refType="ctrY" refFor="ch" refForName="accent_6"/>
+                <dgm:constr type="lMarg" for="ch" forName="text_6" refType="w" refFor="ch" refForName="accent_6" fact="1.8"/>
+                <dgm:constr type="primFontSz" for="ch" ptType="node" op="equ" val="65"/>
+              </dgm:constrLst>
+            </dgm:if>
+            <dgm:else name="Name11">
+              <dgm:constrLst>
+                <dgm:constr type="h" for="ch" forName="cycle" refType="h"/>
+                <dgm:constr type="w" for="ch" forName="cycle" refType="h" refFor="ch" refForName="cycle" fact="0.26"/>
+                <dgm:constr type="l" for="ch" forName="cycle"/>
+                <dgm:constr type="ctrY" for="ch" forName="cycle" refType="h" fact="0.5"/>
+                <dgm:constr type="diam" for="ch" forName="cycle" refType="h" fact="1.344"/>
+                <dgm:constr type="h" for="ch" forName="accent_1" refType="h" fact="0.1136"/>
+                <dgm:constr type="w" for="ch" forName="accent_1" refType="h" refFor="ch" refForName="accent_1" op="equ"/>
+                <dgm:constr type="ctrY" for="ch" forName="accent_1" refType="h" fact="0.0909"/>
+                <dgm:constr type="ctrX" for="ch" forName="accent_1" refType="h" fact="0.0835"/>
+                <dgm:constr type="l" for="ch" forName="text_1" refType="ctrX" refFor="ch" refForName="accent_1"/>
+                <dgm:constr type="r" for="ch" forName="text_1" refType="w"/>
+                <dgm:constr type="w" for="ch" forName="text_1" refType="h" refFor="ch" refForName="text_1" op="gte"/>
+                <dgm:constr type="h" for="ch" forName="text_1" refType="h" refFor="ch" refForName="accent_1" fact="0.8"/>
+                <dgm:constr type="ctrY" for="ch" forName="text_1" refType="ctrY" refFor="ch" refForName="accent_1"/>
+                <dgm:constr type="lMarg" for="ch" forName="text_1" refType="w" refFor="ch" refForName="accent_1" fact="1.8"/>
+                <dgm:constr type="h" for="ch" forName="accent_2" refType="h" fact="0.1136"/>
+                <dgm:constr type="w" for="ch" forName="accent_2" refType="h" refFor="ch" refForName="accent_2" op="equ"/>
+                <dgm:constr type="ctrY" for="ch" forName="accent_2" refType="h" fact="0.2273"/>
+                <dgm:constr type="ctrX" for="ch" forName="accent_2" refType="h" fact="0.1658"/>
+                <dgm:constr type="l" for="ch" forName="text_2" refType="ctrX" refFor="ch" refForName="accent_2"/>
+                <dgm:constr type="r" for="ch" forName="text_2" refType="w"/>
+                <dgm:constr type="w" for="ch" forName="text_2" refType="h" refFor="ch" refForName="text_2" op="gte"/>
+                <dgm:constr type="h" for="ch" forName="text_2" refType="h" refFor="ch" refForName="accent_2" fact="0.8"/>
+                <dgm:constr type="ctrY" for="ch" forName="text_2" refType="ctrY" refFor="ch" refForName="accent_2"/>
+                <dgm:constr type="lMarg" for="ch" forName="text_2" refType="w" refFor="ch" refForName="accent_2" fact="1.8"/>
+                <dgm:constr type="h" for="ch" forName="accent_3" refType="h" fact="0.1136"/>
+                <dgm:constr type="w" for="ch" forName="accent_3" refType="h" refFor="ch" refForName="accent_3" op="equ"/>
+                <dgm:constr type="ctrY" for="ch" forName="accent_3" refType="h" fact="0.3636"/>
+                <dgm:constr type="ctrX" for="ch" forName="accent_3" refType="h" fact="0.2109"/>
+                <dgm:constr type="l" for="ch" forName="text_3" refType="ctrX" refFor="ch" refForName="accent_3"/>
+                <dgm:constr type="r" for="ch" forName="text_3" refType="w"/>
+                <dgm:constr type="w" for="ch" forName="text_3" refType="h" refFor="ch" refForName="text_3" op="gte"/>
+                <dgm:constr type="h" for="ch" forName="text_3" refType="h" refFor="ch" refForName="accent_3" fact="0.8"/>
+                <dgm:constr type="ctrY" for="ch" forName="text_3" refType="ctrY" refFor="ch" refForName="accent_3"/>
+                <dgm:constr type="lMarg" for="ch" forName="text_3" refType="w" refFor="ch" refForName="accent_3" fact="1.8"/>
+                <dgm:constr type="h" for="ch" forName="accent_4" refType="h" fact="0.1136"/>
+                <dgm:constr type="w" for="ch" forName="accent_4" refType="h" refFor="ch" refForName="accent_4" op="equ"/>
+                <dgm:constr type="ctrY" for="ch" forName="accent_4" refType="h" fact="0.5"/>
+                <dgm:constr type="ctrX" for="ch" forName="accent_4" refType="h" fact="0.2253"/>
+                <dgm:constr type="l" for="ch" forName="text_4" refType="ctrX" refFor="ch" refForName="accent_4"/>
+                <dgm:constr type="r" for="ch" forName="text_4" refType="w"/>
+                <dgm:constr type="w" for="ch" forName="text_4" refType="h" refFor="ch" refForName="text_4" op="gte"/>
+                <dgm:constr type="h" for="ch" forName="text_4" refType="h" refFor="ch" refForName="accent_4" fact="0.8"/>
+                <dgm:constr type="ctrY" for="ch" forName="text_4" refType="ctrY" refFor="ch" refForName="accent_4"/>
+                <dgm:constr type="lMarg" for="ch" forName="text_4" refType="w" refFor="ch" refForName="accent_4" fact="1.8"/>
+                <dgm:constr type="h" for="ch" forName="accent_5" refType="h" fact="0.1136"/>
+                <dgm:constr type="w" for="ch" forName="accent_5" refType="h" refFor="ch" refForName="accent_5" op="equ"/>
+                <dgm:constr type="ctrY" for="ch" forName="accent_5" refType="h" fact="0.6364"/>
+                <dgm:constr type="ctrX" for="ch" forName="accent_5" refType="h" fact="0.2109"/>
+                <dgm:constr type="l" for="ch" forName="text_5" refType="ctrX" refFor="ch" refForName="accent_5"/>
+                <dgm:constr type="r" for="ch" forName="text_5" refType="w"/>
+                <dgm:constr type="w" for="ch" forName="text_5" refType="h" refFor="ch" refForName="text_5" op="gte"/>
+                <dgm:constr type="h" for="ch" forName="text_5" refType="h" refFor="ch" refForName="accent_5" fact="0.8"/>
+                <dgm:constr type="ctrY" for="ch" forName="text_5" refType="ctrY" refFor="ch" refForName="accent_5"/>
+                <dgm:constr type="lMarg" for="ch" forName="text_5" refType="w" refFor="ch" refForName="accent_5" fact="1.8"/>
+                <dgm:constr type="h" for="ch" forName="accent_6" refType="h" fact="0.1136"/>
+                <dgm:constr type="w" for="ch" forName="accent_6" refType="h" refFor="ch" refForName="accent_6" op="equ"/>
+                <dgm:constr type="ctrY" for="ch" forName="accent_6" refType="h" fact="0.7727"/>
+                <dgm:constr type="ctrX" for="ch" forName="accent_6" refType="h" fact="0.1658"/>
+                <dgm:constr type="l" for="ch" forName="text_6" refType="ctrX" refFor="ch" refForName="accent_6"/>
+                <dgm:constr type="r" for="ch" forName="text_6" refType="w"/>
+                <dgm:constr type="w" for="ch" forName="text_6" refType="h" refFor="ch" refForName="text_6" op="gte"/>
+                <dgm:constr type="h" for="ch" forName="text_6" refType="h" refFor="ch" refForName="accent_6" fact="0.8"/>
+                <dgm:constr type="ctrY" for="ch" forName="text_6" refType="ctrY" refFor="ch" refForName="accent_6"/>
+                <dgm:constr type="lMarg" for="ch" forName="text_6" refType="w" refFor="ch" refForName="accent_6" fact="1.8"/>
+                <dgm:constr type="h" for="ch" forName="accent_7" refType="h" fact="0.1136"/>
+                <dgm:constr type="w" for="ch" forName="accent_7" refType="h" refFor="ch" refForName="accent_7" op="equ"/>
+                <dgm:constr type="ctrY" for="ch" forName="accent_7" refType="h" fact="0.9091"/>
+                <dgm:constr type="ctrX" for="ch" forName="accent_7" refType="h" fact="0.0835"/>
+                <dgm:constr type="l" for="ch" forName="text_7" refType="ctrX" refFor="ch" refForName="accent_7"/>
+                <dgm:constr type="r" for="ch" forName="text_7" refType="w"/>
+                <dgm:constr type="w" for="ch" forName="text_7" refType="h" refFor="ch" refForName="text_7" op="gte"/>
+                <dgm:constr type="h" for="ch" forName="text_7" refType="h" refFor="ch" refForName="accent_7" fact="0.8"/>
+                <dgm:constr type="ctrY" for="ch" forName="text_7" refType="ctrY" refFor="ch" refForName="accent_7"/>
+                <dgm:constr type="lMarg" for="ch" forName="text_7" refType="w" refFor="ch" refForName="accent_7" fact="1.8"/>
+                <dgm:constr type="primFontSz" for="ch" ptType="node" op="equ" val="65"/>
+              </dgm:constrLst>
+            </dgm:else>
+          </dgm:choose>
+        </dgm:if>
+        <dgm:else name="Name12">
+          <dgm:choose name="Name13">
+            <dgm:if name="Name14" axis="ch" ptType="node" func="cnt" op="equ" val="1">
+              <dgm:constrLst>
+                <dgm:constr type="h" for="ch" forName="cycle" refType="h"/>
+                <dgm:constr type="w" for="ch" forName="cycle" refType="h" refFor="ch" refForName="cycle" fact="0.26"/>
+                <dgm:constr type="r" for="ch" forName="cycle" refType="w"/>
+                <dgm:constr type="ctrY" for="ch" forName="cycle" refType="h" fact="0.5"/>
+                <dgm:constr type="diam" for="ch" forName="cycle" refType="h" fact="1.344"/>
+                <dgm:constr type="h" for="ch" forName="accent_1" refType="h" fact="0.625"/>
+                <dgm:constr type="w" for="ch" forName="accent_1" refType="h" refFor="ch" refForName="accent_1" op="equ"/>
+                <dgm:constr type="ctrY" for="ch" forName="accent_1" refType="h" fact="0.5"/>
+                <dgm:constr type="ctrX" for="ch" forName="accent_1" refType="w"/>
+                <dgm:constr type="ctrXOff" for="ch" forName="accent_1" refType="h" fact="-0.2253"/>
+                <dgm:constr type="r" for="ch" forName="text_1" refType="ctrX" refFor="ch" refForName="accent_1"/>
+                <dgm:constr type="rOff" for="ch" forName="text_1" refType="ctrXOff" refFor="ch" refForName="accent_1"/>
+                <dgm:constr type="l" for="ch" forName="text_1"/>
+                <dgm:constr type="w" for="ch" forName="text_1" refType="h" refFor="ch" refForName="text_1" op="gte"/>
+                <dgm:constr type="h" for="ch" forName="text_1" refType="h" refFor="ch" refForName="accent_1" fact="0.8"/>
+                <dgm:constr type="ctrY" for="ch" forName="text_1" refType="ctrY" refFor="ch" refForName="accent_1"/>
+                <dgm:constr type="rMarg" for="ch" forName="text_1" refType="w" refFor="ch" refForName="accent_1" fact="1.8"/>
+                <dgm:constr type="primFontSz" for="ch" ptType="node" op="equ" val="65"/>
+              </dgm:constrLst>
+            </dgm:if>
+            <dgm:if name="Name15" axis="ch" ptType="node" func="cnt" op="equ" val="2">
+              <dgm:constrLst>
+                <dgm:constr type="h" for="ch" forName="cycle" refType="h"/>
+                <dgm:constr type="w" for="ch" forName="cycle" refType="h" refFor="ch" refForName="cycle" fact="0.26"/>
+                <dgm:constr type="r" for="ch" forName="cycle" refType="w"/>
+                <dgm:constr type="ctrY" for="ch" forName="cycle" refType="h" fact="0.5"/>
+                <dgm:constr type="diam" for="ch" forName="cycle" refType="h" fact="1.344"/>
+                <dgm:constr type="h" for="ch" forName="accent_1" refType="h" fact="0.3571"/>
+                <dgm:constr type="w" for="ch" forName="accent_1" refType="h" refFor="ch" refForName="accent_1" op="equ"/>
+                <dgm:constr type="ctrY" for="ch" forName="accent_1" refType="h" fact="0.2857"/>
+                <dgm:constr type="ctrX" for="ch" forName="accent_1" refType="w"/>
+                <dgm:constr type="ctrXOff" for="ch" forName="accent_1" refType="h" fact="-0.1891"/>
+                <dgm:constr type="r" for="ch" forName="text_1" refType="ctrX" refFor="ch" refForName="accent_1"/>
+                <dgm:constr type="rOff" for="ch" forName="text_1" refType="ctrXOff" refFor="ch" refForName="accent_1"/>
+                <dgm:constr type="l" for="ch" forName="text_1"/>
+                <dgm:constr type="w" for="ch" forName="text_1" refType="h" refFor="ch" refForName="text_1" op="gte"/>
+                <dgm:constr type="h" for="ch" forName="text_1" refType="h" refFor="ch" refForName="accent_1" fact="0.8"/>
+                <dgm:constr type="ctrY" for="ch" forName="text_1" refType="ctrY" refFor="ch" refForName="accent_1"/>
+                <dgm:constr type="rMarg" for="ch" forName="text_1" refType="w" refFor="ch" refForName="accent_1" fact="1.8"/>
+                <dgm:constr type="h" for="ch" forName="accent_2" refType="h" fact="0.3571"/>
+                <dgm:constr type="w" for="ch" forName="accent_2" refType="h" refFor="ch" refForName="accent_2" op="equ"/>
+                <dgm:constr type="ctrY" for="ch" forName="accent_2" refType="h" fact="0.7143"/>
+                <dgm:constr type="ctrX" for="ch" forName="accent_2" refType="w"/>
+                <dgm:constr type="ctrXOff" for="ch" forName="accent_2" refType="h" fact="-0.1891"/>
+                <dgm:constr type="r" for="ch" forName="text_2" refType="ctrX" refFor="ch" refForName="accent_2"/>
+                <dgm:constr type="rOff" for="ch" forName="text_2" refType="ctrXOff" refFor="ch" refForName="accent_2"/>
+                <dgm:constr type="l" for="ch" forName="text_2"/>
+                <dgm:constr type="w" for="ch" forName="text_2" refType="h" refFor="ch" refForName="text_2" op="gte"/>
+                <dgm:constr type="h" for="ch" forName="text_2" refType="h" refFor="ch" refForName="accent_2" fact="0.8"/>
+                <dgm:constr type="ctrY" for="ch" forName="text_2" refType="ctrY" refFor="ch" refForName="accent_2"/>
+                <dgm:constr type="rMarg" for="ch" forName="text_2" refType="w" refFor="ch" refForName="accent_2" fact="1.8"/>
+                <dgm:constr type="primFontSz" for="ch" ptType="node" op="equ" val="65"/>
+              </dgm:constrLst>
+            </dgm:if>
+            <dgm:if name="Name16" axis="ch" ptType="node" func="cnt" op="equ" val="3">
+              <dgm:constrLst>
+                <dgm:constr type="h" for="ch" forName="cycle" refType="h"/>
+                <dgm:constr type="w" for="ch" forName="cycle" refType="h" refFor="ch" refForName="cycle" fact="0.26"/>
+                <dgm:constr type="r" for="ch" forName="cycle" refType="w"/>
+                <dgm:constr type="ctrY" for="ch" forName="cycle" refType="h" fact="0.5"/>
+                <dgm:constr type="diam" for="ch" forName="cycle" refType="h" fact="1.344"/>
+                <dgm:constr type="h" for="ch" forName="accent_1" refType="h" fact="0.25"/>
+                <dgm:constr type="w" for="ch" forName="accent_1" refType="h" refFor="ch" refForName="accent_1" op="equ"/>
+                <dgm:constr type="ctrY" for="ch" forName="accent_1" refType="h" fact="0.2"/>
+                <dgm:constr type="ctrX" for="ch" forName="accent_1" refType="w"/>
+                <dgm:constr type="ctrXOff" for="ch" forName="accent_1" refType="h" fact="-0.1526"/>
+                <dgm:constr type="r" for="ch" forName="text_1" refType="ctrX" refFor="ch" refForName="accent_1"/>
+                <dgm:constr type="rOff" for="ch" forName="text_1" refType="ctrXOff" refFor="ch" refForName="accent_1"/>
+                <dgm:constr type="l" for="ch" forName="text_1"/>
+                <dgm:constr type="w" for="ch" forName="text_1" refType="h" refFor="ch" refForName="text_1" op="gte"/>
+                <dgm:constr type="h" for="ch" forName="text_1" refType="h" refFor="ch" refForName="accent_1" fact="0.8"/>
+                <dgm:constr type="ctrY" for="ch" forName="text_1" refType="ctrY" refFor="ch" refForName="accent_1"/>
+                <dgm:constr type="rMarg" for="ch" forName="text_1" refType="w" refFor="ch" refForName="accent_1" fact="1.8"/>
+                <dgm:constr type="h" for="ch" forName="accent_2" refType="h" fact="0.25"/>
+                <dgm:constr type="w" for="ch" forName="accent_2" refType="h" refFor="ch" refForName="accent_2" op="equ"/>
+                <dgm:constr type="ctrY" for="ch" forName="accent_2" refType="h" fact="0.5"/>
+                <dgm:constr type="ctrX" for="ch" forName="accent_2" refType="w"/>
+                <dgm:constr type="ctrXOff" for="ch" forName="accent_2" refType="h" fact="-0.2253"/>
+                <dgm:constr type="r" for="ch" forName="text_2" refType="ctrX" refFor="ch" refForName="accent_2"/>
+                <dgm:constr type="rOff" for="ch" forName="text_2" refType="ctrXOff" refFor="ch" refForName="accent_2"/>
+                <dgm:constr type="l" for="ch" forName="text_2"/>
+                <dgm:constr type="w" for="ch" forName="text_2" refType="h" refFor="ch" refForName="text_2" op="gte"/>
+                <dgm:constr type="h" for="ch" forName="text_2" refType="h" refFor="ch" refForName="accent_2" fact="0.8"/>
+                <dgm:constr type="ctrY" for="ch" forName="text_2" refType="ctrY" refFor="ch" refForName="accent_2"/>
+                <dgm:constr type="rMarg" for="ch" forName="text_2" refType="w" refFor="ch" refForName="accent_2" fact="1.8"/>
+                <dgm:constr type="h" for="ch" forName="accent_3" refType="h" fact="0.25"/>
+                <dgm:constr type="w" for="ch" forName="accent_3" refType="h" refFor="ch" refForName="accent_3" op="equ"/>
+                <dgm:constr type="ctrY" for="ch" forName="accent_3" refType="h" fact="0.8"/>
+                <dgm:constr type="ctrX" for="ch" forName="accent_3" refType="w"/>
+                <dgm:constr type="ctrXOff" for="ch" forName="accent_3" refType="h" fact="-0.1526"/>
+                <dgm:constr type="r" for="ch" forName="text_3" refType="ctrX" refFor="ch" refForName="accent_3"/>
+                <dgm:constr type="rOff" for="ch" forName="text_3" refType="ctrXOff" refFor="ch" refForName="accent_3"/>
+                <dgm:constr type="l" for="ch" forName="text_3"/>
+                <dgm:constr type="w" for="ch" forName="text_3" refType="h" refFor="ch" refForName="text_3" op="gte"/>
+                <dgm:constr type="h" for="ch" forName="text_3" refType="h" refFor="ch" refForName="accent_3" fact="0.8"/>
+                <dgm:constr type="ctrY" for="ch" forName="text_3" refType="ctrY" refFor="ch" refForName="accent_3"/>
+                <dgm:constr type="rMarg" for="ch" forName="text_3" refType="w" refFor="ch" refForName="accent_3" fact="1.8"/>
+                <dgm:constr type="primFontSz" for="ch" ptType="node" op="equ" val="65"/>
+              </dgm:constrLst>
+            </dgm:if>
+            <dgm:if name="Name17" axis="ch" ptType="node" func="cnt" op="equ" val="4">
+              <dgm:constrLst>
+                <dgm:constr type="h" for="ch" forName="cycle" refType="h"/>
+                <dgm:constr type="w" for="ch" forName="cycle" refType="h" refFor="ch" refForName="cycle" fact="0.26"/>
+                <dgm:constr type="r" for="ch" forName="cycle" refType="w"/>
+                <dgm:constr type="ctrY" for="ch" forName="cycle" refType="h" fact="0.5"/>
+                <dgm:constr type="diam" for="ch" forName="cycle" refType="h" fact="1.344"/>
+                <dgm:constr type="h" for="ch" forName="accent_1" refType="h" fact="0.1923"/>
+                <dgm:constr type="w" for="ch" forName="accent_1" refType="h" refFor="ch" refForName="accent_1" op="equ"/>
+                <dgm:constr type="ctrY" for="ch" forName="accent_1" refType="h" fact="0.1538"/>
+                <dgm:constr type="ctrX" for="ch" forName="accent_1" refType="w"/>
+                <dgm:constr type="ctrXOff" for="ch" forName="accent_1" refType="h" fact="-0.1268"/>
+                <dgm:constr type="r" for="ch" forName="text_1" refType="ctrX" refFor="ch" refForName="accent_1"/>
+                <dgm:constr type="rOff" for="ch" forName="text_1" refType="ctrXOff" refFor="ch" refForName="accent_1"/>
+                <dgm:constr type="l" for="ch" forName="text_1"/>
+                <dgm:constr type="w" for="ch" forName="text_1" refType="h" refFor="ch" refForName="text_1" op="gte"/>
+                <dgm:constr type="h" for="ch" forName="text_1" refType="h" refFor="ch" refForName="accent_1" fact="0.8"/>
+                <dgm:constr type="ctrY" for="ch" forName="text_1" refType="ctrY" refFor="ch" refForName="accent_1"/>
+                <dgm:constr type="rMarg" for="ch" forName="text_1" refType="w" refFor="ch" refForName="accent_1" fact="1.8"/>
+                <dgm:constr type="h" for="ch" forName="accent_2" refType="h" fact="0.1923"/>
+                <dgm:constr type="w" for="ch" forName="accent_2" refType="h" refFor="ch" refForName="accent_2" op="equ"/>
+                <dgm:constr type="ctrY" for="ch" forName="accent_2" refType="h" fact="0.3846"/>
+                <dgm:constr type="ctrX" for="ch" forName="accent_2" refType="w"/>
+                <dgm:constr type="ctrXOff" for="ch" forName="accent_2" refType="h" fact="-0.215"/>
+                <dgm:constr type="r" for="ch" forName="text_2" refType="ctrX" refFor="ch" refForName="accent_2"/>
+                <dgm:constr type="rOff" for="ch" forName="text_2" refType="ctrXOff" refFor="ch" refForName="accent_2"/>
+                <dgm:constr type="l" for="ch" forName="text_2"/>
+                <dgm:constr type="w" for="ch" forName="text_2" refType="h" refFor="ch" refForName="text_2" op="gte"/>
+                <dgm:constr type="h" for="ch" forName="text_2" refType="h" refFor="ch" refForName="accent_2" fact="0.8"/>
+                <dgm:constr type="ctrY" for="ch" forName="text_2" refType="ctrY" refFor="ch" refForName="accent_2"/>
+                <dgm:constr type="rMarg" for="ch" forName="text_2" refType="w" refFor="ch" refForName="accent_2" fact="1.8"/>
+                <dgm:constr type="h" for="ch" forName="accent_3" refType="h" fact="0.1923"/>
+                <dgm:constr type="w" for="ch" forName="accent_3" refType="h" refFor="ch" refForName="accent_3" op="equ"/>
+                <dgm:constr type="ctrY" for="ch" forName="accent_3" refType="h" fact="0.6154"/>
+                <dgm:constr type="ctrX" for="ch" forName="accent_3" refType="w"/>
+                <dgm:constr type="ctrXOff" for="ch" forName="accent_3" refType="h" fact="-0.215"/>
+                <dgm:constr type="r" for="ch" forName="text_3" refType="ctrX" refFor="ch" refForName="accent_3"/>
+                <dgm:constr type="rOff" for="ch" forName="text_3" refType="ctrXOff" refFor="ch" refForName="accent_3"/>
+                <dgm:constr type="l" for="ch" forName="text_3"/>
+                <dgm:constr type="w" for="ch" forName="text_3" refType="h" refFor="ch" refForName="text_3" op="gte"/>
+                <dgm:constr type="h" for="ch" forName="text_3" refType="h" refFor="ch" refForName="accent_3" fact="0.8"/>
+                <dgm:constr type="ctrY" for="ch" forName="text_3" refType="ctrY" refFor="ch" refForName="accent_3"/>
+                <dgm:constr type="rMarg" for="ch" forName="text_3" refType="w" refFor="ch" refForName="accent_3" fact="1.8"/>
+                <dgm:constr type="h" for="ch" forName="accent_4" refType="h" fact="0.1923"/>
+                <dgm:constr type="w" for="ch" forName="accent_4" refType="h" refFor="ch" refForName="accent_4" op="equ"/>
+                <dgm:constr type="ctrY" for="ch" forName="accent_4" refType="h" fact="0.8462"/>
+                <dgm:constr type="ctrX" for="ch" forName="accent_4" refType="w"/>
+                <dgm:constr type="ctrXOff" for="ch" forName="accent_4" refType="h" fact="-0.1268"/>
+                <dgm:constr type="r" for="ch" forName="text_4" refType="ctrX" refFor="ch" refForName="accent_4"/>
+                <dgm:constr type="rOff" for="ch" forName="text_4" refType="ctrXOff" refFor="ch" refForName="accent_4"/>
+                <dgm:constr type="l" for="ch" forName="text_4"/>
+                <dgm:constr type="w" for="ch" forName="text_4" refType="h" refFor="ch" refForName="text_4" op="gte"/>
+                <dgm:constr type="h" for="ch" forName="text_4" refType="h" refFor="ch" refForName="accent_4" fact="0.8"/>
+                <dgm:constr type="ctrY" for="ch" forName="text_4" refType="ctrY" refFor="ch" refForName="accent_4"/>
+                <dgm:constr type="rMarg" for="ch" forName="text_4" refType="w" refFor="ch" refForName="accent_4" fact="1.8"/>
+                <dgm:constr type="primFontSz" for="ch" ptType="node" op="equ" val="65"/>
+              </dgm:constrLst>
+            </dgm:if>
+            <dgm:if name="Name18" axis="ch" ptType="node" func="cnt" op="equ" val="5">
+              <dgm:constrLst>
+                <dgm:constr type="h" for="ch" forName="cycle" refType="h"/>
+                <dgm:constr type="w" for="ch" forName="cycle" refType="h" refFor="ch" refForName="cycle" fact="0.26"/>
+                <dgm:constr type="r" for="ch" forName="cycle" refType="w"/>
+                <dgm:constr type="ctrY" for="ch" forName="cycle" refType="h" fact="0.5"/>
+                <dgm:constr type="diam" for="ch" forName="cycle" refType="h" fact="1.344"/>
+                <dgm:constr type="h" for="ch" forName="accent_1" refType="h" fact="0.1563"/>
+                <dgm:constr type="w" for="ch" forName="accent_1" refType="h" refFor="ch" refForName="accent_1" op="equ"/>
+                <dgm:constr type="ctrY" for="ch" forName="accent_1" refType="h" fact="0.125"/>
+                <dgm:constr type="ctrX" for="ch" forName="accent_1" refType="w"/>
+                <dgm:constr type="ctrXOff" for="ch" forName="accent_1" refType="h" fact="-0.1082"/>
+                <dgm:constr type="r" for="ch" forName="text_1" refType="ctrX" refFor="ch" refForName="accent_1"/>
+                <dgm:constr type="rOff" for="ch" forName="text_1" refType="ctrXOff" refFor="ch" refForName="accent_1"/>
+                <dgm:constr type="l" for="ch" forName="text_1"/>
+                <dgm:constr type="w" for="ch" forName="text_1" refType="h" refFor="ch" refForName="text_1" op="gte"/>
+                <dgm:constr type="h" for="ch" forName="text_1" refType="h" refFor="ch" refForName="accent_1" fact="0.8"/>
+                <dgm:constr type="ctrY" for="ch" forName="text_1" refType="ctrY" refFor="ch" refForName="accent_1"/>
+                <dgm:constr type="rMarg" for="ch" forName="text_1" refType="w" refFor="ch" refForName="accent_1" fact="1.8"/>
+                <dgm:constr type="h" for="ch" forName="accent_2" refType="h" fact="0.1563"/>
+                <dgm:constr type="w" for="ch" forName="accent_2" refType="h" refFor="ch" refForName="accent_2" op="equ"/>
+                <dgm:constr type="ctrY" for="ch" forName="accent_2" refType="h" fact="0.3125"/>
+                <dgm:constr type="ctrX" for="ch" forName="accent_2" refType="w"/>
+                <dgm:constr type="ctrXOff" for="ch" forName="accent_2" refType="h" fact="-0.1978"/>
+                <dgm:constr type="r" for="ch" forName="text_2" refType="ctrX" refFor="ch" refForName="accent_2"/>
+                <dgm:constr type="rOff" for="ch" forName="text_2" refType="ctrXOff" refFor="ch" refForName="accent_2"/>
+                <dgm:constr type="l" for="ch" forName="text_2"/>
+                <dgm:constr type="w" for="ch" forName="text_2" refType="h" refFor="ch" refForName="text_2" op="gte"/>
+                <dgm:constr type="h" for="ch" forName="text_2" refType="h" refFor="ch" refForName="accent_2" fact="0.8"/>
+                <dgm:constr type="ctrY" for="ch" forName="text_2" refType="ctrY" refFor="ch" refForName="accent_2"/>
+                <dgm:constr type="rMarg" for="ch" forName="text_2" refType="w" refFor="ch" refForName="accent_2" fact="1.8"/>
+                <dgm:constr type="h" for="ch" forName="accent_3" refType="h" fact="0.1563"/>
+                <dgm:constr type="w" for="ch" forName="accent_3" refType="h" refFor="ch" refForName="accent_3" op="equ"/>
+                <dgm:constr type="ctrY" for="ch" forName="accent_3" refType="h" fact="0.5"/>
+                <dgm:constr type="ctrX" for="ch" forName="accent_3" refType="w"/>
+                <dgm:constr type="ctrXOff" for="ch" forName="accent_3" refType="h" fact="-0.2253"/>
+                <dgm:constr type="r" for="ch" forName="text_3" refType="ctrX" refFor="ch" refForName="accent_3"/>
+                <dgm:constr type="rOff" for="ch" forName="text_3" refType="ctrXOff" refFor="ch" refForName="accent_3"/>
+                <dgm:constr type="l" for="ch" forName="text_3"/>
+                <dgm:constr type="w" for="ch" forName="text_3" refType="h" refFor="ch" refForName="text_3" op="gte"/>
+                <dgm:constr type="h" for="ch" forName="text_3" refType="h" refFor="ch" refForName="accent_3" fact="0.8"/>
+                <dgm:constr type="ctrY" for="ch" forName="text_3" refType="ctrY" refFor="ch" refForName="accent_3"/>
+                <dgm:constr type="rMarg" for="ch" forName="text_3" refType="w" refFor="ch" refForName="accent_3" fact="1.8"/>
+                <dgm:constr type="h" for="ch" forName="accent_4" refType="h" fact="0.1563"/>
+                <dgm:constr type="w" for="ch" forName="accent_4" refType="h" refFor="ch" refForName="accent_4" op="equ"/>
+                <dgm:constr type="ctrY" for="ch" forName="accent_4" refType="h" fact="0.6875"/>
+                <dgm:constr type="ctrX" for="ch" forName="accent_4" refType="w"/>
+                <dgm:constr type="ctrXOff" for="ch" forName="accent_4" refType="h" fact="-0.1978"/>
+                <dgm:constr type="r" for="ch" forName="text_4" refType="ctrX" refFor="ch" refForName="accent_4"/>
+                <dgm:constr type="rOff" for="ch" forName="text_4" refType="ctrXOff" refFor="ch" refForName="accent_4"/>
+                <dgm:constr type="l" for="ch" forName="text_4"/>
+                <dgm:constr type="w" for="ch" forName="text_4" refType="h" refFor="ch" refForName="text_4" op="gte"/>
+                <dgm:constr type="h" for="ch" forName="text_4" refType="h" refFor="ch" refForName="accent_4" fact="0.8"/>
+                <dgm:constr type="ctrY" for="ch" forName="text_4" refType="ctrY" refFor="ch" refForName="accent_4"/>
+                <dgm:constr type="rMarg" for="ch" forName="text_4" refType="w" refFor="ch" refForName="accent_4" fact="1.8"/>
+                <dgm:constr type="h" for="ch" forName="accent_5" refType="h" fact="0.1563"/>
+                <dgm:constr type="w" for="ch" forName="accent_5" refType="h" refFor="ch" refForName="accent_5" op="equ"/>
+                <dgm:constr type="ctrY" for="ch" forName="accent_5" refType="h" fact="0.875"/>
+                <dgm:constr type="ctrX" for="ch" forName="accent_5" refType="w"/>
+                <dgm:constr type="ctrXOff" for="ch" forName="accent_5" refType="h" fact="-0.1082"/>
+                <dgm:constr type="r" for="ch" forName="text_5" refType="ctrX" refFor="ch" refForName="accent_5"/>
+                <dgm:constr type="rOff" for="ch" forName="text_5" refType="ctrXOff" refFor="ch" refForName="accent_5"/>
+                <dgm:constr type="l" for="ch" forName="text_5"/>
+                <dgm:constr type="w" for="ch" forName="text_5" refType="h" refFor="ch" refForName="text_5" op="gte"/>
+                <dgm:constr type="h" for="ch" forName="text_5" refType="h" refFor="ch" refForName="accent_5" fact="0.8"/>
+                <dgm:constr type="ctrY" for="ch" forName="text_5" refType="ctrY" refFor="ch" refForName="accent_5"/>
+                <dgm:constr type="rMarg" for="ch" forName="text_5" refType="w" refFor="ch" refForName="accent_5" fact="1.8"/>
+                <dgm:constr type="primFontSz" for="ch" ptType="node" op="equ" val="65"/>
+              </dgm:constrLst>
+            </dgm:if>
+            <dgm:if name="Name19" axis="ch" ptType="node" func="cnt" op="equ" val="6">
+              <dgm:constrLst>
+                <dgm:constr type="h" for="ch" forName="cycle" refType="h"/>
+                <dgm:constr type="w" for="ch" forName="cycle" refType="h" refFor="ch" refForName="cycle" fact="0.26"/>
+                <dgm:constr type="r" for="ch" forName="cycle" refType="w"/>
+                <dgm:constr type="ctrY" for="ch" forName="cycle" refType="h" fact="0.5"/>
+                <dgm:constr type="diam" for="ch" forName="cycle" refType="h" fact="1.344"/>
+                <dgm:constr type="h" for="ch" forName="accent_1" refType="h" fact="0.1316"/>
+                <dgm:constr type="w" for="ch" forName="accent_1" refType="h" refFor="ch" refForName="accent_1" op="equ"/>
+                <dgm:constr type="ctrY" for="ch" forName="accent_1" refType="h" fact="0.1053"/>
+                <dgm:constr type="ctrX" for="ch" forName="accent_1" refType="w"/>
+                <dgm:constr type="ctrXOff" for="ch" forName="accent_1" refType="h" fact="-0.0943"/>
+                <dgm:constr type="r" for="ch" forName="text_1" refType="ctrX" refFor="ch" refForName="accent_1"/>
+                <dgm:constr type="rOff" for="ch" forName="text_1" refType="ctrXOff" refFor="ch" refForName="accent_1"/>
+                <dgm:constr type="l" for="ch" forName="text_1"/>
+                <dgm:constr type="w" for="ch" forName="text_1" refType="h" refFor="ch" refForName="text_1" op="gte"/>
+                <dgm:constr type="h" for="ch" forName="text_1" refType="h" refFor="ch" refForName="accent_1" fact="0.8"/>
+                <dgm:constr type="ctrY" for="ch" forName="text_1" refType="ctrY" refFor="ch" refForName="accent_1"/>
+                <dgm:constr type="rMarg" for="ch" forName="text_1" refType="w" refFor="ch" refForName="accent_1" fact="1.8"/>
+                <dgm:constr type="h" for="ch" forName="accent_2" refType="h" fact="0.1316"/>
+                <dgm:constr type="w" for="ch" forName="accent_2" refType="h" refFor="ch" refForName="accent_2" op="equ"/>
+                <dgm:constr type="ctrY" for="ch" forName="accent_2" refType="h" fact="0.2632"/>
+                <dgm:constr type="ctrX" for="ch" forName="accent_2" refType="w"/>
+                <dgm:constr type="ctrXOff" for="ch" forName="accent_2" refType="h" fact="-0.1809"/>
+                <dgm:constr type="r" for="ch" forName="text_2" refType="ctrX" refFor="ch" refForName="accent_2"/>
+                <dgm:constr type="rOff" for="ch" forName="text_2" refType="ctrXOff" refFor="ch" refForName="accent_2"/>
+                <dgm:constr type="l" for="ch" forName="text_2"/>
+                <dgm:constr type="w" for="ch" forName="text_2" refType="h" refFor="ch" refForName="text_2" op="gte"/>
+                <dgm:constr type="h" for="ch" forName="text_2" refType="h" refFor="ch" refForName="accent_2" fact="0.8"/>
+                <dgm:constr type="ctrY" for="ch" forName="text_2" refType="ctrY" refFor="ch" refForName="accent_2"/>
+                <dgm:constr type="rMarg" for="ch" forName="text_2" refType="w" refFor="ch" refForName="accent_2" fact="1.8"/>
+                <dgm:constr type="h" for="ch" forName="accent_3" refType="h" fact="0.1316"/>
+                <dgm:constr type="w" for="ch" forName="accent_3" refType="h" refFor="ch" refForName="accent_3" op="equ"/>
+                <dgm:constr type="ctrY" for="ch" forName="accent_3" refType="h" fact="0.4211"/>
+                <dgm:constr type="ctrX" for="ch" forName="accent_3" refType="w"/>
+                <dgm:constr type="ctrXOff" for="ch" forName="accent_3" refType="h" fact="-0.2205"/>
+                <dgm:constr type="r" for="ch" forName="text_3" refType="ctrX" refFor="ch" refForName="accent_3"/>
+                <dgm:constr type="rOff" for="ch" forName="text_3" refType="ctrXOff" refFor="ch" refForName="accent_3"/>
+                <dgm:constr type="l" for="ch" forName="text_3"/>
+                <dgm:constr type="w" for="ch" forName="text_3" refType="h" refFor="ch" refForName="text_3" op="gte"/>
+                <dgm:constr type="h" for="ch" forName="text_3" refType="h" refFor="ch" refForName="accent_3" fact="0.8"/>
+                <dgm:constr type="ctrY" for="ch" forName="text_3" refType="ctrY" refFor="ch" refForName="accent_3"/>
+                <dgm:constr type="rMarg" for="ch" forName="text_3" refType="w" refFor="ch" refForName="accent_3" fact="1.8"/>
+                <dgm:constr type="h" for="ch" forName="accent_4" refType="h" fact="0.1316"/>
+                <dgm:constr type="w" for="ch" forName="accent_4" refType="h" refFor="ch" refForName="accent_4" op="equ"/>
+                <dgm:constr type="ctrY" for="ch" forName="accent_4" refType="h" fact="0.5789"/>
+                <dgm:constr type="ctrX" for="ch" forName="accent_4" refType="w"/>
+                <dgm:constr type="ctrXOff" for="ch" forName="accent_4" refType="h" fact="-0.2205"/>
+                <dgm:constr type="r" for="ch" forName="text_4" refType="ctrX" refFor="ch" refForName="accent_4"/>
+                <dgm:constr type="rOff" for="ch" forName="text_4" refType="ctrXOff" refFor="ch" refForName="accent_4"/>
+                <dgm:constr type="l" for="ch" forName="text_4"/>
+                <dgm:constr type="w" for="ch" forName="text_4" refType="h" refFor="ch" refForName="text_4" op="gte"/>
+                <dgm:constr type="h" for="ch" forName="text_4" refType="h" refFor="ch" refForName="accent_4" fact="0.8"/>
+                <dgm:constr type="ctrY" for="ch" forName="text_4" refType="ctrY" refFor="ch" refForName="accent_4"/>
+                <dgm:constr type="rMarg" for="ch" forName="text_4" refType="w" refFor="ch" refForName="accent_4" fact="1.8"/>
+                <dgm:constr type="h" for="ch" forName="accent_5" refType="h" fact="0.1316"/>
+                <dgm:constr type="w" for="ch" forName="accent_5" refType="h" refFor="ch" refForName="accent_5" op="equ"/>
+                <dgm:constr type="ctrY" for="ch" forName="accent_5" refType="h" fact="0.7368"/>
+                <dgm:constr type="ctrX" for="ch" forName="accent_5" refType="w"/>
+                <dgm:constr type="ctrXOff" for="ch" forName="accent_5" refType="h" fact="-0.1809"/>
+                <dgm:constr type="r" for="ch" forName="text_5" refType="ctrX" refFor="ch" refForName="accent_5"/>
+                <dgm:constr type="rOff" for="ch" forName="text_5" refType="ctrXOff" refFor="ch" refForName="accent_5"/>
+                <dgm:constr type="l" for="ch" forName="text_5"/>
+                <dgm:constr type="w" for="ch" forName="text_5" refType="h" refFor="ch" refForName="text_5" op="gte"/>
+                <dgm:constr type="h" for="ch" forName="text_5" refType="h" refFor="ch" refForName="accent_5" fact="0.8"/>
+                <dgm:constr type="ctrY" for="ch" forName="text_5" refType="ctrY" refFor="ch" refForName="accent_5"/>
+                <dgm:constr type="rMarg" for="ch" forName="text_5" refType="w" refFor="ch" refForName="accent_5" fact="1.8"/>
+                <dgm:constr type="h" for="ch" forName="accent_6" refType="h" fact="0.1316"/>
+                <dgm:constr type="w" for="ch" forName="accent_6" refType="h" refFor="ch" refForName="accent_6" op="equ"/>
+                <dgm:constr type="ctrY" for="ch" forName="accent_6" refType="h" fact="0.8947"/>
+                <dgm:constr type="ctrX" for="ch" forName="accent_6" refType="w"/>
+                <dgm:constr type="ctrXOff" for="ch" forName="accent_6" refType="h" fact="-0.0943"/>
+                <dgm:constr type="r" for="ch" forName="text_6" refType="ctrX" refFor="ch" refForName="accent_6"/>
+                <dgm:constr type="rOff" for="ch" forName="text_6" refType="ctrXOff" refFor="ch" refForName="accent_6"/>
+                <dgm:constr type="l" for="ch" forName="text_6"/>
+                <dgm:constr type="w" for="ch" forName="text_6" refType="h" refFor="ch" refForName="text_6" op="gte"/>
+                <dgm:constr type="h" for="ch" forName="text_6" refType="h" refFor="ch" refForName="accent_6" fact="0.8"/>
+                <dgm:constr type="ctrY" for="ch" forName="text_6" refType="ctrY" refFor="ch" refForName="accent_6"/>
+                <dgm:constr type="rMarg" for="ch" forName="text_6" refType="w" refFor="ch" refForName="accent_6" fact="1.8"/>
+                <dgm:constr type="primFontSz" for="ch" ptType="node" op="equ" val="65"/>
+              </dgm:constrLst>
+            </dgm:if>
+            <dgm:else name="Name20">
+              <dgm:constrLst>
+                <dgm:constr type="h" for="ch" forName="cycle" refType="h"/>
+                <dgm:constr type="w" for="ch" forName="cycle" refType="h" refFor="ch" refForName="cycle" fact="0.26"/>
+                <dgm:constr type="r" for="ch" forName="cycle" refType="w"/>
+                <dgm:constr type="ctrY" for="ch" forName="cycle" refType="h" fact="0.5"/>
+                <dgm:constr type="diam" for="ch" forName="cycle" refType="h" fact="1.344"/>
+                <dgm:constr type="h" for="ch" forName="accent_1" refType="h" fact="0.1136"/>
+                <dgm:constr type="w" for="ch" forName="accent_1" refType="h" refFor="ch" refForName="accent_1" op="equ"/>
+                <dgm:constr type="ctrY" for="ch" forName="accent_1" refType="h" fact="0.0909"/>
+                <dgm:constr type="ctrX" for="ch" forName="accent_1" refType="w"/>
+                <dgm:constr type="ctrXOff" for="ch" forName="accent_1" refType="h" fact="-0.0835"/>
+                <dgm:constr type="r" for="ch" forName="text_1" refType="ctrX" refFor="ch" refForName="accent_1"/>
+                <dgm:constr type="rOff" for="ch" forName="text_1" refType="ctrXOff" refFor="ch" refForName="accent_1"/>
+                <dgm:constr type="l" for="ch" forName="text_1"/>
+                <dgm:constr type="w" for="ch" forName="text_1" refType="h" refFor="ch" refForName="text_1" op="gte"/>
+                <dgm:constr type="h" for="ch" forName="text_1" refType="h" refFor="ch" refForName="accent_1" fact="0.8"/>
+                <dgm:constr type="ctrY" for="ch" forName="text_1" refType="ctrY" refFor="ch" refForName="accent_1"/>
+                <dgm:constr type="rMarg" for="ch" forName="text_1" refType="w" refFor="ch" refForName="accent_1" fact="1.8"/>
+                <dgm:constr type="h" for="ch" forName="accent_2" refType="h" fact="0.1136"/>
+                <dgm:constr type="w" for="ch" forName="accent_2" refType="h" refFor="ch" refForName="accent_2" op="equ"/>
+                <dgm:constr type="ctrY" for="ch" forName="accent_2" refType="h" fact="0.2273"/>
+                <dgm:constr type="ctrX" for="ch" forName="accent_2" refType="w"/>
+                <dgm:constr type="ctrXOff" for="ch" forName="accent_2" refType="h" fact="-0.1658"/>
+                <dgm:constr type="r" for="ch" forName="text_2" refType="ctrX" refFor="ch" refForName="accent_2"/>
+                <dgm:constr type="rOff" for="ch" forName="text_2" refType="ctrXOff" refFor="ch" refForName="accent_2"/>
+                <dgm:constr type="l" for="ch" forName="text_2"/>
+                <dgm:constr type="w" for="ch" forName="text_2" refType="h" refFor="ch" refForName="text_2" op="gte"/>
+                <dgm:constr type="h" for="ch" forName="text_2" refType="h" refFor="ch" refForName="accent_2" fact="0.8"/>
+                <dgm:constr type="ctrY" for="ch" forName="text_2" refType="ctrY" refFor="ch" refForName="accent_2"/>
+                <dgm:constr type="rMarg" for="ch" forName="text_2" refType="w" refFor="ch" refForName="accent_2" fact="1.8"/>
+                <dgm:constr type="h" for="ch" forName="accent_3" refType="h" fact="0.1136"/>
+                <dgm:constr type="w" for="ch" forName="accent_3" refType="h" refFor="ch" refForName="accent_3" op="equ"/>
+                <dgm:constr type="ctrY" for="ch" forName="accent_3" refType="h" fact="0.3636"/>
+                <dgm:constr type="ctrX" for="ch" forName="accent_3" refType="w"/>
+                <dgm:constr type="ctrXOff" for="ch" forName="accent_3" refType="h" fact="-0.2109"/>
+                <dgm:constr type="r" for="ch" forName="text_3" refType="ctrX" refFor="ch" refForName="accent_3"/>
+                <dgm:constr type="rOff" for="ch" forName="text_3" refType="ctrXOff" refFor="ch" refForName="accent_3"/>
+                <dgm:constr type="l" for="ch" forName="text_3"/>
+                <dgm:constr type="w" for="ch" forName="text_3" refType="h" refFor="ch" refForName="text_3" op="gte"/>
+                <dgm:constr type="h" for="ch" forName="text_3" refType="h" refFor="ch" refForName="accent_3" fact="0.8"/>
+                <dgm:constr type="ctrY" for="ch" forName="text_3" refType="ctrY" refFor="ch" refForName="accent_3"/>
+                <dgm:constr type="rMarg" for="ch" forName="text_3" refType="w" refFor="ch" refForName="accent_3" fact="1.8"/>
+                <dgm:constr type="h" for="ch" forName="accent_4" refType="h" fact="0.1136"/>
+                <dgm:constr type="w" for="ch" forName="accent_4" refType="h" refFor="ch" refForName="accent_4" op="equ"/>
+                <dgm:constr type="ctrY" for="ch" forName="accent_4" refType="h" fact="0.5"/>
+                <dgm:constr type="ctrX" for="ch" forName="accent_4" refType="w"/>
+                <dgm:constr type="ctrXOff" for="ch" forName="accent_4" refType="h" fact="-0.2253"/>
+                <dgm:constr type="r" for="ch" forName="text_4" refType="ctrX" refFor="ch" refForName="accent_4"/>
+                <dgm:constr type="rOff" for="ch" forName="text_4" refType="ctrXOff" refFor="ch" refForName="accent_4"/>
+                <dgm:constr type="l" for="ch" forName="text_4"/>
+                <dgm:constr type="w" for="ch" forName="text_4" refType="h" refFor="ch" refForName="text_4" op="gte"/>
+                <dgm:constr type="h" for="ch" forName="text_4" refType="h" refFor="ch" refForName="accent_4" fact="0.8"/>
+                <dgm:constr type="ctrY" for="ch" forName="text_4" refType="ctrY" refFor="ch" refForName="accent_4"/>
+                <dgm:constr type="rMarg" for="ch" forName="text_4" refType="w" refFor="ch" refForName="accent_4" fact="1.8"/>
+                <dgm:constr type="h" for="ch" forName="accent_5" refType="h" fact="0.1136"/>
+                <dgm:constr type="w" for="ch" forName="accent_5" refType="h" refFor="ch" refForName="accent_5" op="equ"/>
+                <dgm:constr type="ctrY" for="ch" forName="accent_5" refType="h" fact="0.6364"/>
+                <dgm:constr type="ctrX" for="ch" forName="accent_5" refType="w"/>
+                <dgm:constr type="ctrXOff" for="ch" forName="accent_5" refType="h" fact="-0.2109"/>
+                <dgm:constr type="r" for="ch" forName="text_5" refType="ctrX" refFor="ch" refForName="accent_5"/>
+                <dgm:constr type="rOff" for="ch" forName="text_5" refType="ctrXOff" refFor="ch" refForName="accent_5"/>
+                <dgm:constr type="l" for="ch" forName="text_5"/>
+                <dgm:constr type="w" for="ch" forName="text_5" refType="h" refFor="ch" refForName="text_5" op="gte"/>
+                <dgm:constr type="h" for="ch" forName="text_5" refType="h" refFor="ch" refForName="accent_5" fact="0.8"/>
+                <dgm:constr type="ctrY" for="ch" forName="text_5" refType="ctrY" refFor="ch" refForName="accent_5"/>
+                <dgm:constr type="rMarg" for="ch" forName="text_5" refType="w" refFor="ch" refForName="accent_5" fact="1.8"/>
+                <dgm:constr type="h" for="ch" forName="accent_6" refType="h" fact="0.1136"/>
+                <dgm:constr type="w" for="ch" forName="accent_6" refType="h" refFor="ch" refForName="accent_6" op="equ"/>
+                <dgm:constr type="ctrY" for="ch" forName="accent_6" refType="h" fact="0.7727"/>
+                <dgm:constr type="ctrX" for="ch" forName="accent_6" refType="w"/>
+                <dgm:constr type="ctrXOff" for="ch" forName="accent_6" refType="h" fact="-0.1658"/>
+                <dgm:constr type="r" for="ch" forName="text_6" refType="ctrX" refFor="ch" refForName="accent_6"/>
+                <dgm:constr type="rOff" for="ch" forName="text_6" refType="ctrXOff" refFor="ch" refForName="accent_6"/>
+                <dgm:constr type="l" for="ch" forName="text_6"/>
+                <dgm:constr type="w" for="ch" forName="text_6" refType="h" refFor="ch" refForName="text_6" op="gte"/>
+                <dgm:constr type="h" for="ch" forName="text_6" refType="h" refFor="ch" refForName="accent_6" fact="0.8"/>
+                <dgm:constr type="ctrY" for="ch" forName="text_6" refType="ctrY" refFor="ch" refForName="accent_6"/>
+                <dgm:constr type="rMarg" for="ch" forName="text_6" refType="w" refFor="ch" refForName="accent_6" fact="1.8"/>
+                <dgm:constr type="h" for="ch" forName="accent_7" refType="h" fact="0.1136"/>
+                <dgm:constr type="w" for="ch" forName="accent_7" refType="h" refFor="ch" refForName="accent_7" op="equ"/>
+                <dgm:constr type="ctrY" for="ch" forName="accent_7" refType="h" fact="0.9091"/>
+                <dgm:constr type="ctrX" for="ch" forName="accent_7" refType="w"/>
+                <dgm:constr type="ctrXOff" for="ch" forName="accent_7" refType="h" fact="-0.0835"/>
+                <dgm:constr type="r" for="ch" forName="text_7" refType="ctrX" refFor="ch" refForName="accent_7"/>
+                <dgm:constr type="rOff" for="ch" forName="text_7" refType="ctrXOff" refFor="ch" refForName="accent_7"/>
+                <dgm:constr type="l" for="ch" forName="text_7"/>
+                <dgm:constr type="w" for="ch" forName="text_7" refType="h" refFor="ch" refForName="text_7" op="gte"/>
+                <dgm:constr type="h" for="ch" forName="text_7" refType="h" refFor="ch" refForName="accent_7" fact="0.8"/>
+                <dgm:constr type="ctrY" for="ch" forName="text_7" refType="ctrY" refFor="ch" refForName="accent_7"/>
+                <dgm:constr type="rMarg" for="ch" forName="text_7" refType="w" refFor="ch" refForName="accent_7" fact="1.8"/>
+                <dgm:constr type="primFontSz" for="ch" ptType="node" op="equ" val="65"/>
+              </dgm:constrLst>
+            </dgm:else>
+          </dgm:choose>
+        </dgm:else>
+      </dgm:choose>
+      <dgm:layoutNode name="cycle">
+        <dgm:choose name="Name21">
+          <dgm:if name="Name22" func="var" arg="dir" op="equ" val="norm">
+            <dgm:alg type="cycle">
+              <dgm:param type="stAng" val="45"/>
+              <dgm:param type="spanAng" val="90"/>
+            </dgm:alg>
+          </dgm:if>
+          <dgm:else name="Name23">
+            <dgm:alg type="cycle">
+              <dgm:param type="stAng" val="225"/>
+              <dgm:param type="spanAng" val="90"/>
+            </dgm:alg>
+          </dgm:else>
+        </dgm:choose>
+        <dgm:shape xmlns:r="http://schemas.openxmlformats.org/officeDocument/2006/relationships" r:blip="">
+          <dgm:adjLst/>
+        </dgm:shape>
+        <dgm:presOf/>
+        <dgm:constrLst>
+          <dgm:constr type="w" for="ch" val="1"/>
+          <dgm:constr type="h" for="ch" val="1"/>
+          <dgm:constr type="diam" for="ch" forName="conn" refType="diam"/>
+        </dgm:constrLst>
+        <dgm:layoutNode name="srcNode">
+          <dgm:alg type="sp"/>
+          <dgm:shape xmlns:r="http://schemas.openxmlformats.org/officeDocument/2006/relationships" type="rect" r:blip="" hideGeom="1">
+            <dgm:adjLst/>
+          </dgm:shape>
+          <dgm:presOf/>
+        </dgm:layoutNode>
+        <dgm:layoutNode name="conn" styleLbl="parChTrans1D2">
+          <dgm:alg type="conn">
+            <dgm:param type="connRout" val="curve"/>
+            <dgm:param type="srcNode" val="srcNode"/>
+            <dgm:param type="dstNode" val="dstNode"/>
+            <dgm:param type="begPts" val="ctr"/>
+            <dgm:param type="endPts" val="ctr"/>
+            <dgm:param type="endSty" val="noArr"/>
+          </dgm:alg>
+          <dgm:shape xmlns:r="http://schemas.openxmlformats.org/officeDocument/2006/relationships" type="conn" r:blip="">
+            <dgm:adjLst/>
+          </dgm:shape>
+          <dgm:presOf axis="desOrSelf" ptType="sibTrans" hideLastTrans="0" st="0" cnt="1"/>
+          <dgm:constrLst>
+            <dgm:constr type="begPad"/>
+            <dgm:constr type="endPad"/>
+          </dgm:constrLst>
+        </dgm:layoutNode>
+        <dgm:layoutNode name="extraNode">
+          <dgm:alg type="sp"/>
+          <dgm:shape xmlns:r="http://schemas.openxmlformats.org/officeDocument/2006/relationships" type="rect" r:blip="" hideGeom="1">
+            <dgm:adjLst/>
+          </dgm:shape>
+          <dgm:presOf/>
+        </dgm:layoutNode>
+        <dgm:layoutNode name="dstNode">
+          <dgm:alg type="sp"/>
+          <dgm:shape xmlns:r="http://schemas.openxmlformats.org/officeDocument/2006/relationships" type="rect" r:blip="" hideGeom="1">
+            <dgm:adjLst/>
+          </dgm:shape>
+          <dgm:presOf/>
+        </dgm:layoutNode>
+      </dgm:layoutNode>
+      <dgm:forEach name="wrapper" axis="self" ptType="parTrans">
+        <dgm:forEach name="wrapper2" axis="self" ptType="sibTrans" st="2">
+          <dgm:forEach name="accentRepeat" axis="self">
+            <dgm:layoutNode name="accentRepeatNode" styleLbl="solidFgAcc1">
+              <dgm:alg type="sp"/>
+              <dgm:shape xmlns:r="http://schemas.openxmlformats.org/officeDocument/2006/relationships" type="ellipse" r:blip="">
+                <dgm:adjLst/>
+              </dgm:shape>
+              <dgm:presOf/>
+            </dgm:layoutNode>
+          </dgm:forEach>
+        </dgm:forEach>
+      </dgm:forEach>
+      <dgm:forEach name="Name24" axis="ch" ptType="node" cnt="1">
+        <dgm:layoutNode name="text_1" styleLbl="node1">
+          <dgm:varLst>
+            <dgm:bulletEnabled val="1"/>
+          </dgm:varLst>
+          <dgm:choose name="Name25">
+            <dgm:if name="Name26" func="var" arg="dir" op="equ" val="norm">
+              <dgm:alg type="tx">
+                <dgm:param type="parTxLTRAlign" val="l"/>
+                <dgm:param type="shpTxLTRAlignCh" val="l"/>
+                <dgm:param type="parTxRTLAlign" val="l"/>
+                <dgm:param type="shpTxRTLAlignCh" val="l"/>
+              </dgm:alg>
+            </dgm:if>
+            <dgm:else name="Name27">
+              <dgm:alg type="tx">
+                <dgm:param type="parTxLTRAlign" val="r"/>
+                <dgm:param type="shpTxLTRAlignCh" val="r"/>
+                <dgm:param type="parTxRTLAlign" val="r"/>
+                <dgm:param type="shpTxRTLAlignCh" val="r"/>
+              </dgm:alg>
+            </dgm:else>
+          </dgm:choose>
+          <dgm:shape xmlns:r="http://schemas.openxmlformats.org/officeDocument/2006/relationships" type="rect" r:blip="">
+            <dgm:adjLst/>
+          </dgm:shape>
+          <dgm:presOf axis="desOrSelf" ptType="node"/>
+          <dgm:constrLst>
+            <dgm:constr type="primFontSz" val="65"/>
+            <dgm:constr type="lMarg" refType="primFontSz" fact="0.2"/>
+            <dgm:constr type="rMarg" refType="primFontSz" fact="0.2"/>
+            <dgm:constr type="tMarg" refType="primFontSz" fact="0.2"/>
+            <dgm:constr type="bMarg" refType="primFontSz" fact="0.2"/>
+          </dgm:constrLst>
+          <dgm:ruleLst>
+            <dgm:rule type="primFontSz" val="5" fact="NaN" max="NaN"/>
+          </dgm:ruleLst>
+        </dgm:layoutNode>
+        <dgm:layoutNode name="accent_1">
+          <dgm:alg type="sp"/>
+          <dgm:shape xmlns:r="http://schemas.openxmlformats.org/officeDocument/2006/relationships" r:blip="">
+            <dgm:adjLst/>
+          </dgm:shape>
+          <dgm:presOf/>
+          <dgm:constrLst/>
+          <dgm:forEach name="Name28" ref="accentRepeat"/>
+        </dgm:layoutNode>
+      </dgm:forEach>
+      <dgm:forEach name="Name29" axis="ch" ptType="node" st="2" cnt="1">
+        <dgm:layoutNode name="text_2" styleLbl="node1">
+          <dgm:varLst>
+            <dgm:bulletEnabled val="1"/>
+          </dgm:varLst>
+          <dgm:choose name="Name30">
+            <dgm:if name="Name31" func="var" arg="dir" op="equ" val="norm">
+              <dgm:alg type="tx">
+                <dgm:param type="parTxLTRAlign" val="l"/>
+                <dgm:param type="shpTxLTRAlignCh" val="l"/>
+                <dgm:param type="parTxRTLAlign" val="l"/>
+                <dgm:param type="shpTxRTLAlignCh" val="l"/>
+              </dgm:alg>
+            </dgm:if>
+            <dgm:else name="Name32">
+              <dgm:alg type="tx">
+                <dgm:param type="parTxLTRAlign" val="r"/>
+                <dgm:param type="shpTxLTRAlignCh" val="r"/>
+                <dgm:param type="parTxRTLAlign" val="r"/>
+                <dgm:param type="shpTxRTLAlignCh" val="r"/>
+              </dgm:alg>
+            </dgm:else>
+          </dgm:choose>
+          <dgm:shape xmlns:r="http://schemas.openxmlformats.org/officeDocument/2006/relationships" type="rect" r:blip="">
+            <dgm:adjLst/>
+          </dgm:shape>
+          <dgm:presOf axis="desOrSelf" ptType="node"/>
+          <dgm:constrLst>
+            <dgm:constr type="primFontSz" val="65"/>
+            <dgm:constr type="lMarg" refType="primFontSz" fact="0.2"/>
+            <dgm:constr type="rMarg" refType="primFontSz" fact="0.2"/>
+            <dgm:constr type="tMarg" refType="primFontSz" fact="0.2"/>
+            <dgm:constr type="bMarg" refType="primFontSz" fact="0.2"/>
+          </dgm:constrLst>
+          <dgm:ruleLst>
+            <dgm:rule type="primFontSz" val="5" fact="NaN" max="NaN"/>
+          </dgm:ruleLst>
+        </dgm:layoutNode>
+        <dgm:layoutNode name="accent_2">
+          <dgm:alg type="sp"/>
+          <dgm:shape xmlns:r="http://schemas.openxmlformats.org/officeDocument/2006/relationships" r:blip="">
+            <dgm:adjLst/>
+          </dgm:shape>
+          <dgm:presOf/>
+          <dgm:constrLst/>
+          <dgm:forEach name="Name33" ref="accentRepeat"/>
+        </dgm:layoutNode>
+      </dgm:forEach>
+      <dgm:forEach name="Name34" axis="ch" ptType="node" st="3" cnt="1">
+        <dgm:layoutNode name="text_3" styleLbl="node1">
+          <dgm:varLst>
+            <dgm:bulletEnabled val="1"/>
+          </dgm:varLst>
+          <dgm:choose name="Name35">
+            <dgm:if name="Name36" func="var" arg="dir" op="equ" val="norm">
+              <dgm:alg type="tx">
+                <dgm:param type="parTxLTRAlign" val="l"/>
+                <dgm:param type="shpTxLTRAlignCh" val="l"/>
+                <dgm:param type="parTxRTLAlign" val="l"/>
+                <dgm:param type="shpTxRTLAlignCh" val="l"/>
+              </dgm:alg>
+            </dgm:if>
+            <dgm:else name="Name37">
+              <dgm:alg type="tx">
+                <dgm:param type="parTxLTRAlign" val="r"/>
+                <dgm:param type="shpTxLTRAlignCh" val="r"/>
+                <dgm:param type="parTxRTLAlign" val="r"/>
+                <dgm:param type="shpTxRTLAlignCh" val="r"/>
+              </dgm:alg>
+            </dgm:else>
+          </dgm:choose>
+          <dgm:shape xmlns:r="http://schemas.openxmlformats.org/officeDocument/2006/relationships" type="rect" r:blip="">
+            <dgm:adjLst/>
+          </dgm:shape>
+          <dgm:presOf axis="desOrSelf" ptType="node"/>
+          <dgm:constrLst>
+            <dgm:constr type="primFontSz" val="65"/>
+            <dgm:constr type="lMarg" refType="primFontSz" fact="0.2"/>
+            <dgm:constr type="rMarg" refType="primFontSz" fact="0.2"/>
+            <dgm:constr type="tMarg" refType="primFontSz" fact="0.2"/>
+            <dgm:constr type="bMarg" refType="primFontSz" fact="0.2"/>
+          </dgm:constrLst>
+          <dgm:ruleLst>
+            <dgm:rule type="primFontSz" val="5" fact="NaN" max="NaN"/>
+          </dgm:ruleLst>
+        </dgm:layoutNode>
+        <dgm:layoutNode name="accent_3">
+          <dgm:alg type="sp"/>
+          <dgm:shape xmlns:r="http://schemas.openxmlformats.org/officeDocument/2006/relationships" r:blip="">
+            <dgm:adjLst/>
+          </dgm:shape>
+          <dgm:presOf/>
+          <dgm:constrLst/>
+          <dgm:forEach name="Name38" ref="accentRepeat"/>
+        </dgm:layoutNode>
+      </dgm:forEach>
+      <dgm:forEach name="Name39" axis="ch" ptType="node" st="4" cnt="1">
+        <dgm:layoutNode name="text_4" styleLbl="node1">
+          <dgm:varLst>
+            <dgm:bulletEnabled val="1"/>
+          </dgm:varLst>
+          <dgm:choose name="Name40">
+            <dgm:if name="Name41" func="var" arg="dir" op="equ" val="norm">
+              <dgm:alg type="tx">
+                <dgm:param type="parTxLTRAlign" val="l"/>
+                <dgm:param type="shpTxLTRAlignCh" val="l"/>
+                <dgm:param type="parTxRTLAlign" val="l"/>
+                <dgm:param type="shpTxRTLAlignCh" val="l"/>
+              </dgm:alg>
+            </dgm:if>
+            <dgm:else name="Name42">
+              <dgm:alg type="tx">
+                <dgm:param type="parTxLTRAlign" val="r"/>
+                <dgm:param type="shpTxLTRAlignCh" val="r"/>
+                <dgm:param type="parTxRTLAlign" val="r"/>
+                <dgm:param type="shpTxRTLAlignCh" val="r"/>
+              </dgm:alg>
+            </dgm:else>
+          </dgm:choose>
+          <dgm:shape xmlns:r="http://schemas.openxmlformats.org/officeDocument/2006/relationships" type="rect" r:blip="">
+            <dgm:adjLst/>
+          </dgm:shape>
+          <dgm:presOf axis="desOrSelf" ptType="node"/>
+          <dgm:constrLst>
+            <dgm:constr type="primFontSz" val="65"/>
+            <dgm:constr type="lMarg" refType="primFontSz" fact="0.2"/>
+            <dgm:constr type="rMarg" refType="primFontSz" fact="0.2"/>
+            <dgm:constr type="tMarg" refType="primFontSz" fact="0.2"/>
+            <dgm:constr type="bMarg" refType="primFontSz" fact="0.2"/>
+          </dgm:constrLst>
+          <dgm:ruleLst>
+            <dgm:rule type="primFontSz" val="5" fact="NaN" max="NaN"/>
+          </dgm:ruleLst>
+        </dgm:layoutNode>
+        <dgm:layoutNode name="accent_4">
+          <dgm:alg type="sp"/>
+          <dgm:shape xmlns:r="http://schemas.openxmlformats.org/officeDocument/2006/relationships" r:blip="">
+            <dgm:adjLst/>
+          </dgm:shape>
+          <dgm:presOf/>
+          <dgm:constrLst/>
+          <dgm:forEach name="Name43" ref="accentRepeat"/>
+        </dgm:layoutNode>
+      </dgm:forEach>
+      <dgm:forEach name="Name44" axis="ch" ptType="node" st="5" cnt="1">
+        <dgm:layoutNode name="text_5" styleLbl="node1">
+          <dgm:varLst>
+            <dgm:bulletEnabled val="1"/>
+          </dgm:varLst>
+          <dgm:choose name="Name45">
+            <dgm:if name="Name46" func="var" arg="dir" op="equ" val="norm">
+              <dgm:alg type="tx">
+                <dgm:param type="parTxLTRAlign" val="l"/>
+                <dgm:param type="shpTxLTRAlignCh" val="l"/>
+                <dgm:param type="parTxRTLAlign" val="l"/>
+                <dgm:param type="shpTxRTLAlignCh" val="l"/>
+              </dgm:alg>
+            </dgm:if>
+            <dgm:else name="Name47">
+              <dgm:alg type="tx">
+                <dgm:param type="parTxLTRAlign" val="r"/>
+                <dgm:param type="shpTxLTRAlignCh" val="r"/>
+                <dgm:param type="parTxRTLAlign" val="r"/>
+                <dgm:param type="shpTxRTLAlignCh" val="r"/>
+              </dgm:alg>
+            </dgm:else>
+          </dgm:choose>
+          <dgm:shape xmlns:r="http://schemas.openxmlformats.org/officeDocument/2006/relationships" type="rect" r:blip="">
+            <dgm:adjLst/>
+          </dgm:shape>
+          <dgm:presOf axis="desOrSelf" ptType="node"/>
+          <dgm:constrLst>
+            <dgm:constr type="primFontSz" val="65"/>
+            <dgm:constr type="lMarg" refType="primFontSz" fact="0.2"/>
+            <dgm:constr type="rMarg" refType="primFontSz" fact="0.2"/>
+            <dgm:constr type="tMarg" refType="primFontSz" fact="0.2"/>
+            <dgm:constr type="bMarg" refType="primFontSz" fact="0.2"/>
+          </dgm:constrLst>
+          <dgm:ruleLst>
+            <dgm:rule type="primFontSz" val="5" fact="NaN" max="NaN"/>
+          </dgm:ruleLst>
+        </dgm:layoutNode>
+        <dgm:layoutNode name="accent_5">
+          <dgm:alg type="sp"/>
+          <dgm:shape xmlns:r="http://schemas.openxmlformats.org/officeDocument/2006/relationships" r:blip="">
+            <dgm:adjLst/>
+          </dgm:shape>
+          <dgm:presOf/>
+          <dgm:constrLst/>
+          <dgm:forEach name="Name48" ref="accentRepeat"/>
+        </dgm:layoutNode>
+      </dgm:forEach>
+      <dgm:forEach name="Name49" axis="ch" ptType="node" st="6" cnt="1">
+        <dgm:layoutNode name="text_6" styleLbl="node1">
+          <dgm:varLst>
+            <dgm:bulletEnabled val="1"/>
+          </dgm:varLst>
+          <dgm:choose name="Name50">
+            <dgm:if name="Name51" func="var" arg="dir" op="equ" val="norm">
+              <dgm:alg type="tx">
+                <dgm:param type="parTxLTRAlign" val="l"/>
+                <dgm:param type="shpTxLTRAlignCh" val="l"/>
+                <dgm:param type="parTxRTLAlign" val="l"/>
+                <dgm:param type="shpTxRTLAlignCh" val="l"/>
+              </dgm:alg>
+            </dgm:if>
+            <dgm:else name="Name52">
+              <dgm:alg type="tx">
+                <dgm:param type="parTxLTRAlign" val="r"/>
+                <dgm:param type="shpTxLTRAlignCh" val="r"/>
+                <dgm:param type="parTxRTLAlign" val="r"/>
+                <dgm:param type="shpTxRTLAlignCh" val="r"/>
+              </dgm:alg>
+            </dgm:else>
+          </dgm:choose>
+          <dgm:shape xmlns:r="http://schemas.openxmlformats.org/officeDocument/2006/relationships" type="rect" r:blip="">
+            <dgm:adjLst/>
+          </dgm:shape>
+          <dgm:presOf axis="desOrSelf" ptType="node"/>
+          <dgm:constrLst>
+            <dgm:constr type="primFontSz" val="65"/>
+            <dgm:constr type="lMarg" refType="primFontSz" fact="0.2"/>
+            <dgm:constr type="rMarg" refType="primFontSz" fact="0.2"/>
+            <dgm:constr type="tMarg" refType="primFontSz" fact="0.2"/>
+            <dgm:constr type="bMarg" refType="primFontSz" fact="0.2"/>
+          </dgm:constrLst>
+          <dgm:ruleLst>
+            <dgm:rule type="primFontSz" val="5" fact="NaN" max="NaN"/>
+          </dgm:ruleLst>
+        </dgm:layoutNode>
+        <dgm:layoutNode name="accent_6">
+          <dgm:alg type="sp"/>
+          <dgm:shape xmlns:r="http://schemas.openxmlformats.org/officeDocument/2006/relationships" r:blip="">
+            <dgm:adjLst/>
+          </dgm:shape>
+          <dgm:presOf/>
+          <dgm:constrLst/>
+          <dgm:forEach name="Name53" ref="accentRepeat"/>
+        </dgm:layoutNode>
+      </dgm:forEach>
+      <dgm:forEach name="Name54" axis="ch" ptType="node" st="7" cnt="1">
+        <dgm:layoutNode name="text_7" styleLbl="node1">
+          <dgm:varLst>
+            <dgm:bulletEnabled val="1"/>
+          </dgm:varLst>
+          <dgm:choose name="Name55">
+            <dgm:if name="Name56" func="var" arg="dir" op="equ" val="norm">
+              <dgm:alg type="tx">
+                <dgm:param type="parTxLTRAlign" val="l"/>
+                <dgm:param type="shpTxLTRAlignCh" val="l"/>
+                <dgm:param type="parTxRTLAlign" val="l"/>
+                <dgm:param type="shpTxRTLAlignCh" val="l"/>
+              </dgm:alg>
+            </dgm:if>
+            <dgm:else name="Name57">
+              <dgm:alg type="tx">
+                <dgm:param type="parTxLTRAlign" val="r"/>
+                <dgm:param type="shpTxLTRAlignCh" val="r"/>
+                <dgm:param type="parTxRTLAlign" val="r"/>
+                <dgm:param type="shpTxRTLAlignCh" val="r"/>
+              </dgm:alg>
+            </dgm:else>
+          </dgm:choose>
+          <dgm:shape xmlns:r="http://schemas.openxmlformats.org/officeDocument/2006/relationships" type="rect" r:blip="">
+            <dgm:adjLst/>
+          </dgm:shape>
+          <dgm:presOf axis="desOrSelf" ptType="node"/>
+          <dgm:constrLst>
+            <dgm:constr type="primFontSz" val="65"/>
+            <dgm:constr type="lMarg" refType="primFontSz" fact="0.2"/>
+            <dgm:constr type="rMarg" refType="primFontSz" fact="0.2"/>
+            <dgm:constr type="tMarg" refType="primFontSz" fact="0.2"/>
+            <dgm:constr type="bMarg" refType="primFontSz" fact="0.2"/>
+          </dgm:constrLst>
+          <dgm:ruleLst>
+            <dgm:rule type="primFontSz" val="5" fact="NaN" max="NaN"/>
+          </dgm:ruleLst>
+        </dgm:layoutNode>
+        <dgm:layoutNode name="accent_7">
+          <dgm:alg type="sp"/>
+          <dgm:shape xmlns:r="http://schemas.openxmlformats.org/officeDocument/2006/relationships" r:blip="">
+            <dgm:adjLst/>
+          </dgm:shape>
+          <dgm:presOf/>
+          <dgm:constrLst/>
+          <dgm:forEach name="Name58" ref="accentRepeat"/>
+        </dgm:layoutNode>
+      </dgm:forEach>
+    </dgm:layoutNode>
+  </dgm:layoutNode>
+</dgm:layoutDef>
+</file>
+
+<file path=ppt/diagrams/quickStyle1.xml><?xml version="1.0" encoding="utf-8"?>
+<dgm:styleDef xmlns:dgm="http://schemas.openxmlformats.org/drawingml/2006/diagram" xmlns:a="http://schemas.openxmlformats.org/drawingml/2006/main" uniqueId="urn:microsoft.com/office/officeart/2005/8/quickstyle/simple1">
+  <dgm:title val=""/>
+  <dgm:desc val=""/>
+  <dgm:catLst>
+    <dgm:cat type="simple" pri="10100"/>
+  </dgm:catLst>
+  <dgm:scene3d>
+    <a:camera prst="orthographicFront"/>
+    <a:lightRig rig="threePt" dir="t"/>
+  </dgm:scene3d>
+  <dgm:styleLbl name="node0">
+    <dgm:scene3d>
+      <a:camera prst="orthographicFront"/>
+      <a:lightRig rig="threePt" dir="t"/>
+    </dgm:scene3d>
+    <dgm:sp3d/>
+    <dgm:txPr/>
+    <dgm:style>
+      <a:lnRef idx="2">
+        <a:scrgbClr r="0" g="0" b="0"/>
+      </a:lnRef>
+      <a:fillRef idx="1">
+        <a:scrgbClr r="0" g="0" b="0"/>
+      </a:fillRef>
+      <a:effectRef idx="0">
+        <a:scrgbClr r="0" g="0" b="0"/>
+      </a:effectRef>
+      <a:fontRef idx="minor">
+        <a:schemeClr val="lt1"/>
+      </a:fontRef>
+    </dgm:style>
+  </dgm:styleLbl>
+  <dgm:styleLbl name="lnNode1">
+    <dgm:scene3d>
+      <a:camera prst="orthographicFront"/>
+      <a:lightRig rig="threePt" dir="t"/>
+    </dgm:scene3d>
+    <dgm:sp3d/>
+    <dgm:txPr/>
+    <dgm:style>
+      <a:lnRef idx="2">
+        <a:scrgbClr r="0" g="0" b="0"/>
+      </a:lnRef>
+      <a:fillRef idx="1">
+        <a:scrgbClr r="0" g="0" b="0"/>
+      </a:fillRef>
+      <a:effectRef idx="0">
+        <a:scrgbClr r="0" g="0" b="0"/>
+      </a:effectRef>
+      <a:fontRef idx="minor">
+        <a:schemeClr val="lt1"/>
+      </a:fontRef>
+    </dgm:style>
+  </dgm:styleLbl>
+  <dgm:styleLbl name="vennNode1">
+    <dgm:scene3d>
+      <a:camera prst="orthographicFront"/>
+      <a:lightRig rig="threePt" dir="t"/>
+    </dgm:scene3d>
+    <dgm:sp3d/>
+    <dgm:txPr/>
+    <dgm:style>
+      <a:lnRef idx="2">
+        <a:scrgbClr r="0" g="0" b="0"/>
+      </a:lnRef>
+      <a:fillRef idx="1">
+        <a:scrgbClr r="0" g="0" b="0"/>
+      </a:fillRef>
+      <a:effectRef idx="0">
+        <a:scrgbClr r="0" g="0" b="0"/>
+      </a:effectRef>
+      <a:fontRef idx="minor">
+        <a:schemeClr val="tx1"/>
+      </a:fontRef>
+    </dgm:style>
+  </dgm:styleLbl>
+  <dgm:styleLbl name="alignNode1">
+    <dgm:scene3d>
+      <a:camera prst="orthographicFront"/>
+      <a:lightRig rig="threePt" dir="t"/>
+    </dgm:scene3d>
+    <dgm:sp3d/>
+    <dgm:txPr/>
+    <dgm:style>
+      <a:lnRef idx="2">
+        <a:scrgbClr r="0" g="0" b="0"/>
+      </a:lnRef>
+      <a:fillRef idx="1">
+        <a:scrgbClr r="0" g="0" b="0"/>
+      </a:fillRef>
+      <a:effectRef idx="0">
+        <a:scrgbClr r="0" g="0" b="0"/>
+      </a:effectRef>
+      <a:fontRef idx="minor">
+        <a:schemeClr val="lt1"/>
+      </a:fontRef>
+    </dgm:style>
+  </dgm:styleLbl>
+  <dgm:styleLbl name="node1">
+    <dgm:scene3d>
+      <a:camera prst="orthographicFront"/>
+      <a:lightRig rig="threePt" dir="t"/>
+    </dgm:scene3d>
+    <dgm:sp3d/>
+    <dgm:txPr/>
+    <dgm:style>
+      <a:lnRef idx="2">
+        <a:scrgbClr r="0" g="0" b="0"/>
+      </a:lnRef>
+      <a:fillRef idx="1">
+        <a:scrgbClr r="0" g="0" b="0"/>
+      </a:fillRef>
+      <a:effectRef idx="0">
+        <a:scrgbClr r="0" g="0" b="0"/>
+      </a:effectRef>
+      <a:fontRef idx="minor">
+        <a:schemeClr val="lt1"/>
+      </a:fontRef>
+    </dgm:style>
+  </dgm:styleLbl>
+  <dgm:styleLbl name="node2">
+    <dgm:scene3d>
+      <a:camera prst="orthographicFront"/>
+      <a:lightRig rig="threePt" dir="t"/>
+    </dgm:scene3d>
+    <dgm:sp3d/>
+    <dgm:txPr/>
+    <dgm:style>
+      <a:lnRef idx="2">
+        <a:scrgbClr r="0" g="0" b="0"/>
+      </a:lnRef>
+      <a:fillRef idx="1">
+        <a:scrgbClr r="0" g="0" b="0"/>
+      </a:fillRef>
+      <a:effectRef idx="0">
+        <a:scrgbClr r="0" g="0" b="0"/>
+      </a:effectRef>
+      <a:fontRef idx="minor">
+        <a:schemeClr val="lt1"/>
+      </a:fontRef>
+    </dgm:style>
+  </dgm:styleLbl>
+  <dgm:styleLbl name="node3">
+    <dgm:scene3d>
+      <a:camera prst="orthographicFront"/>
+      <a:lightRig rig="threePt" dir="t"/>
+    </dgm:scene3d>
+    <dgm:sp3d/>
+    <dgm:txPr/>
+    <dgm:style>
+      <a:lnRef idx="2">
+        <a:scrgbClr r="0" g="0" b="0"/>
+      </a:lnRef>
+      <a:fillRef idx="1">
+        <a:scrgbClr r="0" g="0" b="0"/>
+      </a:fillRef>
+      <a:effectRef idx="0">
+        <a:scrgbClr r="0" g="0" b="0"/>
+      </a:effectRef>
+      <a:fontRef idx="minor">
+        <a:schemeClr val="lt1"/>
+      </a:fontRef>
+    </dgm:style>
+  </dgm:styleLbl>
+  <dgm:styleLbl name="node4">
+    <dgm:scene3d>
+      <a:camera prst="orthographicFront"/>
+      <a:lightRig rig="threePt" dir="t"/>
+    </dgm:scene3d>
+    <dgm:sp3d/>
+    <dgm:txPr/>
+    <dgm:style>
+      <a:lnRef idx="2">
+        <a:scrgbClr r="0" g="0" b="0"/>
+      </a:lnRef>
+      <a:fillRef idx="1">
+        <a:scrgbClr r="0" g="0" b="0"/>
+      </a:fillRef>
+      <a:effectRef idx="0">
+        <a:scrgbClr r="0" g="0" b="0"/>
+      </a:effectRef>
+      <a:fontRef idx="minor">
+        <a:schemeClr val="lt1"/>
+      </a:fontRef>
+    </dgm:style>
+  </dgm:styleLbl>
+  <dgm:styleLbl name="fgImgPlace1">
+    <dgm:scene3d>
+      <a:camera prst="orthographicFront"/>
+      <a:lightRig rig="threePt" dir="t"/>
+    </dgm:scene3d>
+    <dgm:sp3d/>
+    <dgm:txPr/>
+    <dgm:style>
+      <a:lnRef idx="2">
+        <a:scrgbClr r="0" g="0" b="0"/>
+      </a:lnRef>
+      <a:fillRef idx="1">
+        <a:scrgbClr r="0" g="0" b="0"/>
+      </a:fillRef>
+      <a:effectRef idx="0">
+        <a:scrgbClr r="0" g="0" b="0"/>
+      </a:effectRef>
+      <a:fontRef idx="minor"/>
+    </dgm:style>
+  </dgm:styleLbl>
+  <dgm:styleLbl name="alignImgPlace1">
+    <dgm:scene3d>
+      <a:camera prst="orthographicFront"/>
+      <a:lightRig rig="threePt" dir="t"/>
+    </dgm:scene3d>
+    <dgm:sp3d/>
+    <dgm:txPr/>
+    <dgm:style>
+      <a:lnRef idx="2">
+        <a:scrgbClr r="0" g="0" b="0"/>
+      </a:lnRef>
+      <a:fillRef idx="1">
+        <a:scrgbClr r="0" g="0" b="0"/>
+      </a:fillRef>
+      <a:effectRef idx="0">
+        <a:scrgbClr r="0" g="0" b="0"/>
+      </a:effectRef>
+      <a:fontRef idx="minor"/>
+    </dgm:style>
+  </dgm:styleLbl>
+  <dgm:styleLbl name="bgImgPlace1">
+    <dgm:scene3d>
+      <a:camera prst="orthographicFront"/>
+      <a:lightRig rig="threePt" dir="t"/>
+    </dgm:scene3d>
+    <dgm:sp3d/>
+    <dgm:txPr/>
+    <dgm:style>
+      <a:lnRef idx="2">
+        <a:scrgbClr r="0" g="0" b="0"/>
+      </a:lnRef>
+      <a:fillRef idx="1">
+        <a:scrgbClr r="0" g="0" b="0"/>
+      </a:fillRef>
+      <a:effectRef idx="0">
+        <a:scrgbClr r="0" g="0" b="0"/>
+      </a:effectRef>
+      <a:fontRef idx="minor"/>
+    </dgm:style>
+  </dgm:styleLbl>
+  <dgm:styleLbl name="sibTrans2D1">
+    <dgm:scene3d>
+      <a:camera prst="orthographicFront"/>
+      <a:lightRig rig="threePt" dir="t"/>
+    </dgm:scene3d>
+    <dgm:sp3d/>
+    <dgm:txPr/>
+    <dgm:style>
+      <a:lnRef idx="0">
+        <a:scrgbClr r="0" g="0" b="0"/>
+      </a:lnRef>
+      <a:fillRef idx="1">
+        <a:scrgbClr r="0" g="0" b="0"/>
+      </a:fillRef>
+      <a:effectRef idx="0">
+        <a:scrgbClr r="0" g="0" b="0"/>
+      </a:effectRef>
+      <a:fontRef idx="minor">
+        <a:schemeClr val="lt1"/>
+      </a:fontRef>
+    </dgm:style>
+  </dgm:styleLbl>
+  <dgm:styleLbl name="fgSibTrans2D1">
+    <dgm:scene3d>
+      <a:camera prst="orthographicFront"/>
+      <a:lightRig rig="threePt" dir="t"/>
+    </dgm:scene3d>
+    <dgm:sp3d/>
+    <dgm:txPr/>
+    <dgm:style>
+      <a:lnRef idx="0">
+        <a:scrgbClr r="0" g="0" b="0"/>
+      </a:lnRef>
+      <a:fillRef idx="1">
+        <a:scrgbClr r="0" g="0" b="0"/>
+      </a:fillRef>
+      <a:effectRef idx="0">
+        <a:scrgbClr r="0" g="0" b="0"/>
+      </a:effectRef>
+      <a:fontRef idx="minor">
+        <a:schemeClr val="lt1"/>
+      </a:fontRef>
+    </dgm:style>
+  </dgm:styleLbl>
+  <dgm:styleLbl name="bgSibTrans2D1">
+    <dgm:scene3d>
+      <a:camera prst="orthographicFront"/>
+      <a:lightRig rig="threePt" dir="t"/>
+    </dgm:scene3d>
+    <dgm:sp3d/>
+    <dgm:txPr/>
+    <dgm:style>
+      <a:lnRef idx="0">
+        <a:scrgbClr r="0" g="0" b="0"/>
+      </a:lnRef>
+      <a:fillRef idx="1">
+        <a:scrgbClr r="0" g="0" b="0"/>
+      </a:fillRef>
+      <a:effectRef idx="0">
+        <a:scrgbClr r="0" g="0" b="0"/>
+      </a:effectRef>
+      <a:fontRef idx="minor">
+        <a:schemeClr val="lt1"/>
+      </a:fontRef>
+    </dgm:style>
+  </dgm:styleLbl>
+  <dgm:styleLbl name="sibTrans1D1">
+    <dgm:scene3d>
+      <a:camera prst="orthographicFront"/>
+      <a:lightRig rig="threePt" dir="t"/>
+    </dgm:scene3d>
+    <dgm:sp3d/>
+    <dgm:txPr/>
+    <dgm:style>
+      <a:lnRef idx="1">
+        <a:scrgbClr r="0" g="0" b="0"/>
+      </a:lnRef>
+      <a:fillRef idx="0">
+        <a:scrgbClr r="0" g="0" b="0"/>
+      </a:fillRef>
+      <a:effectRef idx="0">
+        <a:scrgbClr r="0" g="0" b="0"/>
+      </a:effectRef>
+      <a:fontRef idx="minor"/>
+    </dgm:style>
+  </dgm:styleLbl>
+  <dgm:styleLbl name="callout">
+    <dgm:scene3d>
+      <a:camera prst="orthographicFront"/>
+      <a:lightRig rig="threePt" dir="t"/>
+    </dgm:scene3d>
+    <dgm:sp3d/>
+    <dgm:txPr/>
+    <dgm:style>
+      <a:lnRef idx="2">
+        <a:scrgbClr r="0" g="0" b="0"/>
+      </a:lnRef>
+      <a:fillRef idx="1">
+        <a:scrgbClr r="0" g="0" b="0"/>
+      </a:fillRef>
+      <a:effectRef idx="0">
+        <a:scrgbClr r="0" g="0" b="0"/>
+      </a:effectRef>
+      <a:fontRef idx="minor"/>
+    </dgm:style>
+  </dgm:styleLbl>
+  <dgm:styleLbl name="asst0">
+    <dgm:scene3d>
+      <a:camera prst="orthographicFront"/>
+      <a:lightRig rig="threePt" dir="t"/>
+    </dgm:scene3d>
+    <dgm:sp3d/>
+    <dgm:txPr/>
+    <dgm:style>
+      <a:lnRef idx="2">
+        <a:scrgbClr r="0" g="0" b="0"/>
+      </a:lnRef>
+      <a:fillRef idx="1">
+        <a:scrgbClr r="0" g="0" b="0"/>
+      </a:fillRef>
+      <a:effectRef idx="0">
+        <a:scrgbClr r="0" g="0" b="0"/>
+      </a:effectRef>
+      <a:fontRef idx="minor">
+        <a:schemeClr val="lt1"/>
+      </a:fontRef>
+    </dgm:style>
+  </dgm:styleLbl>
+  <dgm:styleLbl name="asst1">
+    <dgm:scene3d>
+      <a:camera prst="orthographicFront"/>
+      <a:lightRig rig="threePt" dir="t"/>
+    </dgm:scene3d>
+    <dgm:sp3d/>
+    <dgm:txPr/>
+    <dgm:style>
+      <a:lnRef idx="2">
+        <a:scrgbClr r="0" g="0" b="0"/>
+      </a:lnRef>
+      <a:fillRef idx="1">
+        <a:scrgbClr r="0" g="0" b="0"/>
+      </a:fillRef>
+      <a:effectRef idx="0">
+        <a:scrgbClr r="0" g="0" b="0"/>
+      </a:effectRef>
+      <a:fontRef idx="minor">
+        <a:schemeClr val="lt1"/>
+      </a:fontRef>
+    </dgm:style>
+  </dgm:styleLbl>
+  <dgm:styleLbl name="asst2">
+    <dgm:scene3d>
+      <a:camera prst="orthographicFront"/>
+      <a:lightRig rig="threePt" dir="t"/>
+    </dgm:scene3d>
+    <dgm:sp3d/>
+    <dgm:txPr/>
+    <dgm:style>
+      <a:lnRef idx="2">
+        <a:scrgbClr r="0" g="0" b="0"/>
+      </a:lnRef>
+      <a:fillRef idx="1">
+        <a:scrgbClr r="0" g="0" b="0"/>
+      </a:fillRef>
+      <a:effectRef idx="0">
+        <a:scrgbClr r="0" g="0" b="0"/>
+      </a:effectRef>
+      <a:fontRef idx="minor">
+        <a:schemeClr val="lt1"/>
+      </a:fontRef>
+    </dgm:style>
+  </dgm:styleLbl>
+  <dgm:styleLbl name="asst3">
+    <dgm:scene3d>
+      <a:camera prst="orthographicFront"/>
+      <a:lightRig rig="threePt" dir="t"/>
+    </dgm:scene3d>
+    <dgm:sp3d/>
+    <dgm:txPr/>
+    <dgm:style>
+      <a:lnRef idx="2">
+        <a:scrgbClr r="0" g="0" b="0"/>
+      </a:lnRef>
+      <a:fillRef idx="1">
+        <a:scrgbClr r="0" g="0" b="0"/>
+      </a:fillRef>
+      <a:effectRef idx="0">
+        <a:scrgbClr r="0" g="0" b="0"/>
+      </a:effectRef>
+      <a:fontRef idx="minor">
+        <a:schemeClr val="lt1"/>
+      </a:fontRef>
+    </dgm:style>
+  </dgm:styleLbl>
+  <dgm:styleLbl name="asst4">
+    <dgm:scene3d>
+      <a:camera prst="orthographicFront"/>
+      <a:lightRig rig="threePt" dir="t"/>
+    </dgm:scene3d>
+    <dgm:sp3d/>
+    <dgm:txPr/>
+    <dgm:style>
+      <a:lnRef idx="2">
+        <a:scrgbClr r="0" g="0" b="0"/>
+      </a:lnRef>
+      <a:fillRef idx="1">
+        <a:scrgbClr r="0" g="0" b="0"/>
+      </a:fillRef>
+      <a:effectRef idx="0">
+        <a:scrgbClr r="0" g="0" b="0"/>
+      </a:effectRef>
+      <a:fontRef idx="minor">
+        <a:schemeClr val="lt1"/>
+      </a:fontRef>
+    </dgm:style>
+  </dgm:styleLbl>
+  <dgm:styleLbl name="parChTrans2D1">
+    <dgm:scene3d>
+      <a:camera prst="orthographicFront"/>
+      <a:lightRig rig="threePt" dir="t"/>
+    </dgm:scene3d>
+    <dgm:sp3d/>
+    <dgm:txPr/>
+    <dgm:style>
+      <a:lnRef idx="2">
+        <a:scrgbClr r="0" g="0" b="0"/>
+      </a:lnRef>
+      <a:fillRef idx="1">
+        <a:scrgbClr r="0" g="0" b="0"/>
+      </a:fillRef>
+      <a:effectRef idx="0">
+        <a:scrgbClr r="0" g="0" b="0"/>
+      </a:effectRef>
+      <a:fontRef idx="minor">
+        <a:schemeClr val="lt1"/>
+      </a:fontRef>
+    </dgm:style>
+  </dgm:styleLbl>
+  <dgm:styleLbl name="parChTrans2D2">
+    <dgm:scene3d>
+      <a:camera prst="orthographicFront"/>
+      <a:lightRig rig="threePt" dir="t"/>
+    </dgm:scene3d>
+    <dgm:sp3d/>
+    <dgm:txPr/>
+    <dgm:style>
+      <a:lnRef idx="2">
+        <a:scrgbClr r="0" g="0" b="0"/>
+      </a:lnRef>
+      <a:fillRef idx="1">
+        <a:scrgbClr r="0" g="0" b="0"/>
+      </a:fillRef>
+      <a:effectRef idx="0">
+        <a:scrgbClr r="0" g="0" b="0"/>
+      </a:effectRef>
+      <a:fontRef idx="minor">
+        <a:schemeClr val="lt1"/>
+      </a:fontRef>
+    </dgm:style>
+  </dgm:styleLbl>
+  <dgm:styleLbl name="parChTrans2D3">
+    <dgm:scene3d>
+      <a:camera prst="orthographicFront"/>
+      <a:lightRig rig="threePt" dir="t"/>
+    </dgm:scene3d>
+    <dgm:sp3d/>
+    <dgm:txPr/>
+    <dgm:style>
+      <a:lnRef idx="2">
+        <a:scrgbClr r="0" g="0" b="0"/>
+      </a:lnRef>
+      <a:fillRef idx="1">
+        <a:scrgbClr r="0" g="0" b="0"/>
+      </a:fillRef>
+      <a:effectRef idx="0">
+        <a:scrgbClr r="0" g="0" b="0"/>
+      </a:effectRef>
+      <a:fontRef idx="minor">
+        <a:schemeClr val="lt1"/>
+      </a:fontRef>
+    </dgm:style>
+  </dgm:styleLbl>
+  <dgm:styleLbl name="parChTrans2D4">
+    <dgm:scene3d>
+      <a:camera prst="orthographicFront"/>
+      <a:lightRig rig="threePt" dir="t"/>
+    </dgm:scene3d>
+    <dgm:sp3d/>
+    <dgm:txPr/>
+    <dgm:style>
+      <a:lnRef idx="2">
+        <a:scrgbClr r="0" g="0" b="0"/>
+      </a:lnRef>
+      <a:fillRef idx="1">
+        <a:scrgbClr r="0" g="0" b="0"/>
+      </a:fillRef>
+      <a:effectRef idx="0">
+        <a:scrgbClr r="0" g="0" b="0"/>
+      </a:effectRef>
+      <a:fontRef idx="minor">
+        <a:schemeClr val="lt1"/>
+      </a:fontRef>
+    </dgm:style>
+  </dgm:styleLbl>
+  <dgm:styleLbl name="parChTrans1D1">
+    <dgm:scene3d>
+      <a:camera prst="orthographicFront"/>
+      <a:lightRig rig="threePt" dir="t"/>
+    </dgm:scene3d>
+    <dgm:sp3d/>
+    <dgm:txPr/>
+    <dgm:style>
+      <a:lnRef idx="2">
+        <a:scrgbClr r="0" g="0" b="0"/>
+      </a:lnRef>
+      <a:fillRef idx="0">
+        <a:scrgbClr r="0" g="0" b="0"/>
+      </a:fillRef>
+      <a:effectRef idx="0">
+        <a:scrgbClr r="0" g="0" b="0"/>
+      </a:effectRef>
+      <a:fontRef idx="minor"/>
+    </dgm:style>
+  </dgm:styleLbl>
+  <dgm:styleLbl name="parChTrans1D2">
+    <dgm:scene3d>
+      <a:camera prst="orthographicFront"/>
+      <a:lightRig rig="threePt" dir="t"/>
+    </dgm:scene3d>
+    <dgm:sp3d/>
+    <dgm:txPr/>
+    <dgm:style>
+      <a:lnRef idx="2">
+        <a:scrgbClr r="0" g="0" b="0"/>
+      </a:lnRef>
+      <a:fillRef idx="0">
+        <a:scrgbClr r="0" g="0" b="0"/>
+      </a:fillRef>
+      <a:effectRef idx="0">
+        <a:scrgbClr r="0" g="0" b="0"/>
+      </a:effectRef>
+      <a:fontRef idx="minor"/>
+    </dgm:style>
+  </dgm:styleLbl>
+  <dgm:styleLbl name="parChTrans1D3">
+    <dgm:scene3d>
+      <a:camera prst="orthographicFront"/>
+      <a:lightRig rig="threePt" dir="t"/>
+    </dgm:scene3d>
+    <dgm:sp3d/>
+    <dgm:txPr/>
+    <dgm:style>
+      <a:lnRef idx="2">
+        <a:scrgbClr r="0" g="0" b="0"/>
+      </a:lnRef>
+      <a:fillRef idx="0">
+        <a:scrgbClr r="0" g="0" b="0"/>
+      </a:fillRef>
+      <a:effectRef idx="0">
+        <a:scrgbClr r="0" g="0" b="0"/>
+      </a:effectRef>
+      <a:fontRef idx="minor"/>
+    </dgm:style>
+  </dgm:styleLbl>
+  <dgm:styleLbl name="parChTrans1D4">
+    <dgm:scene3d>
+      <a:camera prst="orthographicFront"/>
+      <a:lightRig rig="threePt" dir="t"/>
+    </dgm:scene3d>
+    <dgm:sp3d/>
+    <dgm:txPr/>
+    <dgm:style>
+      <a:lnRef idx="2">
+        <a:scrgbClr r="0" g="0" b="0"/>
+      </a:lnRef>
+      <a:fillRef idx="0">
+        <a:scrgbClr r="0" g="0" b="0"/>
+      </a:fillRef>
+      <a:effectRef idx="0">
+        <a:scrgbClr r="0" g="0" b="0"/>
+      </a:effectRef>
+      <a:fontRef idx="minor"/>
+    </dgm:style>
+  </dgm:styleLbl>
+  <dgm:styleLbl name="fgAcc1">
+    <dgm:scene3d>
+      <a:camera prst="orthographicFront"/>
+      <a:lightRig rig="threePt" dir="t"/>
+    </dgm:scene3d>
+    <dgm:sp3d/>
+    <dgm:txPr/>
+    <dgm:style>
+      <a:lnRef idx="2">
+        <a:scrgbClr r="0" g="0" b="0"/>
+      </a:lnRef>
+      <a:fillRef idx="1">
+        <a:scrgbClr r="0" g="0" b="0"/>
+      </a:fillRef>
+      <a:effectRef idx="0">
+        <a:scrgbClr r="0" g="0" b="0"/>
+      </a:effectRef>
+      <a:fontRef idx="minor"/>
+    </dgm:style>
+  </dgm:styleLbl>
+  <dgm:styleLbl name="conFgAcc1">
+    <dgm:scene3d>
+      <a:camera prst="orthographicFront"/>
+      <a:lightRig rig="threePt" dir="t"/>
+    </dgm:scene3d>
+    <dgm:sp3d/>
+    <dgm:txPr/>
+    <dgm:style>
+      <a:lnRef idx="2">
+        <a:scrgbClr r="0" g="0" b="0"/>
+      </a:lnRef>
+      <a:fillRef idx="1">
+        <a:scrgbClr r="0" g="0" b="0"/>
+      </a:fillRef>
+      <a:effectRef idx="0">
+        <a:scrgbClr r="0" g="0" b="0"/>
+      </a:effectRef>
+      <a:fontRef idx="minor"/>
+    </dgm:style>
+  </dgm:styleLbl>
+  <dgm:styleLbl name="alignAcc1">
+    <dgm:scene3d>
+      <a:camera prst="orthographicFront"/>
+      <a:lightRig rig="threePt" dir="t"/>
+    </dgm:scene3d>
+    <dgm:sp3d/>
+    <dgm:txPr/>
+    <dgm:style>
+      <a:lnRef idx="2">
+        <a:scrgbClr r="0" g="0" b="0"/>
+      </a:lnRef>
+      <a:fillRef idx="1">
+        <a:scrgbClr r="0" g="0" b="0"/>
+      </a:fillRef>
+      <a:effectRef idx="0">
+        <a:scrgbClr r="0" g="0" b="0"/>
+      </a:effectRef>
+      <a:fontRef idx="minor"/>
+    </dgm:style>
+  </dgm:styleLbl>
+  <dgm:styleLbl name="trAlignAcc1">
+    <dgm:scene3d>
+      <a:camera prst="orthographicFront"/>
+      <a:lightRig rig="threePt" dir="t"/>
+    </dgm:scene3d>
+    <dgm:sp3d/>
+    <dgm:txPr/>
+    <dgm:style>
+      <a:lnRef idx="1">
+        <a:scrgbClr r="0" g="0" b="0"/>
+      </a:lnRef>
+      <a:fillRef idx="1">
+        <a:scrgbClr r="0" g="0" b="0"/>
+      </a:fillRef>
+      <a:effectRef idx="0">
+        <a:scrgbClr r="0" g="0" b="0"/>
+      </a:effectRef>
+      <a:fontRef idx="minor"/>
+    </dgm:style>
+  </dgm:styleLbl>
+  <dgm:styleLbl name="bgAcc1">
+    <dgm:scene3d>
+      <a:camera prst="orthographicFront"/>
+      <a:lightRig rig="threePt" dir="t"/>
+    </dgm:scene3d>
+    <dgm:sp3d/>
+    <dgm:txPr/>
+    <dgm:style>
+      <a:lnRef idx="2">
+        <a:scrgbClr r="0" g="0" b="0"/>
+      </a:lnRef>
+      <a:fillRef idx="1">
+        <a:scrgbClr r="0" g="0" b="0"/>
+      </a:fillRef>
+      <a:effectRef idx="0">
+        <a:scrgbClr r="0" g="0" b="0"/>
+      </a:effectRef>
+      <a:fontRef idx="minor"/>
+    </dgm:style>
+  </dgm:styleLbl>
+  <dgm:styleLbl name="solidFgAcc1">
+    <dgm:scene3d>
+      <a:camera prst="orthographicFront"/>
+      <a:lightRig rig="threePt" dir="t"/>
+    </dgm:scene3d>
+    <dgm:sp3d/>
+    <dgm:txPr/>
+    <dgm:style>
+      <a:lnRef idx="2">
+        <a:scrgbClr r="0" g="0" b="0"/>
+      </a:lnRef>
+      <a:fillRef idx="1">
+        <a:scrgbClr r="0" g="0" b="0"/>
+      </a:fillRef>
+      <a:effectRef idx="0">
+        <a:scrgbClr r="0" g="0" b="0"/>
+      </a:effectRef>
+      <a:fontRef idx="minor"/>
+    </dgm:style>
+  </dgm:styleLbl>
+  <dgm:styleLbl name="solidAlignAcc1">
+    <dgm:scene3d>
+      <a:camera prst="orthographicFront"/>
+      <a:lightRig rig="threePt" dir="t"/>
+    </dgm:scene3d>
+    <dgm:sp3d/>
+    <dgm:txPr/>
+    <dgm:style>
+      <a:lnRef idx="2">
+        <a:scrgbClr r="0" g="0" b="0"/>
+      </a:lnRef>
+      <a:fillRef idx="1">
+        <a:scrgbClr r="0" g="0" b="0"/>
+      </a:fillRef>
+      <a:effectRef idx="0">
+        <a:scrgbClr r="0" g="0" b="0"/>
+      </a:effectRef>
+      <a:fontRef idx="minor"/>
+    </dgm:style>
+  </dgm:styleLbl>
+  <dgm:styleLbl name="solidBgAcc1">
+    <dgm:scene3d>
+      <a:camera prst="orthographicFront"/>
+      <a:lightRig rig="threePt" dir="t"/>
+    </dgm:scene3d>
+    <dgm:sp3d/>
+    <dgm:txPr/>
+    <dgm:style>
+      <a:lnRef idx="2">
+        <a:scrgbClr r="0" g="0" b="0"/>
+      </a:lnRef>
+      <a:fillRef idx="1">
+        <a:scrgbClr r="0" g="0" b="0"/>
+      </a:fillRef>
+      <a:effectRef idx="0">
+        <a:scrgbClr r="0" g="0" b="0"/>
+      </a:effectRef>
+      <a:fontRef idx="minor"/>
+    </dgm:style>
+  </dgm:styleLbl>
+  <dgm:styleLbl name="fgAccFollowNode1">
+    <dgm:scene3d>
+      <a:camera prst="orthographicFront"/>
+      <a:lightRig rig="threePt" dir="t"/>
+    </dgm:scene3d>
+    <dgm:sp3d/>
+    <dgm:txPr/>
+    <dgm:style>
+      <a:lnRef idx="2">
+        <a:scrgbClr r="0" g="0" b="0"/>
+      </a:lnRef>
+      <a:fillRef idx="1">
+        <a:scrgbClr r="0" g="0" b="0"/>
+      </a:fillRef>
+      <a:effectRef idx="0">
+        <a:scrgbClr r="0" g="0" b="0"/>
+      </a:effectRef>
+      <a:fontRef idx="minor"/>
+    </dgm:style>
+  </dgm:styleLbl>
+  <dgm:styleLbl name="alignAccFollowNode1">
+    <dgm:scene3d>
+      <a:camera prst="orthographicFront"/>
+      <a:lightRig rig="threePt" dir="t"/>
+    </dgm:scene3d>
+    <dgm:sp3d/>
+    <dgm:txPr/>
+    <dgm:style>
+      <a:lnRef idx="2">
+        <a:scrgbClr r="0" g="0" b="0"/>
+      </a:lnRef>
+      <a:fillRef idx="1">
+        <a:scrgbClr r="0" g="0" b="0"/>
+      </a:fillRef>
+      <a:effectRef idx="0">
+        <a:scrgbClr r="0" g="0" b="0"/>
+      </a:effectRef>
+      <a:fontRef idx="minor"/>
+    </dgm:style>
+  </dgm:styleLbl>
+  <dgm:styleLbl name="bgAccFollowNode1">
+    <dgm:scene3d>
+      <a:camera prst="orthographicFront"/>
+      <a:lightRig rig="threePt" dir="t"/>
+    </dgm:scene3d>
+    <dgm:sp3d/>
+    <dgm:txPr/>
+    <dgm:style>
+      <a:lnRef idx="2">
+        <a:scrgbClr r="0" g="0" b="0"/>
+      </a:lnRef>
+      <a:fillRef idx="1">
+        <a:scrgbClr r="0" g="0" b="0"/>
+      </a:fillRef>
+      <a:effectRef idx="0">
+        <a:scrgbClr r="0" g="0" b="0"/>
+      </a:effectRef>
+      <a:fontRef idx="minor"/>
+    </dgm:style>
+  </dgm:styleLbl>
+  <dgm:styleLbl name="fgAcc0">
+    <dgm:scene3d>
+      <a:camera prst="orthographicFront"/>
+      <a:lightRig rig="threePt" dir="t"/>
+    </dgm:scene3d>
+    <dgm:sp3d/>
+    <dgm:txPr/>
+    <dgm:style>
+      <a:lnRef idx="2">
+        <a:scrgbClr r="0" g="0" b="0"/>
+      </a:lnRef>
+      <a:fillRef idx="1">
+        <a:scrgbClr r="0" g="0" b="0"/>
+      </a:fillRef>
+      <a:effectRef idx="0">
+        <a:scrgbClr r="0" g="0" b="0"/>
+      </a:effectRef>
+      <a:fontRef idx="minor"/>
+    </dgm:style>
+  </dgm:styleLbl>
+  <dgm:styleLbl name="fgAcc2">
+    <dgm:scene3d>
+      <a:camera prst="orthographicFront"/>
+      <a:lightRig rig="threePt" dir="t"/>
+    </dgm:scene3d>
+    <dgm:sp3d/>
+    <dgm:txPr/>
+    <dgm:style>
+      <a:lnRef idx="2">
+        <a:scrgbClr r="0" g="0" b="0"/>
+      </a:lnRef>
+      <a:fillRef idx="1">
+        <a:scrgbClr r="0" g="0" b="0"/>
+      </a:fillRef>
+      <a:effectRef idx="0">
+        <a:scrgbClr r="0" g="0" b="0"/>
+      </a:effectRef>
+      <a:fontRef idx="minor"/>
+    </dgm:style>
+  </dgm:styleLbl>
+  <dgm:styleLbl name="fgAcc3">
+    <dgm:scene3d>
+      <a:camera prst="orthographicFront"/>
+      <a:lightRig rig="threePt" dir="t"/>
+    </dgm:scene3d>
+    <dgm:sp3d/>
+    <dgm:txPr/>
+    <dgm:style>
+      <a:lnRef idx="2">
+        <a:scrgbClr r="0" g="0" b="0"/>
+      </a:lnRef>
+      <a:fillRef idx="1">
+        <a:scrgbClr r="0" g="0" b="0"/>
+      </a:fillRef>
+      <a:effectRef idx="0">
+        <a:scrgbClr r="0" g="0" b="0"/>
+      </a:effectRef>
+      <a:fontRef idx="minor"/>
+    </dgm:style>
+  </dgm:styleLbl>
+  <dgm:styleLbl name="fgAcc4">
+    <dgm:scene3d>
+      <a:camera prst="orthographicFront"/>
+      <a:lightRig rig="threePt" dir="t"/>
+    </dgm:scene3d>
+    <dgm:sp3d/>
+    <dgm:txPr/>
+    <dgm:style>
+      <a:lnRef idx="2">
+        <a:scrgbClr r="0" g="0" b="0"/>
+      </a:lnRef>
+      <a:fillRef idx="1">
+        <a:scrgbClr r="0" g="0" b="0"/>
+      </a:fillRef>
+      <a:effectRef idx="0">
+        <a:scrgbClr r="0" g="0" b="0"/>
+      </a:effectRef>
+      <a:fontRef idx="minor"/>
+    </dgm:style>
+  </dgm:styleLbl>
+  <dgm:styleLbl name="bgShp">
+    <dgm:scene3d>
+      <a:camera prst="orthographicFront"/>
+      <a:lightRig rig="threePt" dir="t"/>
+    </dgm:scene3d>
+    <dgm:sp3d/>
+    <dgm:txPr/>
+    <dgm:style>
+      <a:lnRef idx="0">
+        <a:scrgbClr r="0" g="0" b="0"/>
+      </a:lnRef>
+      <a:fillRef idx="1">
+        <a:scrgbClr r="0" g="0" b="0"/>
+      </a:fillRef>
+      <a:effectRef idx="0">
+        <a:scrgbClr r="0" g="0" b="0"/>
+      </a:effectRef>
+      <a:fontRef idx="minor"/>
+    </dgm:style>
+  </dgm:styleLbl>
+  <dgm:styleLbl name="dkBgShp">
+    <dgm:scene3d>
+      <a:camera prst="orthographicFront"/>
+      <a:lightRig rig="threePt" dir="t"/>
+    </dgm:scene3d>
+    <dgm:sp3d/>
+    <dgm:txPr/>
+    <dgm:style>
+      <a:lnRef idx="0">
+        <a:scrgbClr r="0" g="0" b="0"/>
+      </a:lnRef>
+      <a:fillRef idx="1">
+        <a:scrgbClr r="0" g="0" b="0"/>
+      </a:fillRef>
+      <a:effectRef idx="0">
+        <a:scrgbClr r="0" g="0" b="0"/>
+      </a:effectRef>
+      <a:fontRef idx="minor"/>
+    </dgm:style>
+  </dgm:styleLbl>
+  <dgm:styleLbl name="trBgShp">
+    <dgm:scene3d>
+      <a:camera prst="orthographicFront"/>
+      <a:lightRig rig="threePt" dir="t"/>
+    </dgm:scene3d>
+    <dgm:sp3d/>
+    <dgm:txPr/>
+    <dgm:style>
+      <a:lnRef idx="0">
+        <a:scrgbClr r="0" g="0" b="0"/>
+      </a:lnRef>
+      <a:fillRef idx="1">
+        <a:scrgbClr r="0" g="0" b="0"/>
+      </a:fillRef>
+      <a:effectRef idx="0">
+        <a:scrgbClr r="0" g="0" b="0"/>
+      </a:effectRef>
+      <a:fontRef idx="minor"/>
+    </dgm:style>
+  </dgm:styleLbl>
+  <dgm:styleLbl name="fgShp">
+    <dgm:scene3d>
+      <a:camera prst="orthographicFront"/>
+      <a:lightRig rig="threePt" dir="t"/>
+    </dgm:scene3d>
+    <dgm:sp3d/>
+    <dgm:txPr/>
+    <dgm:style>
+      <a:lnRef idx="2">
+        <a:scrgbClr r="0" g="0" b="0"/>
+      </a:lnRef>
+      <a:fillRef idx="1">
+        <a:scrgbClr r="0" g="0" b="0"/>
+      </a:fillRef>
+      <a:effectRef idx="0">
+        <a:scrgbClr r="0" g="0" b="0"/>
+      </a:effectRef>
+      <a:fontRef idx="minor"/>
+    </dgm:style>
+  </dgm:styleLbl>
+  <dgm:styleLbl name="revTx">
+    <dgm:scene3d>
+      <a:camera prst="orthographicFront"/>
+      <a:lightRig rig="threePt" dir="t"/>
+    </dgm:scene3d>
+    <dgm:sp3d/>
+    <dgm:txPr/>
+    <dgm:style>
+      <a:lnRef idx="0">
+        <a:scrgbClr r="0" g="0" b="0"/>
+      </a:lnRef>
+      <a:fillRef idx="0">
+        <a:scrgbClr r="0" g="0" b="0"/>
+      </a:fillRef>
+      <a:effectRef idx="0">
+        <a:scrgbClr r="0" g="0" b="0"/>
+      </a:effectRef>
+      <a:fontRef idx="minor"/>
+    </dgm:style>
+  </dgm:styleLbl>
+</dgm:styleDef>
 </file>
 
 <file path=ppt/slideLayouts/slideLayout1.xml><?xml version="1.0" encoding="utf-8"?>
@@ -258,7 +4071,7 @@
           <a:p>
             <a:fld id="{FBCD46C4-0C7D-4652-8FA1-B0611FFFE6D4}" type="datetimeFigureOut">
               <a:rPr lang="id-ID" smtClean="0"/>
-              <a:t>05/02/2019</a:t>
+              <a:t>20/02/2019</a:t>
             </a:fld>
             <a:endParaRPr lang="id-ID"/>
           </a:p>
@@ -428,7 +4241,7 @@
           <a:p>
             <a:fld id="{FBCD46C4-0C7D-4652-8FA1-B0611FFFE6D4}" type="datetimeFigureOut">
               <a:rPr lang="id-ID" smtClean="0"/>
-              <a:t>05/02/2019</a:t>
+              <a:t>20/02/2019</a:t>
             </a:fld>
             <a:endParaRPr lang="id-ID"/>
           </a:p>
@@ -608,7 +4421,7 @@
           <a:p>
             <a:fld id="{FBCD46C4-0C7D-4652-8FA1-B0611FFFE6D4}" type="datetimeFigureOut">
               <a:rPr lang="id-ID" smtClean="0"/>
-              <a:t>05/02/2019</a:t>
+              <a:t>20/02/2019</a:t>
             </a:fld>
             <a:endParaRPr lang="id-ID"/>
           </a:p>
@@ -778,7 +4591,7 @@
           <a:p>
             <a:fld id="{FBCD46C4-0C7D-4652-8FA1-B0611FFFE6D4}" type="datetimeFigureOut">
               <a:rPr lang="id-ID" smtClean="0"/>
-              <a:t>05/02/2019</a:t>
+              <a:t>20/02/2019</a:t>
             </a:fld>
             <a:endParaRPr lang="id-ID"/>
           </a:p>
@@ -1024,7 +4837,7 @@
           <a:p>
             <a:fld id="{FBCD46C4-0C7D-4652-8FA1-B0611FFFE6D4}" type="datetimeFigureOut">
               <a:rPr lang="id-ID" smtClean="0"/>
-              <a:t>05/02/2019</a:t>
+              <a:t>20/02/2019</a:t>
             </a:fld>
             <a:endParaRPr lang="id-ID"/>
           </a:p>
@@ -1256,7 +5069,7 @@
           <a:p>
             <a:fld id="{FBCD46C4-0C7D-4652-8FA1-B0611FFFE6D4}" type="datetimeFigureOut">
               <a:rPr lang="id-ID" smtClean="0"/>
-              <a:t>05/02/2019</a:t>
+              <a:t>20/02/2019</a:t>
             </a:fld>
             <a:endParaRPr lang="id-ID"/>
           </a:p>
@@ -1623,7 +5436,7 @@
           <a:p>
             <a:fld id="{FBCD46C4-0C7D-4652-8FA1-B0611FFFE6D4}" type="datetimeFigureOut">
               <a:rPr lang="id-ID" smtClean="0"/>
-              <a:t>05/02/2019</a:t>
+              <a:t>20/02/2019</a:t>
             </a:fld>
             <a:endParaRPr lang="id-ID"/>
           </a:p>
@@ -1741,7 +5554,7 @@
           <a:p>
             <a:fld id="{FBCD46C4-0C7D-4652-8FA1-B0611FFFE6D4}" type="datetimeFigureOut">
               <a:rPr lang="id-ID" smtClean="0"/>
-              <a:t>05/02/2019</a:t>
+              <a:t>20/02/2019</a:t>
             </a:fld>
             <a:endParaRPr lang="id-ID"/>
           </a:p>
@@ -1836,7 +5649,7 @@
           <a:p>
             <a:fld id="{FBCD46C4-0C7D-4652-8FA1-B0611FFFE6D4}" type="datetimeFigureOut">
               <a:rPr lang="id-ID" smtClean="0"/>
-              <a:t>05/02/2019</a:t>
+              <a:t>20/02/2019</a:t>
             </a:fld>
             <a:endParaRPr lang="id-ID"/>
           </a:p>
@@ -2113,7 +5926,7 @@
           <a:p>
             <a:fld id="{FBCD46C4-0C7D-4652-8FA1-B0611FFFE6D4}" type="datetimeFigureOut">
               <a:rPr lang="id-ID" smtClean="0"/>
-              <a:t>05/02/2019</a:t>
+              <a:t>20/02/2019</a:t>
             </a:fld>
             <a:endParaRPr lang="id-ID"/>
           </a:p>
@@ -2366,7 +6179,7 @@
           <a:p>
             <a:fld id="{FBCD46C4-0C7D-4652-8FA1-B0611FFFE6D4}" type="datetimeFigureOut">
               <a:rPr lang="id-ID" smtClean="0"/>
-              <a:t>05/02/2019</a:t>
+              <a:t>20/02/2019</a:t>
             </a:fld>
             <a:endParaRPr lang="id-ID"/>
           </a:p>
@@ -2579,7 +6392,7 @@
           <a:p>
             <a:fld id="{FBCD46C4-0C7D-4652-8FA1-B0611FFFE6D4}" type="datetimeFigureOut">
               <a:rPr lang="id-ID" smtClean="0"/>
-              <a:t>05/02/2019</a:t>
+              <a:t>20/02/2019</a:t>
             </a:fld>
             <a:endParaRPr lang="id-ID"/>
           </a:p>
@@ -2984,6 +6797,117 @@
           <a:chExt cx="0" cy="0"/>
         </a:xfrm>
       </p:grpSpPr>
+      <p:pic>
+        <p:nvPicPr>
+          <p:cNvPr id="11268" name="Picture 4" descr="Hasil gambar untuk matriulasi stei tazkia"/>
+          <p:cNvPicPr>
+            <a:picLocks noChangeAspect="1" noChangeArrowheads="1"/>
+          </p:cNvPicPr>
+          <p:nvPr/>
+        </p:nvPicPr>
+        <p:blipFill rotWithShape="1">
+          <a:blip r:embed="rId2">
+            <a:extLst>
+              <a:ext uri="{28A0092B-C50C-407E-A947-70E740481C1C}">
+                <a14:useLocalDpi xmlns:a14="http://schemas.microsoft.com/office/drawing/2010/main" val="0"/>
+              </a:ext>
+            </a:extLst>
+          </a:blip>
+          <a:srcRect t="-8331" b="-8331"/>
+          <a:stretch/>
+        </p:blipFill>
+        <p:spPr bwMode="auto">
+          <a:xfrm>
+            <a:off x="-211016" y="-833738"/>
+            <a:ext cx="12403016" cy="8994731"/>
+          </a:xfrm>
+          <a:prstGeom prst="rect">
+            <a:avLst/>
+          </a:prstGeom>
+          <a:noFill/>
+          <a:extLst>
+            <a:ext uri="{909E8E84-426E-40DD-AFC4-6F175D3DCCD1}">
+              <a14:hiddenFill xmlns:a14="http://schemas.microsoft.com/office/drawing/2010/main">
+                <a:solidFill>
+                  <a:srgbClr val="FFFFFF"/>
+                </a:solidFill>
+              </a14:hiddenFill>
+            </a:ext>
+          </a:extLst>
+        </p:spPr>
+      </p:pic>
+      <p:pic>
+        <p:nvPicPr>
+          <p:cNvPr id="6" name="Picture 5"/>
+          <p:cNvPicPr>
+            <a:picLocks noChangeAspect="1"/>
+          </p:cNvPicPr>
+          <p:nvPr/>
+        </p:nvPicPr>
+        <p:blipFill>
+          <a:blip r:embed="rId3"/>
+          <a:stretch>
+            <a:fillRect/>
+          </a:stretch>
+        </p:blipFill>
+        <p:spPr>
+          <a:xfrm>
+            <a:off x="0" y="5902778"/>
+            <a:ext cx="2495550" cy="638175"/>
+          </a:xfrm>
+          <a:prstGeom prst="rect">
+            <a:avLst/>
+          </a:prstGeom>
+        </p:spPr>
+      </p:pic>
+      <p:sp>
+        <p:nvSpPr>
+          <p:cNvPr id="11" name="Rectangle 10"/>
+          <p:cNvSpPr/>
+          <p:nvPr/>
+        </p:nvSpPr>
+        <p:spPr>
+          <a:xfrm>
+            <a:off x="-211016" y="1175657"/>
+            <a:ext cx="12403016" cy="1853478"/>
+          </a:xfrm>
+          <a:prstGeom prst="rect">
+            <a:avLst/>
+          </a:prstGeom>
+          <a:solidFill>
+            <a:schemeClr val="tx1">
+              <a:alpha val="66000"/>
+            </a:schemeClr>
+          </a:solidFill>
+          <a:ln>
+            <a:noFill/>
+          </a:ln>
+        </p:spPr>
+        <p:style>
+          <a:lnRef idx="2">
+            <a:schemeClr val="accent1">
+              <a:shade val="50000"/>
+            </a:schemeClr>
+          </a:lnRef>
+          <a:fillRef idx="1">
+            <a:schemeClr val="accent1"/>
+          </a:fillRef>
+          <a:effectRef idx="0">
+            <a:schemeClr val="accent1"/>
+          </a:effectRef>
+          <a:fontRef idx="minor">
+            <a:schemeClr val="lt1"/>
+          </a:fontRef>
+        </p:style>
+        <p:txBody>
+          <a:bodyPr rtlCol="0" anchor="ctr"/>
+          <a:lstStyle/>
+          <a:p>
+            <a:pPr algn="ctr"/>
+            <a:endParaRPr lang="id-ID"/>
+          </a:p>
+        </p:txBody>
+      </p:sp>
       <p:sp>
         <p:nvSpPr>
           <p:cNvPr id="2" name="Title 1"/>
@@ -2996,8 +6920,8 @@
         </p:nvSpPr>
         <p:spPr>
           <a:xfrm>
-            <a:off x="1524000" y="927462"/>
-            <a:ext cx="9144000" cy="1250089"/>
+            <a:off x="1138917" y="1649154"/>
+            <a:ext cx="9927771" cy="1250089"/>
           </a:xfrm>
         </p:spPr>
         <p:txBody>
@@ -3007,10 +6931,150 @@
           <a:lstStyle/>
           <a:p>
             <a:r>
-              <a:rPr lang="id-ID" sz="4000" b="1" dirty="0" smtClean="0"/>
-              <a:t>Sistem Informasi Pengelolaan Matrikulasi Program Pembinaan Berbasis WEB Di STEI Tazkia</a:t>
-            </a:r>
-            <a:endParaRPr lang="id-ID" sz="4000" b="1" dirty="0"/>
+              <a:rPr lang="id-ID" sz="4000" b="1" dirty="0" smtClean="0">
+                <a:solidFill>
+                  <a:schemeClr val="bg1"/>
+                </a:solidFill>
+                <a:effectLst>
+                  <a:outerShdw blurRad="38100" dist="38100" dir="2700000" algn="tl">
+                    <a:srgbClr val="000000">
+                      <a:alpha val="43137"/>
+                    </a:srgbClr>
+                  </a:outerShdw>
+                </a:effectLst>
+              </a:rPr>
+              <a:t>SISTEM INFORMASI PENGELOLAAN </a:t>
+            </a:r>
+            <a:br>
+              <a:rPr lang="id-ID" sz="4000" b="1" dirty="0" smtClean="0">
+                <a:solidFill>
+                  <a:schemeClr val="bg1"/>
+                </a:solidFill>
+                <a:effectLst>
+                  <a:outerShdw blurRad="38100" dist="38100" dir="2700000" algn="tl">
+                    <a:srgbClr val="000000">
+                      <a:alpha val="43137"/>
+                    </a:srgbClr>
+                  </a:outerShdw>
+                </a:effectLst>
+              </a:rPr>
+            </a:br>
+            <a:r>
+              <a:rPr lang="id-ID" sz="4000" b="1" dirty="0" smtClean="0">
+                <a:solidFill>
+                  <a:schemeClr val="bg1"/>
+                </a:solidFill>
+                <a:effectLst>
+                  <a:outerShdw blurRad="38100" dist="38100" dir="2700000" algn="tl">
+                    <a:srgbClr val="000000">
+                      <a:alpha val="43137"/>
+                    </a:srgbClr>
+                  </a:outerShdw>
+                </a:effectLst>
+              </a:rPr>
+              <a:t>MATRIKULASI PROGRAM PEMBINAAN </a:t>
+            </a:r>
+            <a:br>
+              <a:rPr lang="id-ID" sz="4000" b="1" dirty="0" smtClean="0">
+                <a:solidFill>
+                  <a:schemeClr val="bg1"/>
+                </a:solidFill>
+                <a:effectLst>
+                  <a:outerShdw blurRad="38100" dist="38100" dir="2700000" algn="tl">
+                    <a:srgbClr val="000000">
+                      <a:alpha val="43137"/>
+                    </a:srgbClr>
+                  </a:outerShdw>
+                </a:effectLst>
+              </a:rPr>
+            </a:br>
+            <a:r>
+              <a:rPr lang="id-ID" sz="4000" b="1" dirty="0" smtClean="0">
+                <a:solidFill>
+                  <a:schemeClr val="bg1"/>
+                </a:solidFill>
+                <a:effectLst>
+                  <a:outerShdw blurRad="38100" dist="38100" dir="2700000" algn="tl">
+                    <a:srgbClr val="000000">
+                      <a:alpha val="43137"/>
+                    </a:srgbClr>
+                  </a:outerShdw>
+                </a:effectLst>
+              </a:rPr>
+              <a:t>BERBASIS </a:t>
+            </a:r>
+            <a:r>
+              <a:rPr lang="id-ID" sz="4000" b="1" i="1" dirty="0" smtClean="0">
+                <a:solidFill>
+                  <a:schemeClr val="bg1"/>
+                </a:solidFill>
+                <a:effectLst>
+                  <a:outerShdw blurRad="38100" dist="38100" dir="2700000" algn="tl">
+                    <a:srgbClr val="000000">
+                      <a:alpha val="43137"/>
+                    </a:srgbClr>
+                  </a:outerShdw>
+                </a:effectLst>
+              </a:rPr>
+              <a:t>WEB</a:t>
+            </a:r>
+            <a:r>
+              <a:rPr lang="id-ID" sz="4000" b="1" dirty="0" smtClean="0">
+                <a:solidFill>
+                  <a:schemeClr val="bg1"/>
+                </a:solidFill>
+                <a:effectLst>
+                  <a:outerShdw blurRad="38100" dist="38100" dir="2700000" algn="tl">
+                    <a:srgbClr val="000000">
+                      <a:alpha val="43137"/>
+                    </a:srgbClr>
+                  </a:outerShdw>
+                </a:effectLst>
+              </a:rPr>
+              <a:t> </a:t>
+            </a:r>
+            <a:r>
+              <a:rPr lang="id-ID" sz="4000" b="1" dirty="0" smtClean="0">
+                <a:solidFill>
+                  <a:schemeClr val="bg1"/>
+                </a:solidFill>
+                <a:effectLst>
+                  <a:outerShdw blurRad="38100" dist="38100" dir="2700000" algn="tl">
+                    <a:srgbClr val="000000">
+                      <a:alpha val="43137"/>
+                    </a:srgbClr>
+                  </a:outerShdw>
+                </a:effectLst>
+              </a:rPr>
+              <a:t>DI </a:t>
+            </a:r>
+            <a:r>
+              <a:rPr lang="id-ID" sz="4000" b="1" dirty="0" smtClean="0">
+                <a:solidFill>
+                  <a:schemeClr val="bg1"/>
+                </a:solidFill>
+                <a:effectLst>
+                  <a:outerShdw blurRad="38100" dist="38100" dir="2700000" algn="tl">
+                    <a:srgbClr val="000000">
+                      <a:alpha val="43137"/>
+                    </a:srgbClr>
+                  </a:outerShdw>
+                </a:effectLst>
+              </a:rPr>
+              <a:t>STEI TAZKIA</a:t>
+            </a:r>
+            <a:endParaRPr lang="id-ID" sz="4000" b="1" dirty="0">
+              <a:solidFill>
+                <a:schemeClr val="bg1"/>
+              </a:solidFill>
+              <a:effectLst>
+                <a:outerShdw blurRad="38100" dist="38100" dir="2700000" algn="tl">
+                  <a:srgbClr val="000000">
+                    <a:alpha val="43137"/>
+                  </a:srgbClr>
+                </a:outerShdw>
+              </a:effectLst>
+            </a:endParaRPr>
           </a:p>
         </p:txBody>
       </p:sp>
@@ -3026,8 +7090,8 @@
         </p:nvSpPr>
         <p:spPr>
           <a:xfrm>
-            <a:off x="1524000" y="2452507"/>
-            <a:ext cx="9144000" cy="1675356"/>
+            <a:off x="4654951" y="3283278"/>
+            <a:ext cx="2671082" cy="1675356"/>
           </a:xfrm>
         </p:spPr>
         <p:txBody>
@@ -3035,28 +7099,72 @@
           <a:lstStyle/>
           <a:p>
             <a:r>
-              <a:rPr lang="id-ID" dirty="0" smtClean="0"/>
-              <a:t>Yodi Yanwar</a:t>
-            </a:r>
-          </a:p>
-          <a:p>
-            <a:r>
-              <a:rPr lang="id-ID" dirty="0" smtClean="0"/>
+              <a:rPr lang="id-ID" b="1" dirty="0" smtClean="0">
+                <a:solidFill>
+                  <a:schemeClr val="bg1"/>
+                </a:solidFill>
+                <a:effectLst>
+                  <a:outerShdw blurRad="38100" dist="38100" dir="2700000" algn="tl">
+                    <a:srgbClr val="000000">
+                      <a:alpha val="43137"/>
+                    </a:srgbClr>
+                  </a:outerShdw>
+                </a:effectLst>
+              </a:rPr>
+              <a:t>YODI YANWAR</a:t>
+            </a:r>
+          </a:p>
+          <a:p>
+            <a:r>
+              <a:rPr lang="id-ID" b="1" dirty="0" smtClean="0">
+                <a:solidFill>
+                  <a:schemeClr val="bg1"/>
+                </a:solidFill>
+                <a:effectLst>
+                  <a:outerShdw blurRad="38100" dist="38100" dir="2700000" algn="tl">
+                    <a:srgbClr val="000000">
+                      <a:alpha val="43137"/>
+                    </a:srgbClr>
+                  </a:outerShdw>
+                </a:effectLst>
+              </a:rPr>
               <a:t>12215410549</a:t>
             </a:r>
           </a:p>
           <a:p>
             <a:r>
-              <a:rPr lang="id-ID" dirty="0" smtClean="0"/>
+              <a:rPr lang="id-ID" b="1" dirty="0" smtClean="0">
+                <a:solidFill>
+                  <a:schemeClr val="bg1"/>
+                </a:solidFill>
+                <a:effectLst>
+                  <a:outerShdw blurRad="38100" dist="38100" dir="2700000" algn="tl">
+                    <a:srgbClr val="000000">
+                      <a:alpha val="43137"/>
+                    </a:srgbClr>
+                  </a:outerShdw>
+                </a:effectLst>
+              </a:rPr>
               <a:t>Sistem Informasi</a:t>
             </a:r>
-            <a:endParaRPr lang="id-ID" dirty="0"/>
+            <a:endParaRPr lang="id-ID" b="1" dirty="0">
+              <a:solidFill>
+                <a:schemeClr val="bg1"/>
+              </a:solidFill>
+              <a:effectLst>
+                <a:outerShdw blurRad="38100" dist="38100" dir="2700000" algn="tl">
+                  <a:srgbClr val="000000">
+                    <a:alpha val="43137"/>
+                  </a:srgbClr>
+                </a:outerShdw>
+              </a:effectLst>
+            </a:endParaRPr>
           </a:p>
         </p:txBody>
       </p:sp>
       <p:sp>
         <p:nvSpPr>
-          <p:cNvPr id="4" name="Subtitle 2"/>
+          <p:cNvPr id="5" name="Subtitle 2"/>
           <p:cNvSpPr txBox="1">
             <a:spLocks/>
           </p:cNvSpPr>
@@ -3064,8 +7172,8 @@
         </p:nvSpPr>
         <p:spPr>
           <a:xfrm>
-            <a:off x="1828800" y="4546510"/>
-            <a:ext cx="4267200" cy="1675356"/>
+            <a:off x="8224183" y="4650502"/>
+            <a:ext cx="3866217" cy="1102125"/>
           </a:xfrm>
           <a:prstGeom prst="rect">
             <a:avLst/>
@@ -3242,23 +7350,56 @@
           <a:p>
             <a:pPr algn="l"/>
             <a:r>
-              <a:rPr lang="id-ID" dirty="0" smtClean="0"/>
-              <a:t>Pembimbing Utama</a:t>
+              <a:rPr lang="id-ID" b="1" dirty="0" smtClean="0">
+                <a:solidFill>
+                  <a:schemeClr val="bg1"/>
+                </a:solidFill>
+                <a:effectLst>
+                  <a:outerShdw blurRad="38100" dist="38100" dir="2700000" algn="tl">
+                    <a:srgbClr val="000000">
+                      <a:alpha val="43137"/>
+                    </a:srgbClr>
+                  </a:outerShdw>
+                </a:effectLst>
+              </a:rPr>
+              <a:t>Pembimbing Pendamping</a:t>
             </a:r>
           </a:p>
           <a:p>
             <a:pPr algn="l"/>
             <a:r>
-              <a:rPr lang="id-ID" dirty="0" smtClean="0"/>
-              <a:t>Jejen Jaenudin S.Kom M.Kom</a:t>
-            </a:r>
-            <a:endParaRPr lang="id-ID" dirty="0"/>
+              <a:rPr lang="id-ID" b="1" dirty="0" smtClean="0">
+                <a:solidFill>
+                  <a:schemeClr val="bg1"/>
+                </a:solidFill>
+                <a:effectLst>
+                  <a:outerShdw blurRad="38100" dist="38100" dir="2700000" algn="tl">
+                    <a:srgbClr val="000000">
+                      <a:alpha val="43137"/>
+                    </a:srgbClr>
+                  </a:outerShdw>
+                </a:effectLst>
+              </a:rPr>
+              <a:t>Dewi Primasari S.Si M.M</a:t>
+            </a:r>
+            <a:endParaRPr lang="id-ID" b="1" dirty="0">
+              <a:solidFill>
+                <a:schemeClr val="bg1"/>
+              </a:solidFill>
+              <a:effectLst>
+                <a:outerShdw blurRad="38100" dist="38100" dir="2700000" algn="tl">
+                  <a:srgbClr val="000000">
+                    <a:alpha val="43137"/>
+                  </a:srgbClr>
+                </a:outerShdw>
+              </a:effectLst>
+            </a:endParaRPr>
           </a:p>
         </p:txBody>
       </p:sp>
       <p:sp>
         <p:nvSpPr>
-          <p:cNvPr id="5" name="Subtitle 2"/>
+          <p:cNvPr id="4" name="Subtitle 2"/>
           <p:cNvSpPr txBox="1">
             <a:spLocks/>
           </p:cNvSpPr>
@@ -3266,8 +7407,8 @@
         </p:nvSpPr>
         <p:spPr>
           <a:xfrm>
-            <a:off x="6792687" y="4546510"/>
-            <a:ext cx="4267200" cy="1675356"/>
+            <a:off x="566058" y="4594049"/>
+            <a:ext cx="4267200" cy="1054586"/>
           </a:xfrm>
           <a:prstGeom prst="rect">
             <a:avLst/>
@@ -3444,17 +7585,50 @@
           <a:p>
             <a:pPr algn="l"/>
             <a:r>
-              <a:rPr lang="id-ID" dirty="0" smtClean="0"/>
-              <a:t>Pembimbing Pendamping</a:t>
+              <a:rPr lang="id-ID" b="1" dirty="0" smtClean="0">
+                <a:solidFill>
+                  <a:schemeClr val="bg1"/>
+                </a:solidFill>
+                <a:effectLst>
+                  <a:outerShdw blurRad="38100" dist="38100" dir="2700000" algn="tl">
+                    <a:srgbClr val="000000">
+                      <a:alpha val="43137"/>
+                    </a:srgbClr>
+                  </a:outerShdw>
+                </a:effectLst>
+              </a:rPr>
+              <a:t>Pembimbing Utama</a:t>
             </a:r>
           </a:p>
           <a:p>
             <a:pPr algn="l"/>
             <a:r>
-              <a:rPr lang="id-ID" dirty="0" smtClean="0"/>
-              <a:t>Dewi Primasari S.Si M.M</a:t>
-            </a:r>
-            <a:endParaRPr lang="id-ID" dirty="0"/>
+              <a:rPr lang="id-ID" b="1" dirty="0" smtClean="0">
+                <a:solidFill>
+                  <a:schemeClr val="bg1"/>
+                </a:solidFill>
+                <a:effectLst>
+                  <a:outerShdw blurRad="38100" dist="38100" dir="2700000" algn="tl">
+                    <a:srgbClr val="000000">
+                      <a:alpha val="43137"/>
+                    </a:srgbClr>
+                  </a:outerShdw>
+                </a:effectLst>
+              </a:rPr>
+              <a:t>Jejen Jaenudin S.Kom M.Kom</a:t>
+            </a:r>
+            <a:endParaRPr lang="id-ID" b="1" dirty="0">
+              <a:solidFill>
+                <a:schemeClr val="bg1"/>
+              </a:solidFill>
+              <a:effectLst>
+                <a:outerShdw blurRad="38100" dist="38100" dir="2700000" algn="tl">
+                  <a:srgbClr val="000000">
+                    <a:alpha val="43137"/>
+                  </a:srgbClr>
+                </a:outerShdw>
+              </a:effectLst>
+            </a:endParaRPr>
           </a:p>
         </p:txBody>
       </p:sp>
@@ -3505,116 +7679,6 @@
             <p:ph type="title"/>
           </p:nvPr>
         </p:nvSpPr>
-        <p:spPr/>
-        <p:txBody>
-          <a:bodyPr/>
-          <a:lstStyle/>
-          <a:p>
-            <a:r>
-              <a:rPr lang="id-ID" dirty="0" smtClean="0"/>
-              <a:t>Manfaat Penelitian</a:t>
-            </a:r>
-            <a:endParaRPr lang="id-ID" dirty="0"/>
-          </a:p>
-        </p:txBody>
-      </p:sp>
-      <p:sp>
-        <p:nvSpPr>
-          <p:cNvPr id="3" name="Content Placeholder 2"/>
-          <p:cNvSpPr>
-            <a:spLocks noGrp="1"/>
-          </p:cNvSpPr>
-          <p:nvPr>
-            <p:ph idx="1"/>
-          </p:nvPr>
-        </p:nvSpPr>
-        <p:spPr/>
-        <p:txBody>
-          <a:bodyPr/>
-          <a:lstStyle/>
-          <a:p>
-            <a:r>
-              <a:rPr lang="id-ID" dirty="0"/>
-              <a:t>Mempersingkat waktu dalam proses rekapitulasi data </a:t>
-            </a:r>
-            <a:r>
-              <a:rPr lang="id-ID" dirty="0" smtClean="0"/>
-              <a:t>presensi</a:t>
-            </a:r>
-          </a:p>
-          <a:p>
-            <a:r>
-              <a:rPr lang="id-ID" dirty="0" smtClean="0"/>
-              <a:t>Memperlancar ketersediaan informasi nilai saat jadwal penerbitan</a:t>
-            </a:r>
-            <a:endParaRPr lang="id-ID" dirty="0"/>
-          </a:p>
-        </p:txBody>
-      </p:sp>
-    </p:spTree>
-    <p:extLst>
-      <p:ext uri="{BB962C8B-B14F-4D97-AF65-F5344CB8AC3E}">
-        <p14:creationId xmlns:p14="http://schemas.microsoft.com/office/powerpoint/2010/main" val="513697623"/>
-      </p:ext>
-    </p:extLst>
-  </p:cSld>
-  <p:clrMapOvr>
-    <a:masterClrMapping/>
-  </p:clrMapOvr>
-</p:sld>
-</file>
-
-<file path=ppt/slides/slide11.xml><?xml version="1.0" encoding="utf-8"?>
-<p:sld xmlns:a="http://schemas.openxmlformats.org/drawingml/2006/main" xmlns:r="http://schemas.openxmlformats.org/officeDocument/2006/relationships" xmlns:p="http://schemas.openxmlformats.org/presentationml/2006/main">
-  <p:cSld>
-    <p:spTree>
-      <p:nvGrpSpPr>
-        <p:cNvPr id="1" name=""/>
-        <p:cNvGrpSpPr/>
-        <p:nvPr/>
-      </p:nvGrpSpPr>
-      <p:grpSpPr>
-        <a:xfrm>
-          <a:off x="0" y="0"/>
-          <a:ext cx="0" cy="0"/>
-          <a:chOff x="0" y="0"/>
-          <a:chExt cx="0" cy="0"/>
-        </a:xfrm>
-      </p:grpSpPr>
-      <p:pic>
-        <p:nvPicPr>
-          <p:cNvPr id="6" name="Picture 5"/>
-          <p:cNvPicPr>
-            <a:picLocks noChangeAspect="1"/>
-          </p:cNvPicPr>
-          <p:nvPr/>
-        </p:nvPicPr>
-        <p:blipFill>
-          <a:blip r:embed="rId2"/>
-          <a:stretch>
-            <a:fillRect/>
-          </a:stretch>
-        </p:blipFill>
-        <p:spPr>
-          <a:xfrm>
-            <a:off x="1458685" y="995734"/>
-            <a:ext cx="9274629" cy="5862266"/>
-          </a:xfrm>
-          <a:prstGeom prst="rect">
-            <a:avLst/>
-          </a:prstGeom>
-        </p:spPr>
-      </p:pic>
-      <p:sp>
-        <p:nvSpPr>
-          <p:cNvPr id="2" name="Title 1"/>
-          <p:cNvSpPr>
-            <a:spLocks noGrp="1"/>
-          </p:cNvSpPr>
-          <p:nvPr>
-            <p:ph type="title"/>
-          </p:nvPr>
-        </p:nvSpPr>
         <p:spPr>
           <a:xfrm>
             <a:off x="707571" y="0"/>
@@ -3627,12 +7691,146 @@
           <a:p>
             <a:r>
               <a:rPr lang="id-ID" dirty="0" smtClean="0"/>
-              <a:t>Penjabaran Metode Waterfall</a:t>
+              <a:t>Penjabaran </a:t>
+            </a:r>
+            <a:r>
+              <a:rPr lang="id-ID" dirty="0" smtClean="0"/>
+              <a:t>Waterfall</a:t>
             </a:r>
             <a:endParaRPr lang="id-ID" dirty="0"/>
           </a:p>
         </p:txBody>
       </p:sp>
+      <p:sp>
+        <p:nvSpPr>
+          <p:cNvPr id="3" name="Rectangle 2"/>
+          <p:cNvSpPr>
+            <a:spLocks noChangeArrowheads="1"/>
+          </p:cNvSpPr>
+          <p:nvPr/>
+        </p:nvSpPr>
+        <p:spPr bwMode="auto">
+          <a:xfrm>
+            <a:off x="561702" y="1123405"/>
+            <a:ext cx="22786111" cy="45719"/>
+          </a:xfrm>
+          <a:prstGeom prst="rect">
+            <a:avLst/>
+          </a:prstGeom>
+          <a:noFill/>
+          <a:ln>
+            <a:noFill/>
+          </a:ln>
+          <a:effectLst/>
+          <a:extLst>
+            <a:ext uri="{909E8E84-426E-40DD-AFC4-6F175D3DCCD1}">
+              <a14:hiddenFill xmlns:a14="http://schemas.microsoft.com/office/drawing/2010/main">
+                <a:solidFill>
+                  <a:schemeClr val="accent1"/>
+                </a:solidFill>
+              </a14:hiddenFill>
+            </a:ext>
+            <a:ext uri="{91240B29-F687-4F45-9708-019B960494DF}">
+              <a14:hiddenLine xmlns:a14="http://schemas.microsoft.com/office/drawing/2010/main" w="9525">
+                <a:solidFill>
+                  <a:schemeClr val="tx1"/>
+                </a:solidFill>
+                <a:miter lim="800000"/>
+                <a:headEnd/>
+                <a:tailEnd/>
+              </a14:hiddenLine>
+            </a:ext>
+            <a:ext uri="{AF507438-7753-43E0-B8FC-AC1667EBCBE1}">
+              <a14:hiddenEffects xmlns:a14="http://schemas.microsoft.com/office/drawing/2010/main">
+                <a:effectLst>
+                  <a:outerShdw dist="35921" dir="2700000" algn="ctr" rotWithShape="0">
+                    <a:schemeClr val="bg2"/>
+                  </a:outerShdw>
+                </a:effectLst>
+              </a14:hiddenEffects>
+            </a:ext>
+          </a:extLst>
+        </p:spPr>
+        <p:txBody>
+          <a:bodyPr vert="horz" wrap="square" lIns="91440" tIns="45720" rIns="91440" bIns="45720" numCol="1" anchor="ctr" anchorCtr="0" compatLnSpc="1">
+            <a:prstTxWarp prst="textNoShape">
+              <a:avLst/>
+            </a:prstTxWarp>
+            <a:spAutoFit/>
+          </a:bodyPr>
+          <a:lstStyle/>
+          <a:p>
+            <a:endParaRPr lang="id-ID"/>
+          </a:p>
+        </p:txBody>
+      </p:sp>
+      <p:graphicFrame>
+        <p:nvGraphicFramePr>
+          <p:cNvPr id="4" name="Object 3"/>
+          <p:cNvGraphicFramePr>
+            <a:graphicFrameLocks noChangeAspect="1"/>
+          </p:cNvGraphicFramePr>
+          <p:nvPr>
+            <p:extLst>
+              <p:ext uri="{D42A27DB-BD31-4B8C-83A1-F6EECF244321}">
+                <p14:modId xmlns:p14="http://schemas.microsoft.com/office/powerpoint/2010/main" val="1022991335"/>
+              </p:ext>
+            </p:extLst>
+          </p:nvPr>
+        </p:nvGraphicFramePr>
+        <p:xfrm>
+          <a:off x="1960197" y="1123405"/>
+          <a:ext cx="7458891" cy="5554115"/>
+        </p:xfrm>
+        <a:graphic>
+          <a:graphicData uri="http://schemas.openxmlformats.org/presentationml/2006/ole">
+            <mc:AlternateContent xmlns:mc="http://schemas.openxmlformats.org/markup-compatibility/2006">
+              <mc:Choice xmlns:v="urn:schemas-microsoft-com:vml" Requires="v">
+                <p:oleObj spid="_x0000_s14339" name="Visio" r:id="rId3" imgW="5086560" imgH="3800521" progId="Visio.Drawing.15">
+                  <p:embed/>
+                </p:oleObj>
+              </mc:Choice>
+              <mc:Fallback>
+                <p:oleObj name="Visio" r:id="rId3" imgW="5086560" imgH="3800521" progId="Visio.Drawing.15">
+                  <p:embed/>
+                  <p:pic>
+                    <p:nvPicPr>
+                      <p:cNvPr id="0" name="Object 1"/>
+                      <p:cNvPicPr>
+                        <a:picLocks noChangeAspect="1" noChangeArrowheads="1"/>
+                      </p:cNvPicPr>
+                      <p:nvPr/>
+                    </p:nvPicPr>
+                    <p:blipFill>
+                      <a:blip r:embed="rId4">
+                        <a:extLst>
+                          <a:ext uri="{28A0092B-C50C-407E-A947-70E740481C1C}">
+                            <a14:useLocalDpi xmlns:a14="http://schemas.microsoft.com/office/drawing/2010/main" val="0"/>
+                          </a:ext>
+                        </a:extLst>
+                      </a:blip>
+                      <a:srcRect/>
+                      <a:stretch>
+                        <a:fillRect/>
+                      </a:stretch>
+                    </p:blipFill>
+                    <p:spPr bwMode="auto">
+                      <a:xfrm>
+                        <a:off x="1960197" y="1123405"/>
+                        <a:ext cx="7458891" cy="5554115"/>
+                      </a:xfrm>
+                      <a:prstGeom prst="rect">
+                        <a:avLst/>
+                      </a:prstGeom>
+                      <a:noFill/>
+                    </p:spPr>
+                  </p:pic>
+                </p:oleObj>
+              </mc:Fallback>
+            </mc:AlternateContent>
+          </a:graphicData>
+        </a:graphic>
+      </p:graphicFrame>
     </p:spTree>
     <p:extLst>
       <p:ext uri="{BB962C8B-B14F-4D97-AF65-F5344CB8AC3E}">
@@ -3643,10 +7841,17 @@
   <p:clrMapOvr>
     <a:masterClrMapping/>
   </p:clrMapOvr>
+  <p:timing>
+    <p:tnLst>
+      <p:par>
+        <p:cTn id="1" dur="indefinite" restart="never" nodeType="tmRoot"/>
+      </p:par>
+    </p:tnLst>
+  </p:timing>
 </p:sld>
 </file>
 
-<file path=ppt/slides/slide12.xml><?xml version="1.0" encoding="utf-8"?>
+<file path=ppt/slides/slide11.xml><?xml version="1.0" encoding="utf-8"?>
 <p:sld xmlns:a="http://schemas.openxmlformats.org/drawingml/2006/main" xmlns:r="http://schemas.openxmlformats.org/officeDocument/2006/relationships" xmlns:p="http://schemas.openxmlformats.org/presentationml/2006/main">
   <p:cSld>
     <p:spTree>
@@ -3673,7 +7878,12 @@
             <p:ph type="title"/>
           </p:nvPr>
         </p:nvSpPr>
-        <p:spPr/>
+        <p:spPr>
+          <a:xfrm>
+            <a:off x="130628" y="176439"/>
+            <a:ext cx="11088915" cy="1325563"/>
+          </a:xfrm>
+        </p:spPr>
         <p:txBody>
           <a:bodyPr/>
           <a:lstStyle/>
@@ -3749,38 +7959,101 @@
           </a:p>
         </p:txBody>
       </p:sp>
+      <p:sp>
+        <p:nvSpPr>
+          <p:cNvPr id="3" name="Rectangle 23"/>
+          <p:cNvSpPr>
+            <a:spLocks noChangeArrowheads="1"/>
+          </p:cNvSpPr>
+          <p:nvPr/>
+        </p:nvSpPr>
+        <p:spPr bwMode="auto">
+          <a:xfrm>
+            <a:off x="1819836" y="1636318"/>
+            <a:ext cx="17412858" cy="45719"/>
+          </a:xfrm>
+          <a:prstGeom prst="rect">
+            <a:avLst/>
+          </a:prstGeom>
+          <a:noFill/>
+          <a:ln>
+            <a:noFill/>
+          </a:ln>
+          <a:effectLst/>
+          <a:extLst>
+            <a:ext uri="{909E8E84-426E-40DD-AFC4-6F175D3DCCD1}">
+              <a14:hiddenFill xmlns:a14="http://schemas.microsoft.com/office/drawing/2010/main">
+                <a:solidFill>
+                  <a:schemeClr val="accent1"/>
+                </a:solidFill>
+              </a14:hiddenFill>
+            </a:ext>
+            <a:ext uri="{91240B29-F687-4F45-9708-019B960494DF}">
+              <a14:hiddenLine xmlns:a14="http://schemas.microsoft.com/office/drawing/2010/main" w="9525">
+                <a:solidFill>
+                  <a:schemeClr val="tx1"/>
+                </a:solidFill>
+                <a:miter lim="800000"/>
+                <a:headEnd/>
+                <a:tailEnd/>
+              </a14:hiddenLine>
+            </a:ext>
+            <a:ext uri="{AF507438-7753-43E0-B8FC-AC1667EBCBE1}">
+              <a14:hiddenEffects xmlns:a14="http://schemas.microsoft.com/office/drawing/2010/main">
+                <a:effectLst>
+                  <a:outerShdw dist="35921" dir="2700000" algn="ctr" rotWithShape="0">
+                    <a:schemeClr val="bg2"/>
+                  </a:outerShdw>
+                </a:effectLst>
+              </a14:hiddenEffects>
+            </a:ext>
+          </a:extLst>
+        </p:spPr>
+        <p:txBody>
+          <a:bodyPr vert="horz" wrap="square" lIns="91440" tIns="45720" rIns="91440" bIns="45720" numCol="1" anchor="ctr" anchorCtr="0" compatLnSpc="1">
+            <a:prstTxWarp prst="textNoShape">
+              <a:avLst/>
+            </a:prstTxWarp>
+            <a:spAutoFit/>
+          </a:bodyPr>
+          <a:lstStyle/>
+          <a:p>
+            <a:endParaRPr lang="id-ID"/>
+          </a:p>
+        </p:txBody>
+      </p:sp>
       <p:graphicFrame>
         <p:nvGraphicFramePr>
-          <p:cNvPr id="5" name="Object 4"/>
+          <p:cNvPr id="6" name="Object 5"/>
           <p:cNvGraphicFramePr>
             <a:graphicFrameLocks noChangeAspect="1"/>
           </p:cNvGraphicFramePr>
           <p:nvPr>
             <p:extLst>
               <p:ext uri="{D42A27DB-BD31-4B8C-83A1-F6EECF244321}">
-                <p14:modId xmlns:p14="http://schemas.microsoft.com/office/powerpoint/2010/main" val="1624486267"/>
+                <p14:modId xmlns:p14="http://schemas.microsoft.com/office/powerpoint/2010/main" val="2707000752"/>
               </p:ext>
             </p:extLst>
           </p:nvPr>
         </p:nvGraphicFramePr>
         <p:xfrm>
-          <a:off x="1819835" y="1640645"/>
-          <a:ext cx="7953103" cy="5217355"/>
+          <a:off x="2481941" y="1272176"/>
+          <a:ext cx="7082973" cy="5292628"/>
         </p:xfrm>
         <a:graphic>
           <a:graphicData uri="http://schemas.openxmlformats.org/presentationml/2006/ole">
             <mc:AlternateContent xmlns:mc="http://schemas.openxmlformats.org/markup-compatibility/2006">
               <mc:Choice xmlns:v="urn:schemas-microsoft-com:vml" Requires="v">
-                <p:oleObj spid="_x0000_s2061" name="Visio" r:id="rId3" imgW="5981760" imgH="3933717" progId="Visio.Drawing.15">
+                <p:oleObj spid="_x0000_s2075" name="Visio" r:id="rId3" imgW="6000709" imgH="4476649" progId="Visio.Drawing.15">
                   <p:embed/>
                 </p:oleObj>
               </mc:Choice>
               <mc:Fallback>
-                <p:oleObj name="Visio" r:id="rId3" imgW="5981760" imgH="3933717" progId="Visio.Drawing.15">
+                <p:oleObj name="Visio" r:id="rId3" imgW="6000709" imgH="4476649" progId="Visio.Drawing.15">
                   <p:embed/>
                   <p:pic>
                     <p:nvPicPr>
-                      <p:cNvPr id="0" name="Object 1"/>
+                      <p:cNvPr id="0" name="Object 22"/>
                       <p:cNvPicPr>
                         <a:picLocks noChangeAspect="1" noChangeArrowheads="1"/>
                       </p:cNvPicPr>
@@ -3801,8 +8074,8 @@
                     </p:blipFill>
                     <p:spPr bwMode="auto">
                       <a:xfrm>
-                        <a:off x="1819835" y="1640645"/>
-                        <a:ext cx="7953103" cy="5217355"/>
+                        <a:off x="2481941" y="1272176"/>
+                        <a:ext cx="7082973" cy="5292628"/>
                       </a:xfrm>
                       <a:prstGeom prst="rect">
                         <a:avLst/>
@@ -3826,10 +8099,17 @@
   <p:clrMapOvr>
     <a:masterClrMapping/>
   </p:clrMapOvr>
+  <p:timing>
+    <p:tnLst>
+      <p:par>
+        <p:cTn id="1" dur="indefinite" restart="never" nodeType="tmRoot"/>
+      </p:par>
+    </p:tnLst>
+  </p:timing>
 </p:sld>
 </file>
 
-<file path=ppt/slides/slide13.xml><?xml version="1.0" encoding="utf-8"?>
+<file path=ppt/slides/slide12.xml><?xml version="1.0" encoding="utf-8"?>
 <p:sld xmlns:a="http://schemas.openxmlformats.org/drawingml/2006/main" xmlns:r="http://schemas.openxmlformats.org/officeDocument/2006/relationships" xmlns:p="http://schemas.openxmlformats.org/presentationml/2006/main">
   <p:cSld>
     <p:spTree>
@@ -3870,11 +8150,7 @@
           <a:p>
             <a:r>
               <a:rPr lang="id-ID" dirty="0" smtClean="0"/>
-              <a:t>Alur Proses</a:t>
-            </a:r>
-            <a:r>
-              <a:rPr lang="id-ID" dirty="0" smtClean="0"/>
-              <a:t> Yang Sedang </a:t>
+              <a:t>Alur Proses Yang Sedang </a:t>
             </a:r>
             <a:br>
               <a:rPr lang="id-ID" dirty="0" smtClean="0"/>
@@ -3891,12 +8167,75 @@
               <a:t>Kegiatan Ta’lim</a:t>
             </a:r>
             <a:endParaRPr lang="id-ID" dirty="0"/>
+          </a:p>
+        </p:txBody>
+      </p:sp>
+      <p:sp>
+        <p:nvSpPr>
+          <p:cNvPr id="3" name="Rectangle 2"/>
+          <p:cNvSpPr>
+            <a:spLocks noChangeArrowheads="1"/>
+          </p:cNvSpPr>
+          <p:nvPr/>
+        </p:nvSpPr>
+        <p:spPr bwMode="auto">
+          <a:xfrm>
+            <a:off x="4731656" y="657904"/>
+            <a:ext cx="16284207" cy="46447"/>
+          </a:xfrm>
+          <a:prstGeom prst="rect">
+            <a:avLst/>
+          </a:prstGeom>
+          <a:noFill/>
+          <a:ln>
+            <a:noFill/>
+          </a:ln>
+          <a:effectLst/>
+          <a:extLst>
+            <a:ext uri="{909E8E84-426E-40DD-AFC4-6F175D3DCCD1}">
+              <a14:hiddenFill xmlns:a14="http://schemas.microsoft.com/office/drawing/2010/main">
+                <a:solidFill>
+                  <a:schemeClr val="accent1"/>
+                </a:solidFill>
+              </a14:hiddenFill>
+            </a:ext>
+            <a:ext uri="{91240B29-F687-4F45-9708-019B960494DF}">
+              <a14:hiddenLine xmlns:a14="http://schemas.microsoft.com/office/drawing/2010/main" w="9525">
+                <a:solidFill>
+                  <a:schemeClr val="tx1"/>
+                </a:solidFill>
+                <a:miter lim="800000"/>
+                <a:headEnd/>
+                <a:tailEnd/>
+              </a14:hiddenLine>
+            </a:ext>
+            <a:ext uri="{AF507438-7753-43E0-B8FC-AC1667EBCBE1}">
+              <a14:hiddenEffects xmlns:a14="http://schemas.microsoft.com/office/drawing/2010/main">
+                <a:effectLst>
+                  <a:outerShdw dist="35921" dir="2700000" algn="ctr" rotWithShape="0">
+                    <a:schemeClr val="bg2"/>
+                  </a:outerShdw>
+                </a:effectLst>
+              </a14:hiddenEffects>
+            </a:ext>
+          </a:extLst>
+        </p:spPr>
+        <p:txBody>
+          <a:bodyPr vert="horz" wrap="square" lIns="91440" tIns="45720" rIns="91440" bIns="45720" numCol="1" anchor="ctr" anchorCtr="0" compatLnSpc="1">
+            <a:prstTxWarp prst="textNoShape">
+              <a:avLst/>
+            </a:prstTxWarp>
+            <a:spAutoFit/>
+          </a:bodyPr>
+          <a:lstStyle/>
+          <a:p>
+            <a:endParaRPr lang="id-ID"/>
           </a:p>
         </p:txBody>
       </p:sp>
       <p:pic>
         <p:nvPicPr>
-          <p:cNvPr id="3074" name="Picture 2"/>
+          <p:cNvPr id="15361" name="Picture 12"/>
           <p:cNvPicPr>
             <a:picLocks noChangeAspect="1" noChangeArrowheads="1"/>
           </p:cNvPicPr>
@@ -3917,16 +8256,13 @@
         </p:blipFill>
         <p:spPr bwMode="auto">
           <a:xfrm>
-            <a:off x="4629013" y="344397"/>
-            <a:ext cx="6716171" cy="6239283"/>
+            <a:off x="4731657" y="657904"/>
+            <a:ext cx="6284686" cy="5813971"/>
           </a:xfrm>
           <a:prstGeom prst="rect">
             <a:avLst/>
           </a:prstGeom>
           <a:noFill/>
-          <a:ln>
-            <a:noFill/>
-          </a:ln>
           <a:extLst>
             <a:ext uri="{909E8E84-426E-40DD-AFC4-6F175D3DCCD1}">
               <a14:hiddenFill xmlns:a14="http://schemas.microsoft.com/office/drawing/2010/main">
@@ -3934,16 +8270,6 @@
                   <a:srgbClr val="FFFFFF"/>
                 </a:solidFill>
               </a14:hiddenFill>
-            </a:ext>
-            <a:ext uri="{91240B29-F687-4F45-9708-019B960494DF}">
-              <a14:hiddenLine xmlns:a14="http://schemas.microsoft.com/office/drawing/2010/main" w="9525">
-                <a:solidFill>
-                  <a:srgbClr val="000000"/>
-                </a:solidFill>
-                <a:miter lim="800000"/>
-                <a:headEnd/>
-                <a:tailEnd/>
-              </a14:hiddenLine>
             </a:ext>
           </a:extLst>
         </p:spPr>
@@ -3958,10 +8284,17 @@
   <p:clrMapOvr>
     <a:masterClrMapping/>
   </p:clrMapOvr>
+  <p:timing>
+    <p:tnLst>
+      <p:par>
+        <p:cTn id="1" dur="indefinite" restart="never" nodeType="tmRoot"/>
+      </p:par>
+    </p:tnLst>
+  </p:timing>
 </p:sld>
 </file>
 
-<file path=ppt/slides/slide14.xml><?xml version="1.0" encoding="utf-8"?>
+<file path=ppt/slides/slide13.xml><?xml version="1.0" encoding="utf-8"?>
 <p:sld xmlns:a="http://schemas.openxmlformats.org/drawingml/2006/main" xmlns:r="http://schemas.openxmlformats.org/officeDocument/2006/relationships" xmlns:p="http://schemas.openxmlformats.org/presentationml/2006/main">
   <p:cSld>
     <p:spTree>
@@ -4085,29 +8418,92 @@
           </a:p>
         </p:txBody>
       </p:sp>
+      <p:sp>
+        <p:nvSpPr>
+          <p:cNvPr id="3" name="Rectangle 21"/>
+          <p:cNvSpPr>
+            <a:spLocks noChangeArrowheads="1"/>
+          </p:cNvSpPr>
+          <p:nvPr/>
+        </p:nvSpPr>
+        <p:spPr bwMode="auto">
+          <a:xfrm>
+            <a:off x="5179421" y="646929"/>
+            <a:ext cx="17265063" cy="45719"/>
+          </a:xfrm>
+          <a:prstGeom prst="rect">
+            <a:avLst/>
+          </a:prstGeom>
+          <a:noFill/>
+          <a:ln>
+            <a:noFill/>
+          </a:ln>
+          <a:effectLst/>
+          <a:extLst>
+            <a:ext uri="{909E8E84-426E-40DD-AFC4-6F175D3DCCD1}">
+              <a14:hiddenFill xmlns:a14="http://schemas.microsoft.com/office/drawing/2010/main">
+                <a:solidFill>
+                  <a:schemeClr val="accent1"/>
+                </a:solidFill>
+              </a14:hiddenFill>
+            </a:ext>
+            <a:ext uri="{91240B29-F687-4F45-9708-019B960494DF}">
+              <a14:hiddenLine xmlns:a14="http://schemas.microsoft.com/office/drawing/2010/main" w="9525">
+                <a:solidFill>
+                  <a:schemeClr val="tx1"/>
+                </a:solidFill>
+                <a:miter lim="800000"/>
+                <a:headEnd/>
+                <a:tailEnd/>
+              </a14:hiddenLine>
+            </a:ext>
+            <a:ext uri="{AF507438-7753-43E0-B8FC-AC1667EBCBE1}">
+              <a14:hiddenEffects xmlns:a14="http://schemas.microsoft.com/office/drawing/2010/main">
+                <a:effectLst>
+                  <a:outerShdw dist="35921" dir="2700000" algn="ctr" rotWithShape="0">
+                    <a:schemeClr val="bg2"/>
+                  </a:outerShdw>
+                </a:effectLst>
+              </a14:hiddenEffects>
+            </a:ext>
+          </a:extLst>
+        </p:spPr>
+        <p:txBody>
+          <a:bodyPr vert="horz" wrap="square" lIns="91440" tIns="45720" rIns="91440" bIns="45720" numCol="1" anchor="ctr" anchorCtr="0" compatLnSpc="1">
+            <a:prstTxWarp prst="textNoShape">
+              <a:avLst/>
+            </a:prstTxWarp>
+            <a:spAutoFit/>
+          </a:bodyPr>
+          <a:lstStyle/>
+          <a:p>
+            <a:endParaRPr lang="id-ID"/>
+          </a:p>
+        </p:txBody>
+      </p:sp>
       <p:graphicFrame>
         <p:nvGraphicFramePr>
-          <p:cNvPr id="5" name="Object 4"/>
+          <p:cNvPr id="6" name="Object 5"/>
           <p:cNvGraphicFramePr>
             <a:graphicFrameLocks noChangeAspect="1"/>
           </p:cNvGraphicFramePr>
           <p:nvPr>
             <p:extLst>
               <p:ext uri="{D42A27DB-BD31-4B8C-83A1-F6EECF244321}">
-                <p14:modId xmlns:p14="http://schemas.microsoft.com/office/powerpoint/2010/main" val="1641357330"/>
+                <p14:modId xmlns:p14="http://schemas.microsoft.com/office/powerpoint/2010/main" val="4011786270"/>
               </p:ext>
             </p:extLst>
           </p:nvPr>
         </p:nvGraphicFramePr>
         <p:xfrm>
-          <a:off x="5034614" y="432028"/>
-          <a:ext cx="6777503" cy="6151652"/>
+          <a:off x="5179422" y="646930"/>
+          <a:ext cx="6487887" cy="5894400"/>
         </p:xfrm>
         <a:graphic>
           <a:graphicData uri="http://schemas.openxmlformats.org/presentationml/2006/ole">
             <mc:AlternateContent xmlns:mc="http://schemas.openxmlformats.org/markup-compatibility/2006">
               <mc:Choice xmlns:v="urn:schemas-microsoft-com:vml" Requires="v">
-                <p:oleObj spid="_x0000_s4107" name="Visio" r:id="rId3" imgW="3953032" imgH="3590791" progId="Visio.Drawing.15">
+                <p:oleObj spid="_x0000_s4121" name="Visio" r:id="rId3" imgW="3953032" imgH="3590791" progId="Visio.Drawing.15">
                   <p:embed/>
                 </p:oleObj>
               </mc:Choice>
@@ -4116,7 +8512,7 @@
                   <p:embed/>
                   <p:pic>
                     <p:nvPicPr>
-                      <p:cNvPr id="0" name="Object 1"/>
+                      <p:cNvPr id="0" name="Object 20"/>
                       <p:cNvPicPr>
                         <a:picLocks noChangeAspect="1" noChangeArrowheads="1"/>
                       </p:cNvPicPr>
@@ -4137,8 +8533,8 @@
                     </p:blipFill>
                     <p:spPr bwMode="auto">
                       <a:xfrm>
-                        <a:off x="5034614" y="432028"/>
-                        <a:ext cx="6777503" cy="6151652"/>
+                        <a:off x="5179422" y="646930"/>
+                        <a:ext cx="6487887" cy="5894400"/>
                       </a:xfrm>
                       <a:prstGeom prst="rect">
                         <a:avLst/>
@@ -4162,10 +8558,17 @@
   <p:clrMapOvr>
     <a:masterClrMapping/>
   </p:clrMapOvr>
+  <p:timing>
+    <p:tnLst>
+      <p:par>
+        <p:cTn id="1" dur="indefinite" restart="never" nodeType="tmRoot"/>
+      </p:par>
+    </p:tnLst>
+  </p:timing>
 </p:sld>
 </file>
 
-<file path=ppt/slides/slide15.xml><?xml version="1.0" encoding="utf-8"?>
+<file path=ppt/slides/slide14.xml><?xml version="1.0" encoding="utf-8"?>
 <p:sld xmlns:a="http://schemas.openxmlformats.org/drawingml/2006/main" xmlns:r="http://schemas.openxmlformats.org/officeDocument/2006/relationships" xmlns:p="http://schemas.openxmlformats.org/presentationml/2006/main">
   <p:cSld>
     <p:spTree>
@@ -4310,29 +8713,92 @@
           </a:p>
         </p:txBody>
       </p:sp>
+      <p:sp>
+        <p:nvSpPr>
+          <p:cNvPr id="3" name="Rectangle 22"/>
+          <p:cNvSpPr>
+            <a:spLocks noChangeArrowheads="1"/>
+          </p:cNvSpPr>
+          <p:nvPr/>
+        </p:nvSpPr>
+        <p:spPr bwMode="auto">
+          <a:xfrm>
+            <a:off x="3846285" y="796752"/>
+            <a:ext cx="17832444" cy="45719"/>
+          </a:xfrm>
+          <a:prstGeom prst="rect">
+            <a:avLst/>
+          </a:prstGeom>
+          <a:noFill/>
+          <a:ln>
+            <a:noFill/>
+          </a:ln>
+          <a:effectLst/>
+          <a:extLst>
+            <a:ext uri="{909E8E84-426E-40DD-AFC4-6F175D3DCCD1}">
+              <a14:hiddenFill xmlns:a14="http://schemas.microsoft.com/office/drawing/2010/main">
+                <a:solidFill>
+                  <a:schemeClr val="accent1"/>
+                </a:solidFill>
+              </a14:hiddenFill>
+            </a:ext>
+            <a:ext uri="{91240B29-F687-4F45-9708-019B960494DF}">
+              <a14:hiddenLine xmlns:a14="http://schemas.microsoft.com/office/drawing/2010/main" w="9525">
+                <a:solidFill>
+                  <a:schemeClr val="tx1"/>
+                </a:solidFill>
+                <a:miter lim="800000"/>
+                <a:headEnd/>
+                <a:tailEnd/>
+              </a14:hiddenLine>
+            </a:ext>
+            <a:ext uri="{AF507438-7753-43E0-B8FC-AC1667EBCBE1}">
+              <a14:hiddenEffects xmlns:a14="http://schemas.microsoft.com/office/drawing/2010/main">
+                <a:effectLst>
+                  <a:outerShdw dist="35921" dir="2700000" algn="ctr" rotWithShape="0">
+                    <a:schemeClr val="bg2"/>
+                  </a:outerShdw>
+                </a:effectLst>
+              </a14:hiddenEffects>
+            </a:ext>
+          </a:extLst>
+        </p:spPr>
+        <p:txBody>
+          <a:bodyPr vert="horz" wrap="square" lIns="91440" tIns="45720" rIns="91440" bIns="45720" numCol="1" anchor="ctr" anchorCtr="0" compatLnSpc="1">
+            <a:prstTxWarp prst="textNoShape">
+              <a:avLst/>
+            </a:prstTxWarp>
+            <a:spAutoFit/>
+          </a:bodyPr>
+          <a:lstStyle/>
+          <a:p>
+            <a:endParaRPr lang="id-ID"/>
+          </a:p>
+        </p:txBody>
+      </p:sp>
       <p:graphicFrame>
         <p:nvGraphicFramePr>
-          <p:cNvPr id="5" name="Object 4"/>
+          <p:cNvPr id="6" name="Object 5"/>
           <p:cNvGraphicFramePr>
             <a:graphicFrameLocks noChangeAspect="1"/>
           </p:cNvGraphicFramePr>
           <p:nvPr>
             <p:extLst>
               <p:ext uri="{D42A27DB-BD31-4B8C-83A1-F6EECF244321}">
-                <p14:modId xmlns:p14="http://schemas.microsoft.com/office/powerpoint/2010/main" val="2282211476"/>
+                <p14:modId xmlns:p14="http://schemas.microsoft.com/office/powerpoint/2010/main" val="2751200294"/>
               </p:ext>
             </p:extLst>
           </p:nvPr>
         </p:nvGraphicFramePr>
         <p:xfrm>
-          <a:off x="3781601" y="726141"/>
-          <a:ext cx="7445242" cy="5580530"/>
+          <a:off x="3846284" y="796752"/>
+          <a:ext cx="7761881" cy="5807247"/>
         </p:xfrm>
         <a:graphic>
           <a:graphicData uri="http://schemas.openxmlformats.org/presentationml/2006/ole">
             <mc:AlternateContent xmlns:mc="http://schemas.openxmlformats.org/markup-compatibility/2006">
               <mc:Choice xmlns:v="urn:schemas-microsoft-com:vml" Requires="v">
-                <p:oleObj spid="_x0000_s5132" name="Visio" r:id="rId3" imgW="5562793" imgH="4181504" progId="Visio.Drawing.15">
+                <p:oleObj spid="_x0000_s5146" name="Visio" r:id="rId3" imgW="5562793" imgH="4181504" progId="Visio.Drawing.15">
                   <p:embed/>
                 </p:oleObj>
               </mc:Choice>
@@ -4341,7 +8807,7 @@
                   <p:embed/>
                   <p:pic>
                     <p:nvPicPr>
-                      <p:cNvPr id="0" name="Object 1"/>
+                      <p:cNvPr id="0" name="Object 21"/>
                       <p:cNvPicPr>
                         <a:picLocks noChangeAspect="1" noChangeArrowheads="1"/>
                       </p:cNvPicPr>
@@ -4362,8 +8828,8 @@
                     </p:blipFill>
                     <p:spPr bwMode="auto">
                       <a:xfrm>
-                        <a:off x="3781601" y="726141"/>
-                        <a:ext cx="7445242" cy="5580530"/>
+                        <a:off x="3846284" y="796752"/>
+                        <a:ext cx="7761881" cy="5807247"/>
                       </a:xfrm>
                       <a:prstGeom prst="rect">
                         <a:avLst/>
@@ -4397,7 +8863,7 @@
 </p:sld>
 </file>
 
-<file path=ppt/slides/slide16.xml><?xml version="1.0" encoding="utf-8"?>
+<file path=ppt/slides/slide15.xml><?xml version="1.0" encoding="utf-8"?>
 <p:sld xmlns:a="http://schemas.openxmlformats.org/drawingml/2006/main" xmlns:r="http://schemas.openxmlformats.org/officeDocument/2006/relationships" xmlns:p="http://schemas.openxmlformats.org/presentationml/2006/main">
   <p:cSld>
     <p:spTree>
@@ -4477,34 +8943,179 @@
           </a:p>
         </p:txBody>
       </p:sp>
+      <p:sp>
+        <p:nvSpPr>
+          <p:cNvPr id="5" name="Title 1"/>
+          <p:cNvSpPr txBox="1">
+            <a:spLocks/>
+          </p:cNvSpPr>
+          <p:nvPr/>
+        </p:nvSpPr>
+        <p:spPr>
+          <a:xfrm>
+            <a:off x="165847" y="1273627"/>
+            <a:ext cx="4069978" cy="2433132"/>
+          </a:xfrm>
+          <a:prstGeom prst="rect">
+            <a:avLst/>
+          </a:prstGeom>
+        </p:spPr>
+        <p:txBody>
+          <a:bodyPr vert="horz" lIns="91440" tIns="45720" rIns="91440" bIns="45720" rtlCol="0" anchor="ctr">
+            <a:noAutofit/>
+          </a:bodyPr>
+          <a:lstStyle>
+            <a:lvl1pPr algn="l" defTabSz="914400" rtl="0" eaLnBrk="1" latinLnBrk="0" hangingPunct="1">
+              <a:lnSpc>
+                <a:spcPct val="90000"/>
+              </a:lnSpc>
+              <a:spcBef>
+                <a:spcPct val="0"/>
+              </a:spcBef>
+              <a:buNone/>
+              <a:defRPr sz="4400" kern="1200">
+                <a:solidFill>
+                  <a:schemeClr val="tx1"/>
+                </a:solidFill>
+                <a:latin typeface="+mj-lt"/>
+                <a:ea typeface="+mj-ea"/>
+                <a:cs typeface="+mj-cs"/>
+              </a:defRPr>
+            </a:lvl1pPr>
+          </a:lstStyle>
+          <a:p>
+            <a:r>
+              <a:rPr lang="id-ID" sz="4000" dirty="0" smtClean="0"/>
+              <a:t>Bisnis Proses yang </a:t>
+            </a:r>
+            <a:r>
+              <a:rPr lang="id-ID" sz="4000" dirty="0" smtClean="0"/>
+              <a:t/>
+            </a:r>
+            <a:br>
+              <a:rPr lang="id-ID" sz="4000" dirty="0" smtClean="0"/>
+            </a:br>
+            <a:r>
+              <a:rPr lang="id-ID" sz="4000" dirty="0" smtClean="0"/>
+              <a:t>diusulkan </a:t>
+            </a:r>
+            <a:r>
+              <a:rPr lang="id-ID" sz="4000" dirty="0" smtClean="0"/>
+              <a:t>pada </a:t>
+            </a:r>
+            <a:r>
+              <a:rPr lang="id-ID" sz="4000" dirty="0" smtClean="0"/>
+              <a:t/>
+            </a:r>
+            <a:br>
+              <a:rPr lang="id-ID" sz="4000" dirty="0" smtClean="0"/>
+            </a:br>
+            <a:r>
+              <a:rPr lang="id-ID" sz="4000" dirty="0" smtClean="0"/>
+              <a:t>saat akan dimulainya </a:t>
+            </a:r>
+            <a:br>
+              <a:rPr lang="id-ID" sz="4000" dirty="0" smtClean="0"/>
+            </a:br>
+            <a:r>
+              <a:rPr lang="id-ID" sz="4000" dirty="0" smtClean="0"/>
+              <a:t>program pembinaan</a:t>
+            </a:r>
+            <a:endParaRPr lang="id-ID" sz="4000" dirty="0"/>
+          </a:p>
+        </p:txBody>
+      </p:sp>
+      <p:sp>
+        <p:nvSpPr>
+          <p:cNvPr id="3" name="Rectangle 2"/>
+          <p:cNvSpPr>
+            <a:spLocks noChangeArrowheads="1"/>
+          </p:cNvSpPr>
+          <p:nvPr/>
+        </p:nvSpPr>
+        <p:spPr bwMode="auto">
+          <a:xfrm>
+            <a:off x="645459" y="1680882"/>
+            <a:ext cx="12192000" cy="0"/>
+          </a:xfrm>
+          <a:prstGeom prst="rect">
+            <a:avLst/>
+          </a:prstGeom>
+          <a:noFill/>
+          <a:ln>
+            <a:noFill/>
+          </a:ln>
+          <a:effectLst/>
+          <a:extLst>
+            <a:ext uri="{909E8E84-426E-40DD-AFC4-6F175D3DCCD1}">
+              <a14:hiddenFill xmlns:a14="http://schemas.microsoft.com/office/drawing/2010/main">
+                <a:solidFill>
+                  <a:schemeClr val="accent1"/>
+                </a:solidFill>
+              </a14:hiddenFill>
+            </a:ext>
+            <a:ext uri="{91240B29-F687-4F45-9708-019B960494DF}">
+              <a14:hiddenLine xmlns:a14="http://schemas.microsoft.com/office/drawing/2010/main" w="9525">
+                <a:solidFill>
+                  <a:schemeClr val="tx1"/>
+                </a:solidFill>
+                <a:miter lim="800000"/>
+                <a:headEnd/>
+                <a:tailEnd/>
+              </a14:hiddenLine>
+            </a:ext>
+            <a:ext uri="{AF507438-7753-43E0-B8FC-AC1667EBCBE1}">
+              <a14:hiddenEffects xmlns:a14="http://schemas.microsoft.com/office/drawing/2010/main">
+                <a:effectLst>
+                  <a:outerShdw dist="35921" dir="2700000" algn="ctr" rotWithShape="0">
+                    <a:schemeClr val="bg2"/>
+                  </a:outerShdw>
+                </a:effectLst>
+              </a14:hiddenEffects>
+            </a:ext>
+          </a:extLst>
+        </p:spPr>
+        <p:txBody>
+          <a:bodyPr vert="horz" wrap="none" lIns="91440" tIns="45720" rIns="91440" bIns="45720" numCol="1" anchor="ctr" anchorCtr="0" compatLnSpc="1">
+            <a:prstTxWarp prst="textNoShape">
+              <a:avLst/>
+            </a:prstTxWarp>
+            <a:spAutoFit/>
+          </a:bodyPr>
+          <a:lstStyle/>
+          <a:p>
+            <a:endParaRPr lang="id-ID"/>
+          </a:p>
+        </p:txBody>
+      </p:sp>
       <p:graphicFrame>
         <p:nvGraphicFramePr>
-          <p:cNvPr id="5" name="Object 4"/>
+          <p:cNvPr id="6" name="Object 5"/>
           <p:cNvGraphicFramePr>
             <a:graphicFrameLocks noChangeAspect="1"/>
           </p:cNvGraphicFramePr>
           <p:nvPr>
             <p:extLst>
               <p:ext uri="{D42A27DB-BD31-4B8C-83A1-F6EECF244321}">
-                <p14:modId xmlns:p14="http://schemas.microsoft.com/office/powerpoint/2010/main" val="1600401874"/>
+                <p14:modId xmlns:p14="http://schemas.microsoft.com/office/powerpoint/2010/main" val="2353395415"/>
               </p:ext>
             </p:extLst>
           </p:nvPr>
         </p:nvGraphicFramePr>
         <p:xfrm>
-          <a:off x="407893" y="0"/>
-          <a:ext cx="11196917" cy="6638440"/>
+          <a:off x="4087907" y="942080"/>
+          <a:ext cx="7785846" cy="5416241"/>
         </p:xfrm>
         <a:graphic>
           <a:graphicData uri="http://schemas.openxmlformats.org/presentationml/2006/ole">
             <mc:AlternateContent xmlns:mc="http://schemas.openxmlformats.org/markup-compatibility/2006">
               <mc:Choice xmlns:v="urn:schemas-microsoft-com:vml" Requires="v">
-                <p:oleObj spid="_x0000_s6156" name="Visio" r:id="rId3" imgW="9562985" imgH="5677103" progId="Visio.Drawing.15">
+                <p:oleObj spid="_x0000_s11268" name="Visio" r:id="rId3" imgW="5305517" imgH="3695656" progId="Visio.Drawing.15">
                   <p:embed/>
                 </p:oleObj>
               </mc:Choice>
               <mc:Fallback>
-                <p:oleObj name="Visio" r:id="rId3" imgW="9562985" imgH="5677103" progId="Visio.Drawing.15">
+                <p:oleObj name="Visio" r:id="rId3" imgW="5305517" imgH="3695656" progId="Visio.Drawing.15">
                   <p:embed/>
                   <p:pic>
                     <p:nvPicPr>
@@ -4529,8 +9140,8 @@
                     </p:blipFill>
                     <p:spPr bwMode="auto">
                       <a:xfrm>
-                        <a:off x="407893" y="0"/>
-                        <a:ext cx="11196917" cy="6638440"/>
+                        <a:off x="4087907" y="942080"/>
+                        <a:ext cx="7785846" cy="5416241"/>
                       </a:xfrm>
                       <a:prstGeom prst="rect">
                         <a:avLst/>
@@ -4564,7 +9175,477 @@
 </p:sld>
 </file>
 
+<file path=ppt/slides/slide16.xml><?xml version="1.0" encoding="utf-8"?>
+<p:sld xmlns:a="http://schemas.openxmlformats.org/drawingml/2006/main" xmlns:r="http://schemas.openxmlformats.org/officeDocument/2006/relationships" xmlns:p="http://schemas.openxmlformats.org/presentationml/2006/main">
+  <p:cSld>
+    <p:spTree>
+      <p:nvGrpSpPr>
+        <p:cNvPr id="1" name=""/>
+        <p:cNvGrpSpPr/>
+        <p:nvPr/>
+      </p:nvGrpSpPr>
+      <p:grpSpPr>
+        <a:xfrm>
+          <a:off x="0" y="0"/>
+          <a:ext cx="0" cy="0"/>
+          <a:chOff x="0" y="0"/>
+          <a:chExt cx="0" cy="0"/>
+        </a:xfrm>
+      </p:grpSpPr>
+      <p:sp>
+        <p:nvSpPr>
+          <p:cNvPr id="4" name="Title 1"/>
+          <p:cNvSpPr txBox="1">
+            <a:spLocks/>
+          </p:cNvSpPr>
+          <p:nvPr/>
+        </p:nvSpPr>
+        <p:spPr>
+          <a:xfrm>
+            <a:off x="448233" y="534039"/>
+            <a:ext cx="4069978" cy="2433132"/>
+          </a:xfrm>
+          <a:prstGeom prst="rect">
+            <a:avLst/>
+          </a:prstGeom>
+        </p:spPr>
+        <p:txBody>
+          <a:bodyPr vert="horz" lIns="91440" tIns="45720" rIns="91440" bIns="45720" rtlCol="0" anchor="ctr">
+            <a:noAutofit/>
+          </a:bodyPr>
+          <a:lstStyle>
+            <a:lvl1pPr algn="l" defTabSz="914400" rtl="0" eaLnBrk="1" latinLnBrk="0" hangingPunct="1">
+              <a:lnSpc>
+                <a:spcPct val="90000"/>
+              </a:lnSpc>
+              <a:spcBef>
+                <a:spcPct val="0"/>
+              </a:spcBef>
+              <a:buNone/>
+              <a:defRPr sz="4400" kern="1200">
+                <a:solidFill>
+                  <a:schemeClr val="tx1"/>
+                </a:solidFill>
+                <a:latin typeface="+mj-lt"/>
+                <a:ea typeface="+mj-ea"/>
+                <a:cs typeface="+mj-cs"/>
+              </a:defRPr>
+            </a:lvl1pPr>
+          </a:lstStyle>
+          <a:p>
+            <a:r>
+              <a:rPr lang="id-ID" sz="4000" dirty="0" smtClean="0"/>
+              <a:t>Bisnis Proses yang </a:t>
+            </a:r>
+            <a:r>
+              <a:rPr lang="id-ID" sz="4000" dirty="0" smtClean="0"/>
+              <a:t/>
+            </a:r>
+            <a:br>
+              <a:rPr lang="id-ID" sz="4000" dirty="0" smtClean="0"/>
+            </a:br>
+            <a:r>
+              <a:rPr lang="id-ID" sz="4000" dirty="0" smtClean="0"/>
+              <a:t>diusulkan </a:t>
+            </a:r>
+            <a:r>
+              <a:rPr lang="id-ID" sz="4000" dirty="0" smtClean="0"/>
+              <a:t>pada </a:t>
+            </a:r>
+            <a:r>
+              <a:rPr lang="id-ID" sz="4000" dirty="0" smtClean="0"/>
+              <a:t/>
+            </a:r>
+            <a:br>
+              <a:rPr lang="id-ID" sz="4000" dirty="0" smtClean="0"/>
+            </a:br>
+            <a:r>
+              <a:rPr lang="id-ID" sz="4000" dirty="0" smtClean="0"/>
+              <a:t>saat pergantian semester</a:t>
+            </a:r>
+            <a:endParaRPr lang="id-ID" sz="4000" dirty="0"/>
+          </a:p>
+        </p:txBody>
+      </p:sp>
+      <p:sp>
+        <p:nvSpPr>
+          <p:cNvPr id="5" name="Rectangle 2"/>
+          <p:cNvSpPr>
+            <a:spLocks noChangeArrowheads="1"/>
+          </p:cNvSpPr>
+          <p:nvPr/>
+        </p:nvSpPr>
+        <p:spPr bwMode="auto">
+          <a:xfrm>
+            <a:off x="5593977" y="1273627"/>
+            <a:ext cx="16073507" cy="45719"/>
+          </a:xfrm>
+          <a:prstGeom prst="rect">
+            <a:avLst/>
+          </a:prstGeom>
+          <a:noFill/>
+          <a:ln>
+            <a:noFill/>
+          </a:ln>
+          <a:effectLst/>
+          <a:extLst>
+            <a:ext uri="{909E8E84-426E-40DD-AFC4-6F175D3DCCD1}">
+              <a14:hiddenFill xmlns:a14="http://schemas.microsoft.com/office/drawing/2010/main">
+                <a:solidFill>
+                  <a:schemeClr val="accent1"/>
+                </a:solidFill>
+              </a14:hiddenFill>
+            </a:ext>
+            <a:ext uri="{91240B29-F687-4F45-9708-019B960494DF}">
+              <a14:hiddenLine xmlns:a14="http://schemas.microsoft.com/office/drawing/2010/main" w="9525">
+                <a:solidFill>
+                  <a:schemeClr val="tx1"/>
+                </a:solidFill>
+                <a:miter lim="800000"/>
+                <a:headEnd/>
+                <a:tailEnd/>
+              </a14:hiddenLine>
+            </a:ext>
+            <a:ext uri="{AF507438-7753-43E0-B8FC-AC1667EBCBE1}">
+              <a14:hiddenEffects xmlns:a14="http://schemas.microsoft.com/office/drawing/2010/main">
+                <a:effectLst>
+                  <a:outerShdw dist="35921" dir="2700000" algn="ctr" rotWithShape="0">
+                    <a:schemeClr val="bg2"/>
+                  </a:outerShdw>
+                </a:effectLst>
+              </a14:hiddenEffects>
+            </a:ext>
+          </a:extLst>
+        </p:spPr>
+        <p:txBody>
+          <a:bodyPr vert="horz" wrap="square" lIns="91440" tIns="45720" rIns="91440" bIns="45720" numCol="1" anchor="ctr" anchorCtr="0" compatLnSpc="1">
+            <a:prstTxWarp prst="textNoShape">
+              <a:avLst/>
+            </a:prstTxWarp>
+            <a:spAutoFit/>
+          </a:bodyPr>
+          <a:lstStyle/>
+          <a:p>
+            <a:endParaRPr lang="id-ID"/>
+          </a:p>
+        </p:txBody>
+      </p:sp>
+      <p:graphicFrame>
+        <p:nvGraphicFramePr>
+          <p:cNvPr id="6" name="Object 5"/>
+          <p:cNvGraphicFramePr>
+            <a:graphicFrameLocks noChangeAspect="1"/>
+          </p:cNvGraphicFramePr>
+          <p:nvPr>
+            <p:extLst>
+              <p:ext uri="{D42A27DB-BD31-4B8C-83A1-F6EECF244321}">
+                <p14:modId xmlns:p14="http://schemas.microsoft.com/office/powerpoint/2010/main" val="2130067526"/>
+              </p:ext>
+            </p:extLst>
+          </p:nvPr>
+        </p:nvGraphicFramePr>
+        <p:xfrm>
+          <a:off x="5284694" y="748406"/>
+          <a:ext cx="5587145" cy="4805229"/>
+        </p:xfrm>
+        <a:graphic>
+          <a:graphicData uri="http://schemas.openxmlformats.org/presentationml/2006/ole">
+            <mc:AlternateContent xmlns:mc="http://schemas.openxmlformats.org/markup-compatibility/2006">
+              <mc:Choice xmlns:v="urn:schemas-microsoft-com:vml" Requires="v">
+                <p:oleObj spid="_x0000_s12292" name="Visio" r:id="rId3" imgW="3238415" imgH="2781284" progId="Visio.Drawing.15">
+                  <p:embed/>
+                </p:oleObj>
+              </mc:Choice>
+              <mc:Fallback>
+                <p:oleObj name="Visio" r:id="rId3" imgW="3238415" imgH="2781284" progId="Visio.Drawing.15">
+                  <p:embed/>
+                  <p:pic>
+                    <p:nvPicPr>
+                      <p:cNvPr id="0" name="Object 1"/>
+                      <p:cNvPicPr>
+                        <a:picLocks noChangeAspect="1" noChangeArrowheads="1"/>
+                      </p:cNvPicPr>
+                      <p:nvPr/>
+                    </p:nvPicPr>
+                    <p:blipFill>
+                      <a:blip r:embed="rId4">
+                        <a:extLst>
+                          <a:ext uri="{28A0092B-C50C-407E-A947-70E740481C1C}">
+                            <a14:useLocalDpi xmlns:a14="http://schemas.microsoft.com/office/drawing/2010/main" val="0"/>
+                          </a:ext>
+                        </a:extLst>
+                      </a:blip>
+                      <a:srcRect/>
+                      <a:stretch>
+                        <a:fillRect/>
+                      </a:stretch>
+                    </p:blipFill>
+                    <p:spPr bwMode="auto">
+                      <a:xfrm>
+                        <a:off x="5284694" y="748406"/>
+                        <a:ext cx="5587145" cy="4805229"/>
+                      </a:xfrm>
+                      <a:prstGeom prst="rect">
+                        <a:avLst/>
+                      </a:prstGeom>
+                      <a:noFill/>
+                    </p:spPr>
+                  </p:pic>
+                </p:oleObj>
+              </mc:Fallback>
+            </mc:AlternateContent>
+          </a:graphicData>
+        </a:graphic>
+      </p:graphicFrame>
+    </p:spTree>
+    <p:extLst>
+      <p:ext uri="{BB962C8B-B14F-4D97-AF65-F5344CB8AC3E}">
+        <p14:creationId xmlns:p14="http://schemas.microsoft.com/office/powerpoint/2010/main" val="3201267906"/>
+      </p:ext>
+    </p:extLst>
+  </p:cSld>
+  <p:clrMapOvr>
+    <a:masterClrMapping/>
+  </p:clrMapOvr>
+  <p:timing>
+    <p:tnLst>
+      <p:par>
+        <p:cTn id="1" dur="indefinite" restart="never" nodeType="tmRoot"/>
+      </p:par>
+    </p:tnLst>
+  </p:timing>
+</p:sld>
+</file>
+
 <file path=ppt/slides/slide17.xml><?xml version="1.0" encoding="utf-8"?>
+<p:sld xmlns:a="http://schemas.openxmlformats.org/drawingml/2006/main" xmlns:r="http://schemas.openxmlformats.org/officeDocument/2006/relationships" xmlns:p="http://schemas.openxmlformats.org/presentationml/2006/main">
+  <p:cSld>
+    <p:spTree>
+      <p:nvGrpSpPr>
+        <p:cNvPr id="1" name=""/>
+        <p:cNvGrpSpPr/>
+        <p:nvPr/>
+      </p:nvGrpSpPr>
+      <p:grpSpPr>
+        <a:xfrm>
+          <a:off x="0" y="0"/>
+          <a:ext cx="0" cy="0"/>
+          <a:chOff x="0" y="0"/>
+          <a:chExt cx="0" cy="0"/>
+        </a:xfrm>
+      </p:grpSpPr>
+      <p:sp>
+        <p:nvSpPr>
+          <p:cNvPr id="4" name="Title 1"/>
+          <p:cNvSpPr txBox="1">
+            <a:spLocks/>
+          </p:cNvSpPr>
+          <p:nvPr/>
+        </p:nvSpPr>
+        <p:spPr>
+          <a:xfrm>
+            <a:off x="1022999" y="155216"/>
+            <a:ext cx="10289436" cy="824498"/>
+          </a:xfrm>
+          <a:prstGeom prst="rect">
+            <a:avLst/>
+          </a:prstGeom>
+        </p:spPr>
+        <p:txBody>
+          <a:bodyPr vert="horz" lIns="91440" tIns="45720" rIns="91440" bIns="45720" rtlCol="0" anchor="ctr">
+            <a:noAutofit/>
+          </a:bodyPr>
+          <a:lstStyle>
+            <a:lvl1pPr algn="l" defTabSz="914400" rtl="0" eaLnBrk="1" latinLnBrk="0" hangingPunct="1">
+              <a:lnSpc>
+                <a:spcPct val="90000"/>
+              </a:lnSpc>
+              <a:spcBef>
+                <a:spcPct val="0"/>
+              </a:spcBef>
+              <a:buNone/>
+              <a:defRPr sz="4400" kern="1200">
+                <a:solidFill>
+                  <a:schemeClr val="tx1"/>
+                </a:solidFill>
+                <a:latin typeface="+mj-lt"/>
+                <a:ea typeface="+mj-ea"/>
+                <a:cs typeface="+mj-cs"/>
+              </a:defRPr>
+            </a:lvl1pPr>
+          </a:lstStyle>
+          <a:p>
+            <a:r>
+              <a:rPr lang="id-ID" sz="4000" dirty="0"/>
+              <a:t>Bisnis Proses </a:t>
+            </a:r>
+            <a:r>
+              <a:rPr lang="id-ID" sz="4000" dirty="0" smtClean="0"/>
+              <a:t>yang diusulkan </a:t>
+            </a:r>
+            <a:r>
+              <a:rPr lang="id-ID" sz="4000" dirty="0"/>
+              <a:t>pada kegiatan </a:t>
+            </a:r>
+            <a:r>
+              <a:rPr lang="id-ID" sz="4000" dirty="0" smtClean="0"/>
+              <a:t>shalat</a:t>
+            </a:r>
+            <a:endParaRPr lang="id-ID" sz="4000" dirty="0"/>
+          </a:p>
+        </p:txBody>
+      </p:sp>
+      <p:sp>
+        <p:nvSpPr>
+          <p:cNvPr id="5" name="Rectangle 2"/>
+          <p:cNvSpPr>
+            <a:spLocks noChangeArrowheads="1"/>
+          </p:cNvSpPr>
+          <p:nvPr/>
+        </p:nvSpPr>
+        <p:spPr bwMode="auto">
+          <a:xfrm>
+            <a:off x="731520" y="979714"/>
+            <a:ext cx="12192000" cy="0"/>
+          </a:xfrm>
+          <a:prstGeom prst="rect">
+            <a:avLst/>
+          </a:prstGeom>
+          <a:noFill/>
+          <a:ln>
+            <a:noFill/>
+          </a:ln>
+          <a:effectLst/>
+          <a:extLst>
+            <a:ext uri="{909E8E84-426E-40DD-AFC4-6F175D3DCCD1}">
+              <a14:hiddenFill xmlns:a14="http://schemas.microsoft.com/office/drawing/2010/main">
+                <a:solidFill>
+                  <a:schemeClr val="accent1"/>
+                </a:solidFill>
+              </a14:hiddenFill>
+            </a:ext>
+            <a:ext uri="{91240B29-F687-4F45-9708-019B960494DF}">
+              <a14:hiddenLine xmlns:a14="http://schemas.microsoft.com/office/drawing/2010/main" w="9525">
+                <a:solidFill>
+                  <a:schemeClr val="tx1"/>
+                </a:solidFill>
+                <a:miter lim="800000"/>
+                <a:headEnd/>
+                <a:tailEnd/>
+              </a14:hiddenLine>
+            </a:ext>
+            <a:ext uri="{AF507438-7753-43E0-B8FC-AC1667EBCBE1}">
+              <a14:hiddenEffects xmlns:a14="http://schemas.microsoft.com/office/drawing/2010/main">
+                <a:effectLst>
+                  <a:outerShdw dist="35921" dir="2700000" algn="ctr" rotWithShape="0">
+                    <a:schemeClr val="bg2"/>
+                  </a:outerShdw>
+                </a:effectLst>
+              </a14:hiddenEffects>
+            </a:ext>
+          </a:extLst>
+        </p:spPr>
+        <p:txBody>
+          <a:bodyPr vert="horz" wrap="none" lIns="91440" tIns="45720" rIns="91440" bIns="45720" numCol="1" anchor="ctr" anchorCtr="0" compatLnSpc="1">
+            <a:prstTxWarp prst="textNoShape">
+              <a:avLst/>
+            </a:prstTxWarp>
+            <a:spAutoFit/>
+          </a:bodyPr>
+          <a:lstStyle/>
+          <a:p>
+            <a:endParaRPr lang="id-ID"/>
+          </a:p>
+        </p:txBody>
+      </p:sp>
+      <p:graphicFrame>
+        <p:nvGraphicFramePr>
+          <p:cNvPr id="6" name="Object 5"/>
+          <p:cNvGraphicFramePr>
+            <a:graphicFrameLocks noChangeAspect="1"/>
+          </p:cNvGraphicFramePr>
+          <p:nvPr>
+            <p:extLst>
+              <p:ext uri="{D42A27DB-BD31-4B8C-83A1-F6EECF244321}">
+                <p14:modId xmlns:p14="http://schemas.microsoft.com/office/powerpoint/2010/main" val="750774033"/>
+              </p:ext>
+            </p:extLst>
+          </p:nvPr>
+        </p:nvGraphicFramePr>
+        <p:xfrm>
+          <a:off x="1149530" y="836022"/>
+          <a:ext cx="9823269" cy="5776576"/>
+        </p:xfrm>
+        <a:graphic>
+          <a:graphicData uri="http://schemas.openxmlformats.org/presentationml/2006/ole">
+            <mc:AlternateContent xmlns:mc="http://schemas.openxmlformats.org/markup-compatibility/2006">
+              <mc:Choice xmlns:v="urn:schemas-microsoft-com:vml" Requires="v">
+                <p:oleObj spid="_x0000_s13316" name="Visio" r:id="rId3" imgW="9534352" imgH="5610293" progId="Visio.Drawing.15">
+                  <p:embed/>
+                </p:oleObj>
+              </mc:Choice>
+              <mc:Fallback>
+                <p:oleObj name="Visio" r:id="rId3" imgW="9534352" imgH="5610293" progId="Visio.Drawing.15">
+                  <p:embed/>
+                  <p:pic>
+                    <p:nvPicPr>
+                      <p:cNvPr id="0" name="Object 1"/>
+                      <p:cNvPicPr>
+                        <a:picLocks noChangeAspect="1" noChangeArrowheads="1"/>
+                      </p:cNvPicPr>
+                      <p:nvPr/>
+                    </p:nvPicPr>
+                    <p:blipFill>
+                      <a:blip r:embed="rId4">
+                        <a:extLst>
+                          <a:ext uri="{28A0092B-C50C-407E-A947-70E740481C1C}">
+                            <a14:useLocalDpi xmlns:a14="http://schemas.microsoft.com/office/drawing/2010/main" val="0"/>
+                          </a:ext>
+                        </a:extLst>
+                      </a:blip>
+                      <a:srcRect/>
+                      <a:stretch>
+                        <a:fillRect/>
+                      </a:stretch>
+                    </p:blipFill>
+                    <p:spPr bwMode="auto">
+                      <a:xfrm>
+                        <a:off x="1149530" y="836022"/>
+                        <a:ext cx="9823269" cy="5776576"/>
+                      </a:xfrm>
+                      <a:prstGeom prst="rect">
+                        <a:avLst/>
+                      </a:prstGeom>
+                      <a:noFill/>
+                    </p:spPr>
+                  </p:pic>
+                </p:oleObj>
+              </mc:Fallback>
+            </mc:AlternateContent>
+          </a:graphicData>
+        </a:graphic>
+      </p:graphicFrame>
+    </p:spTree>
+    <p:extLst>
+      <p:ext uri="{BB962C8B-B14F-4D97-AF65-F5344CB8AC3E}">
+        <p14:creationId xmlns:p14="http://schemas.microsoft.com/office/powerpoint/2010/main" val="3134666364"/>
+      </p:ext>
+    </p:extLst>
+  </p:cSld>
+  <p:clrMapOvr>
+    <a:masterClrMapping/>
+  </p:clrMapOvr>
+  <p:timing>
+    <p:tnLst>
+      <p:par>
+        <p:cTn id="1" dur="indefinite" restart="never" nodeType="tmRoot"/>
+      </p:par>
+    </p:tnLst>
+  </p:timing>
+</p:sld>
+</file>
+
+<file path=ppt/slides/slide18.xml><?xml version="1.0" encoding="utf-8"?>
 <p:sld xmlns:a="http://schemas.openxmlformats.org/drawingml/2006/main" xmlns:r="http://schemas.openxmlformats.org/officeDocument/2006/relationships" xmlns:p="http://schemas.openxmlformats.org/presentationml/2006/main">
   <p:cSld>
     <p:spTree>
@@ -4666,7 +9747,7 @@
           <a:graphicData uri="http://schemas.openxmlformats.org/presentationml/2006/ole">
             <mc:AlternateContent xmlns:mc="http://schemas.openxmlformats.org/markup-compatibility/2006">
               <mc:Choice xmlns:v="urn:schemas-microsoft-com:vml" Requires="v">
-                <p:oleObj spid="_x0000_s7181" name="Visio" r:id="rId3" imgW="6962860" imgH="5896136" progId="Visio.Drawing.15">
+                <p:oleObj spid="_x0000_s7192" name="Visio" r:id="rId3" imgW="6962860" imgH="5896136" progId="Visio.Drawing.15">
                   <p:embed/>
                 </p:oleObj>
               </mc:Choice>
@@ -4780,7 +9861,7 @@
 </p:sld>
 </file>
 
-<file path=ppt/slides/slide18.xml><?xml version="1.0" encoding="utf-8"?>
+<file path=ppt/slides/slide19.xml><?xml version="1.0" encoding="utf-8"?>
 <p:sld xmlns:a="http://schemas.openxmlformats.org/drawingml/2006/main" xmlns:r="http://schemas.openxmlformats.org/officeDocument/2006/relationships" xmlns:p="http://schemas.openxmlformats.org/presentationml/2006/main">
   <p:cSld>
     <p:spTree>
@@ -4931,7 +10012,7 @@
           <a:graphicData uri="http://schemas.openxmlformats.org/presentationml/2006/ole">
             <mc:AlternateContent xmlns:mc="http://schemas.openxmlformats.org/markup-compatibility/2006">
               <mc:Choice xmlns:v="urn:schemas-microsoft-com:vml" Requires="v">
-                <p:oleObj spid="_x0000_s8203" name="Visio" r:id="rId3" imgW="6962860" imgH="5819601" progId="Visio.Drawing.15">
+                <p:oleObj spid="_x0000_s8214" name="Visio" r:id="rId3" imgW="6962860" imgH="5819601" progId="Visio.Drawing.15">
                   <p:embed/>
                 </p:oleObj>
               </mc:Choice>
@@ -4986,10 +10067,180 @@
   <p:clrMapOvr>
     <a:masterClrMapping/>
   </p:clrMapOvr>
+  <p:timing>
+    <p:tnLst>
+      <p:par>
+        <p:cTn id="1" dur="indefinite" restart="never" nodeType="tmRoot"/>
+      </p:par>
+    </p:tnLst>
+  </p:timing>
 </p:sld>
 </file>
 
-<file path=ppt/slides/slide19.xml><?xml version="1.0" encoding="utf-8"?>
+<file path=ppt/slides/slide2.xml><?xml version="1.0" encoding="utf-8"?>
+<p:sld xmlns:a="http://schemas.openxmlformats.org/drawingml/2006/main" xmlns:r="http://schemas.openxmlformats.org/officeDocument/2006/relationships" xmlns:p="http://schemas.openxmlformats.org/presentationml/2006/main">
+  <p:cSld>
+    <p:spTree>
+      <p:nvGrpSpPr>
+        <p:cNvPr id="1" name=""/>
+        <p:cNvGrpSpPr/>
+        <p:nvPr/>
+      </p:nvGrpSpPr>
+      <p:grpSpPr>
+        <a:xfrm>
+          <a:off x="0" y="0"/>
+          <a:ext cx="0" cy="0"/>
+          <a:chOff x="0" y="0"/>
+          <a:chExt cx="0" cy="0"/>
+        </a:xfrm>
+      </p:grpSpPr>
+      <p:pic>
+        <p:nvPicPr>
+          <p:cNvPr id="4" name="Picture 4" descr="Hasil gambar untuk matriulasi stei tazkia"/>
+          <p:cNvPicPr>
+            <a:picLocks noChangeAspect="1" noChangeArrowheads="1"/>
+          </p:cNvPicPr>
+          <p:nvPr/>
+        </p:nvPicPr>
+        <p:blipFill rotWithShape="1">
+          <a:blip r:embed="rId2">
+            <a:extLst>
+              <a:ext uri="{28A0092B-C50C-407E-A947-70E740481C1C}">
+                <a14:useLocalDpi xmlns:a14="http://schemas.microsoft.com/office/drawing/2010/main" val="0"/>
+              </a:ext>
+            </a:extLst>
+          </a:blip>
+          <a:srcRect t="-8331" b="-8331"/>
+          <a:stretch/>
+        </p:blipFill>
+        <p:spPr bwMode="auto">
+          <a:xfrm>
+            <a:off x="-211016" y="-833738"/>
+            <a:ext cx="12403016" cy="8994731"/>
+          </a:xfrm>
+          <a:prstGeom prst="rect">
+            <a:avLst/>
+          </a:prstGeom>
+          <a:noFill/>
+          <a:extLst>
+            <a:ext uri="{909E8E84-426E-40DD-AFC4-6F175D3DCCD1}">
+              <a14:hiddenFill xmlns:a14="http://schemas.microsoft.com/office/drawing/2010/main">
+                <a:solidFill>
+                  <a:srgbClr val="FFFFFF"/>
+                </a:solidFill>
+              </a14:hiddenFill>
+            </a:ext>
+          </a:extLst>
+        </p:spPr>
+      </p:pic>
+      <p:sp>
+        <p:nvSpPr>
+          <p:cNvPr id="6" name="Rectangle 5"/>
+          <p:cNvSpPr/>
+          <p:nvPr/>
+        </p:nvSpPr>
+        <p:spPr>
+          <a:xfrm>
+            <a:off x="3773714" y="-204430"/>
+            <a:ext cx="5109029" cy="7736114"/>
+          </a:xfrm>
+          <a:prstGeom prst="rect">
+            <a:avLst/>
+          </a:prstGeom>
+          <a:solidFill>
+            <a:schemeClr val="tx1">
+              <a:alpha val="71000"/>
+            </a:schemeClr>
+          </a:solidFill>
+          <a:ln>
+            <a:noFill/>
+          </a:ln>
+        </p:spPr>
+        <p:style>
+          <a:lnRef idx="2">
+            <a:schemeClr val="accent1">
+              <a:shade val="50000"/>
+            </a:schemeClr>
+          </a:lnRef>
+          <a:fillRef idx="1">
+            <a:schemeClr val="accent1"/>
+          </a:fillRef>
+          <a:effectRef idx="0">
+            <a:schemeClr val="accent1"/>
+          </a:effectRef>
+          <a:fontRef idx="minor">
+            <a:schemeClr val="lt1"/>
+          </a:fontRef>
+        </p:style>
+        <p:txBody>
+          <a:bodyPr rtlCol="0" anchor="ctr"/>
+          <a:lstStyle/>
+          <a:p>
+            <a:pPr algn="ctr"/>
+            <a:endParaRPr lang="id-ID"/>
+          </a:p>
+        </p:txBody>
+      </p:sp>
+      <p:sp>
+        <p:nvSpPr>
+          <p:cNvPr id="2" name="Title 1"/>
+          <p:cNvSpPr>
+            <a:spLocks noGrp="1"/>
+          </p:cNvSpPr>
+          <p:nvPr>
+            <p:ph type="title"/>
+          </p:nvPr>
+        </p:nvSpPr>
+        <p:spPr>
+          <a:xfrm>
+            <a:off x="4639671" y="2837368"/>
+            <a:ext cx="3377113" cy="1325563"/>
+          </a:xfrm>
+        </p:spPr>
+        <p:txBody>
+          <a:bodyPr/>
+          <a:lstStyle/>
+          <a:p>
+            <a:pPr algn="ctr"/>
+            <a:r>
+              <a:rPr lang="id-ID" b="1" dirty="0" smtClean="0">
+                <a:solidFill>
+                  <a:schemeClr val="bg1"/>
+                </a:solidFill>
+                <a:latin typeface="Century Gothic" panose="020B0502020202020204" pitchFamily="34" charset="0"/>
+              </a:rPr>
+              <a:t>Latar Belakang</a:t>
+            </a:r>
+            <a:endParaRPr lang="id-ID" b="1" dirty="0">
+              <a:solidFill>
+                <a:schemeClr val="bg1"/>
+              </a:solidFill>
+              <a:latin typeface="Century Gothic" panose="020B0502020202020204" pitchFamily="34" charset="0"/>
+            </a:endParaRPr>
+          </a:p>
+        </p:txBody>
+      </p:sp>
+    </p:spTree>
+    <p:extLst>
+      <p:ext uri="{BB962C8B-B14F-4D97-AF65-F5344CB8AC3E}">
+        <p14:creationId xmlns:p14="http://schemas.microsoft.com/office/powerpoint/2010/main" val="106125840"/>
+      </p:ext>
+    </p:extLst>
+  </p:cSld>
+  <p:clrMapOvr>
+    <a:masterClrMapping/>
+  </p:clrMapOvr>
+  <p:timing>
+    <p:tnLst>
+      <p:par>
+        <p:cTn id="1" dur="indefinite" restart="never" nodeType="tmRoot"/>
+      </p:par>
+    </p:tnLst>
+  </p:timing>
+</p:sld>
+</file>
+
+<file path=ppt/slides/slide20.xml><?xml version="1.0" encoding="utf-8"?>
 <p:sld xmlns:a="http://schemas.openxmlformats.org/drawingml/2006/main" xmlns:r="http://schemas.openxmlformats.org/officeDocument/2006/relationships" xmlns:p="http://schemas.openxmlformats.org/presentationml/2006/main">
   <p:cSld>
     <p:spTree>
@@ -5129,7 +10380,7 @@
           <a:graphicData uri="http://schemas.openxmlformats.org/presentationml/2006/ole">
             <mc:AlternateContent xmlns:mc="http://schemas.openxmlformats.org/markup-compatibility/2006">
               <mc:Choice xmlns:v="urn:schemas-microsoft-com:vml" Requires="v">
-                <p:oleObj spid="_x0000_s9229" name="Visio" r:id="rId3" imgW="6924542" imgH="4095666" progId="Visio.Drawing.15">
+                <p:oleObj spid="_x0000_s9240" name="Visio" r:id="rId3" imgW="6924542" imgH="4095666" progId="Visio.Drawing.15">
                   <p:embed/>
                 </p:oleObj>
               </mc:Choice>
@@ -5187,72 +10438,7 @@
 </p:sld>
 </file>
 
-<file path=ppt/slides/slide2.xml><?xml version="1.0" encoding="utf-8"?>
-<p:sld xmlns:a="http://schemas.openxmlformats.org/drawingml/2006/main" xmlns:r="http://schemas.openxmlformats.org/officeDocument/2006/relationships" xmlns:p="http://schemas.openxmlformats.org/presentationml/2006/main">
-  <p:cSld>
-    <p:spTree>
-      <p:nvGrpSpPr>
-        <p:cNvPr id="1" name=""/>
-        <p:cNvGrpSpPr/>
-        <p:nvPr/>
-      </p:nvGrpSpPr>
-      <p:grpSpPr>
-        <a:xfrm>
-          <a:off x="0" y="0"/>
-          <a:ext cx="0" cy="0"/>
-          <a:chOff x="0" y="0"/>
-          <a:chExt cx="0" cy="0"/>
-        </a:xfrm>
-      </p:grpSpPr>
-      <p:sp>
-        <p:nvSpPr>
-          <p:cNvPr id="2" name="Title 1"/>
-          <p:cNvSpPr>
-            <a:spLocks noGrp="1"/>
-          </p:cNvSpPr>
-          <p:nvPr>
-            <p:ph type="title"/>
-          </p:nvPr>
-        </p:nvSpPr>
-        <p:spPr>
-          <a:xfrm>
-            <a:off x="4242889" y="1864815"/>
-            <a:ext cx="3851366" cy="1325563"/>
-          </a:xfrm>
-        </p:spPr>
-        <p:txBody>
-          <a:bodyPr/>
-          <a:lstStyle/>
-          <a:p>
-            <a:r>
-              <a:rPr lang="id-ID" dirty="0" smtClean="0"/>
-              <a:t>Latar Belakang</a:t>
-            </a:r>
-            <a:endParaRPr lang="id-ID" dirty="0"/>
-          </a:p>
-        </p:txBody>
-      </p:sp>
-    </p:spTree>
-    <p:extLst>
-      <p:ext uri="{BB962C8B-B14F-4D97-AF65-F5344CB8AC3E}">
-        <p14:creationId xmlns:p14="http://schemas.microsoft.com/office/powerpoint/2010/main" val="106125840"/>
-      </p:ext>
-    </p:extLst>
-  </p:cSld>
-  <p:clrMapOvr>
-    <a:masterClrMapping/>
-  </p:clrMapOvr>
-  <p:timing>
-    <p:tnLst>
-      <p:par>
-        <p:cTn id="1" dur="indefinite" restart="never" nodeType="tmRoot"/>
-      </p:par>
-    </p:tnLst>
-  </p:timing>
-</p:sld>
-</file>
-
-<file path=ppt/slides/slide20.xml><?xml version="1.0" encoding="utf-8"?>
+<file path=ppt/slides/slide21.xml><?xml version="1.0" encoding="utf-8"?>
 <p:sld xmlns:a="http://schemas.openxmlformats.org/drawingml/2006/main" xmlns:r="http://schemas.openxmlformats.org/officeDocument/2006/relationships" xmlns:p="http://schemas.openxmlformats.org/presentationml/2006/main">
   <p:cSld>
     <p:spTree>
@@ -5354,7 +10540,7 @@
           <a:graphicData uri="http://schemas.openxmlformats.org/presentationml/2006/ole">
             <mc:AlternateContent xmlns:mc="http://schemas.openxmlformats.org/markup-compatibility/2006">
               <mc:Choice xmlns:v="urn:schemas-microsoft-com:vml" Requires="v">
-                <p:oleObj spid="_x0000_s10251" name="Visio" r:id="rId3" imgW="6953175" imgH="3724409" progId="Visio.Drawing.15">
+                <p:oleObj spid="_x0000_s10262" name="Visio" r:id="rId3" imgW="6953175" imgH="3724409" progId="Visio.Drawing.15">
                   <p:embed/>
                 </p:oleObj>
               </mc:Choice>
@@ -5443,7 +10629,7 @@
 </p:sld>
 </file>
 
-<file path=ppt/slides/slide21.xml><?xml version="1.0" encoding="utf-8"?>
+<file path=ppt/slides/slide22.xml><?xml version="1.0" encoding="utf-8"?>
 <p:sld xmlns:a="http://schemas.openxmlformats.org/drawingml/2006/main" xmlns:r="http://schemas.openxmlformats.org/officeDocument/2006/relationships" xmlns:p="http://schemas.openxmlformats.org/presentationml/2006/main">
   <p:cSld>
     <p:spTree>
@@ -5534,10 +10720,10 @@
           <a:lstStyle/>
           <a:p>
             <a:r>
-              <a:rPr lang="id-ID" dirty="0" smtClean="0"/>
+              <a:rPr lang="id-ID" b="1" dirty="0" smtClean="0"/>
               <a:t>Kegiatan Program Pembinaan</a:t>
             </a:r>
-            <a:endParaRPr lang="id-ID" dirty="0"/>
+            <a:endParaRPr lang="id-ID" b="1" dirty="0"/>
           </a:p>
         </p:txBody>
       </p:sp>
@@ -5585,6 +10771,30 @@
           </a:p>
         </p:txBody>
       </p:sp>
+      <p:pic>
+        <p:nvPicPr>
+          <p:cNvPr id="10" name="Picture 9"/>
+          <p:cNvPicPr>
+            <a:picLocks noChangeAspect="1"/>
+          </p:cNvPicPr>
+          <p:nvPr/>
+        </p:nvPicPr>
+        <p:blipFill>
+          <a:blip r:embed="rId2"/>
+          <a:stretch>
+            <a:fillRect/>
+          </a:stretch>
+        </p:blipFill>
+        <p:spPr>
+          <a:xfrm>
+            <a:off x="8257531" y="1690688"/>
+            <a:ext cx="3313983" cy="3186112"/>
+          </a:xfrm>
+          <a:prstGeom prst="rect">
+            <a:avLst/>
+          </a:prstGeom>
+        </p:spPr>
+      </p:pic>
     </p:spTree>
     <p:extLst>
       <p:ext uri="{BB962C8B-B14F-4D97-AF65-F5344CB8AC3E}">
@@ -5638,10 +10848,10 @@
           <a:lstStyle/>
           <a:p>
             <a:r>
-              <a:rPr lang="id-ID" dirty="0" smtClean="0"/>
+              <a:rPr lang="id-ID" b="1" dirty="0" smtClean="0"/>
               <a:t>Indikator Penilaian</a:t>
             </a:r>
-            <a:endParaRPr lang="id-ID" dirty="0"/>
+            <a:endParaRPr lang="id-ID" b="1" dirty="0"/>
           </a:p>
         </p:txBody>
       </p:sp>
@@ -5662,7 +10872,7 @@
           <a:p>
             <a:r>
               <a:rPr lang="id-ID" dirty="0" smtClean="0"/>
-              <a:t>Target Perolehan Presensi setiap pekan</a:t>
+              <a:t>Target Perolehan Presensi</a:t>
             </a:r>
           </a:p>
           <a:p>
@@ -5686,6 +10896,47 @@
           </a:p>
         </p:txBody>
       </p:sp>
+      <p:pic>
+        <p:nvPicPr>
+          <p:cNvPr id="14338" name="Picture 2" descr="Hasil gambar untuk assessment vector"/>
+          <p:cNvPicPr>
+            <a:picLocks noChangeAspect="1" noChangeArrowheads="1"/>
+          </p:cNvPicPr>
+          <p:nvPr/>
+        </p:nvPicPr>
+        <p:blipFill>
+          <a:blip r:embed="rId2">
+            <a:extLst>
+              <a:ext uri="{28A0092B-C50C-407E-A947-70E740481C1C}">
+                <a14:useLocalDpi xmlns:a14="http://schemas.microsoft.com/office/drawing/2010/main" val="0"/>
+              </a:ext>
+            </a:extLst>
+          </a:blip>
+          <a:srcRect/>
+          <a:stretch>
+            <a:fillRect/>
+          </a:stretch>
+        </p:blipFill>
+        <p:spPr bwMode="auto">
+          <a:xfrm>
+            <a:off x="8254547" y="1825625"/>
+            <a:ext cx="3219450" cy="3219451"/>
+          </a:xfrm>
+          <a:prstGeom prst="rect">
+            <a:avLst/>
+          </a:prstGeom>
+          <a:noFill/>
+          <a:extLst>
+            <a:ext uri="{909E8E84-426E-40DD-AFC4-6F175D3DCCD1}">
+              <a14:hiddenFill xmlns:a14="http://schemas.microsoft.com/office/drawing/2010/main">
+                <a:solidFill>
+                  <a:srgbClr val="FFFFFF"/>
+                </a:solidFill>
+              </a14:hiddenFill>
+            </a:ext>
+          </a:extLst>
+        </p:spPr>
+      </p:pic>
     </p:spTree>
     <p:extLst>
       <p:ext uri="{BB962C8B-B14F-4D97-AF65-F5344CB8AC3E}">
@@ -5696,6 +10947,13 @@
   <p:clrMapOvr>
     <a:masterClrMapping/>
   </p:clrMapOvr>
+  <p:timing>
+    <p:tnLst>
+      <p:par>
+        <p:cTn id="1" dur="indefinite" restart="never" nodeType="tmRoot"/>
+      </p:par>
+    </p:tnLst>
+  </p:timing>
 </p:sld>
 </file>
 
@@ -5732,10 +10990,10 @@
           <a:lstStyle/>
           <a:p>
             <a:r>
-              <a:rPr lang="id-ID" dirty="0" smtClean="0"/>
-              <a:t>Rekapitulasi Presensi Shalat</a:t>
-            </a:r>
-            <a:endParaRPr lang="id-ID" dirty="0"/>
+              <a:rPr lang="id-ID" b="1" dirty="0" smtClean="0"/>
+              <a:t>Rekapitulasi &amp; Penyalinan Presensi</a:t>
+            </a:r>
+            <a:endParaRPr lang="id-ID" b="1" dirty="0"/>
           </a:p>
         </p:txBody>
       </p:sp>
@@ -5763,39 +11021,9 @@
         </p:blipFill>
         <p:spPr>
           <a:xfrm>
-            <a:off x="1357137" y="1413062"/>
+            <a:off x="430525" y="1530724"/>
             <a:ext cx="3417836" cy="2339641"/>
           </a:xfrm>
-        </p:spPr>
-      </p:pic>
-      <p:pic>
-        <p:nvPicPr>
-          <p:cNvPr id="5" name="Picture 4"/>
-          <p:cNvPicPr>
-            <a:picLocks noChangeAspect="1"/>
-          </p:cNvPicPr>
-          <p:nvPr/>
-        </p:nvPicPr>
-        <p:blipFill>
-          <a:blip r:embed="rId3">
-            <a:extLst>
-              <a:ext uri="{28A0092B-C50C-407E-A947-70E740481C1C}">
-                <a14:useLocalDpi xmlns:a14="http://schemas.microsoft.com/office/drawing/2010/main" val="0"/>
-              </a:ext>
-            </a:extLst>
-          </a:blip>
-          <a:stretch>
-            <a:fillRect/>
-          </a:stretch>
-        </p:blipFill>
-        <p:spPr>
-          <a:xfrm>
-            <a:off x="6974931" y="2760682"/>
-            <a:ext cx="3385729" cy="1765072"/>
-          </a:xfrm>
-          <a:prstGeom prst="rect">
-            <a:avLst/>
-          </a:prstGeom>
         </p:spPr>
       </p:pic>
       <p:sp>
@@ -5806,7 +11034,7 @@
         </p:nvSpPr>
         <p:spPr>
           <a:xfrm>
-            <a:off x="5176520" y="2983741"/>
+            <a:off x="4204063" y="3143398"/>
             <a:ext cx="1084217" cy="451462"/>
           </a:xfrm>
           <a:prstGeom prst="rightArrow">
@@ -5847,7 +11075,7 @@
           <p:nvPr/>
         </p:nvPicPr>
         <p:blipFill>
-          <a:blip r:embed="rId4" cstate="print">
+          <a:blip r:embed="rId3" cstate="print">
             <a:extLst>
               <a:ext uri="{28A0092B-C50C-407E-A947-70E740481C1C}">
                 <a14:useLocalDpi xmlns:a14="http://schemas.microsoft.com/office/drawing/2010/main" val="0"/>
@@ -5860,7 +11088,7 @@
         </p:blipFill>
         <p:spPr>
           <a:xfrm rot="16200000">
-            <a:off x="1831967" y="3395537"/>
+            <a:off x="874226" y="3511651"/>
             <a:ext cx="2530435" cy="3480092"/>
           </a:xfrm>
           <a:prstGeom prst="rect">
@@ -5876,7 +11104,7 @@
         </p:nvSpPr>
         <p:spPr>
           <a:xfrm>
-            <a:off x="5176520" y="4131295"/>
+            <a:off x="4204063" y="4290952"/>
             <a:ext cx="1084217" cy="451462"/>
           </a:xfrm>
           <a:prstGeom prst="rightArrow">
@@ -5908,6 +11136,30 @@
           </a:p>
         </p:txBody>
       </p:sp>
+      <p:pic>
+        <p:nvPicPr>
+          <p:cNvPr id="8" name="Picture 7"/>
+          <p:cNvPicPr>
+            <a:picLocks noChangeAspect="1"/>
+          </p:cNvPicPr>
+          <p:nvPr/>
+        </p:nvPicPr>
+        <p:blipFill>
+          <a:blip r:embed="rId4"/>
+          <a:stretch>
+            <a:fillRect/>
+          </a:stretch>
+        </p:blipFill>
+        <p:spPr>
+          <a:xfrm>
+            <a:off x="5612853" y="2151913"/>
+            <a:ext cx="6203658" cy="3436903"/>
+          </a:xfrm>
+          <a:prstGeom prst="rect">
+            <a:avLst/>
+          </a:prstGeom>
+        </p:spPr>
+      </p:pic>
     </p:spTree>
     <p:extLst>
       <p:ext uri="{BB962C8B-B14F-4D97-AF65-F5344CB8AC3E}">
@@ -5962,236 +11214,56 @@
           <a:p>
             <a:r>
               <a:rPr lang="id-ID" dirty="0" smtClean="0"/>
-              <a:t>Rekapitulasi Presensi Ta’lim &amp; Tahsin/Tahfidz</a:t>
+              <a:t>Rumusan Masalah</a:t>
             </a:r>
             <a:endParaRPr lang="id-ID" dirty="0"/>
-          </a:p>
-        </p:txBody>
-      </p:sp>
-      <p:pic>
-        <p:nvPicPr>
-          <p:cNvPr id="4" name="Picture 3"/>
-          <p:cNvPicPr>
-            <a:picLocks noChangeAspect="1"/>
-          </p:cNvPicPr>
-          <p:nvPr/>
-        </p:nvPicPr>
-        <p:blipFill>
-          <a:blip r:embed="rId2" cstate="print">
-            <a:extLst>
-              <a:ext uri="{28A0092B-C50C-407E-A947-70E740481C1C}">
-                <a14:useLocalDpi xmlns:a14="http://schemas.microsoft.com/office/drawing/2010/main" val="0"/>
-              </a:ext>
-            </a:extLst>
-          </a:blip>
-          <a:stretch>
-            <a:fillRect/>
-          </a:stretch>
-        </p:blipFill>
-        <p:spPr>
-          <a:xfrm rot="16200000">
-            <a:off x="1584709" y="1676457"/>
-            <a:ext cx="3317965" cy="4563177"/>
-          </a:xfrm>
-          <a:prstGeom prst="rect">
-            <a:avLst/>
-          </a:prstGeom>
-        </p:spPr>
-      </p:pic>
-      <p:pic>
-        <p:nvPicPr>
-          <p:cNvPr id="5" name="Picture 4"/>
-          <p:cNvPicPr>
-            <a:picLocks noChangeAspect="1"/>
-          </p:cNvPicPr>
-          <p:nvPr/>
-        </p:nvPicPr>
-        <p:blipFill>
-          <a:blip r:embed="rId3">
-            <a:extLst>
-              <a:ext uri="{28A0092B-C50C-407E-A947-70E740481C1C}">
-                <a14:useLocalDpi xmlns:a14="http://schemas.microsoft.com/office/drawing/2010/main" val="0"/>
-              </a:ext>
-            </a:extLst>
-          </a:blip>
-          <a:stretch>
-            <a:fillRect/>
-          </a:stretch>
-        </p:blipFill>
-        <p:spPr>
-          <a:xfrm>
-            <a:off x="7630964" y="2456803"/>
-            <a:ext cx="3119767" cy="1128158"/>
-          </a:xfrm>
-          <a:prstGeom prst="rect">
-            <a:avLst/>
-          </a:prstGeom>
-        </p:spPr>
-      </p:pic>
-      <p:pic>
-        <p:nvPicPr>
-          <p:cNvPr id="6" name="Picture 5"/>
-          <p:cNvPicPr>
-            <a:picLocks noChangeAspect="1"/>
-          </p:cNvPicPr>
-          <p:nvPr/>
-        </p:nvPicPr>
-        <p:blipFill>
-          <a:blip r:embed="rId4">
-            <a:extLst>
-              <a:ext uri="{28A0092B-C50C-407E-A947-70E740481C1C}">
-                <a14:useLocalDpi xmlns:a14="http://schemas.microsoft.com/office/drawing/2010/main" val="0"/>
-              </a:ext>
-            </a:extLst>
-          </a:blip>
-          <a:stretch>
-            <a:fillRect/>
-          </a:stretch>
-        </p:blipFill>
-        <p:spPr>
-          <a:xfrm>
-            <a:off x="7630964" y="4075611"/>
-            <a:ext cx="3018225" cy="1345474"/>
-          </a:xfrm>
-          <a:prstGeom prst="rect">
-            <a:avLst/>
-          </a:prstGeom>
-        </p:spPr>
-      </p:pic>
-      <p:sp>
-        <p:nvSpPr>
-          <p:cNvPr id="7" name="Right Arrow 6"/>
-          <p:cNvSpPr/>
-          <p:nvPr/>
-        </p:nvSpPr>
-        <p:spPr>
-          <a:xfrm>
-            <a:off x="5773783" y="2821577"/>
-            <a:ext cx="901337" cy="279707"/>
-          </a:xfrm>
-          <a:prstGeom prst="rightArrow">
-            <a:avLst/>
-          </a:prstGeom>
-        </p:spPr>
-        <p:style>
-          <a:lnRef idx="2">
-            <a:schemeClr val="accent1">
-              <a:shade val="50000"/>
-            </a:schemeClr>
-          </a:lnRef>
-          <a:fillRef idx="1">
-            <a:schemeClr val="accent1"/>
-          </a:fillRef>
-          <a:effectRef idx="0">
-            <a:schemeClr val="accent1"/>
-          </a:effectRef>
-          <a:fontRef idx="minor">
-            <a:schemeClr val="lt1"/>
-          </a:fontRef>
-        </p:style>
-        <p:txBody>
-          <a:bodyPr rtlCol="0" anchor="ctr"/>
-          <a:lstStyle/>
-          <a:p>
-            <a:pPr algn="ctr"/>
-            <a:endParaRPr lang="id-ID"/>
           </a:p>
         </p:txBody>
       </p:sp>
       <p:sp>
         <p:nvSpPr>
-          <p:cNvPr id="8" name="Right Arrow 7"/>
-          <p:cNvSpPr/>
-          <p:nvPr/>
+          <p:cNvPr id="3" name="Content Placeholder 2"/>
+          <p:cNvSpPr>
+            <a:spLocks noGrp="1"/>
+          </p:cNvSpPr>
+          <p:nvPr>
+            <p:ph idx="1"/>
+          </p:nvPr>
         </p:nvSpPr>
-        <p:spPr>
-          <a:xfrm>
-            <a:off x="5773783" y="4351076"/>
-            <a:ext cx="901337" cy="279707"/>
-          </a:xfrm>
-          <a:prstGeom prst="rightArrow">
-            <a:avLst/>
-          </a:prstGeom>
-        </p:spPr>
-        <p:style>
-          <a:lnRef idx="2">
-            <a:schemeClr val="accent1">
-              <a:shade val="50000"/>
-            </a:schemeClr>
-          </a:lnRef>
-          <a:fillRef idx="1">
-            <a:schemeClr val="accent1"/>
-          </a:fillRef>
-          <a:effectRef idx="0">
-            <a:schemeClr val="accent1"/>
-          </a:effectRef>
-          <a:fontRef idx="minor">
-            <a:schemeClr val="lt1"/>
-          </a:fontRef>
-        </p:style>
+        <p:spPr/>
         <p:txBody>
-          <a:bodyPr rtlCol="0" anchor="ctr"/>
+          <a:bodyPr/>
           <a:lstStyle/>
           <a:p>
-            <a:pPr algn="ctr"/>
-            <a:endParaRPr lang="id-ID"/>
-          </a:p>
-        </p:txBody>
-      </p:sp>
-      <p:sp>
-        <p:nvSpPr>
-          <p:cNvPr id="9" name="Rectangle 8"/>
-          <p:cNvSpPr/>
-          <p:nvPr/>
-        </p:nvSpPr>
-        <p:spPr>
-          <a:xfrm>
-            <a:off x="8666483" y="1881754"/>
-            <a:ext cx="737318" cy="369332"/>
-          </a:xfrm>
-          <a:prstGeom prst="rect">
-            <a:avLst/>
-          </a:prstGeom>
-        </p:spPr>
-        <p:txBody>
-          <a:bodyPr wrap="none">
-            <a:spAutoFit/>
-          </a:bodyPr>
-          <a:lstStyle/>
-          <a:p>
-            <a:r>
-              <a:rPr lang="id-ID" smtClean="0"/>
-              <a:t>Ta’lim</a:t>
-            </a:r>
-            <a:endParaRPr lang="id-ID"/>
-          </a:p>
-        </p:txBody>
-      </p:sp>
-      <p:sp>
-        <p:nvSpPr>
-          <p:cNvPr id="10" name="Rectangle 9"/>
-          <p:cNvSpPr/>
-          <p:nvPr/>
-        </p:nvSpPr>
-        <p:spPr>
-          <a:xfrm>
-            <a:off x="8427112" y="3645620"/>
-            <a:ext cx="1527469" cy="369332"/>
-          </a:xfrm>
-          <a:prstGeom prst="rect">
-            <a:avLst/>
-          </a:prstGeom>
-        </p:spPr>
-        <p:txBody>
-          <a:bodyPr wrap="none">
-            <a:spAutoFit/>
-          </a:bodyPr>
-          <a:lstStyle/>
-          <a:p>
+            <a:r>
+              <a:rPr lang="id-ID" dirty="0"/>
+              <a:t>Bagaimana menganalisis sistem informasi pengelolaan matrikulasi program </a:t>
+            </a:r>
             <a:r>
               <a:rPr lang="id-ID" dirty="0" smtClean="0"/>
-              <a:t>Tahsin/Tahfidz</a:t>
-            </a:r>
+              <a:t>pembinaan berbasis web </a:t>
+            </a:r>
+            <a:r>
+              <a:rPr lang="id-ID" dirty="0"/>
+              <a:t>di STEI Tazkia?</a:t>
+            </a:r>
+            <a:endParaRPr lang="id-ID" dirty="0" smtClean="0"/>
+          </a:p>
+          <a:p>
+            <a:r>
+              <a:rPr lang="id-ID" dirty="0"/>
+              <a:t>Bagaimana merancang sistem informasi pengelolaan matrikulasi program pembinaan berbasis web?</a:t>
+            </a:r>
+            <a:endParaRPr lang="id-ID" dirty="0" smtClean="0"/>
+          </a:p>
+          <a:p>
+            <a:pPr lvl="0"/>
+            <a:r>
+              <a:rPr lang="id-ID" dirty="0"/>
+              <a:t>Bagaimana membangun sistem informasi pengelolaan matrikulasi program pembinaan berbasis web?</a:t>
+            </a:r>
+          </a:p>
+          <a:p>
             <a:endParaRPr lang="id-ID" dirty="0"/>
           </a:p>
         </p:txBody>
@@ -6199,7 +11271,7 @@
     </p:spTree>
     <p:extLst>
       <p:ext uri="{BB962C8B-B14F-4D97-AF65-F5344CB8AC3E}">
-        <p14:creationId xmlns:p14="http://schemas.microsoft.com/office/powerpoint/2010/main" val="3447103092"/>
+        <p14:creationId xmlns:p14="http://schemas.microsoft.com/office/powerpoint/2010/main" val="1287837400"/>
       </p:ext>
     </p:extLst>
   </p:cSld>
@@ -6250,62 +11322,94 @@
           <a:p>
             <a:r>
               <a:rPr lang="id-ID" dirty="0" smtClean="0"/>
-              <a:t>Rumusan Masalah</a:t>
+              <a:t>Tujuan Penelitian</a:t>
             </a:r>
             <a:endParaRPr lang="id-ID" dirty="0"/>
           </a:p>
         </p:txBody>
       </p:sp>
-      <p:sp>
-        <p:nvSpPr>
-          <p:cNvPr id="3" name="Content Placeholder 2"/>
-          <p:cNvSpPr>
-            <a:spLocks noGrp="1"/>
-          </p:cNvSpPr>
+      <p:graphicFrame>
+        <p:nvGraphicFramePr>
+          <p:cNvPr id="4" name="Content Placeholder 3"/>
+          <p:cNvGraphicFramePr>
+            <a:graphicFrameLocks/>
+          </p:cNvGraphicFramePr>
           <p:nvPr>
-            <p:ph idx="1"/>
+            <p:extLst>
+              <p:ext uri="{D42A27DB-BD31-4B8C-83A1-F6EECF244321}">
+                <p14:modId xmlns:p14="http://schemas.microsoft.com/office/powerpoint/2010/main" val="3674338272"/>
+              </p:ext>
+            </p:extLst>
           </p:nvPr>
-        </p:nvSpPr>
-        <p:spPr/>
-        <p:txBody>
-          <a:bodyPr/>
-          <a:lstStyle/>
-          <a:p>
-            <a:r>
-              <a:rPr lang="id-ID" dirty="0"/>
-              <a:t>Bagaimana menganalisis sistem informasi pengelolaan matrikulasi program pembinaan di STEI Tazkia?</a:t>
-            </a:r>
-            <a:endParaRPr lang="id-ID" dirty="0" smtClean="0"/>
-          </a:p>
-          <a:p>
-            <a:r>
-              <a:rPr lang="id-ID" dirty="0"/>
-              <a:t>Bagaimana merancang sistem informasi pengelolaan matrikulasi program pembinaan?</a:t>
-            </a:r>
-            <a:endParaRPr lang="id-ID" dirty="0" smtClean="0"/>
-          </a:p>
-          <a:p>
-            <a:pPr lvl="0"/>
-            <a:r>
-              <a:rPr lang="id-ID" dirty="0"/>
-              <a:t>Bagaimana membangun sistem informasi pengelolaan matrikulasi program pembinaan?</a:t>
-            </a:r>
-          </a:p>
-          <a:p>
-            <a:endParaRPr lang="id-ID" dirty="0"/>
-          </a:p>
-        </p:txBody>
-      </p:sp>
+        </p:nvGraphicFramePr>
+        <p:xfrm>
+          <a:off x="315686" y="1554956"/>
+          <a:ext cx="7434943" cy="4351338"/>
+        </p:xfrm>
+        <a:graphic>
+          <a:graphicData uri="http://schemas.openxmlformats.org/drawingml/2006/diagram">
+            <dgm:relIds xmlns:dgm="http://schemas.openxmlformats.org/drawingml/2006/diagram" xmlns:r="http://schemas.openxmlformats.org/officeDocument/2006/relationships" r:dm="rId2" r:lo="rId3" r:qs="rId4" r:cs="rId5"/>
+          </a:graphicData>
+        </a:graphic>
+      </p:graphicFrame>
+      <p:pic>
+        <p:nvPicPr>
+          <p:cNvPr id="7" name="Picture 2" descr="http://www.cepro.com/images/uploads/target-image.jpg"/>
+          <p:cNvPicPr>
+            <a:picLocks noChangeAspect="1" noChangeArrowheads="1"/>
+          </p:cNvPicPr>
+          <p:nvPr/>
+        </p:nvPicPr>
+        <p:blipFill>
+          <a:blip r:embed="rId7">
+            <a:extLst>
+              <a:ext uri="{28A0092B-C50C-407E-A947-70E740481C1C}">
+                <a14:useLocalDpi xmlns:a14="http://schemas.microsoft.com/office/drawing/2010/main" val="0"/>
+              </a:ext>
+            </a:extLst>
+          </a:blip>
+          <a:srcRect/>
+          <a:stretch>
+            <a:fillRect/>
+          </a:stretch>
+        </p:blipFill>
+        <p:spPr bwMode="auto">
+          <a:xfrm>
+            <a:off x="8004629" y="1893491"/>
+            <a:ext cx="3810000" cy="3810000"/>
+          </a:xfrm>
+          <a:prstGeom prst="rect">
+            <a:avLst/>
+          </a:prstGeom>
+          <a:noFill/>
+          <a:extLst>
+            <a:ext uri="{909E8E84-426E-40DD-AFC4-6F175D3DCCD1}">
+              <a14:hiddenFill xmlns:a14="http://schemas.microsoft.com/office/drawing/2010/main">
+                <a:solidFill>
+                  <a:srgbClr val="FFFFFF"/>
+                </a:solidFill>
+              </a14:hiddenFill>
+            </a:ext>
+          </a:extLst>
+        </p:spPr>
+      </p:pic>
     </p:spTree>
     <p:extLst>
       <p:ext uri="{BB962C8B-B14F-4D97-AF65-F5344CB8AC3E}">
-        <p14:creationId xmlns:p14="http://schemas.microsoft.com/office/powerpoint/2010/main" val="1287837400"/>
+        <p14:creationId xmlns:p14="http://schemas.microsoft.com/office/powerpoint/2010/main" val="3813010348"/>
       </p:ext>
     </p:extLst>
   </p:cSld>
   <p:clrMapOvr>
     <a:masterClrMapping/>
   </p:clrMapOvr>
+  <p:timing>
+    <p:tnLst>
+      <p:par>
+        <p:cTn id="1" dur="indefinite" restart="never" nodeType="tmRoot"/>
+      </p:par>
+    </p:tnLst>
+  </p:timing>
 </p:sld>
 </file>
 
@@ -6342,16 +11446,16 @@
           <a:lstStyle/>
           <a:p>
             <a:r>
-              <a:rPr lang="id-ID" dirty="0" smtClean="0"/>
-              <a:t>Tujuan Penelitian</a:t>
-            </a:r>
-            <a:endParaRPr lang="id-ID" dirty="0"/>
+              <a:rPr lang="id-ID" b="1" dirty="0" smtClean="0"/>
+              <a:t>Batasan Masalah</a:t>
+            </a:r>
+            <a:endParaRPr lang="id-ID" b="1" dirty="0"/>
           </a:p>
         </p:txBody>
       </p:sp>
       <p:sp>
         <p:nvSpPr>
-          <p:cNvPr id="6" name="Content Placeholder 5"/>
+          <p:cNvPr id="3" name="Content Placeholder 2"/>
           <p:cNvSpPr>
             <a:spLocks noGrp="1"/>
           </p:cNvSpPr>
@@ -6364,37 +11468,43 @@
           <a:bodyPr/>
           <a:lstStyle/>
           <a:p>
+            <a:pPr marL="514350" indent="-514350">
+              <a:buFont typeface="+mj-lt"/>
+              <a:buAutoNum type="alphaLcParenR"/>
+            </a:pPr>
+            <a:r>
+              <a:rPr lang="id-ID" dirty="0" smtClean="0"/>
+              <a:t>Hanya </a:t>
+            </a:r>
             <a:r>
               <a:rPr lang="id-ID" dirty="0"/>
-              <a:t>Melakukan analisis sistem informasi pengelolaan matrikulasi program pembinaan di STEI </a:t>
+              <a:t>memfokuskan pada pengelolaan data kegiatan dan data presensi </a:t>
             </a:r>
             <a:r>
               <a:rPr lang="id-ID" dirty="0" smtClean="0"/>
-              <a:t>Tazkia</a:t>
-            </a:r>
-          </a:p>
-          <a:p>
+              <a:t>yang dilakukan penilaian meliputi </a:t>
+            </a:r>
             <a:r>
               <a:rPr lang="id-ID" dirty="0"/>
-              <a:t>Memperoleh hasil rancangan </a:t>
+              <a:t>shalat, ta’lim dan </a:t>
             </a:r>
             <a:r>
               <a:rPr lang="id-ID" dirty="0" smtClean="0"/>
-              <a:t>dengan </a:t>
+              <a:t>tahsin/tahfidz</a:t>
+            </a:r>
+          </a:p>
+          <a:p>
+            <a:pPr marL="514350" indent="-514350">
+              <a:buFont typeface="+mj-lt"/>
+              <a:buAutoNum type="alphaLcParenR"/>
+            </a:pPr>
+            <a:r>
+              <a:rPr lang="id-ID" dirty="0" smtClean="0"/>
+              <a:t>Tidak </a:t>
             </a:r>
             <a:r>
               <a:rPr lang="id-ID" dirty="0"/>
-              <a:t>model </a:t>
-            </a:r>
-            <a:r>
-              <a:rPr lang="id-ID" dirty="0" smtClean="0"/>
-              <a:t>terstruktur</a:t>
-            </a:r>
-          </a:p>
-          <a:p>
-            <a:r>
-              <a:rPr lang="id-ID" dirty="0"/>
-              <a:t>Mendapatkan sistem informasi pengelolaan matrikulasi program pembinaan</a:t>
+              <a:t>mencakup pengelolaan data hafalan quran</a:t>
             </a:r>
           </a:p>
         </p:txBody>
@@ -6402,7 +11512,7 @@
     </p:spTree>
     <p:extLst>
       <p:ext uri="{BB962C8B-B14F-4D97-AF65-F5344CB8AC3E}">
-        <p14:creationId xmlns:p14="http://schemas.microsoft.com/office/powerpoint/2010/main" val="3813010348"/>
+        <p14:creationId xmlns:p14="http://schemas.microsoft.com/office/powerpoint/2010/main" val="2217494886"/>
       </p:ext>
     </p:extLst>
   </p:cSld>
@@ -6452,10 +11562,10 @@
           <a:lstStyle/>
           <a:p>
             <a:r>
-              <a:rPr lang="id-ID" dirty="0" smtClean="0"/>
-              <a:t>Batasan Masalah</a:t>
-            </a:r>
-            <a:endParaRPr lang="id-ID" dirty="0"/>
+              <a:rPr lang="id-ID" b="1" dirty="0" smtClean="0"/>
+              <a:t>Manfaat Penelitian</a:t>
+            </a:r>
+            <a:endParaRPr lang="id-ID" b="1" dirty="0"/>
           </a:p>
         </p:txBody>
       </p:sp>
@@ -6474,55 +11584,36 @@
           <a:bodyPr/>
           <a:lstStyle/>
           <a:p>
+            <a:pPr marL="514350" indent="-514350">
+              <a:buFont typeface="+mj-lt"/>
+              <a:buAutoNum type="alphaLcParenR"/>
+            </a:pPr>
+            <a:r>
+              <a:rPr lang="id-ID" dirty="0"/>
+              <a:t>Mempersingkat waktu dalam proses rekapitulasi data </a:t>
+            </a:r>
             <a:r>
               <a:rPr lang="id-ID" dirty="0" smtClean="0"/>
-              <a:t>Hanya </a:t>
-            </a:r>
-            <a:r>
-              <a:rPr lang="id-ID" dirty="0"/>
-              <a:t>memfokuskan pada pengelolaan data kegiatan dan data presensi </a:t>
-            </a:r>
+              <a:t>presensi</a:t>
+            </a:r>
+          </a:p>
+          <a:p>
+            <a:pPr marL="514350" indent="-514350">
+              <a:buFont typeface="+mj-lt"/>
+              <a:buAutoNum type="alphaLcParenR"/>
+            </a:pPr>
             <a:r>
               <a:rPr lang="id-ID" dirty="0" smtClean="0"/>
-              <a:t>yang dilakukan penilaian meliputi </a:t>
-            </a:r>
-            <a:r>
-              <a:rPr lang="id-ID" i="1" dirty="0"/>
-              <a:t>shalat</a:t>
-            </a:r>
-            <a:r>
-              <a:rPr lang="id-ID" dirty="0"/>
-              <a:t>, </a:t>
-            </a:r>
-            <a:r>
-              <a:rPr lang="id-ID" i="1" dirty="0"/>
-              <a:t>ta’lim</a:t>
-            </a:r>
-            <a:r>
-              <a:rPr lang="id-ID" dirty="0"/>
-              <a:t> dan </a:t>
-            </a:r>
-            <a:r>
-              <a:rPr lang="id-ID" i="1" dirty="0" smtClean="0"/>
-              <a:t>tahsin/tahfidz</a:t>
-            </a:r>
-          </a:p>
-          <a:p>
-            <a:r>
-              <a:rPr lang="id-ID" dirty="0" smtClean="0"/>
-              <a:t>Tidak </a:t>
-            </a:r>
-            <a:r>
-              <a:rPr lang="id-ID" dirty="0"/>
-              <a:t>mencakup pengelolaan data hafalan quran</a:t>
-            </a:r>
+              <a:t>Memperlancar ketersediaan informasi nilai saat jadwal penerbitan</a:t>
+            </a:r>
+            <a:endParaRPr lang="id-ID" dirty="0"/>
           </a:p>
         </p:txBody>
       </p:sp>
     </p:spTree>
     <p:extLst>
       <p:ext uri="{BB962C8B-B14F-4D97-AF65-F5344CB8AC3E}">
-        <p14:creationId xmlns:p14="http://schemas.microsoft.com/office/powerpoint/2010/main" val="2217494886"/>
+        <p14:creationId xmlns:p14="http://schemas.microsoft.com/office/powerpoint/2010/main" val="513697623"/>
       </p:ext>
     </p:extLst>
   </p:cSld>

--- a/Presentasi.pptx
+++ b/Presentasi.pptx
@@ -10,7 +10,7 @@
     <p:sldId id="272" r:id="rId4"/>
     <p:sldId id="278" r:id="rId5"/>
     <p:sldId id="276" r:id="rId6"/>
-    <p:sldId id="275" r:id="rId7"/>
+    <p:sldId id="281" r:id="rId7"/>
     <p:sldId id="258" r:id="rId8"/>
     <p:sldId id="259" r:id="rId9"/>
     <p:sldId id="260" r:id="rId10"/>
@@ -19,14 +19,12 @@
     <p:sldId id="263" r:id="rId13"/>
     <p:sldId id="264" r:id="rId14"/>
     <p:sldId id="265" r:id="rId15"/>
-    <p:sldId id="266" r:id="rId16"/>
-    <p:sldId id="279" r:id="rId17"/>
-    <p:sldId id="280" r:id="rId18"/>
-    <p:sldId id="267" r:id="rId19"/>
-    <p:sldId id="268" r:id="rId20"/>
-    <p:sldId id="269" r:id="rId21"/>
-    <p:sldId id="270" r:id="rId22"/>
-    <p:sldId id="271" r:id="rId23"/>
+    <p:sldId id="280" r:id="rId16"/>
+    <p:sldId id="267" r:id="rId17"/>
+    <p:sldId id="268" r:id="rId18"/>
+    <p:sldId id="269" r:id="rId19"/>
+    <p:sldId id="271" r:id="rId20"/>
+    <p:sldId id="282" r:id="rId21"/>
   </p:sldIdLst>
   <p:sldSz cx="12192000" cy="6858000"/>
   <p:notesSz cx="6858000" cy="9144000"/>
@@ -915,6 +913,788 @@
 </dgm:colorsDef>
 </file>
 
+<file path=ppt/diagrams/colors2.xml><?xml version="1.0" encoding="utf-8"?>
+<dgm:colorsDef xmlns:dgm="http://schemas.openxmlformats.org/drawingml/2006/diagram" xmlns:a="http://schemas.openxmlformats.org/drawingml/2006/main" uniqueId="urn:microsoft.com/office/officeart/2005/8/colors/colorful5">
+  <dgm:title val=""/>
+  <dgm:desc val=""/>
+  <dgm:catLst>
+    <dgm:cat type="colorful" pri="10500"/>
+  </dgm:catLst>
+  <dgm:styleLbl name="node0">
+    <dgm:fillClrLst meth="repeat">
+      <a:schemeClr val="accent4"/>
+    </dgm:fillClrLst>
+    <dgm:linClrLst meth="repeat">
+      <a:schemeClr val="lt1"/>
+    </dgm:linClrLst>
+    <dgm:effectClrLst/>
+    <dgm:txLinClrLst/>
+    <dgm:txFillClrLst/>
+    <dgm:txEffectClrLst/>
+  </dgm:styleLbl>
+  <dgm:styleLbl name="node1">
+    <dgm:fillClrLst>
+      <a:schemeClr val="accent5"/>
+      <a:schemeClr val="accent6"/>
+    </dgm:fillClrLst>
+    <dgm:linClrLst meth="repeat">
+      <a:schemeClr val="lt1"/>
+    </dgm:linClrLst>
+    <dgm:effectClrLst/>
+    <dgm:txLinClrLst/>
+    <dgm:txFillClrLst/>
+    <dgm:txEffectClrLst/>
+  </dgm:styleLbl>
+  <dgm:styleLbl name="alignNode1">
+    <dgm:fillClrLst>
+      <a:schemeClr val="accent5"/>
+      <a:schemeClr val="accent6"/>
+    </dgm:fillClrLst>
+    <dgm:linClrLst>
+      <a:schemeClr val="accent5"/>
+      <a:schemeClr val="accent6"/>
+    </dgm:linClrLst>
+    <dgm:effectClrLst/>
+    <dgm:txLinClrLst/>
+    <dgm:txFillClrLst/>
+    <dgm:txEffectClrLst/>
+  </dgm:styleLbl>
+  <dgm:styleLbl name="lnNode1">
+    <dgm:fillClrLst>
+      <a:schemeClr val="accent5"/>
+      <a:schemeClr val="accent6"/>
+    </dgm:fillClrLst>
+    <dgm:linClrLst meth="repeat">
+      <a:schemeClr val="lt1"/>
+    </dgm:linClrLst>
+    <dgm:effectClrLst/>
+    <dgm:txLinClrLst/>
+    <dgm:txFillClrLst/>
+    <dgm:txEffectClrLst/>
+  </dgm:styleLbl>
+  <dgm:styleLbl name="vennNode1">
+    <dgm:fillClrLst>
+      <a:schemeClr val="accent5">
+        <a:alpha val="50000"/>
+      </a:schemeClr>
+      <a:schemeClr val="accent6">
+        <a:alpha val="50000"/>
+      </a:schemeClr>
+    </dgm:fillClrLst>
+    <dgm:linClrLst meth="repeat">
+      <a:schemeClr val="lt1"/>
+    </dgm:linClrLst>
+    <dgm:effectClrLst/>
+    <dgm:txLinClrLst/>
+    <dgm:txFillClrLst/>
+    <dgm:txEffectClrLst/>
+  </dgm:styleLbl>
+  <dgm:styleLbl name="node2">
+    <dgm:fillClrLst>
+      <a:schemeClr val="accent6"/>
+    </dgm:fillClrLst>
+    <dgm:linClrLst meth="repeat">
+      <a:schemeClr val="lt1"/>
+    </dgm:linClrLst>
+    <dgm:effectClrLst/>
+    <dgm:txLinClrLst/>
+    <dgm:txFillClrLst/>
+    <dgm:txEffectClrLst/>
+  </dgm:styleLbl>
+  <dgm:styleLbl name="node3">
+    <dgm:fillClrLst>
+      <a:schemeClr val="accent1"/>
+    </dgm:fillClrLst>
+    <dgm:linClrLst meth="repeat">
+      <a:schemeClr val="lt1"/>
+    </dgm:linClrLst>
+    <dgm:effectClrLst/>
+    <dgm:txLinClrLst/>
+    <dgm:txFillClrLst/>
+    <dgm:txEffectClrLst/>
+  </dgm:styleLbl>
+  <dgm:styleLbl name="node4">
+    <dgm:fillClrLst>
+      <a:schemeClr val="accent2"/>
+    </dgm:fillClrLst>
+    <dgm:linClrLst meth="repeat">
+      <a:schemeClr val="lt1"/>
+    </dgm:linClrLst>
+    <dgm:effectClrLst/>
+    <dgm:txLinClrLst/>
+    <dgm:txFillClrLst/>
+    <dgm:txEffectClrLst/>
+  </dgm:styleLbl>
+  <dgm:styleLbl name="fgImgPlace1">
+    <dgm:fillClrLst>
+      <a:schemeClr val="accent5">
+        <a:tint val="50000"/>
+      </a:schemeClr>
+      <a:schemeClr val="accent6">
+        <a:tint val="50000"/>
+      </a:schemeClr>
+    </dgm:fillClrLst>
+    <dgm:linClrLst meth="repeat">
+      <a:schemeClr val="lt1"/>
+    </dgm:linClrLst>
+    <dgm:effectClrLst/>
+    <dgm:txLinClrLst/>
+    <dgm:txFillClrLst meth="repeat">
+      <a:schemeClr val="lt1"/>
+    </dgm:txFillClrLst>
+    <dgm:txEffectClrLst/>
+  </dgm:styleLbl>
+  <dgm:styleLbl name="alignImgPlace1">
+    <dgm:fillClrLst>
+      <a:schemeClr val="accent5">
+        <a:tint val="50000"/>
+      </a:schemeClr>
+      <a:schemeClr val="accent6">
+        <a:tint val="20000"/>
+      </a:schemeClr>
+    </dgm:fillClrLst>
+    <dgm:linClrLst meth="repeat">
+      <a:schemeClr val="lt1"/>
+    </dgm:linClrLst>
+    <dgm:effectClrLst/>
+    <dgm:txLinClrLst/>
+    <dgm:txFillClrLst meth="repeat">
+      <a:schemeClr val="lt1"/>
+    </dgm:txFillClrLst>
+    <dgm:txEffectClrLst/>
+  </dgm:styleLbl>
+  <dgm:styleLbl name="bgImgPlace1">
+    <dgm:fillClrLst>
+      <a:schemeClr val="accent5">
+        <a:tint val="50000"/>
+      </a:schemeClr>
+      <a:schemeClr val="accent6">
+        <a:tint val="20000"/>
+      </a:schemeClr>
+    </dgm:fillClrLst>
+    <dgm:linClrLst meth="repeat">
+      <a:schemeClr val="lt1"/>
+    </dgm:linClrLst>
+    <dgm:effectClrLst/>
+    <dgm:txLinClrLst/>
+    <dgm:txFillClrLst meth="repeat">
+      <a:schemeClr val="lt1"/>
+    </dgm:txFillClrLst>
+    <dgm:txEffectClrLst/>
+  </dgm:styleLbl>
+  <dgm:styleLbl name="sibTrans2D1">
+    <dgm:fillClrLst>
+      <a:schemeClr val="accent5"/>
+      <a:schemeClr val="accent6"/>
+    </dgm:fillClrLst>
+    <dgm:linClrLst meth="repeat">
+      <a:schemeClr val="lt1"/>
+    </dgm:linClrLst>
+    <dgm:effectClrLst/>
+    <dgm:txLinClrLst/>
+    <dgm:txFillClrLst/>
+    <dgm:txEffectClrLst/>
+  </dgm:styleLbl>
+  <dgm:styleLbl name="fgSibTrans2D1">
+    <dgm:fillClrLst>
+      <a:schemeClr val="accent5"/>
+      <a:schemeClr val="accent6"/>
+    </dgm:fillClrLst>
+    <dgm:linClrLst meth="repeat">
+      <a:schemeClr val="lt1"/>
+    </dgm:linClrLst>
+    <dgm:effectClrLst/>
+    <dgm:txLinClrLst/>
+    <dgm:txFillClrLst meth="repeat">
+      <a:schemeClr val="lt1"/>
+    </dgm:txFillClrLst>
+    <dgm:txEffectClrLst/>
+  </dgm:styleLbl>
+  <dgm:styleLbl name="bgSibTrans2D1">
+    <dgm:fillClrLst>
+      <a:schemeClr val="accent5"/>
+      <a:schemeClr val="accent6"/>
+    </dgm:fillClrLst>
+    <dgm:linClrLst meth="repeat">
+      <a:schemeClr val="lt1"/>
+    </dgm:linClrLst>
+    <dgm:effectClrLst/>
+    <dgm:txLinClrLst/>
+    <dgm:txFillClrLst meth="repeat">
+      <a:schemeClr val="lt1"/>
+    </dgm:txFillClrLst>
+    <dgm:txEffectClrLst/>
+  </dgm:styleLbl>
+  <dgm:styleLbl name="sibTrans1D1">
+    <dgm:fillClrLst/>
+    <dgm:linClrLst>
+      <a:schemeClr val="accent5"/>
+      <a:schemeClr val="accent6"/>
+    </dgm:linClrLst>
+    <dgm:effectClrLst/>
+    <dgm:txLinClrLst/>
+    <dgm:txFillClrLst meth="repeat">
+      <a:schemeClr val="tx1"/>
+    </dgm:txFillClrLst>
+    <dgm:txEffectClrLst/>
+  </dgm:styleLbl>
+  <dgm:styleLbl name="callout">
+    <dgm:fillClrLst meth="repeat">
+      <a:schemeClr val="accent5"/>
+    </dgm:fillClrLst>
+    <dgm:linClrLst meth="repeat">
+      <a:schemeClr val="accent5">
+        <a:tint val="50000"/>
+      </a:schemeClr>
+    </dgm:linClrLst>
+    <dgm:effectClrLst/>
+    <dgm:txLinClrLst/>
+    <dgm:txFillClrLst meth="repeat">
+      <a:schemeClr val="tx1"/>
+    </dgm:txFillClrLst>
+    <dgm:txEffectClrLst/>
+  </dgm:styleLbl>
+  <dgm:styleLbl name="asst0">
+    <dgm:fillClrLst meth="repeat">
+      <a:schemeClr val="accent5"/>
+    </dgm:fillClrLst>
+    <dgm:linClrLst meth="repeat">
+      <a:schemeClr val="lt1">
+        <a:shade val="80000"/>
+      </a:schemeClr>
+    </dgm:linClrLst>
+    <dgm:effectClrLst/>
+    <dgm:txLinClrLst/>
+    <dgm:txFillClrLst/>
+    <dgm:txEffectClrLst/>
+  </dgm:styleLbl>
+  <dgm:styleLbl name="asst1">
+    <dgm:fillClrLst meth="repeat">
+      <a:schemeClr val="accent6"/>
+    </dgm:fillClrLst>
+    <dgm:linClrLst meth="repeat">
+      <a:schemeClr val="lt1">
+        <a:shade val="80000"/>
+      </a:schemeClr>
+    </dgm:linClrLst>
+    <dgm:effectClrLst/>
+    <dgm:txLinClrLst/>
+    <dgm:txFillClrLst/>
+    <dgm:txEffectClrLst/>
+  </dgm:styleLbl>
+  <dgm:styleLbl name="asst2">
+    <dgm:fillClrLst>
+      <a:schemeClr val="accent1"/>
+    </dgm:fillClrLst>
+    <dgm:linClrLst meth="repeat">
+      <a:schemeClr val="lt1"/>
+    </dgm:linClrLst>
+    <dgm:effectClrLst/>
+    <dgm:txLinClrLst/>
+    <dgm:txFillClrLst/>
+    <dgm:txEffectClrLst/>
+  </dgm:styleLbl>
+  <dgm:styleLbl name="asst3">
+    <dgm:fillClrLst>
+      <a:schemeClr val="accent2"/>
+    </dgm:fillClrLst>
+    <dgm:linClrLst meth="repeat">
+      <a:schemeClr val="lt1"/>
+    </dgm:linClrLst>
+    <dgm:effectClrLst/>
+    <dgm:txLinClrLst/>
+    <dgm:txFillClrLst/>
+    <dgm:txEffectClrLst/>
+  </dgm:styleLbl>
+  <dgm:styleLbl name="asst4">
+    <dgm:fillClrLst>
+      <a:schemeClr val="accent3"/>
+    </dgm:fillClrLst>
+    <dgm:linClrLst meth="repeat">
+      <a:schemeClr val="lt1"/>
+    </dgm:linClrLst>
+    <dgm:effectClrLst/>
+    <dgm:txLinClrLst/>
+    <dgm:txFillClrLst/>
+    <dgm:txEffectClrLst/>
+  </dgm:styleLbl>
+  <dgm:styleLbl name="parChTrans2D1">
+    <dgm:fillClrLst meth="repeat">
+      <a:schemeClr val="accent5"/>
+    </dgm:fillClrLst>
+    <dgm:linClrLst meth="repeat">
+      <a:schemeClr val="lt1"/>
+    </dgm:linClrLst>
+    <dgm:effectClrLst/>
+    <dgm:txLinClrLst/>
+    <dgm:txFillClrLst meth="repeat">
+      <a:schemeClr val="lt1"/>
+    </dgm:txFillClrLst>
+    <dgm:txEffectClrLst/>
+  </dgm:styleLbl>
+  <dgm:styleLbl name="parChTrans2D2">
+    <dgm:fillClrLst meth="repeat">
+      <a:schemeClr val="accent6"/>
+    </dgm:fillClrLst>
+    <dgm:linClrLst meth="repeat">
+      <a:schemeClr val="lt1"/>
+    </dgm:linClrLst>
+    <dgm:effectClrLst/>
+    <dgm:txLinClrLst/>
+    <dgm:txFillClrLst/>
+    <dgm:txEffectClrLst/>
+  </dgm:styleLbl>
+  <dgm:styleLbl name="parChTrans2D3">
+    <dgm:fillClrLst meth="repeat">
+      <a:schemeClr val="accent6"/>
+    </dgm:fillClrLst>
+    <dgm:linClrLst meth="repeat">
+      <a:schemeClr val="lt1"/>
+    </dgm:linClrLst>
+    <dgm:effectClrLst/>
+    <dgm:txLinClrLst/>
+    <dgm:txFillClrLst/>
+    <dgm:txEffectClrLst/>
+  </dgm:styleLbl>
+  <dgm:styleLbl name="parChTrans2D4">
+    <dgm:fillClrLst meth="repeat">
+      <a:schemeClr val="accent1"/>
+    </dgm:fillClrLst>
+    <dgm:linClrLst meth="repeat">
+      <a:schemeClr val="lt1"/>
+    </dgm:linClrLst>
+    <dgm:effectClrLst/>
+    <dgm:txLinClrLst/>
+    <dgm:txFillClrLst meth="repeat">
+      <a:schemeClr val="lt1"/>
+    </dgm:txFillClrLst>
+    <dgm:txEffectClrLst/>
+  </dgm:styleLbl>
+  <dgm:styleLbl name="parChTrans1D1">
+    <dgm:fillClrLst meth="repeat">
+      <a:schemeClr val="accent5"/>
+    </dgm:fillClrLst>
+    <dgm:linClrLst meth="repeat">
+      <a:schemeClr val="accent5"/>
+    </dgm:linClrLst>
+    <dgm:effectClrLst/>
+    <dgm:txLinClrLst/>
+    <dgm:txFillClrLst meth="repeat">
+      <a:schemeClr val="tx1"/>
+    </dgm:txFillClrLst>
+    <dgm:txEffectClrLst/>
+  </dgm:styleLbl>
+  <dgm:styleLbl name="parChTrans1D2">
+    <dgm:fillClrLst meth="repeat">
+      <a:schemeClr val="accent6">
+        <a:tint val="90000"/>
+      </a:schemeClr>
+    </dgm:fillClrLst>
+    <dgm:linClrLst meth="repeat">
+      <a:schemeClr val="accent6"/>
+    </dgm:linClrLst>
+    <dgm:effectClrLst/>
+    <dgm:txLinClrLst/>
+    <dgm:txFillClrLst meth="repeat">
+      <a:schemeClr val="tx1"/>
+    </dgm:txFillClrLst>
+    <dgm:txEffectClrLst/>
+  </dgm:styleLbl>
+  <dgm:styleLbl name="parChTrans1D3">
+    <dgm:fillClrLst meth="repeat">
+      <a:schemeClr val="accent6">
+        <a:tint val="70000"/>
+      </a:schemeClr>
+    </dgm:fillClrLst>
+    <dgm:linClrLst meth="repeat">
+      <a:schemeClr val="accent1"/>
+    </dgm:linClrLst>
+    <dgm:effectClrLst/>
+    <dgm:txLinClrLst/>
+    <dgm:txFillClrLst meth="repeat">
+      <a:schemeClr val="tx1"/>
+    </dgm:txFillClrLst>
+    <dgm:txEffectClrLst/>
+  </dgm:styleLbl>
+  <dgm:styleLbl name="parChTrans1D4">
+    <dgm:fillClrLst meth="repeat">
+      <a:schemeClr val="accent6">
+        <a:tint val="50000"/>
+      </a:schemeClr>
+    </dgm:fillClrLst>
+    <dgm:linClrLst meth="repeat">
+      <a:schemeClr val="accent2"/>
+    </dgm:linClrLst>
+    <dgm:effectClrLst/>
+    <dgm:txLinClrLst/>
+    <dgm:txFillClrLst meth="repeat">
+      <a:schemeClr val="tx1"/>
+    </dgm:txFillClrLst>
+    <dgm:txEffectClrLst/>
+  </dgm:styleLbl>
+  <dgm:styleLbl name="fgAcc1">
+    <dgm:fillClrLst meth="repeat">
+      <a:schemeClr val="lt1">
+        <a:alpha val="90000"/>
+      </a:schemeClr>
+    </dgm:fillClrLst>
+    <dgm:linClrLst>
+      <a:schemeClr val="accent5"/>
+      <a:schemeClr val="accent6"/>
+    </dgm:linClrLst>
+    <dgm:effectClrLst/>
+    <dgm:txLinClrLst/>
+    <dgm:txFillClrLst meth="repeat">
+      <a:schemeClr val="dk1"/>
+    </dgm:txFillClrLst>
+    <dgm:txEffectClrLst/>
+  </dgm:styleLbl>
+  <dgm:styleLbl name="conFgAcc1">
+    <dgm:fillClrLst meth="repeat">
+      <a:schemeClr val="lt1">
+        <a:alpha val="90000"/>
+      </a:schemeClr>
+    </dgm:fillClrLst>
+    <dgm:linClrLst>
+      <a:schemeClr val="accent5"/>
+      <a:schemeClr val="accent6"/>
+    </dgm:linClrLst>
+    <dgm:effectClrLst/>
+    <dgm:txLinClrLst/>
+    <dgm:txFillClrLst meth="repeat">
+      <a:schemeClr val="dk1"/>
+    </dgm:txFillClrLst>
+    <dgm:txEffectClrLst/>
+  </dgm:styleLbl>
+  <dgm:styleLbl name="alignAcc1">
+    <dgm:fillClrLst meth="repeat">
+      <a:schemeClr val="lt1">
+        <a:alpha val="90000"/>
+      </a:schemeClr>
+    </dgm:fillClrLst>
+    <dgm:linClrLst>
+      <a:schemeClr val="accent5"/>
+      <a:schemeClr val="accent6"/>
+    </dgm:linClrLst>
+    <dgm:effectClrLst/>
+    <dgm:txLinClrLst/>
+    <dgm:txFillClrLst meth="repeat">
+      <a:schemeClr val="dk1"/>
+    </dgm:txFillClrLst>
+    <dgm:txEffectClrLst/>
+  </dgm:styleLbl>
+  <dgm:styleLbl name="trAlignAcc1">
+    <dgm:fillClrLst meth="repeat">
+      <a:schemeClr val="lt1">
+        <a:alpha val="40000"/>
+      </a:schemeClr>
+    </dgm:fillClrLst>
+    <dgm:linClrLst meth="repeat">
+      <a:schemeClr val="accent5"/>
+    </dgm:linClrLst>
+    <dgm:effectClrLst/>
+    <dgm:txLinClrLst/>
+    <dgm:txFillClrLst meth="repeat">
+      <a:schemeClr val="dk1"/>
+    </dgm:txFillClrLst>
+    <dgm:txEffectClrLst/>
+  </dgm:styleLbl>
+  <dgm:styleLbl name="bgAcc1">
+    <dgm:fillClrLst meth="repeat">
+      <a:schemeClr val="lt1">
+        <a:alpha val="90000"/>
+      </a:schemeClr>
+    </dgm:fillClrLst>
+    <dgm:linClrLst>
+      <a:schemeClr val="accent5"/>
+      <a:schemeClr val="accent6"/>
+    </dgm:linClrLst>
+    <dgm:effectClrLst/>
+    <dgm:txLinClrLst/>
+    <dgm:txFillClrLst meth="repeat">
+      <a:schemeClr val="dk1"/>
+    </dgm:txFillClrLst>
+    <dgm:txEffectClrLst/>
+  </dgm:styleLbl>
+  <dgm:styleLbl name="solidFgAcc1">
+    <dgm:fillClrLst meth="repeat">
+      <a:schemeClr val="lt1"/>
+    </dgm:fillClrLst>
+    <dgm:linClrLst>
+      <a:schemeClr val="accent5"/>
+      <a:schemeClr val="accent6"/>
+    </dgm:linClrLst>
+    <dgm:effectClrLst/>
+    <dgm:txLinClrLst/>
+    <dgm:txFillClrLst meth="repeat">
+      <a:schemeClr val="dk1"/>
+    </dgm:txFillClrLst>
+    <dgm:txEffectClrLst/>
+  </dgm:styleLbl>
+  <dgm:styleLbl name="solidAlignAcc1">
+    <dgm:fillClrLst meth="repeat">
+      <a:schemeClr val="lt1"/>
+    </dgm:fillClrLst>
+    <dgm:linClrLst>
+      <a:schemeClr val="accent5"/>
+      <a:schemeClr val="accent6"/>
+    </dgm:linClrLst>
+    <dgm:effectClrLst/>
+    <dgm:txLinClrLst/>
+    <dgm:txFillClrLst meth="repeat">
+      <a:schemeClr val="dk1"/>
+    </dgm:txFillClrLst>
+    <dgm:txEffectClrLst/>
+  </dgm:styleLbl>
+  <dgm:styleLbl name="solidBgAcc1">
+    <dgm:fillClrLst meth="repeat">
+      <a:schemeClr val="lt1"/>
+    </dgm:fillClrLst>
+    <dgm:linClrLst>
+      <a:schemeClr val="accent5"/>
+      <a:schemeClr val="accent6"/>
+    </dgm:linClrLst>
+    <dgm:effectClrLst/>
+    <dgm:txLinClrLst/>
+    <dgm:txFillClrLst meth="repeat">
+      <a:schemeClr val="dk1"/>
+    </dgm:txFillClrLst>
+    <dgm:txEffectClrLst/>
+  </dgm:styleLbl>
+  <dgm:styleLbl name="fgAccFollowNode1">
+    <dgm:fillClrLst>
+      <a:schemeClr val="accent5">
+        <a:tint val="40000"/>
+        <a:alpha val="90000"/>
+      </a:schemeClr>
+      <a:schemeClr val="accent6">
+        <a:tint val="40000"/>
+        <a:alpha val="90000"/>
+      </a:schemeClr>
+    </dgm:fillClrLst>
+    <dgm:linClrLst>
+      <a:schemeClr val="accent5">
+        <a:tint val="40000"/>
+        <a:alpha val="90000"/>
+      </a:schemeClr>
+      <a:schemeClr val="accent5">
+        <a:tint val="40000"/>
+        <a:alpha val="90000"/>
+      </a:schemeClr>
+    </dgm:linClrLst>
+    <dgm:effectClrLst/>
+    <dgm:txLinClrLst/>
+    <dgm:txFillClrLst meth="repeat">
+      <a:schemeClr val="dk1"/>
+    </dgm:txFillClrLst>
+    <dgm:txEffectClrLst/>
+  </dgm:styleLbl>
+  <dgm:styleLbl name="alignAccFollowNode1">
+    <dgm:fillClrLst>
+      <a:schemeClr val="accent5">
+        <a:tint val="40000"/>
+        <a:alpha val="90000"/>
+      </a:schemeClr>
+      <a:schemeClr val="accent6">
+        <a:tint val="40000"/>
+        <a:alpha val="90000"/>
+      </a:schemeClr>
+    </dgm:fillClrLst>
+    <dgm:linClrLst>
+      <a:schemeClr val="accent5">
+        <a:tint val="40000"/>
+        <a:alpha val="90000"/>
+      </a:schemeClr>
+      <a:schemeClr val="accent6">
+        <a:tint val="40000"/>
+        <a:alpha val="90000"/>
+      </a:schemeClr>
+    </dgm:linClrLst>
+    <dgm:effectClrLst/>
+    <dgm:txLinClrLst/>
+    <dgm:txFillClrLst meth="repeat">
+      <a:schemeClr val="dk1"/>
+    </dgm:txFillClrLst>
+    <dgm:txEffectClrLst/>
+  </dgm:styleLbl>
+  <dgm:styleLbl name="bgAccFollowNode1">
+    <dgm:fillClrLst>
+      <a:schemeClr val="accent5">
+        <a:tint val="40000"/>
+        <a:alpha val="90000"/>
+      </a:schemeClr>
+      <a:schemeClr val="accent6">
+        <a:tint val="40000"/>
+        <a:alpha val="90000"/>
+      </a:schemeClr>
+    </dgm:fillClrLst>
+    <dgm:linClrLst>
+      <a:schemeClr val="accent5">
+        <a:tint val="40000"/>
+        <a:alpha val="90000"/>
+      </a:schemeClr>
+      <a:schemeClr val="accent6">
+        <a:tint val="40000"/>
+        <a:alpha val="90000"/>
+      </a:schemeClr>
+    </dgm:linClrLst>
+    <dgm:effectClrLst/>
+    <dgm:txLinClrLst/>
+    <dgm:txFillClrLst meth="repeat">
+      <a:schemeClr val="dk1"/>
+    </dgm:txFillClrLst>
+    <dgm:txEffectClrLst/>
+  </dgm:styleLbl>
+  <dgm:styleLbl name="fgAcc0">
+    <dgm:fillClrLst meth="repeat">
+      <a:schemeClr val="lt1">
+        <a:alpha val="90000"/>
+      </a:schemeClr>
+    </dgm:fillClrLst>
+    <dgm:linClrLst>
+      <a:schemeClr val="accent4"/>
+    </dgm:linClrLst>
+    <dgm:effectClrLst/>
+    <dgm:txLinClrLst/>
+    <dgm:txFillClrLst meth="repeat">
+      <a:schemeClr val="dk1"/>
+    </dgm:txFillClrLst>
+    <dgm:txEffectClrLst/>
+  </dgm:styleLbl>
+  <dgm:styleLbl name="fgAcc2">
+    <dgm:fillClrLst meth="repeat">
+      <a:schemeClr val="lt1">
+        <a:alpha val="90000"/>
+      </a:schemeClr>
+    </dgm:fillClrLst>
+    <dgm:linClrLst>
+      <a:schemeClr val="accent6"/>
+    </dgm:linClrLst>
+    <dgm:effectClrLst/>
+    <dgm:txLinClrLst/>
+    <dgm:txFillClrLst meth="repeat">
+      <a:schemeClr val="dk1"/>
+    </dgm:txFillClrLst>
+    <dgm:txEffectClrLst/>
+  </dgm:styleLbl>
+  <dgm:styleLbl name="fgAcc3">
+    <dgm:fillClrLst meth="repeat">
+      <a:schemeClr val="lt1">
+        <a:alpha val="90000"/>
+      </a:schemeClr>
+    </dgm:fillClrLst>
+    <dgm:linClrLst>
+      <a:schemeClr val="accent1"/>
+    </dgm:linClrLst>
+    <dgm:effectClrLst/>
+    <dgm:txLinClrLst/>
+    <dgm:txFillClrLst meth="repeat">
+      <a:schemeClr val="dk1"/>
+    </dgm:txFillClrLst>
+    <dgm:txEffectClrLst/>
+  </dgm:styleLbl>
+  <dgm:styleLbl name="fgAcc4">
+    <dgm:fillClrLst meth="repeat">
+      <a:schemeClr val="lt1">
+        <a:alpha val="90000"/>
+      </a:schemeClr>
+    </dgm:fillClrLst>
+    <dgm:linClrLst>
+      <a:schemeClr val="accent2"/>
+    </dgm:linClrLst>
+    <dgm:effectClrLst/>
+    <dgm:txLinClrLst/>
+    <dgm:txFillClrLst meth="repeat">
+      <a:schemeClr val="dk1"/>
+    </dgm:txFillClrLst>
+    <dgm:txEffectClrLst/>
+  </dgm:styleLbl>
+  <dgm:styleLbl name="bgShp">
+    <dgm:fillClrLst meth="repeat">
+      <a:schemeClr val="accent5">
+        <a:tint val="40000"/>
+      </a:schemeClr>
+    </dgm:fillClrLst>
+    <dgm:linClrLst meth="repeat">
+      <a:schemeClr val="dk1"/>
+    </dgm:linClrLst>
+    <dgm:effectClrLst/>
+    <dgm:txLinClrLst/>
+    <dgm:txFillClrLst meth="repeat">
+      <a:schemeClr val="dk1"/>
+    </dgm:txFillClrLst>
+    <dgm:txEffectClrLst/>
+  </dgm:styleLbl>
+  <dgm:styleLbl name="dkBgShp">
+    <dgm:fillClrLst meth="repeat">
+      <a:schemeClr val="accent5">
+        <a:shade val="90000"/>
+      </a:schemeClr>
+    </dgm:fillClrLst>
+    <dgm:linClrLst meth="repeat">
+      <a:schemeClr val="dk1"/>
+    </dgm:linClrLst>
+    <dgm:effectClrLst/>
+    <dgm:txLinClrLst/>
+    <dgm:txFillClrLst meth="repeat">
+      <a:schemeClr val="lt1"/>
+    </dgm:txFillClrLst>
+    <dgm:txEffectClrLst/>
+  </dgm:styleLbl>
+  <dgm:styleLbl name="trBgShp">
+    <dgm:fillClrLst meth="repeat">
+      <a:schemeClr val="accent5">
+        <a:tint val="50000"/>
+        <a:alpha val="40000"/>
+      </a:schemeClr>
+    </dgm:fillClrLst>
+    <dgm:linClrLst meth="repeat">
+      <a:schemeClr val="accent5"/>
+    </dgm:linClrLst>
+    <dgm:effectClrLst/>
+    <dgm:txLinClrLst/>
+    <dgm:txFillClrLst meth="repeat">
+      <a:schemeClr val="lt1"/>
+    </dgm:txFillClrLst>
+    <dgm:txEffectClrLst/>
+  </dgm:styleLbl>
+  <dgm:styleLbl name="fgShp">
+    <dgm:fillClrLst meth="repeat">
+      <a:schemeClr val="accent5">
+        <a:tint val="40000"/>
+      </a:schemeClr>
+    </dgm:fillClrLst>
+    <dgm:linClrLst meth="repeat">
+      <a:schemeClr val="lt1"/>
+    </dgm:linClrLst>
+    <dgm:effectClrLst/>
+    <dgm:txLinClrLst/>
+    <dgm:txFillClrLst meth="repeat">
+      <a:schemeClr val="dk1"/>
+    </dgm:txFillClrLst>
+    <dgm:txEffectClrLst/>
+  </dgm:styleLbl>
+  <dgm:styleLbl name="revTx">
+    <dgm:fillClrLst meth="repeat">
+      <a:schemeClr val="lt1">
+        <a:alpha val="0"/>
+      </a:schemeClr>
+    </dgm:fillClrLst>
+    <dgm:linClrLst meth="repeat">
+      <a:schemeClr val="dk1">
+        <a:alpha val="0"/>
+      </a:schemeClr>
+    </dgm:linClrLst>
+    <dgm:effectClrLst/>
+    <dgm:txLinClrLst/>
+    <dgm:txFillClrLst meth="repeat">
+      <a:schemeClr val="tx1"/>
+    </dgm:txFillClrLst>
+    <dgm:txEffectClrLst/>
+  </dgm:styleLbl>
+</dgm:colorsDef>
+</file>
+
 <file path=ppt/diagrams/data1.xml><?xml version="1.0" encoding="utf-8"?>
 <dgm:dataModel xmlns:dgm="http://schemas.openxmlformats.org/drawingml/2006/diagram" xmlns:a="http://schemas.openxmlformats.org/drawingml/2006/main">
   <dgm:ptLst>
@@ -938,7 +1718,23 @@
         <a:p>
           <a:r>
             <a:rPr lang="id-ID" dirty="0" smtClean="0"/>
-            <a:t>Melakukan analisis sistem informasi pengelolaan matrikulasi program pembinaan di STEI Tazkia</a:t>
+            <a:t>Bagaimana melakukan </a:t>
+          </a:r>
+          <a:r>
+            <a:rPr lang="id-ID" dirty="0" smtClean="0"/>
+            <a:t>analisis sistem informasi pengelolaan matrikulasi program pembinaan berbasis </a:t>
+          </a:r>
+          <a:r>
+            <a:rPr lang="id-ID" dirty="0" smtClean="0"/>
+            <a:t>web di </a:t>
+          </a:r>
+          <a:r>
+            <a:rPr lang="id-ID" dirty="0" smtClean="0"/>
+            <a:t>STEI </a:t>
+          </a:r>
+          <a:r>
+            <a:rPr lang="id-ID" dirty="0" smtClean="0"/>
+            <a:t>Tazkia?</a:t>
           </a:r>
           <a:endParaRPr lang="en-US" dirty="0"/>
         </a:p>
@@ -975,7 +1771,7 @@
         <a:p>
           <a:r>
             <a:rPr lang="id-ID" dirty="0" smtClean="0"/>
-            <a:t>Memperoleh hasil rancangan dengan model terstruktur</a:t>
+            <a:t>Bagaimana merancang sistem informasi pengelolaan matrikulasi program pembinaan berbasis web di STEI Tazkia?</a:t>
           </a:r>
           <a:endParaRPr lang="en-US" dirty="0"/>
         </a:p>
@@ -1012,7 +1808,289 @@
         <a:p>
           <a:r>
             <a:rPr lang="id-ID" dirty="0" smtClean="0"/>
-            <a:t>Membangun sistem informasi pengelolaan matrikulasi program pembinaan berbasis web</a:t>
+            <a:t>Bagaimana membangun sistem informasi pengelolaan matrikulasi program pembinaan berbasis web di STEI Tazkia?</a:t>
+          </a:r>
+          <a:endParaRPr lang="en-US" dirty="0"/>
+        </a:p>
+      </dgm:t>
+    </dgm:pt>
+    <dgm:pt modelId="{4822C515-8411-43A2-8802-17D446B69ABE}" type="parTrans" cxnId="{E37BE432-A837-480C-BF91-669ACE2DE8CC}">
+      <dgm:prSet/>
+      <dgm:spPr/>
+      <dgm:t>
+        <a:bodyPr/>
+        <a:lstStyle/>
+        <a:p>
+          <a:endParaRPr lang="en-US"/>
+        </a:p>
+      </dgm:t>
+    </dgm:pt>
+    <dgm:pt modelId="{A99ED861-0B96-4AA4-BC16-A30BF305B04D}" type="sibTrans" cxnId="{E37BE432-A837-480C-BF91-669ACE2DE8CC}">
+      <dgm:prSet/>
+      <dgm:spPr/>
+      <dgm:t>
+        <a:bodyPr/>
+        <a:lstStyle/>
+        <a:p>
+          <a:endParaRPr lang="en-US"/>
+        </a:p>
+      </dgm:t>
+    </dgm:pt>
+    <dgm:pt modelId="{1EEF3A15-B14E-4C5E-94B9-D78156743E0A}" type="pres">
+      <dgm:prSet presAssocID="{71CB4606-24BE-415A-9021-CC5A3F31E47D}" presName="Name0" presStyleCnt="0">
+        <dgm:presLayoutVars>
+          <dgm:chMax val="7"/>
+          <dgm:chPref val="7"/>
+          <dgm:dir/>
+        </dgm:presLayoutVars>
+      </dgm:prSet>
+      <dgm:spPr/>
+      <dgm:t>
+        <a:bodyPr/>
+        <a:lstStyle/>
+        <a:p>
+          <a:endParaRPr lang="en-US"/>
+        </a:p>
+      </dgm:t>
+    </dgm:pt>
+    <dgm:pt modelId="{3F479642-F75F-4771-A011-169C5918C5DB}" type="pres">
+      <dgm:prSet presAssocID="{71CB4606-24BE-415A-9021-CC5A3F31E47D}" presName="Name1" presStyleCnt="0"/>
+      <dgm:spPr/>
+    </dgm:pt>
+    <dgm:pt modelId="{82657E32-057E-4EFD-8571-D24E5E91E686}" type="pres">
+      <dgm:prSet presAssocID="{71CB4606-24BE-415A-9021-CC5A3F31E47D}" presName="cycle" presStyleCnt="0"/>
+      <dgm:spPr/>
+    </dgm:pt>
+    <dgm:pt modelId="{347EB397-206F-4DE1-ABD1-6F92305FD15A}" type="pres">
+      <dgm:prSet presAssocID="{71CB4606-24BE-415A-9021-CC5A3F31E47D}" presName="srcNode" presStyleLbl="node1" presStyleIdx="0" presStyleCnt="3"/>
+      <dgm:spPr/>
+    </dgm:pt>
+    <dgm:pt modelId="{B8980A3F-DE12-455A-AB7B-1513BECF8E3E}" type="pres">
+      <dgm:prSet presAssocID="{71CB4606-24BE-415A-9021-CC5A3F31E47D}" presName="conn" presStyleLbl="parChTrans1D2" presStyleIdx="0" presStyleCnt="1"/>
+      <dgm:spPr/>
+      <dgm:t>
+        <a:bodyPr/>
+        <a:lstStyle/>
+        <a:p>
+          <a:endParaRPr lang="en-US"/>
+        </a:p>
+      </dgm:t>
+    </dgm:pt>
+    <dgm:pt modelId="{02DF0BD5-FA07-4E2B-BECE-8E2626C7A44B}" type="pres">
+      <dgm:prSet presAssocID="{71CB4606-24BE-415A-9021-CC5A3F31E47D}" presName="extraNode" presStyleLbl="node1" presStyleIdx="0" presStyleCnt="3"/>
+      <dgm:spPr/>
+    </dgm:pt>
+    <dgm:pt modelId="{DC6A08EA-92A3-4A1C-8148-83473F3C7119}" type="pres">
+      <dgm:prSet presAssocID="{71CB4606-24BE-415A-9021-CC5A3F31E47D}" presName="dstNode" presStyleLbl="node1" presStyleIdx="0" presStyleCnt="3"/>
+      <dgm:spPr/>
+    </dgm:pt>
+    <dgm:pt modelId="{718A77D3-6304-4CE9-8C34-543EA4940F3D}" type="pres">
+      <dgm:prSet presAssocID="{471CF6B7-7DE7-468A-89FA-B145D9B0CAB4}" presName="text_1" presStyleLbl="node1" presStyleIdx="0" presStyleCnt="3">
+        <dgm:presLayoutVars>
+          <dgm:bulletEnabled val="1"/>
+        </dgm:presLayoutVars>
+      </dgm:prSet>
+      <dgm:spPr/>
+      <dgm:t>
+        <a:bodyPr/>
+        <a:lstStyle/>
+        <a:p>
+          <a:endParaRPr lang="en-US"/>
+        </a:p>
+      </dgm:t>
+    </dgm:pt>
+    <dgm:pt modelId="{E08E2C76-6C12-4C3F-9110-36EEF0FC0BCB}" type="pres">
+      <dgm:prSet presAssocID="{471CF6B7-7DE7-468A-89FA-B145D9B0CAB4}" presName="accent_1" presStyleCnt="0"/>
+      <dgm:spPr/>
+    </dgm:pt>
+    <dgm:pt modelId="{73DBEE61-0877-4F7F-81D8-784396FFD71C}" type="pres">
+      <dgm:prSet presAssocID="{471CF6B7-7DE7-468A-89FA-B145D9B0CAB4}" presName="accentRepeatNode" presStyleLbl="solidFgAcc1" presStyleIdx="0" presStyleCnt="3"/>
+      <dgm:spPr/>
+    </dgm:pt>
+    <dgm:pt modelId="{7386F3A2-E464-4AFF-86F2-73D984FB1443}" type="pres">
+      <dgm:prSet presAssocID="{BBC06F99-29A3-4EF1-B6AD-2359DF5C3DC6}" presName="text_2" presStyleLbl="node1" presStyleIdx="1" presStyleCnt="3">
+        <dgm:presLayoutVars>
+          <dgm:bulletEnabled val="1"/>
+        </dgm:presLayoutVars>
+      </dgm:prSet>
+      <dgm:spPr/>
+      <dgm:t>
+        <a:bodyPr/>
+        <a:lstStyle/>
+        <a:p>
+          <a:endParaRPr lang="en-US"/>
+        </a:p>
+      </dgm:t>
+    </dgm:pt>
+    <dgm:pt modelId="{BC8C8FF5-C267-4EF4-9B72-F7709502337C}" type="pres">
+      <dgm:prSet presAssocID="{BBC06F99-29A3-4EF1-B6AD-2359DF5C3DC6}" presName="accent_2" presStyleCnt="0"/>
+      <dgm:spPr/>
+    </dgm:pt>
+    <dgm:pt modelId="{252AFF7F-D2A3-4DF9-964A-C4B2D21BD5FF}" type="pres">
+      <dgm:prSet presAssocID="{BBC06F99-29A3-4EF1-B6AD-2359DF5C3DC6}" presName="accentRepeatNode" presStyleLbl="solidFgAcc1" presStyleIdx="1" presStyleCnt="3"/>
+      <dgm:spPr/>
+    </dgm:pt>
+    <dgm:pt modelId="{AE267DCF-1BEE-4779-9AF6-800916D2D4EC}" type="pres">
+      <dgm:prSet presAssocID="{19F431A3-E604-47F9-9996-F05AF32E59A7}" presName="text_3" presStyleLbl="node1" presStyleIdx="2" presStyleCnt="3">
+        <dgm:presLayoutVars>
+          <dgm:bulletEnabled val="1"/>
+        </dgm:presLayoutVars>
+      </dgm:prSet>
+      <dgm:spPr/>
+      <dgm:t>
+        <a:bodyPr/>
+        <a:lstStyle/>
+        <a:p>
+          <a:endParaRPr lang="en-US"/>
+        </a:p>
+      </dgm:t>
+    </dgm:pt>
+    <dgm:pt modelId="{E6258007-A8A0-4280-958F-46803A739963}" type="pres">
+      <dgm:prSet presAssocID="{19F431A3-E604-47F9-9996-F05AF32E59A7}" presName="accent_3" presStyleCnt="0"/>
+      <dgm:spPr/>
+    </dgm:pt>
+    <dgm:pt modelId="{833048F1-A597-4D2E-BA93-E3449BDDA791}" type="pres">
+      <dgm:prSet presAssocID="{19F431A3-E604-47F9-9996-F05AF32E59A7}" presName="accentRepeatNode" presStyleLbl="solidFgAcc1" presStyleIdx="2" presStyleCnt="3"/>
+      <dgm:spPr/>
+    </dgm:pt>
+  </dgm:ptLst>
+  <dgm:cxnLst>
+    <dgm:cxn modelId="{8272EC9A-D308-4965-9EBF-B436ED5029FB}" type="presOf" srcId="{8CC85688-1575-4A89-BFA5-199962815447}" destId="{B8980A3F-DE12-455A-AB7B-1513BECF8E3E}" srcOrd="0" destOrd="0" presId="urn:microsoft.com/office/officeart/2008/layout/VerticalCurvedList"/>
+    <dgm:cxn modelId="{712859C1-981B-4BA7-8C24-E4338D56E8F2}" type="presOf" srcId="{471CF6B7-7DE7-468A-89FA-B145D9B0CAB4}" destId="{718A77D3-6304-4CE9-8C34-543EA4940F3D}" srcOrd="0" destOrd="0" presId="urn:microsoft.com/office/officeart/2008/layout/VerticalCurvedList"/>
+    <dgm:cxn modelId="{D12FD1ED-9048-47B1-AB3F-1BF09ACC69EF}" type="presOf" srcId="{71CB4606-24BE-415A-9021-CC5A3F31E47D}" destId="{1EEF3A15-B14E-4C5E-94B9-D78156743E0A}" srcOrd="0" destOrd="0" presId="urn:microsoft.com/office/officeart/2008/layout/VerticalCurvedList"/>
+    <dgm:cxn modelId="{1632119C-C8AC-4560-9B8A-3BE0DE3D48CE}" type="presOf" srcId="{19F431A3-E604-47F9-9996-F05AF32E59A7}" destId="{AE267DCF-1BEE-4779-9AF6-800916D2D4EC}" srcOrd="0" destOrd="0" presId="urn:microsoft.com/office/officeart/2008/layout/VerticalCurvedList"/>
+    <dgm:cxn modelId="{BBF9A6DB-CFA2-43E5-B60D-14C0C555C37A}" srcId="{71CB4606-24BE-415A-9021-CC5A3F31E47D}" destId="{BBC06F99-29A3-4EF1-B6AD-2359DF5C3DC6}" srcOrd="1" destOrd="0" parTransId="{A6700223-CE18-46D0-8E00-0DEFA8F3804A}" sibTransId="{8054AB68-7955-47C1-B1DB-4BE0931D3B2E}"/>
+    <dgm:cxn modelId="{E37BE432-A837-480C-BF91-669ACE2DE8CC}" srcId="{71CB4606-24BE-415A-9021-CC5A3F31E47D}" destId="{19F431A3-E604-47F9-9996-F05AF32E59A7}" srcOrd="2" destOrd="0" parTransId="{4822C515-8411-43A2-8802-17D446B69ABE}" sibTransId="{A99ED861-0B96-4AA4-BC16-A30BF305B04D}"/>
+    <dgm:cxn modelId="{A34D766B-63D9-4A00-AECB-41C8A9A917BD}" type="presOf" srcId="{BBC06F99-29A3-4EF1-B6AD-2359DF5C3DC6}" destId="{7386F3A2-E464-4AFF-86F2-73D984FB1443}" srcOrd="0" destOrd="0" presId="urn:microsoft.com/office/officeart/2008/layout/VerticalCurvedList"/>
+    <dgm:cxn modelId="{67A83A32-B3AC-46D4-9019-29835EBB26CE}" srcId="{71CB4606-24BE-415A-9021-CC5A3F31E47D}" destId="{471CF6B7-7DE7-468A-89FA-B145D9B0CAB4}" srcOrd="0" destOrd="0" parTransId="{B8D904A9-C597-463F-A804-A1468DFB24E9}" sibTransId="{8CC85688-1575-4A89-BFA5-199962815447}"/>
+    <dgm:cxn modelId="{06003958-78B0-43AA-97ED-0DB502CAF2D8}" type="presParOf" srcId="{1EEF3A15-B14E-4C5E-94B9-D78156743E0A}" destId="{3F479642-F75F-4771-A011-169C5918C5DB}" srcOrd="0" destOrd="0" presId="urn:microsoft.com/office/officeart/2008/layout/VerticalCurvedList"/>
+    <dgm:cxn modelId="{FB86FF4C-61EA-43C8-A0A8-9F9E08283E23}" type="presParOf" srcId="{3F479642-F75F-4771-A011-169C5918C5DB}" destId="{82657E32-057E-4EFD-8571-D24E5E91E686}" srcOrd="0" destOrd="0" presId="urn:microsoft.com/office/officeart/2008/layout/VerticalCurvedList"/>
+    <dgm:cxn modelId="{C20CAF51-8569-49C0-B452-E91235E9A5D7}" type="presParOf" srcId="{82657E32-057E-4EFD-8571-D24E5E91E686}" destId="{347EB397-206F-4DE1-ABD1-6F92305FD15A}" srcOrd="0" destOrd="0" presId="urn:microsoft.com/office/officeart/2008/layout/VerticalCurvedList"/>
+    <dgm:cxn modelId="{895B4376-07BE-47D8-B539-4779503C7B5E}" type="presParOf" srcId="{82657E32-057E-4EFD-8571-D24E5E91E686}" destId="{B8980A3F-DE12-455A-AB7B-1513BECF8E3E}" srcOrd="1" destOrd="0" presId="urn:microsoft.com/office/officeart/2008/layout/VerticalCurvedList"/>
+    <dgm:cxn modelId="{07ED9AB6-9B12-474A-83E1-81E95F4E986B}" type="presParOf" srcId="{82657E32-057E-4EFD-8571-D24E5E91E686}" destId="{02DF0BD5-FA07-4E2B-BECE-8E2626C7A44B}" srcOrd="2" destOrd="0" presId="urn:microsoft.com/office/officeart/2008/layout/VerticalCurvedList"/>
+    <dgm:cxn modelId="{C0E1EA4A-6FF5-42F2-87FF-7FC4979C8209}" type="presParOf" srcId="{82657E32-057E-4EFD-8571-D24E5E91E686}" destId="{DC6A08EA-92A3-4A1C-8148-83473F3C7119}" srcOrd="3" destOrd="0" presId="urn:microsoft.com/office/officeart/2008/layout/VerticalCurvedList"/>
+    <dgm:cxn modelId="{C521A479-FADF-4044-8E38-B59ED54712A6}" type="presParOf" srcId="{3F479642-F75F-4771-A011-169C5918C5DB}" destId="{718A77D3-6304-4CE9-8C34-543EA4940F3D}" srcOrd="1" destOrd="0" presId="urn:microsoft.com/office/officeart/2008/layout/VerticalCurvedList"/>
+    <dgm:cxn modelId="{8E6018B8-8853-48DE-93F2-2376C36BD2F0}" type="presParOf" srcId="{3F479642-F75F-4771-A011-169C5918C5DB}" destId="{E08E2C76-6C12-4C3F-9110-36EEF0FC0BCB}" srcOrd="2" destOrd="0" presId="urn:microsoft.com/office/officeart/2008/layout/VerticalCurvedList"/>
+    <dgm:cxn modelId="{DD1834BE-4D70-42AE-AABD-14AABF9724DA}" type="presParOf" srcId="{E08E2C76-6C12-4C3F-9110-36EEF0FC0BCB}" destId="{73DBEE61-0877-4F7F-81D8-784396FFD71C}" srcOrd="0" destOrd="0" presId="urn:microsoft.com/office/officeart/2008/layout/VerticalCurvedList"/>
+    <dgm:cxn modelId="{37F09111-8FA6-4FE0-B600-C8BEB0BF4ADC}" type="presParOf" srcId="{3F479642-F75F-4771-A011-169C5918C5DB}" destId="{7386F3A2-E464-4AFF-86F2-73D984FB1443}" srcOrd="3" destOrd="0" presId="urn:microsoft.com/office/officeart/2008/layout/VerticalCurvedList"/>
+    <dgm:cxn modelId="{9DB95944-84DA-45E9-9334-6981F5DAB17F}" type="presParOf" srcId="{3F479642-F75F-4771-A011-169C5918C5DB}" destId="{BC8C8FF5-C267-4EF4-9B72-F7709502337C}" srcOrd="4" destOrd="0" presId="urn:microsoft.com/office/officeart/2008/layout/VerticalCurvedList"/>
+    <dgm:cxn modelId="{E1ED668E-BF73-413D-8E7A-3D786480D16E}" type="presParOf" srcId="{BC8C8FF5-C267-4EF4-9B72-F7709502337C}" destId="{252AFF7F-D2A3-4DF9-964A-C4B2D21BD5FF}" srcOrd="0" destOrd="0" presId="urn:microsoft.com/office/officeart/2008/layout/VerticalCurvedList"/>
+    <dgm:cxn modelId="{19DBACCE-3661-45B8-A663-DA8AD89F82CE}" type="presParOf" srcId="{3F479642-F75F-4771-A011-169C5918C5DB}" destId="{AE267DCF-1BEE-4779-9AF6-800916D2D4EC}" srcOrd="5" destOrd="0" presId="urn:microsoft.com/office/officeart/2008/layout/VerticalCurvedList"/>
+    <dgm:cxn modelId="{B7371B40-6AAB-4F99-816C-0AFB79B3A777}" type="presParOf" srcId="{3F479642-F75F-4771-A011-169C5918C5DB}" destId="{E6258007-A8A0-4280-958F-46803A739963}" srcOrd="6" destOrd="0" presId="urn:microsoft.com/office/officeart/2008/layout/VerticalCurvedList"/>
+    <dgm:cxn modelId="{252332D4-45FD-4D27-AF91-6E3246554628}" type="presParOf" srcId="{E6258007-A8A0-4280-958F-46803A739963}" destId="{833048F1-A597-4D2E-BA93-E3449BDDA791}" srcOrd="0" destOrd="0" presId="urn:microsoft.com/office/officeart/2008/layout/VerticalCurvedList"/>
+  </dgm:cxnLst>
+  <dgm:bg/>
+  <dgm:whole/>
+  <dgm:extLst>
+    <a:ext uri="http://schemas.microsoft.com/office/drawing/2008/diagram">
+      <dsp:dataModelExt xmlns:dsp="http://schemas.microsoft.com/office/drawing/2008/diagram" relId="rId6" minVer="http://schemas.openxmlformats.org/drawingml/2006/diagram"/>
+    </a:ext>
+  </dgm:extLst>
+</dgm:dataModel>
+</file>
+
+<file path=ppt/diagrams/data2.xml><?xml version="1.0" encoding="utf-8"?>
+<dgm:dataModel xmlns:dgm="http://schemas.openxmlformats.org/drawingml/2006/diagram" xmlns:a="http://schemas.openxmlformats.org/drawingml/2006/main">
+  <dgm:ptLst>
+    <dgm:pt modelId="{71CB4606-24BE-415A-9021-CC5A3F31E47D}" type="doc">
+      <dgm:prSet loTypeId="urn:microsoft.com/office/officeart/2008/layout/VerticalCurvedList" loCatId="list" qsTypeId="urn:microsoft.com/office/officeart/2005/8/quickstyle/simple1" qsCatId="simple" csTypeId="urn:microsoft.com/office/officeart/2005/8/colors/colorful5" csCatId="colorful" phldr="1"/>
+      <dgm:spPr/>
+      <dgm:t>
+        <a:bodyPr/>
+        <a:lstStyle/>
+        <a:p>
+          <a:endParaRPr lang="en-US"/>
+        </a:p>
+      </dgm:t>
+    </dgm:pt>
+    <dgm:pt modelId="{471CF6B7-7DE7-468A-89FA-B145D9B0CAB4}">
+      <dgm:prSet phldrT="[Text]"/>
+      <dgm:spPr/>
+      <dgm:t>
+        <a:bodyPr/>
+        <a:lstStyle/>
+        <a:p>
+          <a:r>
+            <a:rPr lang="id-ID" dirty="0" smtClean="0"/>
+            <a:t>Melakukan analisis sistem informasi pengelolaan matrikulasi program pembinaan berbasis wedi STEI Tazkia</a:t>
+          </a:r>
+          <a:endParaRPr lang="en-US" dirty="0"/>
+        </a:p>
+      </dgm:t>
+    </dgm:pt>
+    <dgm:pt modelId="{B8D904A9-C597-463F-A804-A1468DFB24E9}" type="parTrans" cxnId="{67A83A32-B3AC-46D4-9019-29835EBB26CE}">
+      <dgm:prSet/>
+      <dgm:spPr/>
+      <dgm:t>
+        <a:bodyPr/>
+        <a:lstStyle/>
+        <a:p>
+          <a:endParaRPr lang="en-US"/>
+        </a:p>
+      </dgm:t>
+    </dgm:pt>
+    <dgm:pt modelId="{8CC85688-1575-4A89-BFA5-199962815447}" type="sibTrans" cxnId="{67A83A32-B3AC-46D4-9019-29835EBB26CE}">
+      <dgm:prSet/>
+      <dgm:spPr/>
+      <dgm:t>
+        <a:bodyPr/>
+        <a:lstStyle/>
+        <a:p>
+          <a:endParaRPr lang="en-US"/>
+        </a:p>
+      </dgm:t>
+    </dgm:pt>
+    <dgm:pt modelId="{BBC06F99-29A3-4EF1-B6AD-2359DF5C3DC6}">
+      <dgm:prSet phldrT="[Text]"/>
+      <dgm:spPr/>
+      <dgm:t>
+        <a:bodyPr/>
+        <a:lstStyle/>
+        <a:p>
+          <a:r>
+            <a:rPr lang="id-ID" dirty="0" smtClean="0"/>
+            <a:t>Memperoleh hasil rancangan melalui analisis tersebut</a:t>
+          </a:r>
+          <a:endParaRPr lang="en-US" dirty="0"/>
+        </a:p>
+      </dgm:t>
+    </dgm:pt>
+    <dgm:pt modelId="{A6700223-CE18-46D0-8E00-0DEFA8F3804A}" type="parTrans" cxnId="{BBF9A6DB-CFA2-43E5-B60D-14C0C555C37A}">
+      <dgm:prSet/>
+      <dgm:spPr/>
+      <dgm:t>
+        <a:bodyPr/>
+        <a:lstStyle/>
+        <a:p>
+          <a:endParaRPr lang="en-US"/>
+        </a:p>
+      </dgm:t>
+    </dgm:pt>
+    <dgm:pt modelId="{8054AB68-7955-47C1-B1DB-4BE0931D3B2E}" type="sibTrans" cxnId="{BBF9A6DB-CFA2-43E5-B60D-14C0C555C37A}">
+      <dgm:prSet/>
+      <dgm:spPr/>
+      <dgm:t>
+        <a:bodyPr/>
+        <a:lstStyle/>
+        <a:p>
+          <a:endParaRPr lang="en-US"/>
+        </a:p>
+      </dgm:t>
+    </dgm:pt>
+    <dgm:pt modelId="{19F431A3-E604-47F9-9996-F05AF32E59A7}">
+      <dgm:prSet phldrT="[Text]"/>
+      <dgm:spPr/>
+      <dgm:t>
+        <a:bodyPr/>
+        <a:lstStyle/>
+        <a:p>
+          <a:r>
+            <a:rPr lang="id-ID" dirty="0" smtClean="0"/>
+            <a:t>Membangun sistem informasi pengelolaan matrikulasi program pembinaan </a:t>
+          </a:r>
+          <a:r>
+            <a:rPr lang="id-ID" dirty="0" smtClean="0"/>
+            <a:t>berbasis web di STEI Tazkia</a:t>
           </a:r>
           <a:endParaRPr lang="en-US" dirty="0"/>
         </a:p>
@@ -1296,12 +2374,12 @@
         </a:fontRef>
       </dsp:style>
       <dsp:txBody>
-        <a:bodyPr spcFirstLastPara="0" vert="horz" wrap="square" lIns="690775" tIns="60960" rIns="60960" bIns="60960" numCol="1" spcCol="1270" anchor="ctr" anchorCtr="0">
+        <a:bodyPr spcFirstLastPara="0" vert="horz" wrap="square" lIns="690775" tIns="45720" rIns="45720" bIns="45720" numCol="1" spcCol="1270" anchor="ctr" anchorCtr="0">
           <a:noAutofit/>
         </a:bodyPr>
         <a:lstStyle/>
         <a:p>
-          <a:pPr lvl="0" algn="l" defTabSz="1066800">
+          <a:pPr lvl="0" algn="l" defTabSz="800100">
             <a:lnSpc>
               <a:spcPct val="90000"/>
             </a:lnSpc>
@@ -1313,10 +2391,26 @@
             </a:spcAft>
           </a:pPr>
           <a:r>
-            <a:rPr lang="id-ID" sz="2400" kern="1200" dirty="0" smtClean="0"/>
-            <a:t>Melakukan analisis sistem informasi pengelolaan matrikulasi program pembinaan di STEI Tazkia</a:t>
+            <a:rPr lang="id-ID" sz="1800" kern="1200" dirty="0" smtClean="0"/>
+            <a:t>Bagaimana melakukan </a:t>
           </a:r>
-          <a:endParaRPr lang="en-US" sz="2400" kern="1200" dirty="0"/>
+          <a:r>
+            <a:rPr lang="id-ID" sz="1800" kern="1200" dirty="0" smtClean="0"/>
+            <a:t>analisis sistem informasi pengelolaan matrikulasi program pembinaan berbasis </a:t>
+          </a:r>
+          <a:r>
+            <a:rPr lang="id-ID" sz="1800" kern="1200" dirty="0" smtClean="0"/>
+            <a:t>web di </a:t>
+          </a:r>
+          <a:r>
+            <a:rPr lang="id-ID" sz="1800" kern="1200" dirty="0" smtClean="0"/>
+            <a:t>STEI </a:t>
+          </a:r>
+          <a:r>
+            <a:rPr lang="id-ID" sz="1800" kern="1200" dirty="0" smtClean="0"/>
+            <a:t>Tazkia?</a:t>
+          </a:r>
+          <a:endParaRPr lang="en-US" sz="1800" kern="1200" dirty="0"/>
         </a:p>
       </dsp:txBody>
       <dsp:txXfrm>
@@ -1422,12 +2516,12 @@
         </a:fontRef>
       </dsp:style>
       <dsp:txBody>
-        <a:bodyPr spcFirstLastPara="0" vert="horz" wrap="square" lIns="690775" tIns="60960" rIns="60960" bIns="60960" numCol="1" spcCol="1270" anchor="ctr" anchorCtr="0">
+        <a:bodyPr spcFirstLastPara="0" vert="horz" wrap="square" lIns="690775" tIns="45720" rIns="45720" bIns="45720" numCol="1" spcCol="1270" anchor="ctr" anchorCtr="0">
           <a:noAutofit/>
         </a:bodyPr>
         <a:lstStyle/>
         <a:p>
-          <a:pPr lvl="0" algn="l" defTabSz="1066800">
+          <a:pPr lvl="0" algn="l" defTabSz="800100">
             <a:lnSpc>
               <a:spcPct val="90000"/>
             </a:lnSpc>
@@ -1439,10 +2533,10 @@
             </a:spcAft>
           </a:pPr>
           <a:r>
-            <a:rPr lang="id-ID" sz="2400" kern="1200" dirty="0" smtClean="0"/>
-            <a:t>Memperoleh hasil rancangan dengan model terstruktur</a:t>
+            <a:rPr lang="id-ID" sz="1800" kern="1200" dirty="0" smtClean="0"/>
+            <a:t>Bagaimana merancang sistem informasi pengelolaan matrikulasi program pembinaan berbasis web di STEI Tazkia?</a:t>
           </a:r>
-          <a:endParaRPr lang="en-US" sz="2400" kern="1200" dirty="0"/>
+          <a:endParaRPr lang="en-US" sz="1800" kern="1200" dirty="0"/>
         </a:p>
       </dsp:txBody>
       <dsp:txXfrm>
@@ -1548,12 +2642,12 @@
         </a:fontRef>
       </dsp:style>
       <dsp:txBody>
-        <a:bodyPr spcFirstLastPara="0" vert="horz" wrap="square" lIns="690775" tIns="60960" rIns="60960" bIns="60960" numCol="1" spcCol="1270" anchor="ctr" anchorCtr="0">
+        <a:bodyPr spcFirstLastPara="0" vert="horz" wrap="square" lIns="690775" tIns="45720" rIns="45720" bIns="45720" numCol="1" spcCol="1270" anchor="ctr" anchorCtr="0">
           <a:noAutofit/>
         </a:bodyPr>
         <a:lstStyle/>
         <a:p>
-          <a:pPr lvl="0" algn="l" defTabSz="1066800">
+          <a:pPr lvl="0" algn="l" defTabSz="800100">
             <a:lnSpc>
               <a:spcPct val="90000"/>
             </a:lnSpc>
@@ -1565,10 +2659,449 @@
             </a:spcAft>
           </a:pPr>
           <a:r>
-            <a:rPr lang="id-ID" sz="2400" kern="1200" dirty="0" smtClean="0"/>
-            <a:t>Membangun sistem informasi pengelolaan matrikulasi program pembinaan berbasis web</a:t>
+            <a:rPr lang="id-ID" sz="1800" kern="1200" dirty="0" smtClean="0"/>
+            <a:t>Bagaimana membangun sistem informasi pengelolaan matrikulasi program pembinaan berbasis web di STEI Tazkia?</a:t>
           </a:r>
-          <a:endParaRPr lang="en-US" sz="2400" kern="1200" dirty="0"/>
+          <a:endParaRPr lang="en-US" sz="1800" kern="1200" dirty="0"/>
+        </a:p>
+      </dsp:txBody>
+      <dsp:txXfrm>
+        <a:off x="604289" y="3045936"/>
+        <a:ext cx="6770928" cy="870267"/>
+      </dsp:txXfrm>
+    </dsp:sp>
+    <dsp:sp modelId="{833048F1-A597-4D2E-BA93-E3449BDDA791}">
+      <dsp:nvSpPr>
+        <dsp:cNvPr id="0" name=""/>
+        <dsp:cNvSpPr/>
+      </dsp:nvSpPr>
+      <dsp:spPr>
+        <a:xfrm>
+          <a:off x="60372" y="2937153"/>
+          <a:ext cx="1087834" cy="1087834"/>
+        </a:xfrm>
+        <a:prstGeom prst="ellipse">
+          <a:avLst/>
+        </a:prstGeom>
+        <a:solidFill>
+          <a:schemeClr val="lt1">
+            <a:hueOff val="0"/>
+            <a:satOff val="0"/>
+            <a:lumOff val="0"/>
+            <a:alphaOff val="0"/>
+          </a:schemeClr>
+        </a:solidFill>
+        <a:ln w="12700" cap="flat" cmpd="sng" algn="ctr">
+          <a:solidFill>
+            <a:schemeClr val="accent5">
+              <a:hueOff val="-7353344"/>
+              <a:satOff val="-10228"/>
+              <a:lumOff val="-3922"/>
+              <a:alphaOff val="0"/>
+            </a:schemeClr>
+          </a:solidFill>
+          <a:prstDash val="solid"/>
+          <a:miter lim="800000"/>
+        </a:ln>
+        <a:effectLst/>
+      </dsp:spPr>
+      <dsp:style>
+        <a:lnRef idx="2">
+          <a:scrgbClr r="0" g="0" b="0"/>
+        </a:lnRef>
+        <a:fillRef idx="1">
+          <a:scrgbClr r="0" g="0" b="0"/>
+        </a:fillRef>
+        <a:effectRef idx="0">
+          <a:scrgbClr r="0" g="0" b="0"/>
+        </a:effectRef>
+        <a:fontRef idx="minor"/>
+      </dsp:style>
+    </dsp:sp>
+  </dsp:spTree>
+</dsp:drawing>
+</file>
+
+<file path=ppt/diagrams/drawing2.xml><?xml version="1.0" encoding="utf-8"?>
+<dsp:drawing xmlns:dgm="http://schemas.openxmlformats.org/drawingml/2006/diagram" xmlns:dsp="http://schemas.microsoft.com/office/drawing/2008/diagram" xmlns:a="http://schemas.openxmlformats.org/drawingml/2006/main">
+  <dsp:spTree>
+    <dsp:nvGrpSpPr>
+      <dsp:cNvPr id="0" name=""/>
+      <dsp:cNvGrpSpPr/>
+    </dsp:nvGrpSpPr>
+    <dsp:grpSpPr/>
+    <dsp:sp modelId="{B8980A3F-DE12-455A-AB7B-1513BECF8E3E}">
+      <dsp:nvSpPr>
+        <dsp:cNvPr id="0" name=""/>
+        <dsp:cNvSpPr/>
+      </dsp:nvSpPr>
+      <dsp:spPr>
+        <a:xfrm>
+          <a:off x="-4919424" y="-753830"/>
+          <a:ext cx="5858998" cy="5858998"/>
+        </a:xfrm>
+        <a:prstGeom prst="blockArc">
+          <a:avLst>
+            <a:gd name="adj1" fmla="val 18900000"/>
+            <a:gd name="adj2" fmla="val 2700000"/>
+            <a:gd name="adj3" fmla="val 369"/>
+          </a:avLst>
+        </a:prstGeom>
+        <a:noFill/>
+        <a:ln w="12700" cap="flat" cmpd="sng" algn="ctr">
+          <a:solidFill>
+            <a:schemeClr val="accent6">
+              <a:hueOff val="0"/>
+              <a:satOff val="0"/>
+              <a:lumOff val="0"/>
+              <a:alphaOff val="0"/>
+            </a:schemeClr>
+          </a:solidFill>
+          <a:prstDash val="solid"/>
+          <a:miter lim="800000"/>
+        </a:ln>
+        <a:effectLst/>
+      </dsp:spPr>
+      <dsp:style>
+        <a:lnRef idx="2">
+          <a:scrgbClr r="0" g="0" b="0"/>
+        </a:lnRef>
+        <a:fillRef idx="0">
+          <a:scrgbClr r="0" g="0" b="0"/>
+        </a:fillRef>
+        <a:effectRef idx="0">
+          <a:scrgbClr r="0" g="0" b="0"/>
+        </a:effectRef>
+        <a:fontRef idx="minor"/>
+      </dsp:style>
+    </dsp:sp>
+    <dsp:sp modelId="{718A77D3-6304-4CE9-8C34-543EA4940F3D}">
+      <dsp:nvSpPr>
+        <dsp:cNvPr id="0" name=""/>
+        <dsp:cNvSpPr/>
+      </dsp:nvSpPr>
+      <dsp:spPr>
+        <a:xfrm>
+          <a:off x="604289" y="435133"/>
+          <a:ext cx="6770928" cy="870267"/>
+        </a:xfrm>
+        <a:prstGeom prst="rect">
+          <a:avLst/>
+        </a:prstGeom>
+        <a:solidFill>
+          <a:schemeClr val="accent5">
+            <a:hueOff val="0"/>
+            <a:satOff val="0"/>
+            <a:lumOff val="0"/>
+            <a:alphaOff val="0"/>
+          </a:schemeClr>
+        </a:solidFill>
+        <a:ln w="12700" cap="flat" cmpd="sng" algn="ctr">
+          <a:solidFill>
+            <a:schemeClr val="lt1">
+              <a:hueOff val="0"/>
+              <a:satOff val="0"/>
+              <a:lumOff val="0"/>
+              <a:alphaOff val="0"/>
+            </a:schemeClr>
+          </a:solidFill>
+          <a:prstDash val="solid"/>
+          <a:miter lim="800000"/>
+        </a:ln>
+        <a:effectLst/>
+      </dsp:spPr>
+      <dsp:style>
+        <a:lnRef idx="2">
+          <a:scrgbClr r="0" g="0" b="0"/>
+        </a:lnRef>
+        <a:fillRef idx="1">
+          <a:scrgbClr r="0" g="0" b="0"/>
+        </a:fillRef>
+        <a:effectRef idx="0">
+          <a:scrgbClr r="0" g="0" b="0"/>
+        </a:effectRef>
+        <a:fontRef idx="minor">
+          <a:schemeClr val="lt1"/>
+        </a:fontRef>
+      </dsp:style>
+      <dsp:txBody>
+        <a:bodyPr spcFirstLastPara="0" vert="horz" wrap="square" lIns="690775" tIns="50800" rIns="50800" bIns="50800" numCol="1" spcCol="1270" anchor="ctr" anchorCtr="0">
+          <a:noAutofit/>
+        </a:bodyPr>
+        <a:lstStyle/>
+        <a:p>
+          <a:pPr lvl="0" algn="l" defTabSz="889000">
+            <a:lnSpc>
+              <a:spcPct val="90000"/>
+            </a:lnSpc>
+            <a:spcBef>
+              <a:spcPct val="0"/>
+            </a:spcBef>
+            <a:spcAft>
+              <a:spcPct val="35000"/>
+            </a:spcAft>
+          </a:pPr>
+          <a:r>
+            <a:rPr lang="id-ID" sz="2000" kern="1200" dirty="0" smtClean="0"/>
+            <a:t>Melakukan analisis sistem informasi pengelolaan matrikulasi program pembinaan berbasis wedi STEI Tazkia</a:t>
+          </a:r>
+          <a:endParaRPr lang="en-US" sz="2000" kern="1200" dirty="0"/>
+        </a:p>
+      </dsp:txBody>
+      <dsp:txXfrm>
+        <a:off x="604289" y="435133"/>
+        <a:ext cx="6770928" cy="870267"/>
+      </dsp:txXfrm>
+    </dsp:sp>
+    <dsp:sp modelId="{73DBEE61-0877-4F7F-81D8-784396FFD71C}">
+      <dsp:nvSpPr>
+        <dsp:cNvPr id="0" name=""/>
+        <dsp:cNvSpPr/>
+      </dsp:nvSpPr>
+      <dsp:spPr>
+        <a:xfrm>
+          <a:off x="60372" y="326350"/>
+          <a:ext cx="1087834" cy="1087834"/>
+        </a:xfrm>
+        <a:prstGeom prst="ellipse">
+          <a:avLst/>
+        </a:prstGeom>
+        <a:solidFill>
+          <a:schemeClr val="lt1">
+            <a:hueOff val="0"/>
+            <a:satOff val="0"/>
+            <a:lumOff val="0"/>
+            <a:alphaOff val="0"/>
+          </a:schemeClr>
+        </a:solidFill>
+        <a:ln w="12700" cap="flat" cmpd="sng" algn="ctr">
+          <a:solidFill>
+            <a:schemeClr val="accent5">
+              <a:hueOff val="0"/>
+              <a:satOff val="0"/>
+              <a:lumOff val="0"/>
+              <a:alphaOff val="0"/>
+            </a:schemeClr>
+          </a:solidFill>
+          <a:prstDash val="solid"/>
+          <a:miter lim="800000"/>
+        </a:ln>
+        <a:effectLst/>
+      </dsp:spPr>
+      <dsp:style>
+        <a:lnRef idx="2">
+          <a:scrgbClr r="0" g="0" b="0"/>
+        </a:lnRef>
+        <a:fillRef idx="1">
+          <a:scrgbClr r="0" g="0" b="0"/>
+        </a:fillRef>
+        <a:effectRef idx="0">
+          <a:scrgbClr r="0" g="0" b="0"/>
+        </a:effectRef>
+        <a:fontRef idx="minor"/>
+      </dsp:style>
+    </dsp:sp>
+    <dsp:sp modelId="{7386F3A2-E464-4AFF-86F2-73D984FB1443}">
+      <dsp:nvSpPr>
+        <dsp:cNvPr id="0" name=""/>
+        <dsp:cNvSpPr/>
+      </dsp:nvSpPr>
+      <dsp:spPr>
+        <a:xfrm>
+          <a:off x="920631" y="1740535"/>
+          <a:ext cx="6454586" cy="870267"/>
+        </a:xfrm>
+        <a:prstGeom prst="rect">
+          <a:avLst/>
+        </a:prstGeom>
+        <a:solidFill>
+          <a:schemeClr val="accent5">
+            <a:hueOff val="-3676672"/>
+            <a:satOff val="-5114"/>
+            <a:lumOff val="-1961"/>
+            <a:alphaOff val="0"/>
+          </a:schemeClr>
+        </a:solidFill>
+        <a:ln w="12700" cap="flat" cmpd="sng" algn="ctr">
+          <a:solidFill>
+            <a:schemeClr val="lt1">
+              <a:hueOff val="0"/>
+              <a:satOff val="0"/>
+              <a:lumOff val="0"/>
+              <a:alphaOff val="0"/>
+            </a:schemeClr>
+          </a:solidFill>
+          <a:prstDash val="solid"/>
+          <a:miter lim="800000"/>
+        </a:ln>
+        <a:effectLst/>
+      </dsp:spPr>
+      <dsp:style>
+        <a:lnRef idx="2">
+          <a:scrgbClr r="0" g="0" b="0"/>
+        </a:lnRef>
+        <a:fillRef idx="1">
+          <a:scrgbClr r="0" g="0" b="0"/>
+        </a:fillRef>
+        <a:effectRef idx="0">
+          <a:scrgbClr r="0" g="0" b="0"/>
+        </a:effectRef>
+        <a:fontRef idx="minor">
+          <a:schemeClr val="lt1"/>
+        </a:fontRef>
+      </dsp:style>
+      <dsp:txBody>
+        <a:bodyPr spcFirstLastPara="0" vert="horz" wrap="square" lIns="690775" tIns="50800" rIns="50800" bIns="50800" numCol="1" spcCol="1270" anchor="ctr" anchorCtr="0">
+          <a:noAutofit/>
+        </a:bodyPr>
+        <a:lstStyle/>
+        <a:p>
+          <a:pPr lvl="0" algn="l" defTabSz="889000">
+            <a:lnSpc>
+              <a:spcPct val="90000"/>
+            </a:lnSpc>
+            <a:spcBef>
+              <a:spcPct val="0"/>
+            </a:spcBef>
+            <a:spcAft>
+              <a:spcPct val="35000"/>
+            </a:spcAft>
+          </a:pPr>
+          <a:r>
+            <a:rPr lang="id-ID" sz="2000" kern="1200" dirty="0" smtClean="0"/>
+            <a:t>Memperoleh hasil rancangan melalui analisis tersebut</a:t>
+          </a:r>
+          <a:endParaRPr lang="en-US" sz="2000" kern="1200" dirty="0"/>
+        </a:p>
+      </dsp:txBody>
+      <dsp:txXfrm>
+        <a:off x="920631" y="1740535"/>
+        <a:ext cx="6454586" cy="870267"/>
+      </dsp:txXfrm>
+    </dsp:sp>
+    <dsp:sp modelId="{252AFF7F-D2A3-4DF9-964A-C4B2D21BD5FF}">
+      <dsp:nvSpPr>
+        <dsp:cNvPr id="0" name=""/>
+        <dsp:cNvSpPr/>
+      </dsp:nvSpPr>
+      <dsp:spPr>
+        <a:xfrm>
+          <a:off x="376714" y="1631751"/>
+          <a:ext cx="1087834" cy="1087834"/>
+        </a:xfrm>
+        <a:prstGeom prst="ellipse">
+          <a:avLst/>
+        </a:prstGeom>
+        <a:solidFill>
+          <a:schemeClr val="lt1">
+            <a:hueOff val="0"/>
+            <a:satOff val="0"/>
+            <a:lumOff val="0"/>
+            <a:alphaOff val="0"/>
+          </a:schemeClr>
+        </a:solidFill>
+        <a:ln w="12700" cap="flat" cmpd="sng" algn="ctr">
+          <a:solidFill>
+            <a:schemeClr val="accent5">
+              <a:hueOff val="-3676672"/>
+              <a:satOff val="-5114"/>
+              <a:lumOff val="-1961"/>
+              <a:alphaOff val="0"/>
+            </a:schemeClr>
+          </a:solidFill>
+          <a:prstDash val="solid"/>
+          <a:miter lim="800000"/>
+        </a:ln>
+        <a:effectLst/>
+      </dsp:spPr>
+      <dsp:style>
+        <a:lnRef idx="2">
+          <a:scrgbClr r="0" g="0" b="0"/>
+        </a:lnRef>
+        <a:fillRef idx="1">
+          <a:scrgbClr r="0" g="0" b="0"/>
+        </a:fillRef>
+        <a:effectRef idx="0">
+          <a:scrgbClr r="0" g="0" b="0"/>
+        </a:effectRef>
+        <a:fontRef idx="minor"/>
+      </dsp:style>
+    </dsp:sp>
+    <dsp:sp modelId="{AE267DCF-1BEE-4779-9AF6-800916D2D4EC}">
+      <dsp:nvSpPr>
+        <dsp:cNvPr id="0" name=""/>
+        <dsp:cNvSpPr/>
+      </dsp:nvSpPr>
+      <dsp:spPr>
+        <a:xfrm>
+          <a:off x="604289" y="3045936"/>
+          <a:ext cx="6770928" cy="870267"/>
+        </a:xfrm>
+        <a:prstGeom prst="rect">
+          <a:avLst/>
+        </a:prstGeom>
+        <a:solidFill>
+          <a:schemeClr val="accent5">
+            <a:hueOff val="-7353344"/>
+            <a:satOff val="-10228"/>
+            <a:lumOff val="-3922"/>
+            <a:alphaOff val="0"/>
+          </a:schemeClr>
+        </a:solidFill>
+        <a:ln w="12700" cap="flat" cmpd="sng" algn="ctr">
+          <a:solidFill>
+            <a:schemeClr val="lt1">
+              <a:hueOff val="0"/>
+              <a:satOff val="0"/>
+              <a:lumOff val="0"/>
+              <a:alphaOff val="0"/>
+            </a:schemeClr>
+          </a:solidFill>
+          <a:prstDash val="solid"/>
+          <a:miter lim="800000"/>
+        </a:ln>
+        <a:effectLst/>
+      </dsp:spPr>
+      <dsp:style>
+        <a:lnRef idx="2">
+          <a:scrgbClr r="0" g="0" b="0"/>
+        </a:lnRef>
+        <a:fillRef idx="1">
+          <a:scrgbClr r="0" g="0" b="0"/>
+        </a:fillRef>
+        <a:effectRef idx="0">
+          <a:scrgbClr r="0" g="0" b="0"/>
+        </a:effectRef>
+        <a:fontRef idx="minor">
+          <a:schemeClr val="lt1"/>
+        </a:fontRef>
+      </dsp:style>
+      <dsp:txBody>
+        <a:bodyPr spcFirstLastPara="0" vert="horz" wrap="square" lIns="690775" tIns="50800" rIns="50800" bIns="50800" numCol="1" spcCol="1270" anchor="ctr" anchorCtr="0">
+          <a:noAutofit/>
+        </a:bodyPr>
+        <a:lstStyle/>
+        <a:p>
+          <a:pPr lvl="0" algn="l" defTabSz="889000">
+            <a:lnSpc>
+              <a:spcPct val="90000"/>
+            </a:lnSpc>
+            <a:spcBef>
+              <a:spcPct val="0"/>
+            </a:spcBef>
+            <a:spcAft>
+              <a:spcPct val="35000"/>
+            </a:spcAft>
+          </a:pPr>
+          <a:r>
+            <a:rPr lang="id-ID" sz="2000" kern="1200" dirty="0" smtClean="0"/>
+            <a:t>Membangun sistem informasi pengelolaan matrikulasi program pembinaan </a:t>
+          </a:r>
+          <a:r>
+            <a:rPr lang="id-ID" sz="2000" kern="1200" dirty="0" smtClean="0"/>
+            <a:t>berbasis web di STEI Tazkia</a:t>
+          </a:r>
+          <a:endParaRPr lang="en-US" sz="2000" kern="1200" dirty="0"/>
         </a:p>
       </dsp:txBody>
       <dsp:txXfrm>
@@ -2906,7 +4439,2319 @@
 </dgm:layoutDef>
 </file>
 
+<file path=ppt/diagrams/layout2.xml><?xml version="1.0" encoding="utf-8"?>
+<dgm:layoutDef xmlns:dgm="http://schemas.openxmlformats.org/drawingml/2006/diagram" xmlns:a="http://schemas.openxmlformats.org/drawingml/2006/main" uniqueId="urn:microsoft.com/office/officeart/2008/layout/VerticalCurvedList">
+  <dgm:title val=""/>
+  <dgm:desc val=""/>
+  <dgm:catLst>
+    <dgm:cat type="list" pri="20000"/>
+  </dgm:catLst>
+  <dgm:sampData>
+    <dgm:dataModel>
+      <dgm:ptLst>
+        <dgm:pt modelId="0" type="doc"/>
+        <dgm:pt modelId="1">
+          <dgm:prSet phldr="1"/>
+        </dgm:pt>
+        <dgm:pt modelId="2">
+          <dgm:prSet phldr="1"/>
+        </dgm:pt>
+        <dgm:pt modelId="3">
+          <dgm:prSet phldr="1"/>
+        </dgm:pt>
+      </dgm:ptLst>
+      <dgm:cxnLst>
+        <dgm:cxn modelId="4" srcId="0" destId="1" srcOrd="0" destOrd="0"/>
+        <dgm:cxn modelId="5" srcId="0" destId="2" srcOrd="1" destOrd="0"/>
+        <dgm:cxn modelId="6" srcId="0" destId="3" srcOrd="2" destOrd="0"/>
+      </dgm:cxnLst>
+      <dgm:bg/>
+      <dgm:whole/>
+    </dgm:dataModel>
+  </dgm:sampData>
+  <dgm:styleData>
+    <dgm:dataModel>
+      <dgm:ptLst>
+        <dgm:pt modelId="0" type="doc"/>
+        <dgm:pt modelId="1">
+          <dgm:prSet phldr="1"/>
+        </dgm:pt>
+        <dgm:pt modelId="2">
+          <dgm:prSet phldr="1"/>
+        </dgm:pt>
+      </dgm:ptLst>
+      <dgm:cxnLst>
+        <dgm:cxn modelId="3" srcId="0" destId="1" srcOrd="0" destOrd="0"/>
+        <dgm:cxn modelId="4" srcId="0" destId="2" srcOrd="1" destOrd="0"/>
+      </dgm:cxnLst>
+      <dgm:bg/>
+      <dgm:whole/>
+    </dgm:dataModel>
+  </dgm:styleData>
+  <dgm:clrData>
+    <dgm:dataModel>
+      <dgm:ptLst>
+        <dgm:pt modelId="0" type="doc"/>
+        <dgm:pt modelId="1">
+          <dgm:prSet phldr="1"/>
+        </dgm:pt>
+        <dgm:pt modelId="2">
+          <dgm:prSet phldr="1"/>
+        </dgm:pt>
+        <dgm:pt modelId="3">
+          <dgm:prSet phldr="1"/>
+        </dgm:pt>
+        <dgm:pt modelId="4">
+          <dgm:prSet phldr="1"/>
+        </dgm:pt>
+      </dgm:ptLst>
+      <dgm:cxnLst>
+        <dgm:cxn modelId="5" srcId="0" destId="1" srcOrd="0" destOrd="0"/>
+        <dgm:cxn modelId="6" srcId="0" destId="2" srcOrd="1" destOrd="0"/>
+        <dgm:cxn modelId="7" srcId="0" destId="3" srcOrd="2" destOrd="0"/>
+        <dgm:cxn modelId="8" srcId="0" destId="4" srcOrd="3" destOrd="0"/>
+      </dgm:cxnLst>
+      <dgm:bg/>
+      <dgm:whole/>
+    </dgm:dataModel>
+  </dgm:clrData>
+  <dgm:layoutNode name="Name0">
+    <dgm:varLst>
+      <dgm:chMax val="7"/>
+      <dgm:chPref val="7"/>
+      <dgm:dir/>
+    </dgm:varLst>
+    <dgm:alg type="composite"/>
+    <dgm:shape xmlns:r="http://schemas.openxmlformats.org/officeDocument/2006/relationships" r:blip="">
+      <dgm:adjLst/>
+    </dgm:shape>
+    <dgm:constrLst>
+      <dgm:constr type="w" for="ch" refType="h" refFor="ch" op="gte" fact="0.8"/>
+    </dgm:constrLst>
+    <dgm:layoutNode name="Name1">
+      <dgm:alg type="composite"/>
+      <dgm:shape xmlns:r="http://schemas.openxmlformats.org/officeDocument/2006/relationships" r:blip="">
+        <dgm:adjLst/>
+      </dgm:shape>
+      <dgm:choose name="Name2">
+        <dgm:if name="Name3" func="var" arg="dir" op="equ" val="norm">
+          <dgm:choose name="Name4">
+            <dgm:if name="Name5" axis="ch" ptType="node" func="cnt" op="equ" val="1">
+              <dgm:constrLst>
+                <dgm:constr type="h" for="ch" forName="cycle" refType="h"/>
+                <dgm:constr type="w" for="ch" forName="cycle" refType="h" refFor="ch" refForName="cycle" fact="0.26"/>
+                <dgm:constr type="l" for="ch" forName="cycle"/>
+                <dgm:constr type="ctrY" for="ch" forName="cycle" refType="h" fact="0.5"/>
+                <dgm:constr type="diam" for="ch" forName="cycle" refType="h" fact="1.344"/>
+                <dgm:constr type="h" for="ch" forName="accent_1" refType="h" fact="0.625"/>
+                <dgm:constr type="w" for="ch" forName="accent_1" refType="h" refFor="ch" refForName="accent_1" op="equ"/>
+                <dgm:constr type="ctrY" for="ch" forName="accent_1" refType="h" fact="0.5"/>
+                <dgm:constr type="ctrX" for="ch" forName="accent_1" refType="h" fact="0.2253"/>
+                <dgm:constr type="l" for="ch" forName="text_1" refType="ctrX" refFor="ch" refForName="accent_1"/>
+                <dgm:constr type="r" for="ch" forName="text_1" refType="w"/>
+                <dgm:constr type="w" for="ch" forName="text_1" refType="h" refFor="ch" refForName="text_1" op="gte"/>
+                <dgm:constr type="h" for="ch" forName="text_1" refType="h" refFor="ch" refForName="accent_1" fact="0.8"/>
+                <dgm:constr type="ctrY" for="ch" forName="text_1" refType="ctrY" refFor="ch" refForName="accent_1"/>
+                <dgm:constr type="lMarg" for="ch" forName="text_1" refType="w" refFor="ch" refForName="accent_1" fact="1.8"/>
+                <dgm:constr type="primFontSz" for="ch" ptType="node" op="equ" val="65"/>
+              </dgm:constrLst>
+            </dgm:if>
+            <dgm:if name="Name6" axis="ch" ptType="node" func="cnt" op="equ" val="2">
+              <dgm:constrLst>
+                <dgm:constr type="h" for="ch" forName="cycle" refType="h"/>
+                <dgm:constr type="w" for="ch" forName="cycle" refType="h" refFor="ch" refForName="cycle" fact="0.26"/>
+                <dgm:constr type="l" for="ch" forName="cycle"/>
+                <dgm:constr type="ctrY" for="ch" forName="cycle" refType="h" fact="0.5"/>
+                <dgm:constr type="diam" for="ch" forName="cycle" refType="h" fact="1.344"/>
+                <dgm:constr type="h" for="ch" forName="accent_1" refType="h" fact="0.3571"/>
+                <dgm:constr type="w" for="ch" forName="accent_1" refType="h" refFor="ch" refForName="accent_1" op="equ"/>
+                <dgm:constr type="ctrY" for="ch" forName="accent_1" refType="h" fact="0.2857"/>
+                <dgm:constr type="ctrX" for="ch" forName="accent_1" refType="h" fact="0.1891"/>
+                <dgm:constr type="l" for="ch" forName="text_1" refType="ctrX" refFor="ch" refForName="accent_1"/>
+                <dgm:constr type="r" for="ch" forName="text_1" refType="w"/>
+                <dgm:constr type="w" for="ch" forName="text_1" refType="h" refFor="ch" refForName="text_1" op="gte"/>
+                <dgm:constr type="h" for="ch" forName="text_1" refType="h" refFor="ch" refForName="accent_1" fact="0.8"/>
+                <dgm:constr type="ctrY" for="ch" forName="text_1" refType="ctrY" refFor="ch" refForName="accent_1"/>
+                <dgm:constr type="lMarg" for="ch" forName="text_1" refType="w" refFor="ch" refForName="accent_1" fact="1.8"/>
+                <dgm:constr type="h" for="ch" forName="accent_2" refType="h" fact="0.3571"/>
+                <dgm:constr type="w" for="ch" forName="accent_2" refType="h" refFor="ch" refForName="accent_2" op="equ"/>
+                <dgm:constr type="ctrY" for="ch" forName="accent_2" refType="h" fact="0.7143"/>
+                <dgm:constr type="ctrX" for="ch" forName="accent_2" refType="h" fact="0.1891"/>
+                <dgm:constr type="l" for="ch" forName="text_2" refType="ctrX" refFor="ch" refForName="accent_2"/>
+                <dgm:constr type="r" for="ch" forName="text_2" refType="w"/>
+                <dgm:constr type="w" for="ch" forName="text_2" refType="h" refFor="ch" refForName="text_2" op="gte"/>
+                <dgm:constr type="h" for="ch" forName="text_2" refType="h" refFor="ch" refForName="accent_2" fact="0.8"/>
+                <dgm:constr type="ctrY" for="ch" forName="text_2" refType="ctrY" refFor="ch" refForName="accent_2"/>
+                <dgm:constr type="lMarg" for="ch" forName="text_2" refType="w" refFor="ch" refForName="accent_2" fact="1.8"/>
+                <dgm:constr type="primFontSz" for="ch" ptType="node" op="equ" val="65"/>
+              </dgm:constrLst>
+            </dgm:if>
+            <dgm:if name="Name7" axis="ch" ptType="node" func="cnt" op="equ" val="3">
+              <dgm:constrLst>
+                <dgm:constr type="h" for="ch" forName="cycle" refType="h"/>
+                <dgm:constr type="w" for="ch" forName="cycle" refType="h" refFor="ch" refForName="cycle" fact="0.26"/>
+                <dgm:constr type="l" for="ch" forName="cycle"/>
+                <dgm:constr type="ctrY" for="ch" forName="cycle" refType="h" fact="0.5"/>
+                <dgm:constr type="diam" for="ch" forName="cycle" refType="h" fact="1.344"/>
+                <dgm:constr type="h" for="ch" forName="accent_1" refType="h" fact="0.25"/>
+                <dgm:constr type="w" for="ch" forName="accent_1" refType="h" refFor="ch" refForName="accent_1" op="equ"/>
+                <dgm:constr type="ctrY" for="ch" forName="accent_1" refType="h" fact="0.2"/>
+                <dgm:constr type="ctrX" for="ch" forName="accent_1" refType="h" fact="0.1526"/>
+                <dgm:constr type="l" for="ch" forName="text_1" refType="ctrX" refFor="ch" refForName="accent_1"/>
+                <dgm:constr type="r" for="ch" forName="text_1" refType="w"/>
+                <dgm:constr type="w" for="ch" forName="text_1" refType="h" refFor="ch" refForName="text_1" op="gte"/>
+                <dgm:constr type="h" for="ch" forName="text_1" refType="h" refFor="ch" refForName="accent_1" fact="0.8"/>
+                <dgm:constr type="ctrY" for="ch" forName="text_1" refType="ctrY" refFor="ch" refForName="accent_1"/>
+                <dgm:constr type="lMarg" for="ch" forName="text_1" refType="w" refFor="ch" refForName="accent_1" fact="1.8"/>
+                <dgm:constr type="h" for="ch" forName="accent_2" refType="h" fact="0.25"/>
+                <dgm:constr type="w" for="ch" forName="accent_2" refType="h" refFor="ch" refForName="accent_2" op="equ"/>
+                <dgm:constr type="ctrY" for="ch" forName="accent_2" refType="h" fact="0.5"/>
+                <dgm:constr type="ctrX" for="ch" forName="accent_2" refType="h" fact="0.2253"/>
+                <dgm:constr type="l" for="ch" forName="text_2" refType="ctrX" refFor="ch" refForName="accent_2"/>
+                <dgm:constr type="r" for="ch" forName="text_2" refType="w"/>
+                <dgm:constr type="w" for="ch" forName="text_2" refType="h" refFor="ch" refForName="text_2" op="gte"/>
+                <dgm:constr type="h" for="ch" forName="text_2" refType="h" refFor="ch" refForName="accent_2" fact="0.8"/>
+                <dgm:constr type="ctrY" for="ch" forName="text_2" refType="ctrY" refFor="ch" refForName="accent_2"/>
+                <dgm:constr type="lMarg" for="ch" forName="text_2" refType="w" refFor="ch" refForName="accent_2" fact="1.8"/>
+                <dgm:constr type="h" for="ch" forName="accent_3" refType="h" fact="0.25"/>
+                <dgm:constr type="w" for="ch" forName="accent_3" refType="h" refFor="ch" refForName="accent_3" op="equ"/>
+                <dgm:constr type="ctrY" for="ch" forName="accent_3" refType="h" fact="0.8"/>
+                <dgm:constr type="ctrX" for="ch" forName="accent_3" refType="h" fact="0.1526"/>
+                <dgm:constr type="l" for="ch" forName="text_3" refType="ctrX" refFor="ch" refForName="accent_3"/>
+                <dgm:constr type="r" for="ch" forName="text_3" refType="w"/>
+                <dgm:constr type="w" for="ch" forName="text_3" refType="h" refFor="ch" refForName="text_3" op="gte"/>
+                <dgm:constr type="h" for="ch" forName="text_3" refType="h" refFor="ch" refForName="accent_3" fact="0.8"/>
+                <dgm:constr type="ctrY" for="ch" forName="text_3" refType="ctrY" refFor="ch" refForName="accent_3"/>
+                <dgm:constr type="lMarg" for="ch" forName="text_3" refType="w" refFor="ch" refForName="accent_3" fact="1.8"/>
+                <dgm:constr type="primFontSz" for="ch" ptType="node" op="equ" val="65"/>
+              </dgm:constrLst>
+            </dgm:if>
+            <dgm:if name="Name8" axis="ch" ptType="node" func="cnt" op="equ" val="4">
+              <dgm:constrLst>
+                <dgm:constr type="h" for="ch" forName="cycle" refType="h"/>
+                <dgm:constr type="w" for="ch" forName="cycle" refType="h" refFor="ch" refForName="cycle" fact="0.26"/>
+                <dgm:constr type="l" for="ch" forName="cycle"/>
+                <dgm:constr type="ctrY" for="ch" forName="cycle" refType="h" fact="0.5"/>
+                <dgm:constr type="diam" for="ch" forName="cycle" refType="h" fact="1.344"/>
+                <dgm:constr type="h" for="ch" forName="accent_1" refType="h" fact="0.1923"/>
+                <dgm:constr type="w" for="ch" forName="accent_1" refType="h" refFor="ch" refForName="accent_1" op="equ"/>
+                <dgm:constr type="ctrY" for="ch" forName="accent_1" refType="h" fact="0.1538"/>
+                <dgm:constr type="ctrX" for="ch" forName="accent_1" refType="h" fact="0.1268"/>
+                <dgm:constr type="l" for="ch" forName="text_1" refType="ctrX" refFor="ch" refForName="accent_1"/>
+                <dgm:constr type="r" for="ch" forName="text_1" refType="w"/>
+                <dgm:constr type="w" for="ch" forName="text_1" refType="h" refFor="ch" refForName="text_1" op="gte"/>
+                <dgm:constr type="h" for="ch" forName="text_1" refType="h" refFor="ch" refForName="accent_1" fact="0.8"/>
+                <dgm:constr type="ctrY" for="ch" forName="text_1" refType="ctrY" refFor="ch" refForName="accent_1"/>
+                <dgm:constr type="lMarg" for="ch" forName="text_1" refType="w" refFor="ch" refForName="accent_1" fact="1.8"/>
+                <dgm:constr type="h" for="ch" forName="accent_2" refType="h" fact="0.1923"/>
+                <dgm:constr type="w" for="ch" forName="accent_2" refType="h" refFor="ch" refForName="accent_2" op="equ"/>
+                <dgm:constr type="ctrY" for="ch" forName="accent_2" refType="h" fact="0.3846"/>
+                <dgm:constr type="ctrX" for="ch" forName="accent_2" refType="h" fact="0.215"/>
+                <dgm:constr type="l" for="ch" forName="text_2" refType="ctrX" refFor="ch" refForName="accent_2"/>
+                <dgm:constr type="r" for="ch" forName="text_2" refType="w"/>
+                <dgm:constr type="w" for="ch" forName="text_2" refType="h" refFor="ch" refForName="text_2" op="gte"/>
+                <dgm:constr type="h" for="ch" forName="text_2" refType="h" refFor="ch" refForName="accent_2" fact="0.8"/>
+                <dgm:constr type="ctrY" for="ch" forName="text_2" refType="ctrY" refFor="ch" refForName="accent_2"/>
+                <dgm:constr type="lMarg" for="ch" forName="text_2" refType="w" refFor="ch" refForName="accent_2" fact="1.8"/>
+                <dgm:constr type="h" for="ch" forName="accent_3" refType="h" fact="0.1923"/>
+                <dgm:constr type="w" for="ch" forName="accent_3" refType="h" refFor="ch" refForName="accent_3" op="equ"/>
+                <dgm:constr type="ctrY" for="ch" forName="accent_3" refType="h" fact="0.6154"/>
+                <dgm:constr type="ctrX" for="ch" forName="accent_3" refType="h" fact="0.215"/>
+                <dgm:constr type="l" for="ch" forName="text_3" refType="ctrX" refFor="ch" refForName="accent_3"/>
+                <dgm:constr type="r" for="ch" forName="text_3" refType="w"/>
+                <dgm:constr type="w" for="ch" forName="text_3" refType="h" refFor="ch" refForName="text_3" op="gte"/>
+                <dgm:constr type="h" for="ch" forName="text_3" refType="h" refFor="ch" refForName="accent_3" fact="0.8"/>
+                <dgm:constr type="ctrY" for="ch" forName="text_3" refType="ctrY" refFor="ch" refForName="accent_3"/>
+                <dgm:constr type="lMarg" for="ch" forName="text_3" refType="w" refFor="ch" refForName="accent_3" fact="1.8"/>
+                <dgm:constr type="h" for="ch" forName="accent_4" refType="h" fact="0.1923"/>
+                <dgm:constr type="w" for="ch" forName="accent_4" refType="h" refFor="ch" refForName="accent_4" op="equ"/>
+                <dgm:constr type="ctrY" for="ch" forName="accent_4" refType="h" fact="0.8462"/>
+                <dgm:constr type="ctrX" for="ch" forName="accent_4" refType="h" fact="0.1268"/>
+                <dgm:constr type="l" for="ch" forName="text_4" refType="ctrX" refFor="ch" refForName="accent_4"/>
+                <dgm:constr type="r" for="ch" forName="text_4" refType="w"/>
+                <dgm:constr type="w" for="ch" forName="text_4" refType="h" refFor="ch" refForName="text_4" op="gte"/>
+                <dgm:constr type="h" for="ch" forName="text_4" refType="h" refFor="ch" refForName="accent_4" fact="0.8"/>
+                <dgm:constr type="ctrY" for="ch" forName="text_4" refType="ctrY" refFor="ch" refForName="accent_4"/>
+                <dgm:constr type="lMarg" for="ch" forName="text_4" refType="w" refFor="ch" refForName="accent_4" fact="1.8"/>
+                <dgm:constr type="primFontSz" for="ch" ptType="node" op="equ" val="65"/>
+              </dgm:constrLst>
+            </dgm:if>
+            <dgm:if name="Name9" axis="ch" ptType="node" func="cnt" op="equ" val="5">
+              <dgm:constrLst>
+                <dgm:constr type="h" for="ch" forName="cycle" refType="h"/>
+                <dgm:constr type="w" for="ch" forName="cycle" refType="h" refFor="ch" refForName="cycle" fact="0.26"/>
+                <dgm:constr type="l" for="ch" forName="cycle"/>
+                <dgm:constr type="ctrY" for="ch" forName="cycle" refType="h" fact="0.5"/>
+                <dgm:constr type="diam" for="ch" forName="cycle" refType="h" fact="1.344"/>
+                <dgm:constr type="h" for="ch" forName="accent_1" refType="h" fact="0.1563"/>
+                <dgm:constr type="w" for="ch" forName="accent_1" refType="h" refFor="ch" refForName="accent_1" op="equ"/>
+                <dgm:constr type="ctrY" for="ch" forName="accent_1" refType="h" fact="0.125"/>
+                <dgm:constr type="ctrX" for="ch" forName="accent_1" refType="h" fact="0.1082"/>
+                <dgm:constr type="l" for="ch" forName="text_1" refType="ctrX" refFor="ch" refForName="accent_1"/>
+                <dgm:constr type="r" for="ch" forName="text_1" refType="w"/>
+                <dgm:constr type="w" for="ch" forName="text_1" refType="h" refFor="ch" refForName="text_1" op="gte"/>
+                <dgm:constr type="h" for="ch" forName="text_1" refType="h" refFor="ch" refForName="accent_1" fact="0.8"/>
+                <dgm:constr type="ctrY" for="ch" forName="text_1" refType="ctrY" refFor="ch" refForName="accent_1"/>
+                <dgm:constr type="lMarg" for="ch" forName="text_1" refType="w" refFor="ch" refForName="accent_1" fact="1.8"/>
+                <dgm:constr type="h" for="ch" forName="accent_2" refType="h" fact="0.1563"/>
+                <dgm:constr type="w" for="ch" forName="accent_2" refType="h" refFor="ch" refForName="accent_2" op="equ"/>
+                <dgm:constr type="ctrY" for="ch" forName="accent_2" refType="h" fact="0.3125"/>
+                <dgm:constr type="ctrX" for="ch" forName="accent_2" refType="h" fact="0.1978"/>
+                <dgm:constr type="l" for="ch" forName="text_2" refType="ctrX" refFor="ch" refForName="accent_2"/>
+                <dgm:constr type="r" for="ch" forName="text_2" refType="w"/>
+                <dgm:constr type="w" for="ch" forName="text_2" refType="h" refFor="ch" refForName="text_2" op="gte"/>
+                <dgm:constr type="h" for="ch" forName="text_2" refType="h" refFor="ch" refForName="accent_2" fact="0.8"/>
+                <dgm:constr type="ctrY" for="ch" forName="text_2" refType="ctrY" refFor="ch" refForName="accent_2"/>
+                <dgm:constr type="lMarg" for="ch" forName="text_2" refType="w" refFor="ch" refForName="accent_2" fact="1.8"/>
+                <dgm:constr type="h" for="ch" forName="accent_3" refType="h" fact="0.1563"/>
+                <dgm:constr type="w" for="ch" forName="accent_3" refType="h" refFor="ch" refForName="accent_3" op="equ"/>
+                <dgm:constr type="ctrY" for="ch" forName="accent_3" refType="h" fact="0.5"/>
+                <dgm:constr type="ctrX" for="ch" forName="accent_3" refType="h" fact="0.2253"/>
+                <dgm:constr type="l" for="ch" forName="text_3" refType="ctrX" refFor="ch" refForName="accent_3"/>
+                <dgm:constr type="r" for="ch" forName="text_3" refType="w"/>
+                <dgm:constr type="w" for="ch" forName="text_3" refType="h" refFor="ch" refForName="text_3" op="gte"/>
+                <dgm:constr type="h" for="ch" forName="text_3" refType="h" refFor="ch" refForName="accent_3" fact="0.8"/>
+                <dgm:constr type="ctrY" for="ch" forName="text_3" refType="ctrY" refFor="ch" refForName="accent_3"/>
+                <dgm:constr type="lMarg" for="ch" forName="text_3" refType="w" refFor="ch" refForName="accent_3" fact="1.8"/>
+                <dgm:constr type="h" for="ch" forName="accent_4" refType="h" fact="0.1563"/>
+                <dgm:constr type="w" for="ch" forName="accent_4" refType="h" refFor="ch" refForName="accent_4" op="equ"/>
+                <dgm:constr type="ctrY" for="ch" forName="accent_4" refType="h" fact="0.6875"/>
+                <dgm:constr type="ctrX" for="ch" forName="accent_4" refType="h" fact="0.1978"/>
+                <dgm:constr type="l" for="ch" forName="text_4" refType="ctrX" refFor="ch" refForName="accent_4"/>
+                <dgm:constr type="r" for="ch" forName="text_4" refType="w"/>
+                <dgm:constr type="w" for="ch" forName="text_4" refType="h" refFor="ch" refForName="text_4" op="gte"/>
+                <dgm:constr type="h" for="ch" forName="text_4" refType="h" refFor="ch" refForName="accent_4" fact="0.8"/>
+                <dgm:constr type="ctrY" for="ch" forName="text_4" refType="ctrY" refFor="ch" refForName="accent_4"/>
+                <dgm:constr type="lMarg" for="ch" forName="text_4" refType="w" refFor="ch" refForName="accent_4" fact="1.8"/>
+                <dgm:constr type="h" for="ch" forName="accent_5" refType="h" fact="0.1563"/>
+                <dgm:constr type="w" for="ch" forName="accent_5" refType="h" refFor="ch" refForName="accent_5" op="equ"/>
+                <dgm:constr type="ctrY" for="ch" forName="accent_5" refType="h" fact="0.875"/>
+                <dgm:constr type="ctrX" for="ch" forName="accent_5" refType="h" fact="0.1082"/>
+                <dgm:constr type="l" for="ch" forName="text_5" refType="ctrX" refFor="ch" refForName="accent_5"/>
+                <dgm:constr type="r" for="ch" forName="text_5" refType="w"/>
+                <dgm:constr type="w" for="ch" forName="text_5" refType="h" refFor="ch" refForName="text_5" op="gte"/>
+                <dgm:constr type="h" for="ch" forName="text_5" refType="h" refFor="ch" refForName="accent_5" fact="0.8"/>
+                <dgm:constr type="ctrY" for="ch" forName="text_5" refType="ctrY" refFor="ch" refForName="accent_5"/>
+                <dgm:constr type="lMarg" for="ch" forName="text_5" refType="w" refFor="ch" refForName="accent_5" fact="1.8"/>
+                <dgm:constr type="primFontSz" for="ch" ptType="node" op="equ" val="65"/>
+              </dgm:constrLst>
+            </dgm:if>
+            <dgm:if name="Name10" axis="ch" ptType="node" func="cnt" op="equ" val="6">
+              <dgm:constrLst>
+                <dgm:constr type="h" for="ch" forName="cycle" refType="h"/>
+                <dgm:constr type="w" for="ch" forName="cycle" refType="h" refFor="ch" refForName="cycle" fact="0.26"/>
+                <dgm:constr type="l" for="ch" forName="cycle"/>
+                <dgm:constr type="ctrY" for="ch" forName="cycle" refType="h" fact="0.5"/>
+                <dgm:constr type="diam" for="ch" forName="cycle" refType="h" fact="1.344"/>
+                <dgm:constr type="h" for="ch" forName="accent_1" refType="h" fact="0.1316"/>
+                <dgm:constr type="w" for="ch" forName="accent_1" refType="h" refFor="ch" refForName="accent_1" op="equ"/>
+                <dgm:constr type="ctrY" for="ch" forName="accent_1" refType="h" fact="0.1053"/>
+                <dgm:constr type="ctrX" for="ch" forName="accent_1" refType="h" fact="0.0943"/>
+                <dgm:constr type="l" for="ch" forName="text_1" refType="ctrX" refFor="ch" refForName="accent_1"/>
+                <dgm:constr type="r" for="ch" forName="text_1" refType="w"/>
+                <dgm:constr type="w" for="ch" forName="text_1" refType="h" refFor="ch" refForName="text_1" op="gte"/>
+                <dgm:constr type="h" for="ch" forName="text_1" refType="h" refFor="ch" refForName="accent_1" fact="0.8"/>
+                <dgm:constr type="ctrY" for="ch" forName="text_1" refType="ctrY" refFor="ch" refForName="accent_1"/>
+                <dgm:constr type="lMarg" for="ch" forName="text_1" refType="w" refFor="ch" refForName="accent_1" fact="1.8"/>
+                <dgm:constr type="h" for="ch" forName="accent_2" refType="h" fact="0.1316"/>
+                <dgm:constr type="w" for="ch" forName="accent_2" refType="h" refFor="ch" refForName="accent_2" op="equ"/>
+                <dgm:constr type="ctrY" for="ch" forName="accent_2" refType="h" fact="0.2632"/>
+                <dgm:constr type="ctrX" for="ch" forName="accent_2" refType="h" fact="0.1809"/>
+                <dgm:constr type="l" for="ch" forName="text_2" refType="ctrX" refFor="ch" refForName="accent_2"/>
+                <dgm:constr type="r" for="ch" forName="text_2" refType="w"/>
+                <dgm:constr type="w" for="ch" forName="text_2" refType="h" refFor="ch" refForName="text_2" op="gte"/>
+                <dgm:constr type="h" for="ch" forName="text_2" refType="h" refFor="ch" refForName="accent_2" fact="0.8"/>
+                <dgm:constr type="ctrY" for="ch" forName="text_2" refType="ctrY" refFor="ch" refForName="accent_2"/>
+                <dgm:constr type="lMarg" for="ch" forName="text_2" refType="w" refFor="ch" refForName="accent_2" fact="1.8"/>
+                <dgm:constr type="h" for="ch" forName="accent_3" refType="h" fact="0.1316"/>
+                <dgm:constr type="w" for="ch" forName="accent_3" refType="h" refFor="ch" refForName="accent_3" op="equ"/>
+                <dgm:constr type="ctrY" for="ch" forName="accent_3" refType="h" fact="0.4211"/>
+                <dgm:constr type="ctrX" for="ch" forName="accent_3" refType="h" fact="0.2205"/>
+                <dgm:constr type="l" for="ch" forName="text_3" refType="ctrX" refFor="ch" refForName="accent_3"/>
+                <dgm:constr type="r" for="ch" forName="text_3" refType="w"/>
+                <dgm:constr type="w" for="ch" forName="text_3" refType="h" refFor="ch" refForName="text_3" op="gte"/>
+                <dgm:constr type="h" for="ch" forName="text_3" refType="h" refFor="ch" refForName="accent_3" fact="0.8"/>
+                <dgm:constr type="ctrY" for="ch" forName="text_3" refType="ctrY" refFor="ch" refForName="accent_3"/>
+                <dgm:constr type="lMarg" for="ch" forName="text_3" refType="w" refFor="ch" refForName="accent_3" fact="1.8"/>
+                <dgm:constr type="h" for="ch" forName="accent_4" refType="h" fact="0.1316"/>
+                <dgm:constr type="w" for="ch" forName="accent_4" refType="h" refFor="ch" refForName="accent_4" op="equ"/>
+                <dgm:constr type="ctrY" for="ch" forName="accent_4" refType="h" fact="0.5789"/>
+                <dgm:constr type="ctrX" for="ch" forName="accent_4" refType="h" fact="0.2205"/>
+                <dgm:constr type="l" for="ch" forName="text_4" refType="ctrX" refFor="ch" refForName="accent_4"/>
+                <dgm:constr type="r" for="ch" forName="text_4" refType="w"/>
+                <dgm:constr type="w" for="ch" forName="text_4" refType="h" refFor="ch" refForName="text_4" op="gte"/>
+                <dgm:constr type="h" for="ch" forName="text_4" refType="h" refFor="ch" refForName="accent_4" fact="0.8"/>
+                <dgm:constr type="ctrY" for="ch" forName="text_4" refType="ctrY" refFor="ch" refForName="accent_4"/>
+                <dgm:constr type="lMarg" for="ch" forName="text_4" refType="w" refFor="ch" refForName="accent_4" fact="1.8"/>
+                <dgm:constr type="h" for="ch" forName="accent_5" refType="h" fact="0.1316"/>
+                <dgm:constr type="w" for="ch" forName="accent_5" refType="h" refFor="ch" refForName="accent_5" op="equ"/>
+                <dgm:constr type="ctrY" for="ch" forName="accent_5" refType="h" fact="0.7368"/>
+                <dgm:constr type="ctrX" for="ch" forName="accent_5" refType="h" fact="0.1809"/>
+                <dgm:constr type="l" for="ch" forName="text_5" refType="ctrX" refFor="ch" refForName="accent_5"/>
+                <dgm:constr type="r" for="ch" forName="text_5" refType="w"/>
+                <dgm:constr type="w" for="ch" forName="text_5" refType="h" refFor="ch" refForName="text_5" op="gte"/>
+                <dgm:constr type="h" for="ch" forName="text_5" refType="h" refFor="ch" refForName="accent_5" fact="0.8"/>
+                <dgm:constr type="ctrY" for="ch" forName="text_5" refType="ctrY" refFor="ch" refForName="accent_5"/>
+                <dgm:constr type="lMarg" for="ch" forName="text_5" refType="w" refFor="ch" refForName="accent_5" fact="1.8"/>
+                <dgm:constr type="h" for="ch" forName="accent_6" refType="h" fact="0.1316"/>
+                <dgm:constr type="w" for="ch" forName="accent_6" refType="h" refFor="ch" refForName="accent_6" op="equ"/>
+                <dgm:constr type="ctrY" for="ch" forName="accent_6" refType="h" fact="0.8947"/>
+                <dgm:constr type="ctrX" for="ch" forName="accent_6" refType="h" fact="0.0943"/>
+                <dgm:constr type="l" for="ch" forName="text_6" refType="ctrX" refFor="ch" refForName="accent_6"/>
+                <dgm:constr type="r" for="ch" forName="text_6" refType="w"/>
+                <dgm:constr type="w" for="ch" forName="text_6" refType="h" refFor="ch" refForName="text_6" op="gte"/>
+                <dgm:constr type="h" for="ch" forName="text_6" refType="h" refFor="ch" refForName="accent_6" fact="0.8"/>
+                <dgm:constr type="ctrY" for="ch" forName="text_6" refType="ctrY" refFor="ch" refForName="accent_6"/>
+                <dgm:constr type="lMarg" for="ch" forName="text_6" refType="w" refFor="ch" refForName="accent_6" fact="1.8"/>
+                <dgm:constr type="primFontSz" for="ch" ptType="node" op="equ" val="65"/>
+              </dgm:constrLst>
+            </dgm:if>
+            <dgm:else name="Name11">
+              <dgm:constrLst>
+                <dgm:constr type="h" for="ch" forName="cycle" refType="h"/>
+                <dgm:constr type="w" for="ch" forName="cycle" refType="h" refFor="ch" refForName="cycle" fact="0.26"/>
+                <dgm:constr type="l" for="ch" forName="cycle"/>
+                <dgm:constr type="ctrY" for="ch" forName="cycle" refType="h" fact="0.5"/>
+                <dgm:constr type="diam" for="ch" forName="cycle" refType="h" fact="1.344"/>
+                <dgm:constr type="h" for="ch" forName="accent_1" refType="h" fact="0.1136"/>
+                <dgm:constr type="w" for="ch" forName="accent_1" refType="h" refFor="ch" refForName="accent_1" op="equ"/>
+                <dgm:constr type="ctrY" for="ch" forName="accent_1" refType="h" fact="0.0909"/>
+                <dgm:constr type="ctrX" for="ch" forName="accent_1" refType="h" fact="0.0835"/>
+                <dgm:constr type="l" for="ch" forName="text_1" refType="ctrX" refFor="ch" refForName="accent_1"/>
+                <dgm:constr type="r" for="ch" forName="text_1" refType="w"/>
+                <dgm:constr type="w" for="ch" forName="text_1" refType="h" refFor="ch" refForName="text_1" op="gte"/>
+                <dgm:constr type="h" for="ch" forName="text_1" refType="h" refFor="ch" refForName="accent_1" fact="0.8"/>
+                <dgm:constr type="ctrY" for="ch" forName="text_1" refType="ctrY" refFor="ch" refForName="accent_1"/>
+                <dgm:constr type="lMarg" for="ch" forName="text_1" refType="w" refFor="ch" refForName="accent_1" fact="1.8"/>
+                <dgm:constr type="h" for="ch" forName="accent_2" refType="h" fact="0.1136"/>
+                <dgm:constr type="w" for="ch" forName="accent_2" refType="h" refFor="ch" refForName="accent_2" op="equ"/>
+                <dgm:constr type="ctrY" for="ch" forName="accent_2" refType="h" fact="0.2273"/>
+                <dgm:constr type="ctrX" for="ch" forName="accent_2" refType="h" fact="0.1658"/>
+                <dgm:constr type="l" for="ch" forName="text_2" refType="ctrX" refFor="ch" refForName="accent_2"/>
+                <dgm:constr type="r" for="ch" forName="text_2" refType="w"/>
+                <dgm:constr type="w" for="ch" forName="text_2" refType="h" refFor="ch" refForName="text_2" op="gte"/>
+                <dgm:constr type="h" for="ch" forName="text_2" refType="h" refFor="ch" refForName="accent_2" fact="0.8"/>
+                <dgm:constr type="ctrY" for="ch" forName="text_2" refType="ctrY" refFor="ch" refForName="accent_2"/>
+                <dgm:constr type="lMarg" for="ch" forName="text_2" refType="w" refFor="ch" refForName="accent_2" fact="1.8"/>
+                <dgm:constr type="h" for="ch" forName="accent_3" refType="h" fact="0.1136"/>
+                <dgm:constr type="w" for="ch" forName="accent_3" refType="h" refFor="ch" refForName="accent_3" op="equ"/>
+                <dgm:constr type="ctrY" for="ch" forName="accent_3" refType="h" fact="0.3636"/>
+                <dgm:constr type="ctrX" for="ch" forName="accent_3" refType="h" fact="0.2109"/>
+                <dgm:constr type="l" for="ch" forName="text_3" refType="ctrX" refFor="ch" refForName="accent_3"/>
+                <dgm:constr type="r" for="ch" forName="text_3" refType="w"/>
+                <dgm:constr type="w" for="ch" forName="text_3" refType="h" refFor="ch" refForName="text_3" op="gte"/>
+                <dgm:constr type="h" for="ch" forName="text_3" refType="h" refFor="ch" refForName="accent_3" fact="0.8"/>
+                <dgm:constr type="ctrY" for="ch" forName="text_3" refType="ctrY" refFor="ch" refForName="accent_3"/>
+                <dgm:constr type="lMarg" for="ch" forName="text_3" refType="w" refFor="ch" refForName="accent_3" fact="1.8"/>
+                <dgm:constr type="h" for="ch" forName="accent_4" refType="h" fact="0.1136"/>
+                <dgm:constr type="w" for="ch" forName="accent_4" refType="h" refFor="ch" refForName="accent_4" op="equ"/>
+                <dgm:constr type="ctrY" for="ch" forName="accent_4" refType="h" fact="0.5"/>
+                <dgm:constr type="ctrX" for="ch" forName="accent_4" refType="h" fact="0.2253"/>
+                <dgm:constr type="l" for="ch" forName="text_4" refType="ctrX" refFor="ch" refForName="accent_4"/>
+                <dgm:constr type="r" for="ch" forName="text_4" refType="w"/>
+                <dgm:constr type="w" for="ch" forName="text_4" refType="h" refFor="ch" refForName="text_4" op="gte"/>
+                <dgm:constr type="h" for="ch" forName="text_4" refType="h" refFor="ch" refForName="accent_4" fact="0.8"/>
+                <dgm:constr type="ctrY" for="ch" forName="text_4" refType="ctrY" refFor="ch" refForName="accent_4"/>
+                <dgm:constr type="lMarg" for="ch" forName="text_4" refType="w" refFor="ch" refForName="accent_4" fact="1.8"/>
+                <dgm:constr type="h" for="ch" forName="accent_5" refType="h" fact="0.1136"/>
+                <dgm:constr type="w" for="ch" forName="accent_5" refType="h" refFor="ch" refForName="accent_5" op="equ"/>
+                <dgm:constr type="ctrY" for="ch" forName="accent_5" refType="h" fact="0.6364"/>
+                <dgm:constr type="ctrX" for="ch" forName="accent_5" refType="h" fact="0.2109"/>
+                <dgm:constr type="l" for="ch" forName="text_5" refType="ctrX" refFor="ch" refForName="accent_5"/>
+                <dgm:constr type="r" for="ch" forName="text_5" refType="w"/>
+                <dgm:constr type="w" for="ch" forName="text_5" refType="h" refFor="ch" refForName="text_5" op="gte"/>
+                <dgm:constr type="h" for="ch" forName="text_5" refType="h" refFor="ch" refForName="accent_5" fact="0.8"/>
+                <dgm:constr type="ctrY" for="ch" forName="text_5" refType="ctrY" refFor="ch" refForName="accent_5"/>
+                <dgm:constr type="lMarg" for="ch" forName="text_5" refType="w" refFor="ch" refForName="accent_5" fact="1.8"/>
+                <dgm:constr type="h" for="ch" forName="accent_6" refType="h" fact="0.1136"/>
+                <dgm:constr type="w" for="ch" forName="accent_6" refType="h" refFor="ch" refForName="accent_6" op="equ"/>
+                <dgm:constr type="ctrY" for="ch" forName="accent_6" refType="h" fact="0.7727"/>
+                <dgm:constr type="ctrX" for="ch" forName="accent_6" refType="h" fact="0.1658"/>
+                <dgm:constr type="l" for="ch" forName="text_6" refType="ctrX" refFor="ch" refForName="accent_6"/>
+                <dgm:constr type="r" for="ch" forName="text_6" refType="w"/>
+                <dgm:constr type="w" for="ch" forName="text_6" refType="h" refFor="ch" refForName="text_6" op="gte"/>
+                <dgm:constr type="h" for="ch" forName="text_6" refType="h" refFor="ch" refForName="accent_6" fact="0.8"/>
+                <dgm:constr type="ctrY" for="ch" forName="text_6" refType="ctrY" refFor="ch" refForName="accent_6"/>
+                <dgm:constr type="lMarg" for="ch" forName="text_6" refType="w" refFor="ch" refForName="accent_6" fact="1.8"/>
+                <dgm:constr type="h" for="ch" forName="accent_7" refType="h" fact="0.1136"/>
+                <dgm:constr type="w" for="ch" forName="accent_7" refType="h" refFor="ch" refForName="accent_7" op="equ"/>
+                <dgm:constr type="ctrY" for="ch" forName="accent_7" refType="h" fact="0.9091"/>
+                <dgm:constr type="ctrX" for="ch" forName="accent_7" refType="h" fact="0.0835"/>
+                <dgm:constr type="l" for="ch" forName="text_7" refType="ctrX" refFor="ch" refForName="accent_7"/>
+                <dgm:constr type="r" for="ch" forName="text_7" refType="w"/>
+                <dgm:constr type="w" for="ch" forName="text_7" refType="h" refFor="ch" refForName="text_7" op="gte"/>
+                <dgm:constr type="h" for="ch" forName="text_7" refType="h" refFor="ch" refForName="accent_7" fact="0.8"/>
+                <dgm:constr type="ctrY" for="ch" forName="text_7" refType="ctrY" refFor="ch" refForName="accent_7"/>
+                <dgm:constr type="lMarg" for="ch" forName="text_7" refType="w" refFor="ch" refForName="accent_7" fact="1.8"/>
+                <dgm:constr type="primFontSz" for="ch" ptType="node" op="equ" val="65"/>
+              </dgm:constrLst>
+            </dgm:else>
+          </dgm:choose>
+        </dgm:if>
+        <dgm:else name="Name12">
+          <dgm:choose name="Name13">
+            <dgm:if name="Name14" axis="ch" ptType="node" func="cnt" op="equ" val="1">
+              <dgm:constrLst>
+                <dgm:constr type="h" for="ch" forName="cycle" refType="h"/>
+                <dgm:constr type="w" for="ch" forName="cycle" refType="h" refFor="ch" refForName="cycle" fact="0.26"/>
+                <dgm:constr type="r" for="ch" forName="cycle" refType="w"/>
+                <dgm:constr type="ctrY" for="ch" forName="cycle" refType="h" fact="0.5"/>
+                <dgm:constr type="diam" for="ch" forName="cycle" refType="h" fact="1.344"/>
+                <dgm:constr type="h" for="ch" forName="accent_1" refType="h" fact="0.625"/>
+                <dgm:constr type="w" for="ch" forName="accent_1" refType="h" refFor="ch" refForName="accent_1" op="equ"/>
+                <dgm:constr type="ctrY" for="ch" forName="accent_1" refType="h" fact="0.5"/>
+                <dgm:constr type="ctrX" for="ch" forName="accent_1" refType="w"/>
+                <dgm:constr type="ctrXOff" for="ch" forName="accent_1" refType="h" fact="-0.2253"/>
+                <dgm:constr type="r" for="ch" forName="text_1" refType="ctrX" refFor="ch" refForName="accent_1"/>
+                <dgm:constr type="rOff" for="ch" forName="text_1" refType="ctrXOff" refFor="ch" refForName="accent_1"/>
+                <dgm:constr type="l" for="ch" forName="text_1"/>
+                <dgm:constr type="w" for="ch" forName="text_1" refType="h" refFor="ch" refForName="text_1" op="gte"/>
+                <dgm:constr type="h" for="ch" forName="text_1" refType="h" refFor="ch" refForName="accent_1" fact="0.8"/>
+                <dgm:constr type="ctrY" for="ch" forName="text_1" refType="ctrY" refFor="ch" refForName="accent_1"/>
+                <dgm:constr type="rMarg" for="ch" forName="text_1" refType="w" refFor="ch" refForName="accent_1" fact="1.8"/>
+                <dgm:constr type="primFontSz" for="ch" ptType="node" op="equ" val="65"/>
+              </dgm:constrLst>
+            </dgm:if>
+            <dgm:if name="Name15" axis="ch" ptType="node" func="cnt" op="equ" val="2">
+              <dgm:constrLst>
+                <dgm:constr type="h" for="ch" forName="cycle" refType="h"/>
+                <dgm:constr type="w" for="ch" forName="cycle" refType="h" refFor="ch" refForName="cycle" fact="0.26"/>
+                <dgm:constr type="r" for="ch" forName="cycle" refType="w"/>
+                <dgm:constr type="ctrY" for="ch" forName="cycle" refType="h" fact="0.5"/>
+                <dgm:constr type="diam" for="ch" forName="cycle" refType="h" fact="1.344"/>
+                <dgm:constr type="h" for="ch" forName="accent_1" refType="h" fact="0.3571"/>
+                <dgm:constr type="w" for="ch" forName="accent_1" refType="h" refFor="ch" refForName="accent_1" op="equ"/>
+                <dgm:constr type="ctrY" for="ch" forName="accent_1" refType="h" fact="0.2857"/>
+                <dgm:constr type="ctrX" for="ch" forName="accent_1" refType="w"/>
+                <dgm:constr type="ctrXOff" for="ch" forName="accent_1" refType="h" fact="-0.1891"/>
+                <dgm:constr type="r" for="ch" forName="text_1" refType="ctrX" refFor="ch" refForName="accent_1"/>
+                <dgm:constr type="rOff" for="ch" forName="text_1" refType="ctrXOff" refFor="ch" refForName="accent_1"/>
+                <dgm:constr type="l" for="ch" forName="text_1"/>
+                <dgm:constr type="w" for="ch" forName="text_1" refType="h" refFor="ch" refForName="text_1" op="gte"/>
+                <dgm:constr type="h" for="ch" forName="text_1" refType="h" refFor="ch" refForName="accent_1" fact="0.8"/>
+                <dgm:constr type="ctrY" for="ch" forName="text_1" refType="ctrY" refFor="ch" refForName="accent_1"/>
+                <dgm:constr type="rMarg" for="ch" forName="text_1" refType="w" refFor="ch" refForName="accent_1" fact="1.8"/>
+                <dgm:constr type="h" for="ch" forName="accent_2" refType="h" fact="0.3571"/>
+                <dgm:constr type="w" for="ch" forName="accent_2" refType="h" refFor="ch" refForName="accent_2" op="equ"/>
+                <dgm:constr type="ctrY" for="ch" forName="accent_2" refType="h" fact="0.7143"/>
+                <dgm:constr type="ctrX" for="ch" forName="accent_2" refType="w"/>
+                <dgm:constr type="ctrXOff" for="ch" forName="accent_2" refType="h" fact="-0.1891"/>
+                <dgm:constr type="r" for="ch" forName="text_2" refType="ctrX" refFor="ch" refForName="accent_2"/>
+                <dgm:constr type="rOff" for="ch" forName="text_2" refType="ctrXOff" refFor="ch" refForName="accent_2"/>
+                <dgm:constr type="l" for="ch" forName="text_2"/>
+                <dgm:constr type="w" for="ch" forName="text_2" refType="h" refFor="ch" refForName="text_2" op="gte"/>
+                <dgm:constr type="h" for="ch" forName="text_2" refType="h" refFor="ch" refForName="accent_2" fact="0.8"/>
+                <dgm:constr type="ctrY" for="ch" forName="text_2" refType="ctrY" refFor="ch" refForName="accent_2"/>
+                <dgm:constr type="rMarg" for="ch" forName="text_2" refType="w" refFor="ch" refForName="accent_2" fact="1.8"/>
+                <dgm:constr type="primFontSz" for="ch" ptType="node" op="equ" val="65"/>
+              </dgm:constrLst>
+            </dgm:if>
+            <dgm:if name="Name16" axis="ch" ptType="node" func="cnt" op="equ" val="3">
+              <dgm:constrLst>
+                <dgm:constr type="h" for="ch" forName="cycle" refType="h"/>
+                <dgm:constr type="w" for="ch" forName="cycle" refType="h" refFor="ch" refForName="cycle" fact="0.26"/>
+                <dgm:constr type="r" for="ch" forName="cycle" refType="w"/>
+                <dgm:constr type="ctrY" for="ch" forName="cycle" refType="h" fact="0.5"/>
+                <dgm:constr type="diam" for="ch" forName="cycle" refType="h" fact="1.344"/>
+                <dgm:constr type="h" for="ch" forName="accent_1" refType="h" fact="0.25"/>
+                <dgm:constr type="w" for="ch" forName="accent_1" refType="h" refFor="ch" refForName="accent_1" op="equ"/>
+                <dgm:constr type="ctrY" for="ch" forName="accent_1" refType="h" fact="0.2"/>
+                <dgm:constr type="ctrX" for="ch" forName="accent_1" refType="w"/>
+                <dgm:constr type="ctrXOff" for="ch" forName="accent_1" refType="h" fact="-0.1526"/>
+                <dgm:constr type="r" for="ch" forName="text_1" refType="ctrX" refFor="ch" refForName="accent_1"/>
+                <dgm:constr type="rOff" for="ch" forName="text_1" refType="ctrXOff" refFor="ch" refForName="accent_1"/>
+                <dgm:constr type="l" for="ch" forName="text_1"/>
+                <dgm:constr type="w" for="ch" forName="text_1" refType="h" refFor="ch" refForName="text_1" op="gte"/>
+                <dgm:constr type="h" for="ch" forName="text_1" refType="h" refFor="ch" refForName="accent_1" fact="0.8"/>
+                <dgm:constr type="ctrY" for="ch" forName="text_1" refType="ctrY" refFor="ch" refForName="accent_1"/>
+                <dgm:constr type="rMarg" for="ch" forName="text_1" refType="w" refFor="ch" refForName="accent_1" fact="1.8"/>
+                <dgm:constr type="h" for="ch" forName="accent_2" refType="h" fact="0.25"/>
+                <dgm:constr type="w" for="ch" forName="accent_2" refType="h" refFor="ch" refForName="accent_2" op="equ"/>
+                <dgm:constr type="ctrY" for="ch" forName="accent_2" refType="h" fact="0.5"/>
+                <dgm:constr type="ctrX" for="ch" forName="accent_2" refType="w"/>
+                <dgm:constr type="ctrXOff" for="ch" forName="accent_2" refType="h" fact="-0.2253"/>
+                <dgm:constr type="r" for="ch" forName="text_2" refType="ctrX" refFor="ch" refForName="accent_2"/>
+                <dgm:constr type="rOff" for="ch" forName="text_2" refType="ctrXOff" refFor="ch" refForName="accent_2"/>
+                <dgm:constr type="l" for="ch" forName="text_2"/>
+                <dgm:constr type="w" for="ch" forName="text_2" refType="h" refFor="ch" refForName="text_2" op="gte"/>
+                <dgm:constr type="h" for="ch" forName="text_2" refType="h" refFor="ch" refForName="accent_2" fact="0.8"/>
+                <dgm:constr type="ctrY" for="ch" forName="text_2" refType="ctrY" refFor="ch" refForName="accent_2"/>
+                <dgm:constr type="rMarg" for="ch" forName="text_2" refType="w" refFor="ch" refForName="accent_2" fact="1.8"/>
+                <dgm:constr type="h" for="ch" forName="accent_3" refType="h" fact="0.25"/>
+                <dgm:constr type="w" for="ch" forName="accent_3" refType="h" refFor="ch" refForName="accent_3" op="equ"/>
+                <dgm:constr type="ctrY" for="ch" forName="accent_3" refType="h" fact="0.8"/>
+                <dgm:constr type="ctrX" for="ch" forName="accent_3" refType="w"/>
+                <dgm:constr type="ctrXOff" for="ch" forName="accent_3" refType="h" fact="-0.1526"/>
+                <dgm:constr type="r" for="ch" forName="text_3" refType="ctrX" refFor="ch" refForName="accent_3"/>
+                <dgm:constr type="rOff" for="ch" forName="text_3" refType="ctrXOff" refFor="ch" refForName="accent_3"/>
+                <dgm:constr type="l" for="ch" forName="text_3"/>
+                <dgm:constr type="w" for="ch" forName="text_3" refType="h" refFor="ch" refForName="text_3" op="gte"/>
+                <dgm:constr type="h" for="ch" forName="text_3" refType="h" refFor="ch" refForName="accent_3" fact="0.8"/>
+                <dgm:constr type="ctrY" for="ch" forName="text_3" refType="ctrY" refFor="ch" refForName="accent_3"/>
+                <dgm:constr type="rMarg" for="ch" forName="text_3" refType="w" refFor="ch" refForName="accent_3" fact="1.8"/>
+                <dgm:constr type="primFontSz" for="ch" ptType="node" op="equ" val="65"/>
+              </dgm:constrLst>
+            </dgm:if>
+            <dgm:if name="Name17" axis="ch" ptType="node" func="cnt" op="equ" val="4">
+              <dgm:constrLst>
+                <dgm:constr type="h" for="ch" forName="cycle" refType="h"/>
+                <dgm:constr type="w" for="ch" forName="cycle" refType="h" refFor="ch" refForName="cycle" fact="0.26"/>
+                <dgm:constr type="r" for="ch" forName="cycle" refType="w"/>
+                <dgm:constr type="ctrY" for="ch" forName="cycle" refType="h" fact="0.5"/>
+                <dgm:constr type="diam" for="ch" forName="cycle" refType="h" fact="1.344"/>
+                <dgm:constr type="h" for="ch" forName="accent_1" refType="h" fact="0.1923"/>
+                <dgm:constr type="w" for="ch" forName="accent_1" refType="h" refFor="ch" refForName="accent_1" op="equ"/>
+                <dgm:constr type="ctrY" for="ch" forName="accent_1" refType="h" fact="0.1538"/>
+                <dgm:constr type="ctrX" for="ch" forName="accent_1" refType="w"/>
+                <dgm:constr type="ctrXOff" for="ch" forName="accent_1" refType="h" fact="-0.1268"/>
+                <dgm:constr type="r" for="ch" forName="text_1" refType="ctrX" refFor="ch" refForName="accent_1"/>
+                <dgm:constr type="rOff" for="ch" forName="text_1" refType="ctrXOff" refFor="ch" refForName="accent_1"/>
+                <dgm:constr type="l" for="ch" forName="text_1"/>
+                <dgm:constr type="w" for="ch" forName="text_1" refType="h" refFor="ch" refForName="text_1" op="gte"/>
+                <dgm:constr type="h" for="ch" forName="text_1" refType="h" refFor="ch" refForName="accent_1" fact="0.8"/>
+                <dgm:constr type="ctrY" for="ch" forName="text_1" refType="ctrY" refFor="ch" refForName="accent_1"/>
+                <dgm:constr type="rMarg" for="ch" forName="text_1" refType="w" refFor="ch" refForName="accent_1" fact="1.8"/>
+                <dgm:constr type="h" for="ch" forName="accent_2" refType="h" fact="0.1923"/>
+                <dgm:constr type="w" for="ch" forName="accent_2" refType="h" refFor="ch" refForName="accent_2" op="equ"/>
+                <dgm:constr type="ctrY" for="ch" forName="accent_2" refType="h" fact="0.3846"/>
+                <dgm:constr type="ctrX" for="ch" forName="accent_2" refType="w"/>
+                <dgm:constr type="ctrXOff" for="ch" forName="accent_2" refType="h" fact="-0.215"/>
+                <dgm:constr type="r" for="ch" forName="text_2" refType="ctrX" refFor="ch" refForName="accent_2"/>
+                <dgm:constr type="rOff" for="ch" forName="text_2" refType="ctrXOff" refFor="ch" refForName="accent_2"/>
+                <dgm:constr type="l" for="ch" forName="text_2"/>
+                <dgm:constr type="w" for="ch" forName="text_2" refType="h" refFor="ch" refForName="text_2" op="gte"/>
+                <dgm:constr type="h" for="ch" forName="text_2" refType="h" refFor="ch" refForName="accent_2" fact="0.8"/>
+                <dgm:constr type="ctrY" for="ch" forName="text_2" refType="ctrY" refFor="ch" refForName="accent_2"/>
+                <dgm:constr type="rMarg" for="ch" forName="text_2" refType="w" refFor="ch" refForName="accent_2" fact="1.8"/>
+                <dgm:constr type="h" for="ch" forName="accent_3" refType="h" fact="0.1923"/>
+                <dgm:constr type="w" for="ch" forName="accent_3" refType="h" refFor="ch" refForName="accent_3" op="equ"/>
+                <dgm:constr type="ctrY" for="ch" forName="accent_3" refType="h" fact="0.6154"/>
+                <dgm:constr type="ctrX" for="ch" forName="accent_3" refType="w"/>
+                <dgm:constr type="ctrXOff" for="ch" forName="accent_3" refType="h" fact="-0.215"/>
+                <dgm:constr type="r" for="ch" forName="text_3" refType="ctrX" refFor="ch" refForName="accent_3"/>
+                <dgm:constr type="rOff" for="ch" forName="text_3" refType="ctrXOff" refFor="ch" refForName="accent_3"/>
+                <dgm:constr type="l" for="ch" forName="text_3"/>
+                <dgm:constr type="w" for="ch" forName="text_3" refType="h" refFor="ch" refForName="text_3" op="gte"/>
+                <dgm:constr type="h" for="ch" forName="text_3" refType="h" refFor="ch" refForName="accent_3" fact="0.8"/>
+                <dgm:constr type="ctrY" for="ch" forName="text_3" refType="ctrY" refFor="ch" refForName="accent_3"/>
+                <dgm:constr type="rMarg" for="ch" forName="text_3" refType="w" refFor="ch" refForName="accent_3" fact="1.8"/>
+                <dgm:constr type="h" for="ch" forName="accent_4" refType="h" fact="0.1923"/>
+                <dgm:constr type="w" for="ch" forName="accent_4" refType="h" refFor="ch" refForName="accent_4" op="equ"/>
+                <dgm:constr type="ctrY" for="ch" forName="accent_4" refType="h" fact="0.8462"/>
+                <dgm:constr type="ctrX" for="ch" forName="accent_4" refType="w"/>
+                <dgm:constr type="ctrXOff" for="ch" forName="accent_4" refType="h" fact="-0.1268"/>
+                <dgm:constr type="r" for="ch" forName="text_4" refType="ctrX" refFor="ch" refForName="accent_4"/>
+                <dgm:constr type="rOff" for="ch" forName="text_4" refType="ctrXOff" refFor="ch" refForName="accent_4"/>
+                <dgm:constr type="l" for="ch" forName="text_4"/>
+                <dgm:constr type="w" for="ch" forName="text_4" refType="h" refFor="ch" refForName="text_4" op="gte"/>
+                <dgm:constr type="h" for="ch" forName="text_4" refType="h" refFor="ch" refForName="accent_4" fact="0.8"/>
+                <dgm:constr type="ctrY" for="ch" forName="text_4" refType="ctrY" refFor="ch" refForName="accent_4"/>
+                <dgm:constr type="rMarg" for="ch" forName="text_4" refType="w" refFor="ch" refForName="accent_4" fact="1.8"/>
+                <dgm:constr type="primFontSz" for="ch" ptType="node" op="equ" val="65"/>
+              </dgm:constrLst>
+            </dgm:if>
+            <dgm:if name="Name18" axis="ch" ptType="node" func="cnt" op="equ" val="5">
+              <dgm:constrLst>
+                <dgm:constr type="h" for="ch" forName="cycle" refType="h"/>
+                <dgm:constr type="w" for="ch" forName="cycle" refType="h" refFor="ch" refForName="cycle" fact="0.26"/>
+                <dgm:constr type="r" for="ch" forName="cycle" refType="w"/>
+                <dgm:constr type="ctrY" for="ch" forName="cycle" refType="h" fact="0.5"/>
+                <dgm:constr type="diam" for="ch" forName="cycle" refType="h" fact="1.344"/>
+                <dgm:constr type="h" for="ch" forName="accent_1" refType="h" fact="0.1563"/>
+                <dgm:constr type="w" for="ch" forName="accent_1" refType="h" refFor="ch" refForName="accent_1" op="equ"/>
+                <dgm:constr type="ctrY" for="ch" forName="accent_1" refType="h" fact="0.125"/>
+                <dgm:constr type="ctrX" for="ch" forName="accent_1" refType="w"/>
+                <dgm:constr type="ctrXOff" for="ch" forName="accent_1" refType="h" fact="-0.1082"/>
+                <dgm:constr type="r" for="ch" forName="text_1" refType="ctrX" refFor="ch" refForName="accent_1"/>
+                <dgm:constr type="rOff" for="ch" forName="text_1" refType="ctrXOff" refFor="ch" refForName="accent_1"/>
+                <dgm:constr type="l" for="ch" forName="text_1"/>
+                <dgm:constr type="w" for="ch" forName="text_1" refType="h" refFor="ch" refForName="text_1" op="gte"/>
+                <dgm:constr type="h" for="ch" forName="text_1" refType="h" refFor="ch" refForName="accent_1" fact="0.8"/>
+                <dgm:constr type="ctrY" for="ch" forName="text_1" refType="ctrY" refFor="ch" refForName="accent_1"/>
+                <dgm:constr type="rMarg" for="ch" forName="text_1" refType="w" refFor="ch" refForName="accent_1" fact="1.8"/>
+                <dgm:constr type="h" for="ch" forName="accent_2" refType="h" fact="0.1563"/>
+                <dgm:constr type="w" for="ch" forName="accent_2" refType="h" refFor="ch" refForName="accent_2" op="equ"/>
+                <dgm:constr type="ctrY" for="ch" forName="accent_2" refType="h" fact="0.3125"/>
+                <dgm:constr type="ctrX" for="ch" forName="accent_2" refType="w"/>
+                <dgm:constr type="ctrXOff" for="ch" forName="accent_2" refType="h" fact="-0.1978"/>
+                <dgm:constr type="r" for="ch" forName="text_2" refType="ctrX" refFor="ch" refForName="accent_2"/>
+                <dgm:constr type="rOff" for="ch" forName="text_2" refType="ctrXOff" refFor="ch" refForName="accent_2"/>
+                <dgm:constr type="l" for="ch" forName="text_2"/>
+                <dgm:constr type="w" for="ch" forName="text_2" refType="h" refFor="ch" refForName="text_2" op="gte"/>
+                <dgm:constr type="h" for="ch" forName="text_2" refType="h" refFor="ch" refForName="accent_2" fact="0.8"/>
+                <dgm:constr type="ctrY" for="ch" forName="text_2" refType="ctrY" refFor="ch" refForName="accent_2"/>
+                <dgm:constr type="rMarg" for="ch" forName="text_2" refType="w" refFor="ch" refForName="accent_2" fact="1.8"/>
+                <dgm:constr type="h" for="ch" forName="accent_3" refType="h" fact="0.1563"/>
+                <dgm:constr type="w" for="ch" forName="accent_3" refType="h" refFor="ch" refForName="accent_3" op="equ"/>
+                <dgm:constr type="ctrY" for="ch" forName="accent_3" refType="h" fact="0.5"/>
+                <dgm:constr type="ctrX" for="ch" forName="accent_3" refType="w"/>
+                <dgm:constr type="ctrXOff" for="ch" forName="accent_3" refType="h" fact="-0.2253"/>
+                <dgm:constr type="r" for="ch" forName="text_3" refType="ctrX" refFor="ch" refForName="accent_3"/>
+                <dgm:constr type="rOff" for="ch" forName="text_3" refType="ctrXOff" refFor="ch" refForName="accent_3"/>
+                <dgm:constr type="l" for="ch" forName="text_3"/>
+                <dgm:constr type="w" for="ch" forName="text_3" refType="h" refFor="ch" refForName="text_3" op="gte"/>
+                <dgm:constr type="h" for="ch" forName="text_3" refType="h" refFor="ch" refForName="accent_3" fact="0.8"/>
+                <dgm:constr type="ctrY" for="ch" forName="text_3" refType="ctrY" refFor="ch" refForName="accent_3"/>
+                <dgm:constr type="rMarg" for="ch" forName="text_3" refType="w" refFor="ch" refForName="accent_3" fact="1.8"/>
+                <dgm:constr type="h" for="ch" forName="accent_4" refType="h" fact="0.1563"/>
+                <dgm:constr type="w" for="ch" forName="accent_4" refType="h" refFor="ch" refForName="accent_4" op="equ"/>
+                <dgm:constr type="ctrY" for="ch" forName="accent_4" refType="h" fact="0.6875"/>
+                <dgm:constr type="ctrX" for="ch" forName="accent_4" refType="w"/>
+                <dgm:constr type="ctrXOff" for="ch" forName="accent_4" refType="h" fact="-0.1978"/>
+                <dgm:constr type="r" for="ch" forName="text_4" refType="ctrX" refFor="ch" refForName="accent_4"/>
+                <dgm:constr type="rOff" for="ch" forName="text_4" refType="ctrXOff" refFor="ch" refForName="accent_4"/>
+                <dgm:constr type="l" for="ch" forName="text_4"/>
+                <dgm:constr type="w" for="ch" forName="text_4" refType="h" refFor="ch" refForName="text_4" op="gte"/>
+                <dgm:constr type="h" for="ch" forName="text_4" refType="h" refFor="ch" refForName="accent_4" fact="0.8"/>
+                <dgm:constr type="ctrY" for="ch" forName="text_4" refType="ctrY" refFor="ch" refForName="accent_4"/>
+                <dgm:constr type="rMarg" for="ch" forName="text_4" refType="w" refFor="ch" refForName="accent_4" fact="1.8"/>
+                <dgm:constr type="h" for="ch" forName="accent_5" refType="h" fact="0.1563"/>
+                <dgm:constr type="w" for="ch" forName="accent_5" refType="h" refFor="ch" refForName="accent_5" op="equ"/>
+                <dgm:constr type="ctrY" for="ch" forName="accent_5" refType="h" fact="0.875"/>
+                <dgm:constr type="ctrX" for="ch" forName="accent_5" refType="w"/>
+                <dgm:constr type="ctrXOff" for="ch" forName="accent_5" refType="h" fact="-0.1082"/>
+                <dgm:constr type="r" for="ch" forName="text_5" refType="ctrX" refFor="ch" refForName="accent_5"/>
+                <dgm:constr type="rOff" for="ch" forName="text_5" refType="ctrXOff" refFor="ch" refForName="accent_5"/>
+                <dgm:constr type="l" for="ch" forName="text_5"/>
+                <dgm:constr type="w" for="ch" forName="text_5" refType="h" refFor="ch" refForName="text_5" op="gte"/>
+                <dgm:constr type="h" for="ch" forName="text_5" refType="h" refFor="ch" refForName="accent_5" fact="0.8"/>
+                <dgm:constr type="ctrY" for="ch" forName="text_5" refType="ctrY" refFor="ch" refForName="accent_5"/>
+                <dgm:constr type="rMarg" for="ch" forName="text_5" refType="w" refFor="ch" refForName="accent_5" fact="1.8"/>
+                <dgm:constr type="primFontSz" for="ch" ptType="node" op="equ" val="65"/>
+              </dgm:constrLst>
+            </dgm:if>
+            <dgm:if name="Name19" axis="ch" ptType="node" func="cnt" op="equ" val="6">
+              <dgm:constrLst>
+                <dgm:constr type="h" for="ch" forName="cycle" refType="h"/>
+                <dgm:constr type="w" for="ch" forName="cycle" refType="h" refFor="ch" refForName="cycle" fact="0.26"/>
+                <dgm:constr type="r" for="ch" forName="cycle" refType="w"/>
+                <dgm:constr type="ctrY" for="ch" forName="cycle" refType="h" fact="0.5"/>
+                <dgm:constr type="diam" for="ch" forName="cycle" refType="h" fact="1.344"/>
+                <dgm:constr type="h" for="ch" forName="accent_1" refType="h" fact="0.1316"/>
+                <dgm:constr type="w" for="ch" forName="accent_1" refType="h" refFor="ch" refForName="accent_1" op="equ"/>
+                <dgm:constr type="ctrY" for="ch" forName="accent_1" refType="h" fact="0.1053"/>
+                <dgm:constr type="ctrX" for="ch" forName="accent_1" refType="w"/>
+                <dgm:constr type="ctrXOff" for="ch" forName="accent_1" refType="h" fact="-0.0943"/>
+                <dgm:constr type="r" for="ch" forName="text_1" refType="ctrX" refFor="ch" refForName="accent_1"/>
+                <dgm:constr type="rOff" for="ch" forName="text_1" refType="ctrXOff" refFor="ch" refForName="accent_1"/>
+                <dgm:constr type="l" for="ch" forName="text_1"/>
+                <dgm:constr type="w" for="ch" forName="text_1" refType="h" refFor="ch" refForName="text_1" op="gte"/>
+                <dgm:constr type="h" for="ch" forName="text_1" refType="h" refFor="ch" refForName="accent_1" fact="0.8"/>
+                <dgm:constr type="ctrY" for="ch" forName="text_1" refType="ctrY" refFor="ch" refForName="accent_1"/>
+                <dgm:constr type="rMarg" for="ch" forName="text_1" refType="w" refFor="ch" refForName="accent_1" fact="1.8"/>
+                <dgm:constr type="h" for="ch" forName="accent_2" refType="h" fact="0.1316"/>
+                <dgm:constr type="w" for="ch" forName="accent_2" refType="h" refFor="ch" refForName="accent_2" op="equ"/>
+                <dgm:constr type="ctrY" for="ch" forName="accent_2" refType="h" fact="0.2632"/>
+                <dgm:constr type="ctrX" for="ch" forName="accent_2" refType="w"/>
+                <dgm:constr type="ctrXOff" for="ch" forName="accent_2" refType="h" fact="-0.1809"/>
+                <dgm:constr type="r" for="ch" forName="text_2" refType="ctrX" refFor="ch" refForName="accent_2"/>
+                <dgm:constr type="rOff" for="ch" forName="text_2" refType="ctrXOff" refFor="ch" refForName="accent_2"/>
+                <dgm:constr type="l" for="ch" forName="text_2"/>
+                <dgm:constr type="w" for="ch" forName="text_2" refType="h" refFor="ch" refForName="text_2" op="gte"/>
+                <dgm:constr type="h" for="ch" forName="text_2" refType="h" refFor="ch" refForName="accent_2" fact="0.8"/>
+                <dgm:constr type="ctrY" for="ch" forName="text_2" refType="ctrY" refFor="ch" refForName="accent_2"/>
+                <dgm:constr type="rMarg" for="ch" forName="text_2" refType="w" refFor="ch" refForName="accent_2" fact="1.8"/>
+                <dgm:constr type="h" for="ch" forName="accent_3" refType="h" fact="0.1316"/>
+                <dgm:constr type="w" for="ch" forName="accent_3" refType="h" refFor="ch" refForName="accent_3" op="equ"/>
+                <dgm:constr type="ctrY" for="ch" forName="accent_3" refType="h" fact="0.4211"/>
+                <dgm:constr type="ctrX" for="ch" forName="accent_3" refType="w"/>
+                <dgm:constr type="ctrXOff" for="ch" forName="accent_3" refType="h" fact="-0.2205"/>
+                <dgm:constr type="r" for="ch" forName="text_3" refType="ctrX" refFor="ch" refForName="accent_3"/>
+                <dgm:constr type="rOff" for="ch" forName="text_3" refType="ctrXOff" refFor="ch" refForName="accent_3"/>
+                <dgm:constr type="l" for="ch" forName="text_3"/>
+                <dgm:constr type="w" for="ch" forName="text_3" refType="h" refFor="ch" refForName="text_3" op="gte"/>
+                <dgm:constr type="h" for="ch" forName="text_3" refType="h" refFor="ch" refForName="accent_3" fact="0.8"/>
+                <dgm:constr type="ctrY" for="ch" forName="text_3" refType="ctrY" refFor="ch" refForName="accent_3"/>
+                <dgm:constr type="rMarg" for="ch" forName="text_3" refType="w" refFor="ch" refForName="accent_3" fact="1.8"/>
+                <dgm:constr type="h" for="ch" forName="accent_4" refType="h" fact="0.1316"/>
+                <dgm:constr type="w" for="ch" forName="accent_4" refType="h" refFor="ch" refForName="accent_4" op="equ"/>
+                <dgm:constr type="ctrY" for="ch" forName="accent_4" refType="h" fact="0.5789"/>
+                <dgm:constr type="ctrX" for="ch" forName="accent_4" refType="w"/>
+                <dgm:constr type="ctrXOff" for="ch" forName="accent_4" refType="h" fact="-0.2205"/>
+                <dgm:constr type="r" for="ch" forName="text_4" refType="ctrX" refFor="ch" refForName="accent_4"/>
+                <dgm:constr type="rOff" for="ch" forName="text_4" refType="ctrXOff" refFor="ch" refForName="accent_4"/>
+                <dgm:constr type="l" for="ch" forName="text_4"/>
+                <dgm:constr type="w" for="ch" forName="text_4" refType="h" refFor="ch" refForName="text_4" op="gte"/>
+                <dgm:constr type="h" for="ch" forName="text_4" refType="h" refFor="ch" refForName="accent_4" fact="0.8"/>
+                <dgm:constr type="ctrY" for="ch" forName="text_4" refType="ctrY" refFor="ch" refForName="accent_4"/>
+                <dgm:constr type="rMarg" for="ch" forName="text_4" refType="w" refFor="ch" refForName="accent_4" fact="1.8"/>
+                <dgm:constr type="h" for="ch" forName="accent_5" refType="h" fact="0.1316"/>
+                <dgm:constr type="w" for="ch" forName="accent_5" refType="h" refFor="ch" refForName="accent_5" op="equ"/>
+                <dgm:constr type="ctrY" for="ch" forName="accent_5" refType="h" fact="0.7368"/>
+                <dgm:constr type="ctrX" for="ch" forName="accent_5" refType="w"/>
+                <dgm:constr type="ctrXOff" for="ch" forName="accent_5" refType="h" fact="-0.1809"/>
+                <dgm:constr type="r" for="ch" forName="text_5" refType="ctrX" refFor="ch" refForName="accent_5"/>
+                <dgm:constr type="rOff" for="ch" forName="text_5" refType="ctrXOff" refFor="ch" refForName="accent_5"/>
+                <dgm:constr type="l" for="ch" forName="text_5"/>
+                <dgm:constr type="w" for="ch" forName="text_5" refType="h" refFor="ch" refForName="text_5" op="gte"/>
+                <dgm:constr type="h" for="ch" forName="text_5" refType="h" refFor="ch" refForName="accent_5" fact="0.8"/>
+                <dgm:constr type="ctrY" for="ch" forName="text_5" refType="ctrY" refFor="ch" refForName="accent_5"/>
+                <dgm:constr type="rMarg" for="ch" forName="text_5" refType="w" refFor="ch" refForName="accent_5" fact="1.8"/>
+                <dgm:constr type="h" for="ch" forName="accent_6" refType="h" fact="0.1316"/>
+                <dgm:constr type="w" for="ch" forName="accent_6" refType="h" refFor="ch" refForName="accent_6" op="equ"/>
+                <dgm:constr type="ctrY" for="ch" forName="accent_6" refType="h" fact="0.8947"/>
+                <dgm:constr type="ctrX" for="ch" forName="accent_6" refType="w"/>
+                <dgm:constr type="ctrXOff" for="ch" forName="accent_6" refType="h" fact="-0.0943"/>
+                <dgm:constr type="r" for="ch" forName="text_6" refType="ctrX" refFor="ch" refForName="accent_6"/>
+                <dgm:constr type="rOff" for="ch" forName="text_6" refType="ctrXOff" refFor="ch" refForName="accent_6"/>
+                <dgm:constr type="l" for="ch" forName="text_6"/>
+                <dgm:constr type="w" for="ch" forName="text_6" refType="h" refFor="ch" refForName="text_6" op="gte"/>
+                <dgm:constr type="h" for="ch" forName="text_6" refType="h" refFor="ch" refForName="accent_6" fact="0.8"/>
+                <dgm:constr type="ctrY" for="ch" forName="text_6" refType="ctrY" refFor="ch" refForName="accent_6"/>
+                <dgm:constr type="rMarg" for="ch" forName="text_6" refType="w" refFor="ch" refForName="accent_6" fact="1.8"/>
+                <dgm:constr type="primFontSz" for="ch" ptType="node" op="equ" val="65"/>
+              </dgm:constrLst>
+            </dgm:if>
+            <dgm:else name="Name20">
+              <dgm:constrLst>
+                <dgm:constr type="h" for="ch" forName="cycle" refType="h"/>
+                <dgm:constr type="w" for="ch" forName="cycle" refType="h" refFor="ch" refForName="cycle" fact="0.26"/>
+                <dgm:constr type="r" for="ch" forName="cycle" refType="w"/>
+                <dgm:constr type="ctrY" for="ch" forName="cycle" refType="h" fact="0.5"/>
+                <dgm:constr type="diam" for="ch" forName="cycle" refType="h" fact="1.344"/>
+                <dgm:constr type="h" for="ch" forName="accent_1" refType="h" fact="0.1136"/>
+                <dgm:constr type="w" for="ch" forName="accent_1" refType="h" refFor="ch" refForName="accent_1" op="equ"/>
+                <dgm:constr type="ctrY" for="ch" forName="accent_1" refType="h" fact="0.0909"/>
+                <dgm:constr type="ctrX" for="ch" forName="accent_1" refType="w"/>
+                <dgm:constr type="ctrXOff" for="ch" forName="accent_1" refType="h" fact="-0.0835"/>
+                <dgm:constr type="r" for="ch" forName="text_1" refType="ctrX" refFor="ch" refForName="accent_1"/>
+                <dgm:constr type="rOff" for="ch" forName="text_1" refType="ctrXOff" refFor="ch" refForName="accent_1"/>
+                <dgm:constr type="l" for="ch" forName="text_1"/>
+                <dgm:constr type="w" for="ch" forName="text_1" refType="h" refFor="ch" refForName="text_1" op="gte"/>
+                <dgm:constr type="h" for="ch" forName="text_1" refType="h" refFor="ch" refForName="accent_1" fact="0.8"/>
+                <dgm:constr type="ctrY" for="ch" forName="text_1" refType="ctrY" refFor="ch" refForName="accent_1"/>
+                <dgm:constr type="rMarg" for="ch" forName="text_1" refType="w" refFor="ch" refForName="accent_1" fact="1.8"/>
+                <dgm:constr type="h" for="ch" forName="accent_2" refType="h" fact="0.1136"/>
+                <dgm:constr type="w" for="ch" forName="accent_2" refType="h" refFor="ch" refForName="accent_2" op="equ"/>
+                <dgm:constr type="ctrY" for="ch" forName="accent_2" refType="h" fact="0.2273"/>
+                <dgm:constr type="ctrX" for="ch" forName="accent_2" refType="w"/>
+                <dgm:constr type="ctrXOff" for="ch" forName="accent_2" refType="h" fact="-0.1658"/>
+                <dgm:constr type="r" for="ch" forName="text_2" refType="ctrX" refFor="ch" refForName="accent_2"/>
+                <dgm:constr type="rOff" for="ch" forName="text_2" refType="ctrXOff" refFor="ch" refForName="accent_2"/>
+                <dgm:constr type="l" for="ch" forName="text_2"/>
+                <dgm:constr type="w" for="ch" forName="text_2" refType="h" refFor="ch" refForName="text_2" op="gte"/>
+                <dgm:constr type="h" for="ch" forName="text_2" refType="h" refFor="ch" refForName="accent_2" fact="0.8"/>
+                <dgm:constr type="ctrY" for="ch" forName="text_2" refType="ctrY" refFor="ch" refForName="accent_2"/>
+                <dgm:constr type="rMarg" for="ch" forName="text_2" refType="w" refFor="ch" refForName="accent_2" fact="1.8"/>
+                <dgm:constr type="h" for="ch" forName="accent_3" refType="h" fact="0.1136"/>
+                <dgm:constr type="w" for="ch" forName="accent_3" refType="h" refFor="ch" refForName="accent_3" op="equ"/>
+                <dgm:constr type="ctrY" for="ch" forName="accent_3" refType="h" fact="0.3636"/>
+                <dgm:constr type="ctrX" for="ch" forName="accent_3" refType="w"/>
+                <dgm:constr type="ctrXOff" for="ch" forName="accent_3" refType="h" fact="-0.2109"/>
+                <dgm:constr type="r" for="ch" forName="text_3" refType="ctrX" refFor="ch" refForName="accent_3"/>
+                <dgm:constr type="rOff" for="ch" forName="text_3" refType="ctrXOff" refFor="ch" refForName="accent_3"/>
+                <dgm:constr type="l" for="ch" forName="text_3"/>
+                <dgm:constr type="w" for="ch" forName="text_3" refType="h" refFor="ch" refForName="text_3" op="gte"/>
+                <dgm:constr type="h" for="ch" forName="text_3" refType="h" refFor="ch" refForName="accent_3" fact="0.8"/>
+                <dgm:constr type="ctrY" for="ch" forName="text_3" refType="ctrY" refFor="ch" refForName="accent_3"/>
+                <dgm:constr type="rMarg" for="ch" forName="text_3" refType="w" refFor="ch" refForName="accent_3" fact="1.8"/>
+                <dgm:constr type="h" for="ch" forName="accent_4" refType="h" fact="0.1136"/>
+                <dgm:constr type="w" for="ch" forName="accent_4" refType="h" refFor="ch" refForName="accent_4" op="equ"/>
+                <dgm:constr type="ctrY" for="ch" forName="accent_4" refType="h" fact="0.5"/>
+                <dgm:constr type="ctrX" for="ch" forName="accent_4" refType="w"/>
+                <dgm:constr type="ctrXOff" for="ch" forName="accent_4" refType="h" fact="-0.2253"/>
+                <dgm:constr type="r" for="ch" forName="text_4" refType="ctrX" refFor="ch" refForName="accent_4"/>
+                <dgm:constr type="rOff" for="ch" forName="text_4" refType="ctrXOff" refFor="ch" refForName="accent_4"/>
+                <dgm:constr type="l" for="ch" forName="text_4"/>
+                <dgm:constr type="w" for="ch" forName="text_4" refType="h" refFor="ch" refForName="text_4" op="gte"/>
+                <dgm:constr type="h" for="ch" forName="text_4" refType="h" refFor="ch" refForName="accent_4" fact="0.8"/>
+                <dgm:constr type="ctrY" for="ch" forName="text_4" refType="ctrY" refFor="ch" refForName="accent_4"/>
+                <dgm:constr type="rMarg" for="ch" forName="text_4" refType="w" refFor="ch" refForName="accent_4" fact="1.8"/>
+                <dgm:constr type="h" for="ch" forName="accent_5" refType="h" fact="0.1136"/>
+                <dgm:constr type="w" for="ch" forName="accent_5" refType="h" refFor="ch" refForName="accent_5" op="equ"/>
+                <dgm:constr type="ctrY" for="ch" forName="accent_5" refType="h" fact="0.6364"/>
+                <dgm:constr type="ctrX" for="ch" forName="accent_5" refType="w"/>
+                <dgm:constr type="ctrXOff" for="ch" forName="accent_5" refType="h" fact="-0.2109"/>
+                <dgm:constr type="r" for="ch" forName="text_5" refType="ctrX" refFor="ch" refForName="accent_5"/>
+                <dgm:constr type="rOff" for="ch" forName="text_5" refType="ctrXOff" refFor="ch" refForName="accent_5"/>
+                <dgm:constr type="l" for="ch" forName="text_5"/>
+                <dgm:constr type="w" for="ch" forName="text_5" refType="h" refFor="ch" refForName="text_5" op="gte"/>
+                <dgm:constr type="h" for="ch" forName="text_5" refType="h" refFor="ch" refForName="accent_5" fact="0.8"/>
+                <dgm:constr type="ctrY" for="ch" forName="text_5" refType="ctrY" refFor="ch" refForName="accent_5"/>
+                <dgm:constr type="rMarg" for="ch" forName="text_5" refType="w" refFor="ch" refForName="accent_5" fact="1.8"/>
+                <dgm:constr type="h" for="ch" forName="accent_6" refType="h" fact="0.1136"/>
+                <dgm:constr type="w" for="ch" forName="accent_6" refType="h" refFor="ch" refForName="accent_6" op="equ"/>
+                <dgm:constr type="ctrY" for="ch" forName="accent_6" refType="h" fact="0.7727"/>
+                <dgm:constr type="ctrX" for="ch" forName="accent_6" refType="w"/>
+                <dgm:constr type="ctrXOff" for="ch" forName="accent_6" refType="h" fact="-0.1658"/>
+                <dgm:constr type="r" for="ch" forName="text_6" refType="ctrX" refFor="ch" refForName="accent_6"/>
+                <dgm:constr type="rOff" for="ch" forName="text_6" refType="ctrXOff" refFor="ch" refForName="accent_6"/>
+                <dgm:constr type="l" for="ch" forName="text_6"/>
+                <dgm:constr type="w" for="ch" forName="text_6" refType="h" refFor="ch" refForName="text_6" op="gte"/>
+                <dgm:constr type="h" for="ch" forName="text_6" refType="h" refFor="ch" refForName="accent_6" fact="0.8"/>
+                <dgm:constr type="ctrY" for="ch" forName="text_6" refType="ctrY" refFor="ch" refForName="accent_6"/>
+                <dgm:constr type="rMarg" for="ch" forName="text_6" refType="w" refFor="ch" refForName="accent_6" fact="1.8"/>
+                <dgm:constr type="h" for="ch" forName="accent_7" refType="h" fact="0.1136"/>
+                <dgm:constr type="w" for="ch" forName="accent_7" refType="h" refFor="ch" refForName="accent_7" op="equ"/>
+                <dgm:constr type="ctrY" for="ch" forName="accent_7" refType="h" fact="0.9091"/>
+                <dgm:constr type="ctrX" for="ch" forName="accent_7" refType="w"/>
+                <dgm:constr type="ctrXOff" for="ch" forName="accent_7" refType="h" fact="-0.0835"/>
+                <dgm:constr type="r" for="ch" forName="text_7" refType="ctrX" refFor="ch" refForName="accent_7"/>
+                <dgm:constr type="rOff" for="ch" forName="text_7" refType="ctrXOff" refFor="ch" refForName="accent_7"/>
+                <dgm:constr type="l" for="ch" forName="text_7"/>
+                <dgm:constr type="w" for="ch" forName="text_7" refType="h" refFor="ch" refForName="text_7" op="gte"/>
+                <dgm:constr type="h" for="ch" forName="text_7" refType="h" refFor="ch" refForName="accent_7" fact="0.8"/>
+                <dgm:constr type="ctrY" for="ch" forName="text_7" refType="ctrY" refFor="ch" refForName="accent_7"/>
+                <dgm:constr type="rMarg" for="ch" forName="text_7" refType="w" refFor="ch" refForName="accent_7" fact="1.8"/>
+                <dgm:constr type="primFontSz" for="ch" ptType="node" op="equ" val="65"/>
+              </dgm:constrLst>
+            </dgm:else>
+          </dgm:choose>
+        </dgm:else>
+      </dgm:choose>
+      <dgm:layoutNode name="cycle">
+        <dgm:choose name="Name21">
+          <dgm:if name="Name22" func="var" arg="dir" op="equ" val="norm">
+            <dgm:alg type="cycle">
+              <dgm:param type="stAng" val="45"/>
+              <dgm:param type="spanAng" val="90"/>
+            </dgm:alg>
+          </dgm:if>
+          <dgm:else name="Name23">
+            <dgm:alg type="cycle">
+              <dgm:param type="stAng" val="225"/>
+              <dgm:param type="spanAng" val="90"/>
+            </dgm:alg>
+          </dgm:else>
+        </dgm:choose>
+        <dgm:shape xmlns:r="http://schemas.openxmlformats.org/officeDocument/2006/relationships" r:blip="">
+          <dgm:adjLst/>
+        </dgm:shape>
+        <dgm:presOf/>
+        <dgm:constrLst>
+          <dgm:constr type="w" for="ch" val="1"/>
+          <dgm:constr type="h" for="ch" val="1"/>
+          <dgm:constr type="diam" for="ch" forName="conn" refType="diam"/>
+        </dgm:constrLst>
+        <dgm:layoutNode name="srcNode">
+          <dgm:alg type="sp"/>
+          <dgm:shape xmlns:r="http://schemas.openxmlformats.org/officeDocument/2006/relationships" type="rect" r:blip="" hideGeom="1">
+            <dgm:adjLst/>
+          </dgm:shape>
+          <dgm:presOf/>
+        </dgm:layoutNode>
+        <dgm:layoutNode name="conn" styleLbl="parChTrans1D2">
+          <dgm:alg type="conn">
+            <dgm:param type="connRout" val="curve"/>
+            <dgm:param type="srcNode" val="srcNode"/>
+            <dgm:param type="dstNode" val="dstNode"/>
+            <dgm:param type="begPts" val="ctr"/>
+            <dgm:param type="endPts" val="ctr"/>
+            <dgm:param type="endSty" val="noArr"/>
+          </dgm:alg>
+          <dgm:shape xmlns:r="http://schemas.openxmlformats.org/officeDocument/2006/relationships" type="conn" r:blip="">
+            <dgm:adjLst/>
+          </dgm:shape>
+          <dgm:presOf axis="desOrSelf" ptType="sibTrans" hideLastTrans="0" st="0" cnt="1"/>
+          <dgm:constrLst>
+            <dgm:constr type="begPad"/>
+            <dgm:constr type="endPad"/>
+          </dgm:constrLst>
+        </dgm:layoutNode>
+        <dgm:layoutNode name="extraNode">
+          <dgm:alg type="sp"/>
+          <dgm:shape xmlns:r="http://schemas.openxmlformats.org/officeDocument/2006/relationships" type="rect" r:blip="" hideGeom="1">
+            <dgm:adjLst/>
+          </dgm:shape>
+          <dgm:presOf/>
+        </dgm:layoutNode>
+        <dgm:layoutNode name="dstNode">
+          <dgm:alg type="sp"/>
+          <dgm:shape xmlns:r="http://schemas.openxmlformats.org/officeDocument/2006/relationships" type="rect" r:blip="" hideGeom="1">
+            <dgm:adjLst/>
+          </dgm:shape>
+          <dgm:presOf/>
+        </dgm:layoutNode>
+      </dgm:layoutNode>
+      <dgm:forEach name="wrapper" axis="self" ptType="parTrans">
+        <dgm:forEach name="wrapper2" axis="self" ptType="sibTrans" st="2">
+          <dgm:forEach name="accentRepeat" axis="self">
+            <dgm:layoutNode name="accentRepeatNode" styleLbl="solidFgAcc1">
+              <dgm:alg type="sp"/>
+              <dgm:shape xmlns:r="http://schemas.openxmlformats.org/officeDocument/2006/relationships" type="ellipse" r:blip="">
+                <dgm:adjLst/>
+              </dgm:shape>
+              <dgm:presOf/>
+            </dgm:layoutNode>
+          </dgm:forEach>
+        </dgm:forEach>
+      </dgm:forEach>
+      <dgm:forEach name="Name24" axis="ch" ptType="node" cnt="1">
+        <dgm:layoutNode name="text_1" styleLbl="node1">
+          <dgm:varLst>
+            <dgm:bulletEnabled val="1"/>
+          </dgm:varLst>
+          <dgm:choose name="Name25">
+            <dgm:if name="Name26" func="var" arg="dir" op="equ" val="norm">
+              <dgm:alg type="tx">
+                <dgm:param type="parTxLTRAlign" val="l"/>
+                <dgm:param type="shpTxLTRAlignCh" val="l"/>
+                <dgm:param type="parTxRTLAlign" val="l"/>
+                <dgm:param type="shpTxRTLAlignCh" val="l"/>
+              </dgm:alg>
+            </dgm:if>
+            <dgm:else name="Name27">
+              <dgm:alg type="tx">
+                <dgm:param type="parTxLTRAlign" val="r"/>
+                <dgm:param type="shpTxLTRAlignCh" val="r"/>
+                <dgm:param type="parTxRTLAlign" val="r"/>
+                <dgm:param type="shpTxRTLAlignCh" val="r"/>
+              </dgm:alg>
+            </dgm:else>
+          </dgm:choose>
+          <dgm:shape xmlns:r="http://schemas.openxmlformats.org/officeDocument/2006/relationships" type="rect" r:blip="">
+            <dgm:adjLst/>
+          </dgm:shape>
+          <dgm:presOf axis="desOrSelf" ptType="node"/>
+          <dgm:constrLst>
+            <dgm:constr type="primFontSz" val="65"/>
+            <dgm:constr type="lMarg" refType="primFontSz" fact="0.2"/>
+            <dgm:constr type="rMarg" refType="primFontSz" fact="0.2"/>
+            <dgm:constr type="tMarg" refType="primFontSz" fact="0.2"/>
+            <dgm:constr type="bMarg" refType="primFontSz" fact="0.2"/>
+          </dgm:constrLst>
+          <dgm:ruleLst>
+            <dgm:rule type="primFontSz" val="5" fact="NaN" max="NaN"/>
+          </dgm:ruleLst>
+        </dgm:layoutNode>
+        <dgm:layoutNode name="accent_1">
+          <dgm:alg type="sp"/>
+          <dgm:shape xmlns:r="http://schemas.openxmlformats.org/officeDocument/2006/relationships" r:blip="">
+            <dgm:adjLst/>
+          </dgm:shape>
+          <dgm:presOf/>
+          <dgm:constrLst/>
+          <dgm:forEach name="Name28" ref="accentRepeat"/>
+        </dgm:layoutNode>
+      </dgm:forEach>
+      <dgm:forEach name="Name29" axis="ch" ptType="node" st="2" cnt="1">
+        <dgm:layoutNode name="text_2" styleLbl="node1">
+          <dgm:varLst>
+            <dgm:bulletEnabled val="1"/>
+          </dgm:varLst>
+          <dgm:choose name="Name30">
+            <dgm:if name="Name31" func="var" arg="dir" op="equ" val="norm">
+              <dgm:alg type="tx">
+                <dgm:param type="parTxLTRAlign" val="l"/>
+                <dgm:param type="shpTxLTRAlignCh" val="l"/>
+                <dgm:param type="parTxRTLAlign" val="l"/>
+                <dgm:param type="shpTxRTLAlignCh" val="l"/>
+              </dgm:alg>
+            </dgm:if>
+            <dgm:else name="Name32">
+              <dgm:alg type="tx">
+                <dgm:param type="parTxLTRAlign" val="r"/>
+                <dgm:param type="shpTxLTRAlignCh" val="r"/>
+                <dgm:param type="parTxRTLAlign" val="r"/>
+                <dgm:param type="shpTxRTLAlignCh" val="r"/>
+              </dgm:alg>
+            </dgm:else>
+          </dgm:choose>
+          <dgm:shape xmlns:r="http://schemas.openxmlformats.org/officeDocument/2006/relationships" type="rect" r:blip="">
+            <dgm:adjLst/>
+          </dgm:shape>
+          <dgm:presOf axis="desOrSelf" ptType="node"/>
+          <dgm:constrLst>
+            <dgm:constr type="primFontSz" val="65"/>
+            <dgm:constr type="lMarg" refType="primFontSz" fact="0.2"/>
+            <dgm:constr type="rMarg" refType="primFontSz" fact="0.2"/>
+            <dgm:constr type="tMarg" refType="primFontSz" fact="0.2"/>
+            <dgm:constr type="bMarg" refType="primFontSz" fact="0.2"/>
+          </dgm:constrLst>
+          <dgm:ruleLst>
+            <dgm:rule type="primFontSz" val="5" fact="NaN" max="NaN"/>
+          </dgm:ruleLst>
+        </dgm:layoutNode>
+        <dgm:layoutNode name="accent_2">
+          <dgm:alg type="sp"/>
+          <dgm:shape xmlns:r="http://schemas.openxmlformats.org/officeDocument/2006/relationships" r:blip="">
+            <dgm:adjLst/>
+          </dgm:shape>
+          <dgm:presOf/>
+          <dgm:constrLst/>
+          <dgm:forEach name="Name33" ref="accentRepeat"/>
+        </dgm:layoutNode>
+      </dgm:forEach>
+      <dgm:forEach name="Name34" axis="ch" ptType="node" st="3" cnt="1">
+        <dgm:layoutNode name="text_3" styleLbl="node1">
+          <dgm:varLst>
+            <dgm:bulletEnabled val="1"/>
+          </dgm:varLst>
+          <dgm:choose name="Name35">
+            <dgm:if name="Name36" func="var" arg="dir" op="equ" val="norm">
+              <dgm:alg type="tx">
+                <dgm:param type="parTxLTRAlign" val="l"/>
+                <dgm:param type="shpTxLTRAlignCh" val="l"/>
+                <dgm:param type="parTxRTLAlign" val="l"/>
+                <dgm:param type="shpTxRTLAlignCh" val="l"/>
+              </dgm:alg>
+            </dgm:if>
+            <dgm:else name="Name37">
+              <dgm:alg type="tx">
+                <dgm:param type="parTxLTRAlign" val="r"/>
+                <dgm:param type="shpTxLTRAlignCh" val="r"/>
+                <dgm:param type="parTxRTLAlign" val="r"/>
+                <dgm:param type="shpTxRTLAlignCh" val="r"/>
+              </dgm:alg>
+            </dgm:else>
+          </dgm:choose>
+          <dgm:shape xmlns:r="http://schemas.openxmlformats.org/officeDocument/2006/relationships" type="rect" r:blip="">
+            <dgm:adjLst/>
+          </dgm:shape>
+          <dgm:presOf axis="desOrSelf" ptType="node"/>
+          <dgm:constrLst>
+            <dgm:constr type="primFontSz" val="65"/>
+            <dgm:constr type="lMarg" refType="primFontSz" fact="0.2"/>
+            <dgm:constr type="rMarg" refType="primFontSz" fact="0.2"/>
+            <dgm:constr type="tMarg" refType="primFontSz" fact="0.2"/>
+            <dgm:constr type="bMarg" refType="primFontSz" fact="0.2"/>
+          </dgm:constrLst>
+          <dgm:ruleLst>
+            <dgm:rule type="primFontSz" val="5" fact="NaN" max="NaN"/>
+          </dgm:ruleLst>
+        </dgm:layoutNode>
+        <dgm:layoutNode name="accent_3">
+          <dgm:alg type="sp"/>
+          <dgm:shape xmlns:r="http://schemas.openxmlformats.org/officeDocument/2006/relationships" r:blip="">
+            <dgm:adjLst/>
+          </dgm:shape>
+          <dgm:presOf/>
+          <dgm:constrLst/>
+          <dgm:forEach name="Name38" ref="accentRepeat"/>
+        </dgm:layoutNode>
+      </dgm:forEach>
+      <dgm:forEach name="Name39" axis="ch" ptType="node" st="4" cnt="1">
+        <dgm:layoutNode name="text_4" styleLbl="node1">
+          <dgm:varLst>
+            <dgm:bulletEnabled val="1"/>
+          </dgm:varLst>
+          <dgm:choose name="Name40">
+            <dgm:if name="Name41" func="var" arg="dir" op="equ" val="norm">
+              <dgm:alg type="tx">
+                <dgm:param type="parTxLTRAlign" val="l"/>
+                <dgm:param type="shpTxLTRAlignCh" val="l"/>
+                <dgm:param type="parTxRTLAlign" val="l"/>
+                <dgm:param type="shpTxRTLAlignCh" val="l"/>
+              </dgm:alg>
+            </dgm:if>
+            <dgm:else name="Name42">
+              <dgm:alg type="tx">
+                <dgm:param type="parTxLTRAlign" val="r"/>
+                <dgm:param type="shpTxLTRAlignCh" val="r"/>
+                <dgm:param type="parTxRTLAlign" val="r"/>
+                <dgm:param type="shpTxRTLAlignCh" val="r"/>
+              </dgm:alg>
+            </dgm:else>
+          </dgm:choose>
+          <dgm:shape xmlns:r="http://schemas.openxmlformats.org/officeDocument/2006/relationships" type="rect" r:blip="">
+            <dgm:adjLst/>
+          </dgm:shape>
+          <dgm:presOf axis="desOrSelf" ptType="node"/>
+          <dgm:constrLst>
+            <dgm:constr type="primFontSz" val="65"/>
+            <dgm:constr type="lMarg" refType="primFontSz" fact="0.2"/>
+            <dgm:constr type="rMarg" refType="primFontSz" fact="0.2"/>
+            <dgm:constr type="tMarg" refType="primFontSz" fact="0.2"/>
+            <dgm:constr type="bMarg" refType="primFontSz" fact="0.2"/>
+          </dgm:constrLst>
+          <dgm:ruleLst>
+            <dgm:rule type="primFontSz" val="5" fact="NaN" max="NaN"/>
+          </dgm:ruleLst>
+        </dgm:layoutNode>
+        <dgm:layoutNode name="accent_4">
+          <dgm:alg type="sp"/>
+          <dgm:shape xmlns:r="http://schemas.openxmlformats.org/officeDocument/2006/relationships" r:blip="">
+            <dgm:adjLst/>
+          </dgm:shape>
+          <dgm:presOf/>
+          <dgm:constrLst/>
+          <dgm:forEach name="Name43" ref="accentRepeat"/>
+        </dgm:layoutNode>
+      </dgm:forEach>
+      <dgm:forEach name="Name44" axis="ch" ptType="node" st="5" cnt="1">
+        <dgm:layoutNode name="text_5" styleLbl="node1">
+          <dgm:varLst>
+            <dgm:bulletEnabled val="1"/>
+          </dgm:varLst>
+          <dgm:choose name="Name45">
+            <dgm:if name="Name46" func="var" arg="dir" op="equ" val="norm">
+              <dgm:alg type="tx">
+                <dgm:param type="parTxLTRAlign" val="l"/>
+                <dgm:param type="shpTxLTRAlignCh" val="l"/>
+                <dgm:param type="parTxRTLAlign" val="l"/>
+                <dgm:param type="shpTxRTLAlignCh" val="l"/>
+              </dgm:alg>
+            </dgm:if>
+            <dgm:else name="Name47">
+              <dgm:alg type="tx">
+                <dgm:param type="parTxLTRAlign" val="r"/>
+                <dgm:param type="shpTxLTRAlignCh" val="r"/>
+                <dgm:param type="parTxRTLAlign" val="r"/>
+                <dgm:param type="shpTxRTLAlignCh" val="r"/>
+              </dgm:alg>
+            </dgm:else>
+          </dgm:choose>
+          <dgm:shape xmlns:r="http://schemas.openxmlformats.org/officeDocument/2006/relationships" type="rect" r:blip="">
+            <dgm:adjLst/>
+          </dgm:shape>
+          <dgm:presOf axis="desOrSelf" ptType="node"/>
+          <dgm:constrLst>
+            <dgm:constr type="primFontSz" val="65"/>
+            <dgm:constr type="lMarg" refType="primFontSz" fact="0.2"/>
+            <dgm:constr type="rMarg" refType="primFontSz" fact="0.2"/>
+            <dgm:constr type="tMarg" refType="primFontSz" fact="0.2"/>
+            <dgm:constr type="bMarg" refType="primFontSz" fact="0.2"/>
+          </dgm:constrLst>
+          <dgm:ruleLst>
+            <dgm:rule type="primFontSz" val="5" fact="NaN" max="NaN"/>
+          </dgm:ruleLst>
+        </dgm:layoutNode>
+        <dgm:layoutNode name="accent_5">
+          <dgm:alg type="sp"/>
+          <dgm:shape xmlns:r="http://schemas.openxmlformats.org/officeDocument/2006/relationships" r:blip="">
+            <dgm:adjLst/>
+          </dgm:shape>
+          <dgm:presOf/>
+          <dgm:constrLst/>
+          <dgm:forEach name="Name48" ref="accentRepeat"/>
+        </dgm:layoutNode>
+      </dgm:forEach>
+      <dgm:forEach name="Name49" axis="ch" ptType="node" st="6" cnt="1">
+        <dgm:layoutNode name="text_6" styleLbl="node1">
+          <dgm:varLst>
+            <dgm:bulletEnabled val="1"/>
+          </dgm:varLst>
+          <dgm:choose name="Name50">
+            <dgm:if name="Name51" func="var" arg="dir" op="equ" val="norm">
+              <dgm:alg type="tx">
+                <dgm:param type="parTxLTRAlign" val="l"/>
+                <dgm:param type="shpTxLTRAlignCh" val="l"/>
+                <dgm:param type="parTxRTLAlign" val="l"/>
+                <dgm:param type="shpTxRTLAlignCh" val="l"/>
+              </dgm:alg>
+            </dgm:if>
+            <dgm:else name="Name52">
+              <dgm:alg type="tx">
+                <dgm:param type="parTxLTRAlign" val="r"/>
+                <dgm:param type="shpTxLTRAlignCh" val="r"/>
+                <dgm:param type="parTxRTLAlign" val="r"/>
+                <dgm:param type="shpTxRTLAlignCh" val="r"/>
+              </dgm:alg>
+            </dgm:else>
+          </dgm:choose>
+          <dgm:shape xmlns:r="http://schemas.openxmlformats.org/officeDocument/2006/relationships" type="rect" r:blip="">
+            <dgm:adjLst/>
+          </dgm:shape>
+          <dgm:presOf axis="desOrSelf" ptType="node"/>
+          <dgm:constrLst>
+            <dgm:constr type="primFontSz" val="65"/>
+            <dgm:constr type="lMarg" refType="primFontSz" fact="0.2"/>
+            <dgm:constr type="rMarg" refType="primFontSz" fact="0.2"/>
+            <dgm:constr type="tMarg" refType="primFontSz" fact="0.2"/>
+            <dgm:constr type="bMarg" refType="primFontSz" fact="0.2"/>
+          </dgm:constrLst>
+          <dgm:ruleLst>
+            <dgm:rule type="primFontSz" val="5" fact="NaN" max="NaN"/>
+          </dgm:ruleLst>
+        </dgm:layoutNode>
+        <dgm:layoutNode name="accent_6">
+          <dgm:alg type="sp"/>
+          <dgm:shape xmlns:r="http://schemas.openxmlformats.org/officeDocument/2006/relationships" r:blip="">
+            <dgm:adjLst/>
+          </dgm:shape>
+          <dgm:presOf/>
+          <dgm:constrLst/>
+          <dgm:forEach name="Name53" ref="accentRepeat"/>
+        </dgm:layoutNode>
+      </dgm:forEach>
+      <dgm:forEach name="Name54" axis="ch" ptType="node" st="7" cnt="1">
+        <dgm:layoutNode name="text_7" styleLbl="node1">
+          <dgm:varLst>
+            <dgm:bulletEnabled val="1"/>
+          </dgm:varLst>
+          <dgm:choose name="Name55">
+            <dgm:if name="Name56" func="var" arg="dir" op="equ" val="norm">
+              <dgm:alg type="tx">
+                <dgm:param type="parTxLTRAlign" val="l"/>
+                <dgm:param type="shpTxLTRAlignCh" val="l"/>
+                <dgm:param type="parTxRTLAlign" val="l"/>
+                <dgm:param type="shpTxRTLAlignCh" val="l"/>
+              </dgm:alg>
+            </dgm:if>
+            <dgm:else name="Name57">
+              <dgm:alg type="tx">
+                <dgm:param type="parTxLTRAlign" val="r"/>
+                <dgm:param type="shpTxLTRAlignCh" val="r"/>
+                <dgm:param type="parTxRTLAlign" val="r"/>
+                <dgm:param type="shpTxRTLAlignCh" val="r"/>
+              </dgm:alg>
+            </dgm:else>
+          </dgm:choose>
+          <dgm:shape xmlns:r="http://schemas.openxmlformats.org/officeDocument/2006/relationships" type="rect" r:blip="">
+            <dgm:adjLst/>
+          </dgm:shape>
+          <dgm:presOf axis="desOrSelf" ptType="node"/>
+          <dgm:constrLst>
+            <dgm:constr type="primFontSz" val="65"/>
+            <dgm:constr type="lMarg" refType="primFontSz" fact="0.2"/>
+            <dgm:constr type="rMarg" refType="primFontSz" fact="0.2"/>
+            <dgm:constr type="tMarg" refType="primFontSz" fact="0.2"/>
+            <dgm:constr type="bMarg" refType="primFontSz" fact="0.2"/>
+          </dgm:constrLst>
+          <dgm:ruleLst>
+            <dgm:rule type="primFontSz" val="5" fact="NaN" max="NaN"/>
+          </dgm:ruleLst>
+        </dgm:layoutNode>
+        <dgm:layoutNode name="accent_7">
+          <dgm:alg type="sp"/>
+          <dgm:shape xmlns:r="http://schemas.openxmlformats.org/officeDocument/2006/relationships" r:blip="">
+            <dgm:adjLst/>
+          </dgm:shape>
+          <dgm:presOf/>
+          <dgm:constrLst/>
+          <dgm:forEach name="Name58" ref="accentRepeat"/>
+        </dgm:layoutNode>
+      </dgm:forEach>
+    </dgm:layoutNode>
+  </dgm:layoutNode>
+</dgm:layoutDef>
+</file>
+
 <file path=ppt/diagrams/quickStyle1.xml><?xml version="1.0" encoding="utf-8"?>
+<dgm:styleDef xmlns:dgm="http://schemas.openxmlformats.org/drawingml/2006/diagram" xmlns:a="http://schemas.openxmlformats.org/drawingml/2006/main" uniqueId="urn:microsoft.com/office/officeart/2005/8/quickstyle/simple1">
+  <dgm:title val=""/>
+  <dgm:desc val=""/>
+  <dgm:catLst>
+    <dgm:cat type="simple" pri="10100"/>
+  </dgm:catLst>
+  <dgm:scene3d>
+    <a:camera prst="orthographicFront"/>
+    <a:lightRig rig="threePt" dir="t"/>
+  </dgm:scene3d>
+  <dgm:styleLbl name="node0">
+    <dgm:scene3d>
+      <a:camera prst="orthographicFront"/>
+      <a:lightRig rig="threePt" dir="t"/>
+    </dgm:scene3d>
+    <dgm:sp3d/>
+    <dgm:txPr/>
+    <dgm:style>
+      <a:lnRef idx="2">
+        <a:scrgbClr r="0" g="0" b="0"/>
+      </a:lnRef>
+      <a:fillRef idx="1">
+        <a:scrgbClr r="0" g="0" b="0"/>
+      </a:fillRef>
+      <a:effectRef idx="0">
+        <a:scrgbClr r="0" g="0" b="0"/>
+      </a:effectRef>
+      <a:fontRef idx="minor">
+        <a:schemeClr val="lt1"/>
+      </a:fontRef>
+    </dgm:style>
+  </dgm:styleLbl>
+  <dgm:styleLbl name="lnNode1">
+    <dgm:scene3d>
+      <a:camera prst="orthographicFront"/>
+      <a:lightRig rig="threePt" dir="t"/>
+    </dgm:scene3d>
+    <dgm:sp3d/>
+    <dgm:txPr/>
+    <dgm:style>
+      <a:lnRef idx="2">
+        <a:scrgbClr r="0" g="0" b="0"/>
+      </a:lnRef>
+      <a:fillRef idx="1">
+        <a:scrgbClr r="0" g="0" b="0"/>
+      </a:fillRef>
+      <a:effectRef idx="0">
+        <a:scrgbClr r="0" g="0" b="0"/>
+      </a:effectRef>
+      <a:fontRef idx="minor">
+        <a:schemeClr val="lt1"/>
+      </a:fontRef>
+    </dgm:style>
+  </dgm:styleLbl>
+  <dgm:styleLbl name="vennNode1">
+    <dgm:scene3d>
+      <a:camera prst="orthographicFront"/>
+      <a:lightRig rig="threePt" dir="t"/>
+    </dgm:scene3d>
+    <dgm:sp3d/>
+    <dgm:txPr/>
+    <dgm:style>
+      <a:lnRef idx="2">
+        <a:scrgbClr r="0" g="0" b="0"/>
+      </a:lnRef>
+      <a:fillRef idx="1">
+        <a:scrgbClr r="0" g="0" b="0"/>
+      </a:fillRef>
+      <a:effectRef idx="0">
+        <a:scrgbClr r="0" g="0" b="0"/>
+      </a:effectRef>
+      <a:fontRef idx="minor">
+        <a:schemeClr val="tx1"/>
+      </a:fontRef>
+    </dgm:style>
+  </dgm:styleLbl>
+  <dgm:styleLbl name="alignNode1">
+    <dgm:scene3d>
+      <a:camera prst="orthographicFront"/>
+      <a:lightRig rig="threePt" dir="t"/>
+    </dgm:scene3d>
+    <dgm:sp3d/>
+    <dgm:txPr/>
+    <dgm:style>
+      <a:lnRef idx="2">
+        <a:scrgbClr r="0" g="0" b="0"/>
+      </a:lnRef>
+      <a:fillRef idx="1">
+        <a:scrgbClr r="0" g="0" b="0"/>
+      </a:fillRef>
+      <a:effectRef idx="0">
+        <a:scrgbClr r="0" g="0" b="0"/>
+      </a:effectRef>
+      <a:fontRef idx="minor">
+        <a:schemeClr val="lt1"/>
+      </a:fontRef>
+    </dgm:style>
+  </dgm:styleLbl>
+  <dgm:styleLbl name="node1">
+    <dgm:scene3d>
+      <a:camera prst="orthographicFront"/>
+      <a:lightRig rig="threePt" dir="t"/>
+    </dgm:scene3d>
+    <dgm:sp3d/>
+    <dgm:txPr/>
+    <dgm:style>
+      <a:lnRef idx="2">
+        <a:scrgbClr r="0" g="0" b="0"/>
+      </a:lnRef>
+      <a:fillRef idx="1">
+        <a:scrgbClr r="0" g="0" b="0"/>
+      </a:fillRef>
+      <a:effectRef idx="0">
+        <a:scrgbClr r="0" g="0" b="0"/>
+      </a:effectRef>
+      <a:fontRef idx="minor">
+        <a:schemeClr val="lt1"/>
+      </a:fontRef>
+    </dgm:style>
+  </dgm:styleLbl>
+  <dgm:styleLbl name="node2">
+    <dgm:scene3d>
+      <a:camera prst="orthographicFront"/>
+      <a:lightRig rig="threePt" dir="t"/>
+    </dgm:scene3d>
+    <dgm:sp3d/>
+    <dgm:txPr/>
+    <dgm:style>
+      <a:lnRef idx="2">
+        <a:scrgbClr r="0" g="0" b="0"/>
+      </a:lnRef>
+      <a:fillRef idx="1">
+        <a:scrgbClr r="0" g="0" b="0"/>
+      </a:fillRef>
+      <a:effectRef idx="0">
+        <a:scrgbClr r="0" g="0" b="0"/>
+      </a:effectRef>
+      <a:fontRef idx="minor">
+        <a:schemeClr val="lt1"/>
+      </a:fontRef>
+    </dgm:style>
+  </dgm:styleLbl>
+  <dgm:styleLbl name="node3">
+    <dgm:scene3d>
+      <a:camera prst="orthographicFront"/>
+      <a:lightRig rig="threePt" dir="t"/>
+    </dgm:scene3d>
+    <dgm:sp3d/>
+    <dgm:txPr/>
+    <dgm:style>
+      <a:lnRef idx="2">
+        <a:scrgbClr r="0" g="0" b="0"/>
+      </a:lnRef>
+      <a:fillRef idx="1">
+        <a:scrgbClr r="0" g="0" b="0"/>
+      </a:fillRef>
+      <a:effectRef idx="0">
+        <a:scrgbClr r="0" g="0" b="0"/>
+      </a:effectRef>
+      <a:fontRef idx="minor">
+        <a:schemeClr val="lt1"/>
+      </a:fontRef>
+    </dgm:style>
+  </dgm:styleLbl>
+  <dgm:styleLbl name="node4">
+    <dgm:scene3d>
+      <a:camera prst="orthographicFront"/>
+      <a:lightRig rig="threePt" dir="t"/>
+    </dgm:scene3d>
+    <dgm:sp3d/>
+    <dgm:txPr/>
+    <dgm:style>
+      <a:lnRef idx="2">
+        <a:scrgbClr r="0" g="0" b="0"/>
+      </a:lnRef>
+      <a:fillRef idx="1">
+        <a:scrgbClr r="0" g="0" b="0"/>
+      </a:fillRef>
+      <a:effectRef idx="0">
+        <a:scrgbClr r="0" g="0" b="0"/>
+      </a:effectRef>
+      <a:fontRef idx="minor">
+        <a:schemeClr val="lt1"/>
+      </a:fontRef>
+    </dgm:style>
+  </dgm:styleLbl>
+  <dgm:styleLbl name="fgImgPlace1">
+    <dgm:scene3d>
+      <a:camera prst="orthographicFront"/>
+      <a:lightRig rig="threePt" dir="t"/>
+    </dgm:scene3d>
+    <dgm:sp3d/>
+    <dgm:txPr/>
+    <dgm:style>
+      <a:lnRef idx="2">
+        <a:scrgbClr r="0" g="0" b="0"/>
+      </a:lnRef>
+      <a:fillRef idx="1">
+        <a:scrgbClr r="0" g="0" b="0"/>
+      </a:fillRef>
+      <a:effectRef idx="0">
+        <a:scrgbClr r="0" g="0" b="0"/>
+      </a:effectRef>
+      <a:fontRef idx="minor"/>
+    </dgm:style>
+  </dgm:styleLbl>
+  <dgm:styleLbl name="alignImgPlace1">
+    <dgm:scene3d>
+      <a:camera prst="orthographicFront"/>
+      <a:lightRig rig="threePt" dir="t"/>
+    </dgm:scene3d>
+    <dgm:sp3d/>
+    <dgm:txPr/>
+    <dgm:style>
+      <a:lnRef idx="2">
+        <a:scrgbClr r="0" g="0" b="0"/>
+      </a:lnRef>
+      <a:fillRef idx="1">
+        <a:scrgbClr r="0" g="0" b="0"/>
+      </a:fillRef>
+      <a:effectRef idx="0">
+        <a:scrgbClr r="0" g="0" b="0"/>
+      </a:effectRef>
+      <a:fontRef idx="minor"/>
+    </dgm:style>
+  </dgm:styleLbl>
+  <dgm:styleLbl name="bgImgPlace1">
+    <dgm:scene3d>
+      <a:camera prst="orthographicFront"/>
+      <a:lightRig rig="threePt" dir="t"/>
+    </dgm:scene3d>
+    <dgm:sp3d/>
+    <dgm:txPr/>
+    <dgm:style>
+      <a:lnRef idx="2">
+        <a:scrgbClr r="0" g="0" b="0"/>
+      </a:lnRef>
+      <a:fillRef idx="1">
+        <a:scrgbClr r="0" g="0" b="0"/>
+      </a:fillRef>
+      <a:effectRef idx="0">
+        <a:scrgbClr r="0" g="0" b="0"/>
+      </a:effectRef>
+      <a:fontRef idx="minor"/>
+    </dgm:style>
+  </dgm:styleLbl>
+  <dgm:styleLbl name="sibTrans2D1">
+    <dgm:scene3d>
+      <a:camera prst="orthographicFront"/>
+      <a:lightRig rig="threePt" dir="t"/>
+    </dgm:scene3d>
+    <dgm:sp3d/>
+    <dgm:txPr/>
+    <dgm:style>
+      <a:lnRef idx="0">
+        <a:scrgbClr r="0" g="0" b="0"/>
+      </a:lnRef>
+      <a:fillRef idx="1">
+        <a:scrgbClr r="0" g="0" b="0"/>
+      </a:fillRef>
+      <a:effectRef idx="0">
+        <a:scrgbClr r="0" g="0" b="0"/>
+      </a:effectRef>
+      <a:fontRef idx="minor">
+        <a:schemeClr val="lt1"/>
+      </a:fontRef>
+    </dgm:style>
+  </dgm:styleLbl>
+  <dgm:styleLbl name="fgSibTrans2D1">
+    <dgm:scene3d>
+      <a:camera prst="orthographicFront"/>
+      <a:lightRig rig="threePt" dir="t"/>
+    </dgm:scene3d>
+    <dgm:sp3d/>
+    <dgm:txPr/>
+    <dgm:style>
+      <a:lnRef idx="0">
+        <a:scrgbClr r="0" g="0" b="0"/>
+      </a:lnRef>
+      <a:fillRef idx="1">
+        <a:scrgbClr r="0" g="0" b="0"/>
+      </a:fillRef>
+      <a:effectRef idx="0">
+        <a:scrgbClr r="0" g="0" b="0"/>
+      </a:effectRef>
+      <a:fontRef idx="minor">
+        <a:schemeClr val="lt1"/>
+      </a:fontRef>
+    </dgm:style>
+  </dgm:styleLbl>
+  <dgm:styleLbl name="bgSibTrans2D1">
+    <dgm:scene3d>
+      <a:camera prst="orthographicFront"/>
+      <a:lightRig rig="threePt" dir="t"/>
+    </dgm:scene3d>
+    <dgm:sp3d/>
+    <dgm:txPr/>
+    <dgm:style>
+      <a:lnRef idx="0">
+        <a:scrgbClr r="0" g="0" b="0"/>
+      </a:lnRef>
+      <a:fillRef idx="1">
+        <a:scrgbClr r="0" g="0" b="0"/>
+      </a:fillRef>
+      <a:effectRef idx="0">
+        <a:scrgbClr r="0" g="0" b="0"/>
+      </a:effectRef>
+      <a:fontRef idx="minor">
+        <a:schemeClr val="lt1"/>
+      </a:fontRef>
+    </dgm:style>
+  </dgm:styleLbl>
+  <dgm:styleLbl name="sibTrans1D1">
+    <dgm:scene3d>
+      <a:camera prst="orthographicFront"/>
+      <a:lightRig rig="threePt" dir="t"/>
+    </dgm:scene3d>
+    <dgm:sp3d/>
+    <dgm:txPr/>
+    <dgm:style>
+      <a:lnRef idx="1">
+        <a:scrgbClr r="0" g="0" b="0"/>
+      </a:lnRef>
+      <a:fillRef idx="0">
+        <a:scrgbClr r="0" g="0" b="0"/>
+      </a:fillRef>
+      <a:effectRef idx="0">
+        <a:scrgbClr r="0" g="0" b="0"/>
+      </a:effectRef>
+      <a:fontRef idx="minor"/>
+    </dgm:style>
+  </dgm:styleLbl>
+  <dgm:styleLbl name="callout">
+    <dgm:scene3d>
+      <a:camera prst="orthographicFront"/>
+      <a:lightRig rig="threePt" dir="t"/>
+    </dgm:scene3d>
+    <dgm:sp3d/>
+    <dgm:txPr/>
+    <dgm:style>
+      <a:lnRef idx="2">
+        <a:scrgbClr r="0" g="0" b="0"/>
+      </a:lnRef>
+      <a:fillRef idx="1">
+        <a:scrgbClr r="0" g="0" b="0"/>
+      </a:fillRef>
+      <a:effectRef idx="0">
+        <a:scrgbClr r="0" g="0" b="0"/>
+      </a:effectRef>
+      <a:fontRef idx="minor"/>
+    </dgm:style>
+  </dgm:styleLbl>
+  <dgm:styleLbl name="asst0">
+    <dgm:scene3d>
+      <a:camera prst="orthographicFront"/>
+      <a:lightRig rig="threePt" dir="t"/>
+    </dgm:scene3d>
+    <dgm:sp3d/>
+    <dgm:txPr/>
+    <dgm:style>
+      <a:lnRef idx="2">
+        <a:scrgbClr r="0" g="0" b="0"/>
+      </a:lnRef>
+      <a:fillRef idx="1">
+        <a:scrgbClr r="0" g="0" b="0"/>
+      </a:fillRef>
+      <a:effectRef idx="0">
+        <a:scrgbClr r="0" g="0" b="0"/>
+      </a:effectRef>
+      <a:fontRef idx="minor">
+        <a:schemeClr val="lt1"/>
+      </a:fontRef>
+    </dgm:style>
+  </dgm:styleLbl>
+  <dgm:styleLbl name="asst1">
+    <dgm:scene3d>
+      <a:camera prst="orthographicFront"/>
+      <a:lightRig rig="threePt" dir="t"/>
+    </dgm:scene3d>
+    <dgm:sp3d/>
+    <dgm:txPr/>
+    <dgm:style>
+      <a:lnRef idx="2">
+        <a:scrgbClr r="0" g="0" b="0"/>
+      </a:lnRef>
+      <a:fillRef idx="1">
+        <a:scrgbClr r="0" g="0" b="0"/>
+      </a:fillRef>
+      <a:effectRef idx="0">
+        <a:scrgbClr r="0" g="0" b="0"/>
+      </a:effectRef>
+      <a:fontRef idx="minor">
+        <a:schemeClr val="lt1"/>
+      </a:fontRef>
+    </dgm:style>
+  </dgm:styleLbl>
+  <dgm:styleLbl name="asst2">
+    <dgm:scene3d>
+      <a:camera prst="orthographicFront"/>
+      <a:lightRig rig="threePt" dir="t"/>
+    </dgm:scene3d>
+    <dgm:sp3d/>
+    <dgm:txPr/>
+    <dgm:style>
+      <a:lnRef idx="2">
+        <a:scrgbClr r="0" g="0" b="0"/>
+      </a:lnRef>
+      <a:fillRef idx="1">
+        <a:scrgbClr r="0" g="0" b="0"/>
+      </a:fillRef>
+      <a:effectRef idx="0">
+        <a:scrgbClr r="0" g="0" b="0"/>
+      </a:effectRef>
+      <a:fontRef idx="minor">
+        <a:schemeClr val="lt1"/>
+      </a:fontRef>
+    </dgm:style>
+  </dgm:styleLbl>
+  <dgm:styleLbl name="asst3">
+    <dgm:scene3d>
+      <a:camera prst="orthographicFront"/>
+      <a:lightRig rig="threePt" dir="t"/>
+    </dgm:scene3d>
+    <dgm:sp3d/>
+    <dgm:txPr/>
+    <dgm:style>
+      <a:lnRef idx="2">
+        <a:scrgbClr r="0" g="0" b="0"/>
+      </a:lnRef>
+      <a:fillRef idx="1">
+        <a:scrgbClr r="0" g="0" b="0"/>
+      </a:fillRef>
+      <a:effectRef idx="0">
+        <a:scrgbClr r="0" g="0" b="0"/>
+      </a:effectRef>
+      <a:fontRef idx="minor">
+        <a:schemeClr val="lt1"/>
+      </a:fontRef>
+    </dgm:style>
+  </dgm:styleLbl>
+  <dgm:styleLbl name="asst4">
+    <dgm:scene3d>
+      <a:camera prst="orthographicFront"/>
+      <a:lightRig rig="threePt" dir="t"/>
+    </dgm:scene3d>
+    <dgm:sp3d/>
+    <dgm:txPr/>
+    <dgm:style>
+      <a:lnRef idx="2">
+        <a:scrgbClr r="0" g="0" b="0"/>
+      </a:lnRef>
+      <a:fillRef idx="1">
+        <a:scrgbClr r="0" g="0" b="0"/>
+      </a:fillRef>
+      <a:effectRef idx="0">
+        <a:scrgbClr r="0" g="0" b="0"/>
+      </a:effectRef>
+      <a:fontRef idx="minor">
+        <a:schemeClr val="lt1"/>
+      </a:fontRef>
+    </dgm:style>
+  </dgm:styleLbl>
+  <dgm:styleLbl name="parChTrans2D1">
+    <dgm:scene3d>
+      <a:camera prst="orthographicFront"/>
+      <a:lightRig rig="threePt" dir="t"/>
+    </dgm:scene3d>
+    <dgm:sp3d/>
+    <dgm:txPr/>
+    <dgm:style>
+      <a:lnRef idx="2">
+        <a:scrgbClr r="0" g="0" b="0"/>
+      </a:lnRef>
+      <a:fillRef idx="1">
+        <a:scrgbClr r="0" g="0" b="0"/>
+      </a:fillRef>
+      <a:effectRef idx="0">
+        <a:scrgbClr r="0" g="0" b="0"/>
+      </a:effectRef>
+      <a:fontRef idx="minor">
+        <a:schemeClr val="lt1"/>
+      </a:fontRef>
+    </dgm:style>
+  </dgm:styleLbl>
+  <dgm:styleLbl name="parChTrans2D2">
+    <dgm:scene3d>
+      <a:camera prst="orthographicFront"/>
+      <a:lightRig rig="threePt" dir="t"/>
+    </dgm:scene3d>
+    <dgm:sp3d/>
+    <dgm:txPr/>
+    <dgm:style>
+      <a:lnRef idx="2">
+        <a:scrgbClr r="0" g="0" b="0"/>
+      </a:lnRef>
+      <a:fillRef idx="1">
+        <a:scrgbClr r="0" g="0" b="0"/>
+      </a:fillRef>
+      <a:effectRef idx="0">
+        <a:scrgbClr r="0" g="0" b="0"/>
+      </a:effectRef>
+      <a:fontRef idx="minor">
+        <a:schemeClr val="lt1"/>
+      </a:fontRef>
+    </dgm:style>
+  </dgm:styleLbl>
+  <dgm:styleLbl name="parChTrans2D3">
+    <dgm:scene3d>
+      <a:camera prst="orthographicFront"/>
+      <a:lightRig rig="threePt" dir="t"/>
+    </dgm:scene3d>
+    <dgm:sp3d/>
+    <dgm:txPr/>
+    <dgm:style>
+      <a:lnRef idx="2">
+        <a:scrgbClr r="0" g="0" b="0"/>
+      </a:lnRef>
+      <a:fillRef idx="1">
+        <a:scrgbClr r="0" g="0" b="0"/>
+      </a:fillRef>
+      <a:effectRef idx="0">
+        <a:scrgbClr r="0" g="0" b="0"/>
+      </a:effectRef>
+      <a:fontRef idx="minor">
+        <a:schemeClr val="lt1"/>
+      </a:fontRef>
+    </dgm:style>
+  </dgm:styleLbl>
+  <dgm:styleLbl name="parChTrans2D4">
+    <dgm:scene3d>
+      <a:camera prst="orthographicFront"/>
+      <a:lightRig rig="threePt" dir="t"/>
+    </dgm:scene3d>
+    <dgm:sp3d/>
+    <dgm:txPr/>
+    <dgm:style>
+      <a:lnRef idx="2">
+        <a:scrgbClr r="0" g="0" b="0"/>
+      </a:lnRef>
+      <a:fillRef idx="1">
+        <a:scrgbClr r="0" g="0" b="0"/>
+      </a:fillRef>
+      <a:effectRef idx="0">
+        <a:scrgbClr r="0" g="0" b="0"/>
+      </a:effectRef>
+      <a:fontRef idx="minor">
+        <a:schemeClr val="lt1"/>
+      </a:fontRef>
+    </dgm:style>
+  </dgm:styleLbl>
+  <dgm:styleLbl name="parChTrans1D1">
+    <dgm:scene3d>
+      <a:camera prst="orthographicFront"/>
+      <a:lightRig rig="threePt" dir="t"/>
+    </dgm:scene3d>
+    <dgm:sp3d/>
+    <dgm:txPr/>
+    <dgm:style>
+      <a:lnRef idx="2">
+        <a:scrgbClr r="0" g="0" b="0"/>
+      </a:lnRef>
+      <a:fillRef idx="0">
+        <a:scrgbClr r="0" g="0" b="0"/>
+      </a:fillRef>
+      <a:effectRef idx="0">
+        <a:scrgbClr r="0" g="0" b="0"/>
+      </a:effectRef>
+      <a:fontRef idx="minor"/>
+    </dgm:style>
+  </dgm:styleLbl>
+  <dgm:styleLbl name="parChTrans1D2">
+    <dgm:scene3d>
+      <a:camera prst="orthographicFront"/>
+      <a:lightRig rig="threePt" dir="t"/>
+    </dgm:scene3d>
+    <dgm:sp3d/>
+    <dgm:txPr/>
+    <dgm:style>
+      <a:lnRef idx="2">
+        <a:scrgbClr r="0" g="0" b="0"/>
+      </a:lnRef>
+      <a:fillRef idx="0">
+        <a:scrgbClr r="0" g="0" b="0"/>
+      </a:fillRef>
+      <a:effectRef idx="0">
+        <a:scrgbClr r="0" g="0" b="0"/>
+      </a:effectRef>
+      <a:fontRef idx="minor"/>
+    </dgm:style>
+  </dgm:styleLbl>
+  <dgm:styleLbl name="parChTrans1D3">
+    <dgm:scene3d>
+      <a:camera prst="orthographicFront"/>
+      <a:lightRig rig="threePt" dir="t"/>
+    </dgm:scene3d>
+    <dgm:sp3d/>
+    <dgm:txPr/>
+    <dgm:style>
+      <a:lnRef idx="2">
+        <a:scrgbClr r="0" g="0" b="0"/>
+      </a:lnRef>
+      <a:fillRef idx="0">
+        <a:scrgbClr r="0" g="0" b="0"/>
+      </a:fillRef>
+      <a:effectRef idx="0">
+        <a:scrgbClr r="0" g="0" b="0"/>
+      </a:effectRef>
+      <a:fontRef idx="minor"/>
+    </dgm:style>
+  </dgm:styleLbl>
+  <dgm:styleLbl name="parChTrans1D4">
+    <dgm:scene3d>
+      <a:camera prst="orthographicFront"/>
+      <a:lightRig rig="threePt" dir="t"/>
+    </dgm:scene3d>
+    <dgm:sp3d/>
+    <dgm:txPr/>
+    <dgm:style>
+      <a:lnRef idx="2">
+        <a:scrgbClr r="0" g="0" b="0"/>
+      </a:lnRef>
+      <a:fillRef idx="0">
+        <a:scrgbClr r="0" g="0" b="0"/>
+      </a:fillRef>
+      <a:effectRef idx="0">
+        <a:scrgbClr r="0" g="0" b="0"/>
+      </a:effectRef>
+      <a:fontRef idx="minor"/>
+    </dgm:style>
+  </dgm:styleLbl>
+  <dgm:styleLbl name="fgAcc1">
+    <dgm:scene3d>
+      <a:camera prst="orthographicFront"/>
+      <a:lightRig rig="threePt" dir="t"/>
+    </dgm:scene3d>
+    <dgm:sp3d/>
+    <dgm:txPr/>
+    <dgm:style>
+      <a:lnRef idx="2">
+        <a:scrgbClr r="0" g="0" b="0"/>
+      </a:lnRef>
+      <a:fillRef idx="1">
+        <a:scrgbClr r="0" g="0" b="0"/>
+      </a:fillRef>
+      <a:effectRef idx="0">
+        <a:scrgbClr r="0" g="0" b="0"/>
+      </a:effectRef>
+      <a:fontRef idx="minor"/>
+    </dgm:style>
+  </dgm:styleLbl>
+  <dgm:styleLbl name="conFgAcc1">
+    <dgm:scene3d>
+      <a:camera prst="orthographicFront"/>
+      <a:lightRig rig="threePt" dir="t"/>
+    </dgm:scene3d>
+    <dgm:sp3d/>
+    <dgm:txPr/>
+    <dgm:style>
+      <a:lnRef idx="2">
+        <a:scrgbClr r="0" g="0" b="0"/>
+      </a:lnRef>
+      <a:fillRef idx="1">
+        <a:scrgbClr r="0" g="0" b="0"/>
+      </a:fillRef>
+      <a:effectRef idx="0">
+        <a:scrgbClr r="0" g="0" b="0"/>
+      </a:effectRef>
+      <a:fontRef idx="minor"/>
+    </dgm:style>
+  </dgm:styleLbl>
+  <dgm:styleLbl name="alignAcc1">
+    <dgm:scene3d>
+      <a:camera prst="orthographicFront"/>
+      <a:lightRig rig="threePt" dir="t"/>
+    </dgm:scene3d>
+    <dgm:sp3d/>
+    <dgm:txPr/>
+    <dgm:style>
+      <a:lnRef idx="2">
+        <a:scrgbClr r="0" g="0" b="0"/>
+      </a:lnRef>
+      <a:fillRef idx="1">
+        <a:scrgbClr r="0" g="0" b="0"/>
+      </a:fillRef>
+      <a:effectRef idx="0">
+        <a:scrgbClr r="0" g="0" b="0"/>
+      </a:effectRef>
+      <a:fontRef idx="minor"/>
+    </dgm:style>
+  </dgm:styleLbl>
+  <dgm:styleLbl name="trAlignAcc1">
+    <dgm:scene3d>
+      <a:camera prst="orthographicFront"/>
+      <a:lightRig rig="threePt" dir="t"/>
+    </dgm:scene3d>
+    <dgm:sp3d/>
+    <dgm:txPr/>
+    <dgm:style>
+      <a:lnRef idx="1">
+        <a:scrgbClr r="0" g="0" b="0"/>
+      </a:lnRef>
+      <a:fillRef idx="1">
+        <a:scrgbClr r="0" g="0" b="0"/>
+      </a:fillRef>
+      <a:effectRef idx="0">
+        <a:scrgbClr r="0" g="0" b="0"/>
+      </a:effectRef>
+      <a:fontRef idx="minor"/>
+    </dgm:style>
+  </dgm:styleLbl>
+  <dgm:styleLbl name="bgAcc1">
+    <dgm:scene3d>
+      <a:camera prst="orthographicFront"/>
+      <a:lightRig rig="threePt" dir="t"/>
+    </dgm:scene3d>
+    <dgm:sp3d/>
+    <dgm:txPr/>
+    <dgm:style>
+      <a:lnRef idx="2">
+        <a:scrgbClr r="0" g="0" b="0"/>
+      </a:lnRef>
+      <a:fillRef idx="1">
+        <a:scrgbClr r="0" g="0" b="0"/>
+      </a:fillRef>
+      <a:effectRef idx="0">
+        <a:scrgbClr r="0" g="0" b="0"/>
+      </a:effectRef>
+      <a:fontRef idx="minor"/>
+    </dgm:style>
+  </dgm:styleLbl>
+  <dgm:styleLbl name="solidFgAcc1">
+    <dgm:scene3d>
+      <a:camera prst="orthographicFront"/>
+      <a:lightRig rig="threePt" dir="t"/>
+    </dgm:scene3d>
+    <dgm:sp3d/>
+    <dgm:txPr/>
+    <dgm:style>
+      <a:lnRef idx="2">
+        <a:scrgbClr r="0" g="0" b="0"/>
+      </a:lnRef>
+      <a:fillRef idx="1">
+        <a:scrgbClr r="0" g="0" b="0"/>
+      </a:fillRef>
+      <a:effectRef idx="0">
+        <a:scrgbClr r="0" g="0" b="0"/>
+      </a:effectRef>
+      <a:fontRef idx="minor"/>
+    </dgm:style>
+  </dgm:styleLbl>
+  <dgm:styleLbl name="solidAlignAcc1">
+    <dgm:scene3d>
+      <a:camera prst="orthographicFront"/>
+      <a:lightRig rig="threePt" dir="t"/>
+    </dgm:scene3d>
+    <dgm:sp3d/>
+    <dgm:txPr/>
+    <dgm:style>
+      <a:lnRef idx="2">
+        <a:scrgbClr r="0" g="0" b="0"/>
+      </a:lnRef>
+      <a:fillRef idx="1">
+        <a:scrgbClr r="0" g="0" b="0"/>
+      </a:fillRef>
+      <a:effectRef idx="0">
+        <a:scrgbClr r="0" g="0" b="0"/>
+      </a:effectRef>
+      <a:fontRef idx="minor"/>
+    </dgm:style>
+  </dgm:styleLbl>
+  <dgm:styleLbl name="solidBgAcc1">
+    <dgm:scene3d>
+      <a:camera prst="orthographicFront"/>
+      <a:lightRig rig="threePt" dir="t"/>
+    </dgm:scene3d>
+    <dgm:sp3d/>
+    <dgm:txPr/>
+    <dgm:style>
+      <a:lnRef idx="2">
+        <a:scrgbClr r="0" g="0" b="0"/>
+      </a:lnRef>
+      <a:fillRef idx="1">
+        <a:scrgbClr r="0" g="0" b="0"/>
+      </a:fillRef>
+      <a:effectRef idx="0">
+        <a:scrgbClr r="0" g="0" b="0"/>
+      </a:effectRef>
+      <a:fontRef idx="minor"/>
+    </dgm:style>
+  </dgm:styleLbl>
+  <dgm:styleLbl name="fgAccFollowNode1">
+    <dgm:scene3d>
+      <a:camera prst="orthographicFront"/>
+      <a:lightRig rig="threePt" dir="t"/>
+    </dgm:scene3d>
+    <dgm:sp3d/>
+    <dgm:txPr/>
+    <dgm:style>
+      <a:lnRef idx="2">
+        <a:scrgbClr r="0" g="0" b="0"/>
+      </a:lnRef>
+      <a:fillRef idx="1">
+        <a:scrgbClr r="0" g="0" b="0"/>
+      </a:fillRef>
+      <a:effectRef idx="0">
+        <a:scrgbClr r="0" g="0" b="0"/>
+      </a:effectRef>
+      <a:fontRef idx="minor"/>
+    </dgm:style>
+  </dgm:styleLbl>
+  <dgm:styleLbl name="alignAccFollowNode1">
+    <dgm:scene3d>
+      <a:camera prst="orthographicFront"/>
+      <a:lightRig rig="threePt" dir="t"/>
+    </dgm:scene3d>
+    <dgm:sp3d/>
+    <dgm:txPr/>
+    <dgm:style>
+      <a:lnRef idx="2">
+        <a:scrgbClr r="0" g="0" b="0"/>
+      </a:lnRef>
+      <a:fillRef idx="1">
+        <a:scrgbClr r="0" g="0" b="0"/>
+      </a:fillRef>
+      <a:effectRef idx="0">
+        <a:scrgbClr r="0" g="0" b="0"/>
+      </a:effectRef>
+      <a:fontRef idx="minor"/>
+    </dgm:style>
+  </dgm:styleLbl>
+  <dgm:styleLbl name="bgAccFollowNode1">
+    <dgm:scene3d>
+      <a:camera prst="orthographicFront"/>
+      <a:lightRig rig="threePt" dir="t"/>
+    </dgm:scene3d>
+    <dgm:sp3d/>
+    <dgm:txPr/>
+    <dgm:style>
+      <a:lnRef idx="2">
+        <a:scrgbClr r="0" g="0" b="0"/>
+      </a:lnRef>
+      <a:fillRef idx="1">
+        <a:scrgbClr r="0" g="0" b="0"/>
+      </a:fillRef>
+      <a:effectRef idx="0">
+        <a:scrgbClr r="0" g="0" b="0"/>
+      </a:effectRef>
+      <a:fontRef idx="minor"/>
+    </dgm:style>
+  </dgm:styleLbl>
+  <dgm:styleLbl name="fgAcc0">
+    <dgm:scene3d>
+      <a:camera prst="orthographicFront"/>
+      <a:lightRig rig="threePt" dir="t"/>
+    </dgm:scene3d>
+    <dgm:sp3d/>
+    <dgm:txPr/>
+    <dgm:style>
+      <a:lnRef idx="2">
+        <a:scrgbClr r="0" g="0" b="0"/>
+      </a:lnRef>
+      <a:fillRef idx="1">
+        <a:scrgbClr r="0" g="0" b="0"/>
+      </a:fillRef>
+      <a:effectRef idx="0">
+        <a:scrgbClr r="0" g="0" b="0"/>
+      </a:effectRef>
+      <a:fontRef idx="minor"/>
+    </dgm:style>
+  </dgm:styleLbl>
+  <dgm:styleLbl name="fgAcc2">
+    <dgm:scene3d>
+      <a:camera prst="orthographicFront"/>
+      <a:lightRig rig="threePt" dir="t"/>
+    </dgm:scene3d>
+    <dgm:sp3d/>
+    <dgm:txPr/>
+    <dgm:style>
+      <a:lnRef idx="2">
+        <a:scrgbClr r="0" g="0" b="0"/>
+      </a:lnRef>
+      <a:fillRef idx="1">
+        <a:scrgbClr r="0" g="0" b="0"/>
+      </a:fillRef>
+      <a:effectRef idx="0">
+        <a:scrgbClr r="0" g="0" b="0"/>
+      </a:effectRef>
+      <a:fontRef idx="minor"/>
+    </dgm:style>
+  </dgm:styleLbl>
+  <dgm:styleLbl name="fgAcc3">
+    <dgm:scene3d>
+      <a:camera prst="orthographicFront"/>
+      <a:lightRig rig="threePt" dir="t"/>
+    </dgm:scene3d>
+    <dgm:sp3d/>
+    <dgm:txPr/>
+    <dgm:style>
+      <a:lnRef idx="2">
+        <a:scrgbClr r="0" g="0" b="0"/>
+      </a:lnRef>
+      <a:fillRef idx="1">
+        <a:scrgbClr r="0" g="0" b="0"/>
+      </a:fillRef>
+      <a:effectRef idx="0">
+        <a:scrgbClr r="0" g="0" b="0"/>
+      </a:effectRef>
+      <a:fontRef idx="minor"/>
+    </dgm:style>
+  </dgm:styleLbl>
+  <dgm:styleLbl name="fgAcc4">
+    <dgm:scene3d>
+      <a:camera prst="orthographicFront"/>
+      <a:lightRig rig="threePt" dir="t"/>
+    </dgm:scene3d>
+    <dgm:sp3d/>
+    <dgm:txPr/>
+    <dgm:style>
+      <a:lnRef idx="2">
+        <a:scrgbClr r="0" g="0" b="0"/>
+      </a:lnRef>
+      <a:fillRef idx="1">
+        <a:scrgbClr r="0" g="0" b="0"/>
+      </a:fillRef>
+      <a:effectRef idx="0">
+        <a:scrgbClr r="0" g="0" b="0"/>
+      </a:effectRef>
+      <a:fontRef idx="minor"/>
+    </dgm:style>
+  </dgm:styleLbl>
+  <dgm:styleLbl name="bgShp">
+    <dgm:scene3d>
+      <a:camera prst="orthographicFront"/>
+      <a:lightRig rig="threePt" dir="t"/>
+    </dgm:scene3d>
+    <dgm:sp3d/>
+    <dgm:txPr/>
+    <dgm:style>
+      <a:lnRef idx="0">
+        <a:scrgbClr r="0" g="0" b="0"/>
+      </a:lnRef>
+      <a:fillRef idx="1">
+        <a:scrgbClr r="0" g="0" b="0"/>
+      </a:fillRef>
+      <a:effectRef idx="0">
+        <a:scrgbClr r="0" g="0" b="0"/>
+      </a:effectRef>
+      <a:fontRef idx="minor"/>
+    </dgm:style>
+  </dgm:styleLbl>
+  <dgm:styleLbl name="dkBgShp">
+    <dgm:scene3d>
+      <a:camera prst="orthographicFront"/>
+      <a:lightRig rig="threePt" dir="t"/>
+    </dgm:scene3d>
+    <dgm:sp3d/>
+    <dgm:txPr/>
+    <dgm:style>
+      <a:lnRef idx="0">
+        <a:scrgbClr r="0" g="0" b="0"/>
+      </a:lnRef>
+      <a:fillRef idx="1">
+        <a:scrgbClr r="0" g="0" b="0"/>
+      </a:fillRef>
+      <a:effectRef idx="0">
+        <a:scrgbClr r="0" g="0" b="0"/>
+      </a:effectRef>
+      <a:fontRef idx="minor"/>
+    </dgm:style>
+  </dgm:styleLbl>
+  <dgm:styleLbl name="trBgShp">
+    <dgm:scene3d>
+      <a:camera prst="orthographicFront"/>
+      <a:lightRig rig="threePt" dir="t"/>
+    </dgm:scene3d>
+    <dgm:sp3d/>
+    <dgm:txPr/>
+    <dgm:style>
+      <a:lnRef idx="0">
+        <a:scrgbClr r="0" g="0" b="0"/>
+      </a:lnRef>
+      <a:fillRef idx="1">
+        <a:scrgbClr r="0" g="0" b="0"/>
+      </a:fillRef>
+      <a:effectRef idx="0">
+        <a:scrgbClr r="0" g="0" b="0"/>
+      </a:effectRef>
+      <a:fontRef idx="minor"/>
+    </dgm:style>
+  </dgm:styleLbl>
+  <dgm:styleLbl name="fgShp">
+    <dgm:scene3d>
+      <a:camera prst="orthographicFront"/>
+      <a:lightRig rig="threePt" dir="t"/>
+    </dgm:scene3d>
+    <dgm:sp3d/>
+    <dgm:txPr/>
+    <dgm:style>
+      <a:lnRef idx="2">
+        <a:scrgbClr r="0" g="0" b="0"/>
+      </a:lnRef>
+      <a:fillRef idx="1">
+        <a:scrgbClr r="0" g="0" b="0"/>
+      </a:fillRef>
+      <a:effectRef idx="0">
+        <a:scrgbClr r="0" g="0" b="0"/>
+      </a:effectRef>
+      <a:fontRef idx="minor"/>
+    </dgm:style>
+  </dgm:styleLbl>
+  <dgm:styleLbl name="revTx">
+    <dgm:scene3d>
+      <a:camera prst="orthographicFront"/>
+      <a:lightRig rig="threePt" dir="t"/>
+    </dgm:scene3d>
+    <dgm:sp3d/>
+    <dgm:txPr/>
+    <dgm:style>
+      <a:lnRef idx="0">
+        <a:scrgbClr r="0" g="0" b="0"/>
+      </a:lnRef>
+      <a:fillRef idx="0">
+        <a:scrgbClr r="0" g="0" b="0"/>
+      </a:fillRef>
+      <a:effectRef idx="0">
+        <a:scrgbClr r="0" g="0" b="0"/>
+      </a:effectRef>
+      <a:fontRef idx="minor"/>
+    </dgm:style>
+  </dgm:styleLbl>
+</dgm:styleDef>
+</file>
+
+<file path=ppt/diagrams/quickStyle2.xml><?xml version="1.0" encoding="utf-8"?>
 <dgm:styleDef xmlns:dgm="http://schemas.openxmlformats.org/drawingml/2006/diagram" xmlns:a="http://schemas.openxmlformats.org/drawingml/2006/main" uniqueId="urn:microsoft.com/office/officeart/2005/8/quickstyle/simple1">
   <dgm:title val=""/>
   <dgm:desc val=""/>
@@ -4071,7 +7916,7 @@
           <a:p>
             <a:fld id="{FBCD46C4-0C7D-4652-8FA1-B0611FFFE6D4}" type="datetimeFigureOut">
               <a:rPr lang="id-ID" smtClean="0"/>
-              <a:t>20/02/2019</a:t>
+              <a:t>22/02/2019</a:t>
             </a:fld>
             <a:endParaRPr lang="id-ID"/>
           </a:p>
@@ -4241,7 +8086,7 @@
           <a:p>
             <a:fld id="{FBCD46C4-0C7D-4652-8FA1-B0611FFFE6D4}" type="datetimeFigureOut">
               <a:rPr lang="id-ID" smtClean="0"/>
-              <a:t>20/02/2019</a:t>
+              <a:t>22/02/2019</a:t>
             </a:fld>
             <a:endParaRPr lang="id-ID"/>
           </a:p>
@@ -4421,7 +8266,7 @@
           <a:p>
             <a:fld id="{FBCD46C4-0C7D-4652-8FA1-B0611FFFE6D4}" type="datetimeFigureOut">
               <a:rPr lang="id-ID" smtClean="0"/>
-              <a:t>20/02/2019</a:t>
+              <a:t>22/02/2019</a:t>
             </a:fld>
             <a:endParaRPr lang="id-ID"/>
           </a:p>
@@ -4591,7 +8436,7 @@
           <a:p>
             <a:fld id="{FBCD46C4-0C7D-4652-8FA1-B0611FFFE6D4}" type="datetimeFigureOut">
               <a:rPr lang="id-ID" smtClean="0"/>
-              <a:t>20/02/2019</a:t>
+              <a:t>22/02/2019</a:t>
             </a:fld>
             <a:endParaRPr lang="id-ID"/>
           </a:p>
@@ -4837,7 +8682,7 @@
           <a:p>
             <a:fld id="{FBCD46C4-0C7D-4652-8FA1-B0611FFFE6D4}" type="datetimeFigureOut">
               <a:rPr lang="id-ID" smtClean="0"/>
-              <a:t>20/02/2019</a:t>
+              <a:t>22/02/2019</a:t>
             </a:fld>
             <a:endParaRPr lang="id-ID"/>
           </a:p>
@@ -5069,7 +8914,7 @@
           <a:p>
             <a:fld id="{FBCD46C4-0C7D-4652-8FA1-B0611FFFE6D4}" type="datetimeFigureOut">
               <a:rPr lang="id-ID" smtClean="0"/>
-              <a:t>20/02/2019</a:t>
+              <a:t>22/02/2019</a:t>
             </a:fld>
             <a:endParaRPr lang="id-ID"/>
           </a:p>
@@ -5436,7 +9281,7 @@
           <a:p>
             <a:fld id="{FBCD46C4-0C7D-4652-8FA1-B0611FFFE6D4}" type="datetimeFigureOut">
               <a:rPr lang="id-ID" smtClean="0"/>
-              <a:t>20/02/2019</a:t>
+              <a:t>22/02/2019</a:t>
             </a:fld>
             <a:endParaRPr lang="id-ID"/>
           </a:p>
@@ -5554,7 +9399,7 @@
           <a:p>
             <a:fld id="{FBCD46C4-0C7D-4652-8FA1-B0611FFFE6D4}" type="datetimeFigureOut">
               <a:rPr lang="id-ID" smtClean="0"/>
-              <a:t>20/02/2019</a:t>
+              <a:t>22/02/2019</a:t>
             </a:fld>
             <a:endParaRPr lang="id-ID"/>
           </a:p>
@@ -5649,7 +9494,7 @@
           <a:p>
             <a:fld id="{FBCD46C4-0C7D-4652-8FA1-B0611FFFE6D4}" type="datetimeFigureOut">
               <a:rPr lang="id-ID" smtClean="0"/>
-              <a:t>20/02/2019</a:t>
+              <a:t>22/02/2019</a:t>
             </a:fld>
             <a:endParaRPr lang="id-ID"/>
           </a:p>
@@ -5926,7 +9771,7 @@
           <a:p>
             <a:fld id="{FBCD46C4-0C7D-4652-8FA1-B0611FFFE6D4}" type="datetimeFigureOut">
               <a:rPr lang="id-ID" smtClean="0"/>
-              <a:t>20/02/2019</a:t>
+              <a:t>22/02/2019</a:t>
             </a:fld>
             <a:endParaRPr lang="id-ID"/>
           </a:p>
@@ -6179,7 +10024,7 @@
           <a:p>
             <a:fld id="{FBCD46C4-0C7D-4652-8FA1-B0611FFFE6D4}" type="datetimeFigureOut">
               <a:rPr lang="id-ID" smtClean="0"/>
-              <a:t>20/02/2019</a:t>
+              <a:t>22/02/2019</a:t>
             </a:fld>
             <a:endParaRPr lang="id-ID"/>
           </a:p>
@@ -6392,7 +10237,7 @@
           <a:p>
             <a:fld id="{FBCD46C4-0C7D-4652-8FA1-B0611FFFE6D4}" type="datetimeFigureOut">
               <a:rPr lang="id-ID" smtClean="0"/>
-              <a:t>20/02/2019</a:t>
+              <a:t>22/02/2019</a:t>
             </a:fld>
             <a:endParaRPr lang="id-ID"/>
           </a:p>
@@ -7031,37 +10876,7 @@
                   </a:outerShdw>
                 </a:effectLst>
               </a:rPr>
-              <a:t> </a:t>
-            </a:r>
-            <a:r>
-              <a:rPr lang="id-ID" sz="4000" b="1" dirty="0" smtClean="0">
-                <a:solidFill>
-                  <a:schemeClr val="bg1"/>
-                </a:solidFill>
-                <a:effectLst>
-                  <a:outerShdw blurRad="38100" dist="38100" dir="2700000" algn="tl">
-                    <a:srgbClr val="000000">
-                      <a:alpha val="43137"/>
-                    </a:srgbClr>
-                  </a:outerShdw>
-                </a:effectLst>
-              </a:rPr>
-              <a:t>DI </a:t>
-            </a:r>
-            <a:r>
-              <a:rPr lang="id-ID" sz="4000" b="1" dirty="0" smtClean="0">
-                <a:solidFill>
-                  <a:schemeClr val="bg1"/>
-                </a:solidFill>
-                <a:effectLst>
-                  <a:outerShdw blurRad="38100" dist="38100" dir="2700000" algn="tl">
-                    <a:srgbClr val="000000">
-                      <a:alpha val="43137"/>
-                    </a:srgbClr>
-                  </a:outerShdw>
-                </a:effectLst>
-              </a:rPr>
-              <a:t>STEI TAZKIA</a:t>
+              <a:t> DI STEI TAZKIA</a:t>
             </a:r>
             <a:endParaRPr lang="id-ID" sz="4000" b="1" dirty="0">
               <a:solidFill>
@@ -7691,11 +11506,7 @@
           <a:p>
             <a:r>
               <a:rPr lang="id-ID" dirty="0" smtClean="0"/>
-              <a:t>Penjabaran </a:t>
-            </a:r>
-            <a:r>
-              <a:rPr lang="id-ID" dirty="0" smtClean="0"/>
-              <a:t>Waterfall</a:t>
+              <a:t>Penjabaran Waterfall</a:t>
             </a:r>
             <a:endParaRPr lang="id-ID" dirty="0"/>
           </a:p>
@@ -7786,7 +11597,7 @@
           <a:graphicData uri="http://schemas.openxmlformats.org/presentationml/2006/ole">
             <mc:AlternateContent xmlns:mc="http://schemas.openxmlformats.org/markup-compatibility/2006">
               <mc:Choice xmlns:v="urn:schemas-microsoft-com:vml" Requires="v">
-                <p:oleObj spid="_x0000_s14339" name="Visio" r:id="rId3" imgW="5086560" imgH="3800521" progId="Visio.Drawing.15">
+                <p:oleObj spid="_x0000_s14346" name="Visio" r:id="rId3" imgW="5086560" imgH="3800521" progId="Visio.Drawing.15">
                   <p:embed/>
                 </p:oleObj>
               </mc:Choice>
@@ -8044,7 +11855,7 @@
           <a:graphicData uri="http://schemas.openxmlformats.org/presentationml/2006/ole">
             <mc:AlternateContent xmlns:mc="http://schemas.openxmlformats.org/markup-compatibility/2006">
               <mc:Choice xmlns:v="urn:schemas-microsoft-com:vml" Requires="v">
-                <p:oleObj spid="_x0000_s2075" name="Visio" r:id="rId3" imgW="6000709" imgH="4476649" progId="Visio.Drawing.15">
+                <p:oleObj spid="_x0000_s2082" name="Visio" r:id="rId3" imgW="6000709" imgH="4476649" progId="Visio.Drawing.15">
                   <p:embed/>
                 </p:oleObj>
               </mc:Choice>
@@ -8503,7 +12314,7 @@
           <a:graphicData uri="http://schemas.openxmlformats.org/presentationml/2006/ole">
             <mc:AlternateContent xmlns:mc="http://schemas.openxmlformats.org/markup-compatibility/2006">
               <mc:Choice xmlns:v="urn:schemas-microsoft-com:vml" Requires="v">
-                <p:oleObj spid="_x0000_s4121" name="Visio" r:id="rId3" imgW="3953032" imgH="3590791" progId="Visio.Drawing.15">
+                <p:oleObj spid="_x0000_s4128" name="Visio" r:id="rId3" imgW="3953032" imgH="3590791" progId="Visio.Drawing.15">
                   <p:embed/>
                 </p:oleObj>
               </mc:Choice>
@@ -8798,7 +12609,7 @@
           <a:graphicData uri="http://schemas.openxmlformats.org/presentationml/2006/ole">
             <mc:AlternateContent xmlns:mc="http://schemas.openxmlformats.org/markup-compatibility/2006">
               <mc:Choice xmlns:v="urn:schemas-microsoft-com:vml" Requires="v">
-                <p:oleObj spid="_x0000_s5146" name="Visio" r:id="rId3" imgW="5562793" imgH="4181504" progId="Visio.Drawing.15">
+                <p:oleObj spid="_x0000_s5153" name="Visio" r:id="rId3" imgW="5562793" imgH="4181504" progId="Visio.Drawing.15">
                   <p:embed/>
                 </p:oleObj>
               </mc:Choice>
@@ -8882,560 +12693,6 @@
       </p:grpSpPr>
       <p:sp>
         <p:nvSpPr>
-          <p:cNvPr id="4" name="Rectangle 2"/>
-          <p:cNvSpPr>
-            <a:spLocks noChangeArrowheads="1"/>
-          </p:cNvSpPr>
-          <p:nvPr/>
-        </p:nvSpPr>
-        <p:spPr bwMode="auto">
-          <a:xfrm>
-            <a:off x="1661159" y="1227908"/>
-            <a:ext cx="13183557" cy="45719"/>
-          </a:xfrm>
-          <a:prstGeom prst="rect">
-            <a:avLst/>
-          </a:prstGeom>
-          <a:noFill/>
-          <a:ln>
-            <a:noFill/>
-          </a:ln>
-          <a:effectLst/>
-          <a:extLst>
-            <a:ext uri="{909E8E84-426E-40DD-AFC4-6F175D3DCCD1}">
-              <a14:hiddenFill xmlns:a14="http://schemas.microsoft.com/office/drawing/2010/main">
-                <a:solidFill>
-                  <a:schemeClr val="accent1"/>
-                </a:solidFill>
-              </a14:hiddenFill>
-            </a:ext>
-            <a:ext uri="{91240B29-F687-4F45-9708-019B960494DF}">
-              <a14:hiddenLine xmlns:a14="http://schemas.microsoft.com/office/drawing/2010/main" w="9525">
-                <a:solidFill>
-                  <a:schemeClr val="tx1"/>
-                </a:solidFill>
-                <a:miter lim="800000"/>
-                <a:headEnd/>
-                <a:tailEnd/>
-              </a14:hiddenLine>
-            </a:ext>
-            <a:ext uri="{AF507438-7753-43E0-B8FC-AC1667EBCBE1}">
-              <a14:hiddenEffects xmlns:a14="http://schemas.microsoft.com/office/drawing/2010/main">
-                <a:effectLst>
-                  <a:outerShdw dist="35921" dir="2700000" algn="ctr" rotWithShape="0">
-                    <a:schemeClr val="bg2"/>
-                  </a:outerShdw>
-                </a:effectLst>
-              </a14:hiddenEffects>
-            </a:ext>
-          </a:extLst>
-        </p:spPr>
-        <p:txBody>
-          <a:bodyPr vert="horz" wrap="square" lIns="91440" tIns="45720" rIns="91440" bIns="45720" numCol="1" anchor="ctr" anchorCtr="0" compatLnSpc="1">
-            <a:prstTxWarp prst="textNoShape">
-              <a:avLst/>
-            </a:prstTxWarp>
-            <a:spAutoFit/>
-          </a:bodyPr>
-          <a:lstStyle/>
-          <a:p>
-            <a:endParaRPr lang="id-ID"/>
-          </a:p>
-        </p:txBody>
-      </p:sp>
-      <p:sp>
-        <p:nvSpPr>
-          <p:cNvPr id="5" name="Title 1"/>
-          <p:cNvSpPr txBox="1">
-            <a:spLocks/>
-          </p:cNvSpPr>
-          <p:nvPr/>
-        </p:nvSpPr>
-        <p:spPr>
-          <a:xfrm>
-            <a:off x="165847" y="1273627"/>
-            <a:ext cx="4069978" cy="2433132"/>
-          </a:xfrm>
-          <a:prstGeom prst="rect">
-            <a:avLst/>
-          </a:prstGeom>
-        </p:spPr>
-        <p:txBody>
-          <a:bodyPr vert="horz" lIns="91440" tIns="45720" rIns="91440" bIns="45720" rtlCol="0" anchor="ctr">
-            <a:noAutofit/>
-          </a:bodyPr>
-          <a:lstStyle>
-            <a:lvl1pPr algn="l" defTabSz="914400" rtl="0" eaLnBrk="1" latinLnBrk="0" hangingPunct="1">
-              <a:lnSpc>
-                <a:spcPct val="90000"/>
-              </a:lnSpc>
-              <a:spcBef>
-                <a:spcPct val="0"/>
-              </a:spcBef>
-              <a:buNone/>
-              <a:defRPr sz="4400" kern="1200">
-                <a:solidFill>
-                  <a:schemeClr val="tx1"/>
-                </a:solidFill>
-                <a:latin typeface="+mj-lt"/>
-                <a:ea typeface="+mj-ea"/>
-                <a:cs typeface="+mj-cs"/>
-              </a:defRPr>
-            </a:lvl1pPr>
-          </a:lstStyle>
-          <a:p>
-            <a:r>
-              <a:rPr lang="id-ID" sz="4000" dirty="0" smtClean="0"/>
-              <a:t>Bisnis Proses yang </a:t>
-            </a:r>
-            <a:r>
-              <a:rPr lang="id-ID" sz="4000" dirty="0" smtClean="0"/>
-              <a:t/>
-            </a:r>
-            <a:br>
-              <a:rPr lang="id-ID" sz="4000" dirty="0" smtClean="0"/>
-            </a:br>
-            <a:r>
-              <a:rPr lang="id-ID" sz="4000" dirty="0" smtClean="0"/>
-              <a:t>diusulkan </a:t>
-            </a:r>
-            <a:r>
-              <a:rPr lang="id-ID" sz="4000" dirty="0" smtClean="0"/>
-              <a:t>pada </a:t>
-            </a:r>
-            <a:r>
-              <a:rPr lang="id-ID" sz="4000" dirty="0" smtClean="0"/>
-              <a:t/>
-            </a:r>
-            <a:br>
-              <a:rPr lang="id-ID" sz="4000" dirty="0" smtClean="0"/>
-            </a:br>
-            <a:r>
-              <a:rPr lang="id-ID" sz="4000" dirty="0" smtClean="0"/>
-              <a:t>saat akan dimulainya </a:t>
-            </a:r>
-            <a:br>
-              <a:rPr lang="id-ID" sz="4000" dirty="0" smtClean="0"/>
-            </a:br>
-            <a:r>
-              <a:rPr lang="id-ID" sz="4000" dirty="0" smtClean="0"/>
-              <a:t>program pembinaan</a:t>
-            </a:r>
-            <a:endParaRPr lang="id-ID" sz="4000" dirty="0"/>
-          </a:p>
-        </p:txBody>
-      </p:sp>
-      <p:sp>
-        <p:nvSpPr>
-          <p:cNvPr id="3" name="Rectangle 2"/>
-          <p:cNvSpPr>
-            <a:spLocks noChangeArrowheads="1"/>
-          </p:cNvSpPr>
-          <p:nvPr/>
-        </p:nvSpPr>
-        <p:spPr bwMode="auto">
-          <a:xfrm>
-            <a:off x="645459" y="1680882"/>
-            <a:ext cx="12192000" cy="0"/>
-          </a:xfrm>
-          <a:prstGeom prst="rect">
-            <a:avLst/>
-          </a:prstGeom>
-          <a:noFill/>
-          <a:ln>
-            <a:noFill/>
-          </a:ln>
-          <a:effectLst/>
-          <a:extLst>
-            <a:ext uri="{909E8E84-426E-40DD-AFC4-6F175D3DCCD1}">
-              <a14:hiddenFill xmlns:a14="http://schemas.microsoft.com/office/drawing/2010/main">
-                <a:solidFill>
-                  <a:schemeClr val="accent1"/>
-                </a:solidFill>
-              </a14:hiddenFill>
-            </a:ext>
-            <a:ext uri="{91240B29-F687-4F45-9708-019B960494DF}">
-              <a14:hiddenLine xmlns:a14="http://schemas.microsoft.com/office/drawing/2010/main" w="9525">
-                <a:solidFill>
-                  <a:schemeClr val="tx1"/>
-                </a:solidFill>
-                <a:miter lim="800000"/>
-                <a:headEnd/>
-                <a:tailEnd/>
-              </a14:hiddenLine>
-            </a:ext>
-            <a:ext uri="{AF507438-7753-43E0-B8FC-AC1667EBCBE1}">
-              <a14:hiddenEffects xmlns:a14="http://schemas.microsoft.com/office/drawing/2010/main">
-                <a:effectLst>
-                  <a:outerShdw dist="35921" dir="2700000" algn="ctr" rotWithShape="0">
-                    <a:schemeClr val="bg2"/>
-                  </a:outerShdw>
-                </a:effectLst>
-              </a14:hiddenEffects>
-            </a:ext>
-          </a:extLst>
-        </p:spPr>
-        <p:txBody>
-          <a:bodyPr vert="horz" wrap="none" lIns="91440" tIns="45720" rIns="91440" bIns="45720" numCol="1" anchor="ctr" anchorCtr="0" compatLnSpc="1">
-            <a:prstTxWarp prst="textNoShape">
-              <a:avLst/>
-            </a:prstTxWarp>
-            <a:spAutoFit/>
-          </a:bodyPr>
-          <a:lstStyle/>
-          <a:p>
-            <a:endParaRPr lang="id-ID"/>
-          </a:p>
-        </p:txBody>
-      </p:sp>
-      <p:graphicFrame>
-        <p:nvGraphicFramePr>
-          <p:cNvPr id="6" name="Object 5"/>
-          <p:cNvGraphicFramePr>
-            <a:graphicFrameLocks noChangeAspect="1"/>
-          </p:cNvGraphicFramePr>
-          <p:nvPr>
-            <p:extLst>
-              <p:ext uri="{D42A27DB-BD31-4B8C-83A1-F6EECF244321}">
-                <p14:modId xmlns:p14="http://schemas.microsoft.com/office/powerpoint/2010/main" val="2353395415"/>
-              </p:ext>
-            </p:extLst>
-          </p:nvPr>
-        </p:nvGraphicFramePr>
-        <p:xfrm>
-          <a:off x="4087907" y="942080"/>
-          <a:ext cx="7785846" cy="5416241"/>
-        </p:xfrm>
-        <a:graphic>
-          <a:graphicData uri="http://schemas.openxmlformats.org/presentationml/2006/ole">
-            <mc:AlternateContent xmlns:mc="http://schemas.openxmlformats.org/markup-compatibility/2006">
-              <mc:Choice xmlns:v="urn:schemas-microsoft-com:vml" Requires="v">
-                <p:oleObj spid="_x0000_s11268" name="Visio" r:id="rId3" imgW="5305517" imgH="3695656" progId="Visio.Drawing.15">
-                  <p:embed/>
-                </p:oleObj>
-              </mc:Choice>
-              <mc:Fallback>
-                <p:oleObj name="Visio" r:id="rId3" imgW="5305517" imgH="3695656" progId="Visio.Drawing.15">
-                  <p:embed/>
-                  <p:pic>
-                    <p:nvPicPr>
-                      <p:cNvPr id="0" name="Object 1"/>
-                      <p:cNvPicPr>
-                        <a:picLocks noChangeAspect="1" noChangeArrowheads="1"/>
-                      </p:cNvPicPr>
-                      <p:nvPr/>
-                    </p:nvPicPr>
-                    <p:blipFill>
-                      <a:blip r:embed="rId4">
-                        <a:extLst>
-                          <a:ext uri="{28A0092B-C50C-407E-A947-70E740481C1C}">
-                            <a14:useLocalDpi xmlns:a14="http://schemas.microsoft.com/office/drawing/2010/main" val="0"/>
-                          </a:ext>
-                        </a:extLst>
-                      </a:blip>
-                      <a:srcRect/>
-                      <a:stretch>
-                        <a:fillRect/>
-                      </a:stretch>
-                    </p:blipFill>
-                    <p:spPr bwMode="auto">
-                      <a:xfrm>
-                        <a:off x="4087907" y="942080"/>
-                        <a:ext cx="7785846" cy="5416241"/>
-                      </a:xfrm>
-                      <a:prstGeom prst="rect">
-                        <a:avLst/>
-                      </a:prstGeom>
-                      <a:noFill/>
-                    </p:spPr>
-                  </p:pic>
-                </p:oleObj>
-              </mc:Fallback>
-            </mc:AlternateContent>
-          </a:graphicData>
-        </a:graphic>
-      </p:graphicFrame>
-    </p:spTree>
-    <p:extLst>
-      <p:ext uri="{BB962C8B-B14F-4D97-AF65-F5344CB8AC3E}">
-        <p14:creationId xmlns:p14="http://schemas.microsoft.com/office/powerpoint/2010/main" val="691525050"/>
-      </p:ext>
-    </p:extLst>
-  </p:cSld>
-  <p:clrMapOvr>
-    <a:masterClrMapping/>
-  </p:clrMapOvr>
-  <p:timing>
-    <p:tnLst>
-      <p:par>
-        <p:cTn id="1" dur="indefinite" restart="never" nodeType="tmRoot"/>
-      </p:par>
-    </p:tnLst>
-  </p:timing>
-</p:sld>
-</file>
-
-<file path=ppt/slides/slide16.xml><?xml version="1.0" encoding="utf-8"?>
-<p:sld xmlns:a="http://schemas.openxmlformats.org/drawingml/2006/main" xmlns:r="http://schemas.openxmlformats.org/officeDocument/2006/relationships" xmlns:p="http://schemas.openxmlformats.org/presentationml/2006/main">
-  <p:cSld>
-    <p:spTree>
-      <p:nvGrpSpPr>
-        <p:cNvPr id="1" name=""/>
-        <p:cNvGrpSpPr/>
-        <p:nvPr/>
-      </p:nvGrpSpPr>
-      <p:grpSpPr>
-        <a:xfrm>
-          <a:off x="0" y="0"/>
-          <a:ext cx="0" cy="0"/>
-          <a:chOff x="0" y="0"/>
-          <a:chExt cx="0" cy="0"/>
-        </a:xfrm>
-      </p:grpSpPr>
-      <p:sp>
-        <p:nvSpPr>
-          <p:cNvPr id="4" name="Title 1"/>
-          <p:cNvSpPr txBox="1">
-            <a:spLocks/>
-          </p:cNvSpPr>
-          <p:nvPr/>
-        </p:nvSpPr>
-        <p:spPr>
-          <a:xfrm>
-            <a:off x="448233" y="534039"/>
-            <a:ext cx="4069978" cy="2433132"/>
-          </a:xfrm>
-          <a:prstGeom prst="rect">
-            <a:avLst/>
-          </a:prstGeom>
-        </p:spPr>
-        <p:txBody>
-          <a:bodyPr vert="horz" lIns="91440" tIns="45720" rIns="91440" bIns="45720" rtlCol="0" anchor="ctr">
-            <a:noAutofit/>
-          </a:bodyPr>
-          <a:lstStyle>
-            <a:lvl1pPr algn="l" defTabSz="914400" rtl="0" eaLnBrk="1" latinLnBrk="0" hangingPunct="1">
-              <a:lnSpc>
-                <a:spcPct val="90000"/>
-              </a:lnSpc>
-              <a:spcBef>
-                <a:spcPct val="0"/>
-              </a:spcBef>
-              <a:buNone/>
-              <a:defRPr sz="4400" kern="1200">
-                <a:solidFill>
-                  <a:schemeClr val="tx1"/>
-                </a:solidFill>
-                <a:latin typeface="+mj-lt"/>
-                <a:ea typeface="+mj-ea"/>
-                <a:cs typeface="+mj-cs"/>
-              </a:defRPr>
-            </a:lvl1pPr>
-          </a:lstStyle>
-          <a:p>
-            <a:r>
-              <a:rPr lang="id-ID" sz="4000" dirty="0" smtClean="0"/>
-              <a:t>Bisnis Proses yang </a:t>
-            </a:r>
-            <a:r>
-              <a:rPr lang="id-ID" sz="4000" dirty="0" smtClean="0"/>
-              <a:t/>
-            </a:r>
-            <a:br>
-              <a:rPr lang="id-ID" sz="4000" dirty="0" smtClean="0"/>
-            </a:br>
-            <a:r>
-              <a:rPr lang="id-ID" sz="4000" dirty="0" smtClean="0"/>
-              <a:t>diusulkan </a:t>
-            </a:r>
-            <a:r>
-              <a:rPr lang="id-ID" sz="4000" dirty="0" smtClean="0"/>
-              <a:t>pada </a:t>
-            </a:r>
-            <a:r>
-              <a:rPr lang="id-ID" sz="4000" dirty="0" smtClean="0"/>
-              <a:t/>
-            </a:r>
-            <a:br>
-              <a:rPr lang="id-ID" sz="4000" dirty="0" smtClean="0"/>
-            </a:br>
-            <a:r>
-              <a:rPr lang="id-ID" sz="4000" dirty="0" smtClean="0"/>
-              <a:t>saat pergantian semester</a:t>
-            </a:r>
-            <a:endParaRPr lang="id-ID" sz="4000" dirty="0"/>
-          </a:p>
-        </p:txBody>
-      </p:sp>
-      <p:sp>
-        <p:nvSpPr>
-          <p:cNvPr id="5" name="Rectangle 2"/>
-          <p:cNvSpPr>
-            <a:spLocks noChangeArrowheads="1"/>
-          </p:cNvSpPr>
-          <p:nvPr/>
-        </p:nvSpPr>
-        <p:spPr bwMode="auto">
-          <a:xfrm>
-            <a:off x="5593977" y="1273627"/>
-            <a:ext cx="16073507" cy="45719"/>
-          </a:xfrm>
-          <a:prstGeom prst="rect">
-            <a:avLst/>
-          </a:prstGeom>
-          <a:noFill/>
-          <a:ln>
-            <a:noFill/>
-          </a:ln>
-          <a:effectLst/>
-          <a:extLst>
-            <a:ext uri="{909E8E84-426E-40DD-AFC4-6F175D3DCCD1}">
-              <a14:hiddenFill xmlns:a14="http://schemas.microsoft.com/office/drawing/2010/main">
-                <a:solidFill>
-                  <a:schemeClr val="accent1"/>
-                </a:solidFill>
-              </a14:hiddenFill>
-            </a:ext>
-            <a:ext uri="{91240B29-F687-4F45-9708-019B960494DF}">
-              <a14:hiddenLine xmlns:a14="http://schemas.microsoft.com/office/drawing/2010/main" w="9525">
-                <a:solidFill>
-                  <a:schemeClr val="tx1"/>
-                </a:solidFill>
-                <a:miter lim="800000"/>
-                <a:headEnd/>
-                <a:tailEnd/>
-              </a14:hiddenLine>
-            </a:ext>
-            <a:ext uri="{AF507438-7753-43E0-B8FC-AC1667EBCBE1}">
-              <a14:hiddenEffects xmlns:a14="http://schemas.microsoft.com/office/drawing/2010/main">
-                <a:effectLst>
-                  <a:outerShdw dist="35921" dir="2700000" algn="ctr" rotWithShape="0">
-                    <a:schemeClr val="bg2"/>
-                  </a:outerShdw>
-                </a:effectLst>
-              </a14:hiddenEffects>
-            </a:ext>
-          </a:extLst>
-        </p:spPr>
-        <p:txBody>
-          <a:bodyPr vert="horz" wrap="square" lIns="91440" tIns="45720" rIns="91440" bIns="45720" numCol="1" anchor="ctr" anchorCtr="0" compatLnSpc="1">
-            <a:prstTxWarp prst="textNoShape">
-              <a:avLst/>
-            </a:prstTxWarp>
-            <a:spAutoFit/>
-          </a:bodyPr>
-          <a:lstStyle/>
-          <a:p>
-            <a:endParaRPr lang="id-ID"/>
-          </a:p>
-        </p:txBody>
-      </p:sp>
-      <p:graphicFrame>
-        <p:nvGraphicFramePr>
-          <p:cNvPr id="6" name="Object 5"/>
-          <p:cNvGraphicFramePr>
-            <a:graphicFrameLocks noChangeAspect="1"/>
-          </p:cNvGraphicFramePr>
-          <p:nvPr>
-            <p:extLst>
-              <p:ext uri="{D42A27DB-BD31-4B8C-83A1-F6EECF244321}">
-                <p14:modId xmlns:p14="http://schemas.microsoft.com/office/powerpoint/2010/main" val="2130067526"/>
-              </p:ext>
-            </p:extLst>
-          </p:nvPr>
-        </p:nvGraphicFramePr>
-        <p:xfrm>
-          <a:off x="5284694" y="748406"/>
-          <a:ext cx="5587145" cy="4805229"/>
-        </p:xfrm>
-        <a:graphic>
-          <a:graphicData uri="http://schemas.openxmlformats.org/presentationml/2006/ole">
-            <mc:AlternateContent xmlns:mc="http://schemas.openxmlformats.org/markup-compatibility/2006">
-              <mc:Choice xmlns:v="urn:schemas-microsoft-com:vml" Requires="v">
-                <p:oleObj spid="_x0000_s12292" name="Visio" r:id="rId3" imgW="3238415" imgH="2781284" progId="Visio.Drawing.15">
-                  <p:embed/>
-                </p:oleObj>
-              </mc:Choice>
-              <mc:Fallback>
-                <p:oleObj name="Visio" r:id="rId3" imgW="3238415" imgH="2781284" progId="Visio.Drawing.15">
-                  <p:embed/>
-                  <p:pic>
-                    <p:nvPicPr>
-                      <p:cNvPr id="0" name="Object 1"/>
-                      <p:cNvPicPr>
-                        <a:picLocks noChangeAspect="1" noChangeArrowheads="1"/>
-                      </p:cNvPicPr>
-                      <p:nvPr/>
-                    </p:nvPicPr>
-                    <p:blipFill>
-                      <a:blip r:embed="rId4">
-                        <a:extLst>
-                          <a:ext uri="{28A0092B-C50C-407E-A947-70E740481C1C}">
-                            <a14:useLocalDpi xmlns:a14="http://schemas.microsoft.com/office/drawing/2010/main" val="0"/>
-                          </a:ext>
-                        </a:extLst>
-                      </a:blip>
-                      <a:srcRect/>
-                      <a:stretch>
-                        <a:fillRect/>
-                      </a:stretch>
-                    </p:blipFill>
-                    <p:spPr bwMode="auto">
-                      <a:xfrm>
-                        <a:off x="5284694" y="748406"/>
-                        <a:ext cx="5587145" cy="4805229"/>
-                      </a:xfrm>
-                      <a:prstGeom prst="rect">
-                        <a:avLst/>
-                      </a:prstGeom>
-                      <a:noFill/>
-                    </p:spPr>
-                  </p:pic>
-                </p:oleObj>
-              </mc:Fallback>
-            </mc:AlternateContent>
-          </a:graphicData>
-        </a:graphic>
-      </p:graphicFrame>
-    </p:spTree>
-    <p:extLst>
-      <p:ext uri="{BB962C8B-B14F-4D97-AF65-F5344CB8AC3E}">
-        <p14:creationId xmlns:p14="http://schemas.microsoft.com/office/powerpoint/2010/main" val="3201267906"/>
-      </p:ext>
-    </p:extLst>
-  </p:cSld>
-  <p:clrMapOvr>
-    <a:masterClrMapping/>
-  </p:clrMapOvr>
-  <p:timing>
-    <p:tnLst>
-      <p:par>
-        <p:cTn id="1" dur="indefinite" restart="never" nodeType="tmRoot"/>
-      </p:par>
-    </p:tnLst>
-  </p:timing>
-</p:sld>
-</file>
-
-<file path=ppt/slides/slide17.xml><?xml version="1.0" encoding="utf-8"?>
-<p:sld xmlns:a="http://schemas.openxmlformats.org/drawingml/2006/main" xmlns:r="http://schemas.openxmlformats.org/officeDocument/2006/relationships" xmlns:p="http://schemas.openxmlformats.org/presentationml/2006/main">
-  <p:cSld>
-    <p:spTree>
-      <p:nvGrpSpPr>
-        <p:cNvPr id="1" name=""/>
-        <p:cNvGrpSpPr/>
-        <p:nvPr/>
-      </p:nvGrpSpPr>
-      <p:grpSpPr>
-        <a:xfrm>
-          <a:off x="0" y="0"/>
-          <a:ext cx="0" cy="0"/>
-          <a:chOff x="0" y="0"/>
-          <a:chExt cx="0" cy="0"/>
-        </a:xfrm>
-      </p:grpSpPr>
-      <p:sp>
-        <p:nvSpPr>
           <p:cNvPr id="4" name="Title 1"/>
           <p:cNvSpPr txBox="1">
             <a:spLocks/>
@@ -9580,7 +12837,7 @@
           <a:graphicData uri="http://schemas.openxmlformats.org/presentationml/2006/ole">
             <mc:AlternateContent xmlns:mc="http://schemas.openxmlformats.org/markup-compatibility/2006">
               <mc:Choice xmlns:v="urn:schemas-microsoft-com:vml" Requires="v">
-                <p:oleObj spid="_x0000_s13316" name="Visio" r:id="rId3" imgW="9534352" imgH="5610293" progId="Visio.Drawing.15">
+                <p:oleObj spid="_x0000_s13323" name="Visio" r:id="rId3" imgW="9534352" imgH="5610293" progId="Visio.Drawing.15">
                   <p:embed/>
                 </p:oleObj>
               </mc:Choice>
@@ -9645,7 +12902,7 @@
 </p:sld>
 </file>
 
-<file path=ppt/slides/slide18.xml><?xml version="1.0" encoding="utf-8"?>
+<file path=ppt/slides/slide16.xml><?xml version="1.0" encoding="utf-8"?>
 <p:sld xmlns:a="http://schemas.openxmlformats.org/drawingml/2006/main" xmlns:r="http://schemas.openxmlformats.org/officeDocument/2006/relationships" xmlns:p="http://schemas.openxmlformats.org/presentationml/2006/main">
   <p:cSld>
     <p:spTree>
@@ -9747,7 +13004,7 @@
           <a:graphicData uri="http://schemas.openxmlformats.org/presentationml/2006/ole">
             <mc:AlternateContent xmlns:mc="http://schemas.openxmlformats.org/markup-compatibility/2006">
               <mc:Choice xmlns:v="urn:schemas-microsoft-com:vml" Requires="v">
-                <p:oleObj spid="_x0000_s7192" name="Visio" r:id="rId3" imgW="6962860" imgH="5896136" progId="Visio.Drawing.15">
+                <p:oleObj spid="_x0000_s7199" name="Visio" r:id="rId3" imgW="6962860" imgH="5896136" progId="Visio.Drawing.15">
                   <p:embed/>
                 </p:oleObj>
               </mc:Choice>
@@ -9861,7 +13118,7 @@
 </p:sld>
 </file>
 
-<file path=ppt/slides/slide19.xml><?xml version="1.0" encoding="utf-8"?>
+<file path=ppt/slides/slide17.xml><?xml version="1.0" encoding="utf-8"?>
 <p:sld xmlns:a="http://schemas.openxmlformats.org/drawingml/2006/main" xmlns:r="http://schemas.openxmlformats.org/officeDocument/2006/relationships" xmlns:p="http://schemas.openxmlformats.org/presentationml/2006/main">
   <p:cSld>
     <p:spTree>
@@ -10012,7 +13269,7 @@
           <a:graphicData uri="http://schemas.openxmlformats.org/presentationml/2006/ole">
             <mc:AlternateContent xmlns:mc="http://schemas.openxmlformats.org/markup-compatibility/2006">
               <mc:Choice xmlns:v="urn:schemas-microsoft-com:vml" Requires="v">
-                <p:oleObj spid="_x0000_s8214" name="Visio" r:id="rId3" imgW="6962860" imgH="5819601" progId="Visio.Drawing.15">
+                <p:oleObj spid="_x0000_s8221" name="Visio" r:id="rId3" imgW="6962860" imgH="5819601" progId="Visio.Drawing.15">
                   <p:embed/>
                 </p:oleObj>
               </mc:Choice>
@@ -10061,6 +13318,276 @@
     <p:extLst>
       <p:ext uri="{BB962C8B-B14F-4D97-AF65-F5344CB8AC3E}">
         <p14:creationId xmlns:p14="http://schemas.microsoft.com/office/powerpoint/2010/main" val="1856601487"/>
+      </p:ext>
+    </p:extLst>
+  </p:cSld>
+  <p:clrMapOvr>
+    <a:masterClrMapping/>
+  </p:clrMapOvr>
+  <p:timing>
+    <p:tnLst>
+      <p:par>
+        <p:cTn id="1" dur="indefinite" restart="never" nodeType="tmRoot"/>
+      </p:par>
+    </p:tnLst>
+  </p:timing>
+</p:sld>
+</file>
+
+<file path=ppt/slides/slide18.xml><?xml version="1.0" encoding="utf-8"?>
+<p:sld xmlns:a="http://schemas.openxmlformats.org/drawingml/2006/main" xmlns:r="http://schemas.openxmlformats.org/officeDocument/2006/relationships" xmlns:p="http://schemas.openxmlformats.org/presentationml/2006/main">
+  <p:cSld>
+    <p:spTree>
+      <p:nvGrpSpPr>
+        <p:cNvPr id="1" name=""/>
+        <p:cNvGrpSpPr/>
+        <p:nvPr/>
+      </p:nvGrpSpPr>
+      <p:grpSpPr>
+        <a:xfrm>
+          <a:off x="0" y="0"/>
+          <a:ext cx="0" cy="0"/>
+          <a:chOff x="0" y="0"/>
+          <a:chExt cx="0" cy="0"/>
+        </a:xfrm>
+      </p:grpSpPr>
+      <p:sp>
+        <p:nvSpPr>
+          <p:cNvPr id="4" name="Title 1"/>
+          <p:cNvSpPr>
+            <a:spLocks noGrp="1"/>
+          </p:cNvSpPr>
+          <p:nvPr>
+            <p:ph type="title"/>
+          </p:nvPr>
+        </p:nvSpPr>
+        <p:spPr>
+          <a:xfrm>
+            <a:off x="-215153" y="51414"/>
+            <a:ext cx="13137776" cy="1325563"/>
+          </a:xfrm>
+        </p:spPr>
+        <p:txBody>
+          <a:bodyPr>
+            <a:normAutofit/>
+          </a:bodyPr>
+          <a:lstStyle/>
+          <a:p>
+            <a:pPr algn="ctr"/>
+            <a:r>
+              <a:rPr lang="id-ID" dirty="0" smtClean="0"/>
+              <a:t>Bisnis Proses yang diusulkan Pada Perhitungan </a:t>
+            </a:r>
+            <a:br>
+              <a:rPr lang="id-ID" dirty="0" smtClean="0"/>
+            </a:br>
+            <a:r>
+              <a:rPr lang="id-ID" dirty="0" smtClean="0"/>
+              <a:t>Nilai Presensi Total</a:t>
+            </a:r>
+            <a:endParaRPr lang="id-ID" dirty="0"/>
+          </a:p>
+        </p:txBody>
+      </p:sp>
+      <p:sp>
+        <p:nvSpPr>
+          <p:cNvPr id="5" name="Rectangle 2"/>
+          <p:cNvSpPr>
+            <a:spLocks noChangeArrowheads="1"/>
+          </p:cNvSpPr>
+          <p:nvPr/>
+        </p:nvSpPr>
+        <p:spPr bwMode="auto">
+          <a:xfrm>
+            <a:off x="1062715" y="1331258"/>
+            <a:ext cx="17035386" cy="45719"/>
+          </a:xfrm>
+          <a:prstGeom prst="rect">
+            <a:avLst/>
+          </a:prstGeom>
+          <a:noFill/>
+          <a:ln>
+            <a:noFill/>
+          </a:ln>
+          <a:effectLst/>
+          <a:extLst>
+            <a:ext uri="{909E8E84-426E-40DD-AFC4-6F175D3DCCD1}">
+              <a14:hiddenFill xmlns:a14="http://schemas.microsoft.com/office/drawing/2010/main">
+                <a:solidFill>
+                  <a:schemeClr val="accent1"/>
+                </a:solidFill>
+              </a14:hiddenFill>
+            </a:ext>
+            <a:ext uri="{91240B29-F687-4F45-9708-019B960494DF}">
+              <a14:hiddenLine xmlns:a14="http://schemas.microsoft.com/office/drawing/2010/main" w="9525">
+                <a:solidFill>
+                  <a:schemeClr val="tx1"/>
+                </a:solidFill>
+                <a:miter lim="800000"/>
+                <a:headEnd/>
+                <a:tailEnd/>
+              </a14:hiddenLine>
+            </a:ext>
+            <a:ext uri="{AF507438-7753-43E0-B8FC-AC1667EBCBE1}">
+              <a14:hiddenEffects xmlns:a14="http://schemas.microsoft.com/office/drawing/2010/main">
+                <a:effectLst>
+                  <a:outerShdw dist="35921" dir="2700000" algn="ctr" rotWithShape="0">
+                    <a:schemeClr val="bg2"/>
+                  </a:outerShdw>
+                </a:effectLst>
+              </a14:hiddenEffects>
+            </a:ext>
+          </a:extLst>
+        </p:spPr>
+        <p:txBody>
+          <a:bodyPr vert="horz" wrap="square" lIns="91440" tIns="45720" rIns="91440" bIns="45720" numCol="1" anchor="ctr" anchorCtr="0" compatLnSpc="1">
+            <a:prstTxWarp prst="textNoShape">
+              <a:avLst/>
+            </a:prstTxWarp>
+            <a:spAutoFit/>
+          </a:bodyPr>
+          <a:lstStyle/>
+          <a:p>
+            <a:endParaRPr lang="id-ID"/>
+          </a:p>
+        </p:txBody>
+      </p:sp>
+      <p:graphicFrame>
+        <p:nvGraphicFramePr>
+          <p:cNvPr id="6" name="Object 5"/>
+          <p:cNvGraphicFramePr>
+            <a:graphicFrameLocks noChangeAspect="1"/>
+          </p:cNvGraphicFramePr>
+          <p:nvPr>
+            <p:extLst>
+              <p:ext uri="{D42A27DB-BD31-4B8C-83A1-F6EECF244321}">
+                <p14:modId xmlns:p14="http://schemas.microsoft.com/office/powerpoint/2010/main" val="1009393565"/>
+              </p:ext>
+            </p:extLst>
+          </p:nvPr>
+        </p:nvGraphicFramePr>
+        <p:xfrm>
+          <a:off x="1479573" y="1325563"/>
+          <a:ext cx="9197391" cy="5439501"/>
+        </p:xfrm>
+        <a:graphic>
+          <a:graphicData uri="http://schemas.openxmlformats.org/presentationml/2006/ole">
+            <mc:AlternateContent xmlns:mc="http://schemas.openxmlformats.org/markup-compatibility/2006">
+              <mc:Choice xmlns:v="urn:schemas-microsoft-com:vml" Requires="v">
+                <p:oleObj spid="_x0000_s9247" name="Visio" r:id="rId3" imgW="6924542" imgH="4095666" progId="Visio.Drawing.15">
+                  <p:embed/>
+                </p:oleObj>
+              </mc:Choice>
+              <mc:Fallback>
+                <p:oleObj name="Visio" r:id="rId3" imgW="6924542" imgH="4095666" progId="Visio.Drawing.15">
+                  <p:embed/>
+                  <p:pic>
+                    <p:nvPicPr>
+                      <p:cNvPr id="0" name="Object 1"/>
+                      <p:cNvPicPr>
+                        <a:picLocks noChangeAspect="1" noChangeArrowheads="1"/>
+                      </p:cNvPicPr>
+                      <p:nvPr/>
+                    </p:nvPicPr>
+                    <p:blipFill>
+                      <a:blip r:embed="rId4">
+                        <a:extLst>
+                          <a:ext uri="{28A0092B-C50C-407E-A947-70E740481C1C}">
+                            <a14:useLocalDpi xmlns:a14="http://schemas.microsoft.com/office/drawing/2010/main" val="0"/>
+                          </a:ext>
+                        </a:extLst>
+                      </a:blip>
+                      <a:srcRect/>
+                      <a:stretch>
+                        <a:fillRect/>
+                      </a:stretch>
+                    </p:blipFill>
+                    <p:spPr bwMode="auto">
+                      <a:xfrm>
+                        <a:off x="1479573" y="1325563"/>
+                        <a:ext cx="9197391" cy="5439501"/>
+                      </a:xfrm>
+                      <a:prstGeom prst="rect">
+                        <a:avLst/>
+                      </a:prstGeom>
+                      <a:noFill/>
+                    </p:spPr>
+                  </p:pic>
+                </p:oleObj>
+              </mc:Fallback>
+            </mc:AlternateContent>
+          </a:graphicData>
+        </a:graphic>
+      </p:graphicFrame>
+    </p:spTree>
+    <p:extLst>
+      <p:ext uri="{BB962C8B-B14F-4D97-AF65-F5344CB8AC3E}">
+        <p14:creationId xmlns:p14="http://schemas.microsoft.com/office/powerpoint/2010/main" val="88669070"/>
+      </p:ext>
+    </p:extLst>
+  </p:cSld>
+  <p:clrMapOvr>
+    <a:masterClrMapping/>
+  </p:clrMapOvr>
+  <p:timing>
+    <p:tnLst>
+      <p:par>
+        <p:cTn id="1" dur="indefinite" restart="never" nodeType="tmRoot"/>
+      </p:par>
+    </p:tnLst>
+  </p:timing>
+</p:sld>
+</file>
+
+<file path=ppt/slides/slide19.xml><?xml version="1.0" encoding="utf-8"?>
+<p:sld xmlns:a="http://schemas.openxmlformats.org/drawingml/2006/main" xmlns:r="http://schemas.openxmlformats.org/officeDocument/2006/relationships" xmlns:p="http://schemas.openxmlformats.org/presentationml/2006/main">
+  <p:cSld>
+    <p:spTree>
+      <p:nvGrpSpPr>
+        <p:cNvPr id="1" name=""/>
+        <p:cNvGrpSpPr/>
+        <p:nvPr/>
+      </p:nvGrpSpPr>
+      <p:grpSpPr>
+        <a:xfrm>
+          <a:off x="0" y="0"/>
+          <a:ext cx="0" cy="0"/>
+          <a:chOff x="0" y="0"/>
+          <a:chExt cx="0" cy="0"/>
+        </a:xfrm>
+      </p:grpSpPr>
+      <p:sp>
+        <p:nvSpPr>
+          <p:cNvPr id="2" name="Title 1"/>
+          <p:cNvSpPr>
+            <a:spLocks noGrp="1"/>
+          </p:cNvSpPr>
+          <p:nvPr>
+            <p:ph type="title"/>
+          </p:nvPr>
+        </p:nvSpPr>
+        <p:spPr>
+          <a:xfrm>
+            <a:off x="3907971" y="2246176"/>
+            <a:ext cx="3511731" cy="1325563"/>
+          </a:xfrm>
+        </p:spPr>
+        <p:txBody>
+          <a:bodyPr/>
+          <a:lstStyle/>
+          <a:p>
+            <a:r>
+              <a:rPr lang="id-ID" dirty="0" smtClean="0"/>
+              <a:t>DEMO SISTEM</a:t>
+            </a:r>
+            <a:endParaRPr lang="id-ID" dirty="0"/>
+          </a:p>
+        </p:txBody>
+      </p:sp>
+    </p:spTree>
+    <p:extLst>
+      <p:ext uri="{BB962C8B-B14F-4D97-AF65-F5344CB8AC3E}">
+        <p14:creationId xmlns:p14="http://schemas.microsoft.com/office/powerpoint/2010/main" val="4027609546"/>
       </p:ext>
     </p:extLst>
   </p:cSld>
@@ -10269,395 +13796,6 @@
         </p:nvSpPr>
         <p:spPr>
           <a:xfrm>
-            <a:off x="-215153" y="51414"/>
-            <a:ext cx="13137776" cy="1325563"/>
-          </a:xfrm>
-        </p:spPr>
-        <p:txBody>
-          <a:bodyPr>
-            <a:normAutofit/>
-          </a:bodyPr>
-          <a:lstStyle/>
-          <a:p>
-            <a:pPr algn="ctr"/>
-            <a:r>
-              <a:rPr lang="id-ID" dirty="0" smtClean="0"/>
-              <a:t>Bisnis Proses yang diusulkan Pada Perhitungan </a:t>
-            </a:r>
-            <a:br>
-              <a:rPr lang="id-ID" dirty="0" smtClean="0"/>
-            </a:br>
-            <a:r>
-              <a:rPr lang="id-ID" dirty="0" smtClean="0"/>
-              <a:t>Nilai Presensi Total</a:t>
-            </a:r>
-            <a:endParaRPr lang="id-ID" dirty="0"/>
-          </a:p>
-        </p:txBody>
-      </p:sp>
-      <p:sp>
-        <p:nvSpPr>
-          <p:cNvPr id="5" name="Rectangle 2"/>
-          <p:cNvSpPr>
-            <a:spLocks noChangeArrowheads="1"/>
-          </p:cNvSpPr>
-          <p:nvPr/>
-        </p:nvSpPr>
-        <p:spPr bwMode="auto">
-          <a:xfrm>
-            <a:off x="1062715" y="1331258"/>
-            <a:ext cx="17035386" cy="45719"/>
-          </a:xfrm>
-          <a:prstGeom prst="rect">
-            <a:avLst/>
-          </a:prstGeom>
-          <a:noFill/>
-          <a:ln>
-            <a:noFill/>
-          </a:ln>
-          <a:effectLst/>
-          <a:extLst>
-            <a:ext uri="{909E8E84-426E-40DD-AFC4-6F175D3DCCD1}">
-              <a14:hiddenFill xmlns:a14="http://schemas.microsoft.com/office/drawing/2010/main">
-                <a:solidFill>
-                  <a:schemeClr val="accent1"/>
-                </a:solidFill>
-              </a14:hiddenFill>
-            </a:ext>
-            <a:ext uri="{91240B29-F687-4F45-9708-019B960494DF}">
-              <a14:hiddenLine xmlns:a14="http://schemas.microsoft.com/office/drawing/2010/main" w="9525">
-                <a:solidFill>
-                  <a:schemeClr val="tx1"/>
-                </a:solidFill>
-                <a:miter lim="800000"/>
-                <a:headEnd/>
-                <a:tailEnd/>
-              </a14:hiddenLine>
-            </a:ext>
-            <a:ext uri="{AF507438-7753-43E0-B8FC-AC1667EBCBE1}">
-              <a14:hiddenEffects xmlns:a14="http://schemas.microsoft.com/office/drawing/2010/main">
-                <a:effectLst>
-                  <a:outerShdw dist="35921" dir="2700000" algn="ctr" rotWithShape="0">
-                    <a:schemeClr val="bg2"/>
-                  </a:outerShdw>
-                </a:effectLst>
-              </a14:hiddenEffects>
-            </a:ext>
-          </a:extLst>
-        </p:spPr>
-        <p:txBody>
-          <a:bodyPr vert="horz" wrap="square" lIns="91440" tIns="45720" rIns="91440" bIns="45720" numCol="1" anchor="ctr" anchorCtr="0" compatLnSpc="1">
-            <a:prstTxWarp prst="textNoShape">
-              <a:avLst/>
-            </a:prstTxWarp>
-            <a:spAutoFit/>
-          </a:bodyPr>
-          <a:lstStyle/>
-          <a:p>
-            <a:endParaRPr lang="id-ID"/>
-          </a:p>
-        </p:txBody>
-      </p:sp>
-      <p:graphicFrame>
-        <p:nvGraphicFramePr>
-          <p:cNvPr id="6" name="Object 5"/>
-          <p:cNvGraphicFramePr>
-            <a:graphicFrameLocks noChangeAspect="1"/>
-          </p:cNvGraphicFramePr>
-          <p:nvPr>
-            <p:extLst>
-              <p:ext uri="{D42A27DB-BD31-4B8C-83A1-F6EECF244321}">
-                <p14:modId xmlns:p14="http://schemas.microsoft.com/office/powerpoint/2010/main" val="1009393565"/>
-              </p:ext>
-            </p:extLst>
-          </p:nvPr>
-        </p:nvGraphicFramePr>
-        <p:xfrm>
-          <a:off x="1479573" y="1325563"/>
-          <a:ext cx="9197391" cy="5439501"/>
-        </p:xfrm>
-        <a:graphic>
-          <a:graphicData uri="http://schemas.openxmlformats.org/presentationml/2006/ole">
-            <mc:AlternateContent xmlns:mc="http://schemas.openxmlformats.org/markup-compatibility/2006">
-              <mc:Choice xmlns:v="urn:schemas-microsoft-com:vml" Requires="v">
-                <p:oleObj spid="_x0000_s9240" name="Visio" r:id="rId3" imgW="6924542" imgH="4095666" progId="Visio.Drawing.15">
-                  <p:embed/>
-                </p:oleObj>
-              </mc:Choice>
-              <mc:Fallback>
-                <p:oleObj name="Visio" r:id="rId3" imgW="6924542" imgH="4095666" progId="Visio.Drawing.15">
-                  <p:embed/>
-                  <p:pic>
-                    <p:nvPicPr>
-                      <p:cNvPr id="0" name="Object 1"/>
-                      <p:cNvPicPr>
-                        <a:picLocks noChangeAspect="1" noChangeArrowheads="1"/>
-                      </p:cNvPicPr>
-                      <p:nvPr/>
-                    </p:nvPicPr>
-                    <p:blipFill>
-                      <a:blip r:embed="rId4">
-                        <a:extLst>
-                          <a:ext uri="{28A0092B-C50C-407E-A947-70E740481C1C}">
-                            <a14:useLocalDpi xmlns:a14="http://schemas.microsoft.com/office/drawing/2010/main" val="0"/>
-                          </a:ext>
-                        </a:extLst>
-                      </a:blip>
-                      <a:srcRect/>
-                      <a:stretch>
-                        <a:fillRect/>
-                      </a:stretch>
-                    </p:blipFill>
-                    <p:spPr bwMode="auto">
-                      <a:xfrm>
-                        <a:off x="1479573" y="1325563"/>
-                        <a:ext cx="9197391" cy="5439501"/>
-                      </a:xfrm>
-                      <a:prstGeom prst="rect">
-                        <a:avLst/>
-                      </a:prstGeom>
-                      <a:noFill/>
-                    </p:spPr>
-                  </p:pic>
-                </p:oleObj>
-              </mc:Fallback>
-            </mc:AlternateContent>
-          </a:graphicData>
-        </a:graphic>
-      </p:graphicFrame>
-    </p:spTree>
-    <p:extLst>
-      <p:ext uri="{BB962C8B-B14F-4D97-AF65-F5344CB8AC3E}">
-        <p14:creationId xmlns:p14="http://schemas.microsoft.com/office/powerpoint/2010/main" val="88669070"/>
-      </p:ext>
-    </p:extLst>
-  </p:cSld>
-  <p:clrMapOvr>
-    <a:masterClrMapping/>
-  </p:clrMapOvr>
-</p:sld>
-</file>
-
-<file path=ppt/slides/slide21.xml><?xml version="1.0" encoding="utf-8"?>
-<p:sld xmlns:a="http://schemas.openxmlformats.org/drawingml/2006/main" xmlns:r="http://schemas.openxmlformats.org/officeDocument/2006/relationships" xmlns:p="http://schemas.openxmlformats.org/presentationml/2006/main">
-  <p:cSld>
-    <p:spTree>
-      <p:nvGrpSpPr>
-        <p:cNvPr id="1" name=""/>
-        <p:cNvGrpSpPr/>
-        <p:nvPr/>
-      </p:nvGrpSpPr>
-      <p:grpSpPr>
-        <a:xfrm>
-          <a:off x="0" y="0"/>
-          <a:ext cx="0" cy="0"/>
-          <a:chOff x="0" y="0"/>
-          <a:chExt cx="0" cy="0"/>
-        </a:xfrm>
-      </p:grpSpPr>
-      <p:sp>
-        <p:nvSpPr>
-          <p:cNvPr id="4" name="Rectangle 2"/>
-          <p:cNvSpPr>
-            <a:spLocks noChangeArrowheads="1"/>
-          </p:cNvSpPr>
-          <p:nvPr/>
-        </p:nvSpPr>
-        <p:spPr bwMode="auto">
-          <a:xfrm>
-            <a:off x="484093" y="995081"/>
-            <a:ext cx="16654281" cy="45719"/>
-          </a:xfrm>
-          <a:prstGeom prst="rect">
-            <a:avLst/>
-          </a:prstGeom>
-          <a:noFill/>
-          <a:ln>
-            <a:noFill/>
-          </a:ln>
-          <a:effectLst/>
-          <a:extLst>
-            <a:ext uri="{909E8E84-426E-40DD-AFC4-6F175D3DCCD1}">
-              <a14:hiddenFill xmlns:a14="http://schemas.microsoft.com/office/drawing/2010/main">
-                <a:solidFill>
-                  <a:schemeClr val="accent1"/>
-                </a:solidFill>
-              </a14:hiddenFill>
-            </a:ext>
-            <a:ext uri="{91240B29-F687-4F45-9708-019B960494DF}">
-              <a14:hiddenLine xmlns:a14="http://schemas.microsoft.com/office/drawing/2010/main" w="9525">
-                <a:solidFill>
-                  <a:schemeClr val="tx1"/>
-                </a:solidFill>
-                <a:miter lim="800000"/>
-                <a:headEnd/>
-                <a:tailEnd/>
-              </a14:hiddenLine>
-            </a:ext>
-            <a:ext uri="{AF507438-7753-43E0-B8FC-AC1667EBCBE1}">
-              <a14:hiddenEffects xmlns:a14="http://schemas.microsoft.com/office/drawing/2010/main">
-                <a:effectLst>
-                  <a:outerShdw dist="35921" dir="2700000" algn="ctr" rotWithShape="0">
-                    <a:schemeClr val="bg2"/>
-                  </a:outerShdw>
-                </a:effectLst>
-              </a14:hiddenEffects>
-            </a:ext>
-          </a:extLst>
-        </p:spPr>
-        <p:txBody>
-          <a:bodyPr vert="horz" wrap="square" lIns="91440" tIns="45720" rIns="91440" bIns="45720" numCol="1" anchor="ctr" anchorCtr="0" compatLnSpc="1">
-            <a:prstTxWarp prst="textNoShape">
-              <a:avLst/>
-            </a:prstTxWarp>
-            <a:spAutoFit/>
-          </a:bodyPr>
-          <a:lstStyle/>
-          <a:p>
-            <a:endParaRPr lang="id-ID"/>
-          </a:p>
-        </p:txBody>
-      </p:sp>
-      <p:graphicFrame>
-        <p:nvGraphicFramePr>
-          <p:cNvPr id="5" name="Object 4"/>
-          <p:cNvGraphicFramePr>
-            <a:graphicFrameLocks noChangeAspect="1"/>
-          </p:cNvGraphicFramePr>
-          <p:nvPr>
-            <p:extLst>
-              <p:ext uri="{D42A27DB-BD31-4B8C-83A1-F6EECF244321}">
-                <p14:modId xmlns:p14="http://schemas.microsoft.com/office/powerpoint/2010/main" val="3001301097"/>
-              </p:ext>
-            </p:extLst>
-          </p:nvPr>
-        </p:nvGraphicFramePr>
-        <p:xfrm>
-          <a:off x="484094" y="995081"/>
-          <a:ext cx="10657684" cy="5708469"/>
-        </p:xfrm>
-        <a:graphic>
-          <a:graphicData uri="http://schemas.openxmlformats.org/presentationml/2006/ole">
-            <mc:AlternateContent xmlns:mc="http://schemas.openxmlformats.org/markup-compatibility/2006">
-              <mc:Choice xmlns:v="urn:schemas-microsoft-com:vml" Requires="v">
-                <p:oleObj spid="_x0000_s10262" name="Visio" r:id="rId3" imgW="6953175" imgH="3724409" progId="Visio.Drawing.15">
-                  <p:embed/>
-                </p:oleObj>
-              </mc:Choice>
-              <mc:Fallback>
-                <p:oleObj name="Visio" r:id="rId3" imgW="6953175" imgH="3724409" progId="Visio.Drawing.15">
-                  <p:embed/>
-                  <p:pic>
-                    <p:nvPicPr>
-                      <p:cNvPr id="0" name="Object 1"/>
-                      <p:cNvPicPr>
-                        <a:picLocks noChangeAspect="1" noChangeArrowheads="1"/>
-                      </p:cNvPicPr>
-                      <p:nvPr/>
-                    </p:nvPicPr>
-                    <p:blipFill>
-                      <a:blip r:embed="rId4">
-                        <a:extLst>
-                          <a:ext uri="{28A0092B-C50C-407E-A947-70E740481C1C}">
-                            <a14:useLocalDpi xmlns:a14="http://schemas.microsoft.com/office/drawing/2010/main" val="0"/>
-                          </a:ext>
-                        </a:extLst>
-                      </a:blip>
-                      <a:srcRect/>
-                      <a:stretch>
-                        <a:fillRect/>
-                      </a:stretch>
-                    </p:blipFill>
-                    <p:spPr bwMode="auto">
-                      <a:xfrm>
-                        <a:off x="484094" y="995081"/>
-                        <a:ext cx="10657684" cy="5708469"/>
-                      </a:xfrm>
-                      <a:prstGeom prst="rect">
-                        <a:avLst/>
-                      </a:prstGeom>
-                      <a:noFill/>
-                    </p:spPr>
-                  </p:pic>
-                </p:oleObj>
-              </mc:Fallback>
-            </mc:AlternateContent>
-          </a:graphicData>
-        </a:graphic>
-      </p:graphicFrame>
-      <p:sp>
-        <p:nvSpPr>
-          <p:cNvPr id="6" name="Title 1"/>
-          <p:cNvSpPr>
-            <a:spLocks noGrp="1"/>
-          </p:cNvSpPr>
-          <p:nvPr>
-            <p:ph type="title"/>
-          </p:nvPr>
-        </p:nvSpPr>
-        <p:spPr>
-          <a:xfrm>
-            <a:off x="2487706" y="107576"/>
-            <a:ext cx="6938682" cy="1081142"/>
-          </a:xfrm>
-        </p:spPr>
-        <p:txBody>
-          <a:bodyPr>
-            <a:normAutofit/>
-          </a:bodyPr>
-          <a:lstStyle/>
-          <a:p>
-            <a:pPr algn="ctr"/>
-            <a:r>
-              <a:rPr lang="id-ID" dirty="0" smtClean="0"/>
-              <a:t>Diagram Konteks</a:t>
-            </a:r>
-            <a:endParaRPr lang="id-ID" dirty="0"/>
-          </a:p>
-        </p:txBody>
-      </p:sp>
-    </p:spTree>
-    <p:extLst>
-      <p:ext uri="{BB962C8B-B14F-4D97-AF65-F5344CB8AC3E}">
-        <p14:creationId xmlns:p14="http://schemas.microsoft.com/office/powerpoint/2010/main" val="2516939181"/>
-      </p:ext>
-    </p:extLst>
-  </p:cSld>
-  <p:clrMapOvr>
-    <a:masterClrMapping/>
-  </p:clrMapOvr>
-</p:sld>
-</file>
-
-<file path=ppt/slides/slide22.xml><?xml version="1.0" encoding="utf-8"?>
-<p:sld xmlns:a="http://schemas.openxmlformats.org/drawingml/2006/main" xmlns:r="http://schemas.openxmlformats.org/officeDocument/2006/relationships" xmlns:p="http://schemas.openxmlformats.org/presentationml/2006/main">
-  <p:cSld>
-    <p:spTree>
-      <p:nvGrpSpPr>
-        <p:cNvPr id="1" name=""/>
-        <p:cNvGrpSpPr/>
-        <p:nvPr/>
-      </p:nvGrpSpPr>
-      <p:grpSpPr>
-        <a:xfrm>
-          <a:off x="0" y="0"/>
-          <a:ext cx="0" cy="0"/>
-          <a:chOff x="0" y="0"/>
-          <a:chExt cx="0" cy="0"/>
-        </a:xfrm>
-      </p:grpSpPr>
-      <p:sp>
-        <p:nvSpPr>
-          <p:cNvPr id="2" name="Title 1"/>
-          <p:cNvSpPr>
-            <a:spLocks noGrp="1"/>
-          </p:cNvSpPr>
-          <p:nvPr>
-            <p:ph type="title"/>
-          </p:nvPr>
-        </p:nvSpPr>
-        <p:spPr>
-          <a:xfrm>
             <a:off x="3907971" y="2246176"/>
             <a:ext cx="3511731" cy="1325563"/>
           </a:xfrm>
@@ -10668,7 +13806,7 @@
           <a:p>
             <a:r>
               <a:rPr lang="id-ID" dirty="0" smtClean="0"/>
-              <a:t>DEMO SISTEM</a:t>
+              <a:t>TERIMA KASIH</a:t>
             </a:r>
             <a:endParaRPr lang="id-ID" dirty="0"/>
           </a:p>
@@ -10677,13 +13815,20 @@
     </p:spTree>
     <p:extLst>
       <p:ext uri="{BB962C8B-B14F-4D97-AF65-F5344CB8AC3E}">
-        <p14:creationId xmlns:p14="http://schemas.microsoft.com/office/powerpoint/2010/main" val="4027609546"/>
+        <p14:creationId xmlns:p14="http://schemas.microsoft.com/office/powerpoint/2010/main" val="2078414243"/>
       </p:ext>
     </p:extLst>
   </p:cSld>
   <p:clrMapOvr>
     <a:masterClrMapping/>
   </p:clrMapOvr>
+  <p:timing>
+    <p:tnLst>
+      <p:par>
+        <p:cTn id="1" dur="indefinite" restart="never" nodeType="tmRoot"/>
+      </p:par>
+    </p:tnLst>
+  </p:timing>
 </p:sld>
 </file>
 
@@ -10870,24 +14015,40 @@
           <a:bodyPr/>
           <a:lstStyle/>
           <a:p>
+            <a:pPr marL="514350" indent="-514350">
+              <a:buFont typeface="+mj-lt"/>
+              <a:buAutoNum type="arabicPeriod"/>
+            </a:pPr>
             <a:r>
               <a:rPr lang="id-ID" dirty="0" smtClean="0"/>
-              <a:t>Target Perolehan Presensi</a:t>
+              <a:t>Target Perolehan Presensi dalam satu pekan</a:t>
             </a:r>
           </a:p>
           <a:p>
+            <a:pPr marL="514350" indent="-514350">
+              <a:buFont typeface="+mj-lt"/>
+              <a:buAutoNum type="arabicPeriod"/>
+            </a:pPr>
             <a:r>
               <a:rPr lang="id-ID" dirty="0" smtClean="0"/>
-              <a:t>Perolehan presensi</a:t>
+              <a:t>Jumlah perolehan presensi</a:t>
             </a:r>
           </a:p>
           <a:p>
+            <a:pPr marL="514350" indent="-514350">
+              <a:buFont typeface="+mj-lt"/>
+              <a:buAutoNum type="arabicPeriod"/>
+            </a:pPr>
             <a:r>
               <a:rPr lang="id-ID" dirty="0" smtClean="0"/>
               <a:t>Jumlah Udzur</a:t>
             </a:r>
           </a:p>
           <a:p>
+            <a:pPr marL="514350" indent="-514350">
+              <a:buFont typeface="+mj-lt"/>
+              <a:buAutoNum type="arabicPeriod"/>
+            </a:pPr>
             <a:r>
               <a:rPr lang="id-ID" dirty="0" smtClean="0"/>
               <a:t>Jadwal Kepulangan (Shalat)</a:t>
@@ -11138,7 +14299,7 @@
       </p:sp>
       <p:pic>
         <p:nvPicPr>
-          <p:cNvPr id="8" name="Picture 7"/>
+          <p:cNvPr id="3" name="Picture 2"/>
           <p:cNvPicPr>
             <a:picLocks noChangeAspect="1"/>
           </p:cNvPicPr>
@@ -11152,8 +14313,8 @@
         </p:blipFill>
         <p:spPr>
           <a:xfrm>
-            <a:off x="5612853" y="2151913"/>
-            <a:ext cx="6203658" cy="3436903"/>
+            <a:off x="5496606" y="2267959"/>
+            <a:ext cx="6403186" cy="3437040"/>
           </a:xfrm>
           <a:prstGeom prst="rect">
             <a:avLst/>
@@ -11220,58 +14381,34 @@
           </a:p>
         </p:txBody>
       </p:sp>
-      <p:sp>
-        <p:nvSpPr>
-          <p:cNvPr id="3" name="Content Placeholder 2"/>
-          <p:cNvSpPr>
-            <a:spLocks noGrp="1"/>
-          </p:cNvSpPr>
+      <p:graphicFrame>
+        <p:nvGraphicFramePr>
+          <p:cNvPr id="4" name="Content Placeholder 3"/>
+          <p:cNvGraphicFramePr>
+            <a:graphicFrameLocks/>
+          </p:cNvGraphicFramePr>
           <p:nvPr>
-            <p:ph idx="1"/>
+            <p:extLst>
+              <p:ext uri="{D42A27DB-BD31-4B8C-83A1-F6EECF244321}">
+                <p14:modId xmlns:p14="http://schemas.microsoft.com/office/powerpoint/2010/main" val="4059290210"/>
+              </p:ext>
+            </p:extLst>
           </p:nvPr>
-        </p:nvSpPr>
-        <p:spPr/>
-        <p:txBody>
-          <a:bodyPr/>
-          <a:lstStyle/>
-          <a:p>
-            <a:r>
-              <a:rPr lang="id-ID" dirty="0"/>
-              <a:t>Bagaimana menganalisis sistem informasi pengelolaan matrikulasi program </a:t>
-            </a:r>
-            <a:r>
-              <a:rPr lang="id-ID" dirty="0" smtClean="0"/>
-              <a:t>pembinaan berbasis web </a:t>
-            </a:r>
-            <a:r>
-              <a:rPr lang="id-ID" dirty="0"/>
-              <a:t>di STEI Tazkia?</a:t>
-            </a:r>
-            <a:endParaRPr lang="id-ID" dirty="0" smtClean="0"/>
-          </a:p>
-          <a:p>
-            <a:r>
-              <a:rPr lang="id-ID" dirty="0"/>
-              <a:t>Bagaimana merancang sistem informasi pengelolaan matrikulasi program pembinaan berbasis web?</a:t>
-            </a:r>
-            <a:endParaRPr lang="id-ID" dirty="0" smtClean="0"/>
-          </a:p>
-          <a:p>
-            <a:pPr lvl="0"/>
-            <a:r>
-              <a:rPr lang="id-ID" dirty="0"/>
-              <a:t>Bagaimana membangun sistem informasi pengelolaan matrikulasi program pembinaan berbasis web?</a:t>
-            </a:r>
-          </a:p>
-          <a:p>
-            <a:endParaRPr lang="id-ID" dirty="0"/>
-          </a:p>
-        </p:txBody>
-      </p:sp>
+        </p:nvGraphicFramePr>
+        <p:xfrm>
+          <a:off x="681446" y="1690688"/>
+          <a:ext cx="7434943" cy="4351338"/>
+        </p:xfrm>
+        <a:graphic>
+          <a:graphicData uri="http://schemas.openxmlformats.org/drawingml/2006/diagram">
+            <dgm:relIds xmlns:dgm="http://schemas.openxmlformats.org/drawingml/2006/diagram" xmlns:r="http://schemas.openxmlformats.org/officeDocument/2006/relationships" r:dm="rId2" r:lo="rId3" r:qs="rId4" r:cs="rId5"/>
+          </a:graphicData>
+        </a:graphic>
+      </p:graphicFrame>
     </p:spTree>
     <p:extLst>
       <p:ext uri="{BB962C8B-B14F-4D97-AF65-F5344CB8AC3E}">
-        <p14:creationId xmlns:p14="http://schemas.microsoft.com/office/powerpoint/2010/main" val="1287837400"/>
+        <p14:creationId xmlns:p14="http://schemas.microsoft.com/office/powerpoint/2010/main" val="2211895528"/>
       </p:ext>
     </p:extLst>
   </p:cSld>
@@ -11337,7 +14474,7 @@
           <p:nvPr>
             <p:extLst>
               <p:ext uri="{D42A27DB-BD31-4B8C-83A1-F6EECF244321}">
-                <p14:modId xmlns:p14="http://schemas.microsoft.com/office/powerpoint/2010/main" val="3674338272"/>
+                <p14:modId xmlns:p14="http://schemas.microsoft.com/office/powerpoint/2010/main" val="595837888"/>
               </p:ext>
             </p:extLst>
           </p:nvPr>
@@ -11447,7 +14584,7 @@
           <a:p>
             <a:r>
               <a:rPr lang="id-ID" b="1" dirty="0" smtClean="0"/>
-              <a:t>Batasan Masalah</a:t>
+              <a:t>Batasan Penelitian</a:t>
             </a:r>
             <a:endParaRPr lang="id-ID" b="1" dirty="0"/>
           </a:p>
@@ -11478,11 +14615,11 @@
             </a:r>
             <a:r>
               <a:rPr lang="id-ID" dirty="0"/>
-              <a:t>memfokuskan pada pengelolaan data kegiatan dan data presensi </a:t>
+              <a:t>memfokuskan pada pengelolaan data kegiatan </a:t>
             </a:r>
             <a:r>
               <a:rPr lang="id-ID" dirty="0" smtClean="0"/>
-              <a:t>yang dilakukan penilaian meliputi </a:t>
+              <a:t>yang menjadi penilaian meliputi </a:t>
             </a:r>
             <a:r>
               <a:rPr lang="id-ID" dirty="0"/>
